--- a/pres-source/05-mr-hadoop.pptx
+++ b/pres-source/05-mr-hadoop.pptx
@@ -232,7 +232,7 @@
             <a:fld id="{7307762F-A706-E543-A832-3C298AA3103F}" type="datetimeFigureOut">
               <a:rPr lang="en-US" smtClean="0"/>
               <a:pPr/>
-              <a:t>10/11/15</a:t>
+              <a:t>30/11/15</a:t>
             </a:fld>
             <a:endParaRPr lang="en-US" dirty="0"/>
           </a:p>
@@ -884,7 +884,7 @@
           <a:p>
             <a:fld id="{875CF0EB-321F-0749-B37A-89BBA859503C}" type="datetimeFigureOut">
               <a:rPr lang="en-US" smtClean="0"/>
-              <a:t>10/11/15</a:t>
+              <a:t>30/11/15</a:t>
             </a:fld>
             <a:endParaRPr lang="en-US"/>
           </a:p>
@@ -1088,7 +1088,7 @@
           <a:p>
             <a:fld id="{875CF0EB-321F-0749-B37A-89BBA859503C}" type="datetimeFigureOut">
               <a:rPr lang="en-US" smtClean="0"/>
-              <a:t>10/11/15</a:t>
+              <a:t>30/11/15</a:t>
             </a:fld>
             <a:endParaRPr lang="en-US"/>
           </a:p>
@@ -1282,7 +1282,7 @@
           <a:p>
             <a:fld id="{875CF0EB-321F-0749-B37A-89BBA859503C}" type="datetimeFigureOut">
               <a:rPr lang="en-US" smtClean="0"/>
-              <a:t>10/11/15</a:t>
+              <a:t>30/11/15</a:t>
             </a:fld>
             <a:endParaRPr lang="en-US"/>
           </a:p>
@@ -1552,7 +1552,7 @@
           <a:p>
             <a:fld id="{875CF0EB-321F-0749-B37A-89BBA859503C}" type="datetimeFigureOut">
               <a:rPr lang="en-US" smtClean="0"/>
-              <a:t>10/11/15</a:t>
+              <a:t>30/11/15</a:t>
             </a:fld>
             <a:endParaRPr lang="en-US"/>
           </a:p>
@@ -1864,7 +1864,7 @@
           <a:p>
             <a:fld id="{875CF0EB-321F-0749-B37A-89BBA859503C}" type="datetimeFigureOut">
               <a:rPr lang="en-US" smtClean="0"/>
-              <a:t>10/11/15</a:t>
+              <a:t>30/11/15</a:t>
             </a:fld>
             <a:endParaRPr lang="en-US"/>
           </a:p>
@@ -2310,7 +2310,7 @@
           <a:p>
             <a:fld id="{875CF0EB-321F-0749-B37A-89BBA859503C}" type="datetimeFigureOut">
               <a:rPr lang="en-US" smtClean="0"/>
-              <a:t>10/11/15</a:t>
+              <a:t>30/11/15</a:t>
             </a:fld>
             <a:endParaRPr lang="en-US"/>
           </a:p>
@@ -2452,7 +2452,7 @@
           <a:p>
             <a:fld id="{875CF0EB-321F-0749-B37A-89BBA859503C}" type="datetimeFigureOut">
               <a:rPr lang="en-US" smtClean="0"/>
-              <a:t>10/11/15</a:t>
+              <a:t>30/11/15</a:t>
             </a:fld>
             <a:endParaRPr lang="en-US"/>
           </a:p>
@@ -2571,7 +2571,7 @@
           <a:p>
             <a:fld id="{875CF0EB-321F-0749-B37A-89BBA859503C}" type="datetimeFigureOut">
               <a:rPr lang="en-US" smtClean="0"/>
-              <a:t>10/11/15</a:t>
+              <a:t>30/11/15</a:t>
             </a:fld>
             <a:endParaRPr lang="en-US"/>
           </a:p>
@@ -2872,7 +2872,7 @@
           <a:p>
             <a:fld id="{875CF0EB-321F-0749-B37A-89BBA859503C}" type="datetimeFigureOut">
               <a:rPr lang="en-US" smtClean="0"/>
-              <a:t>10/11/15</a:t>
+              <a:t>30/11/15</a:t>
             </a:fld>
             <a:endParaRPr lang="en-US"/>
           </a:p>
@@ -3149,7 +3149,7 @@
           <a:p>
             <a:fld id="{875CF0EB-321F-0749-B37A-89BBA859503C}" type="datetimeFigureOut">
               <a:rPr lang="en-US" smtClean="0"/>
-              <a:t>10/11/15</a:t>
+              <a:t>30/11/15</a:t>
             </a:fld>
             <a:endParaRPr lang="en-US"/>
           </a:p>
@@ -3345,7 +3345,7 @@
       </p:sp>
       <p:sp>
         <p:nvSpPr>
-          <p:cNvPr id="21" name="TextBox 20"/>
+          <p:cNvPr id="8" name="TextBox 7"/>
           <p:cNvSpPr txBox="1">
             <a:spLocks noChangeArrowheads="1"/>
           </p:cNvSpPr>
@@ -3353,8 +3353,8 @@
         </p:nvSpPr>
         <p:spPr bwMode="auto">
           <a:xfrm>
-            <a:off x="1046163" y="6092834"/>
-            <a:ext cx="6853158" cy="553998"/>
+            <a:off x="1168930" y="6408634"/>
+            <a:ext cx="3429144" cy="415498"/>
           </a:xfrm>
           <a:prstGeom prst="rect">
             <a:avLst/>
@@ -3526,22 +3526,22 @@
               <a:defRPr/>
             </a:pPr>
             <a:r>
-              <a:rPr lang="en-US" sz="1000" dirty="0" smtClean="0">
+              <a:rPr lang="en-US" sz="700" dirty="0" smtClean="0">
                 <a:latin typeface="Montserrat"/>
               </a:rPr>
-              <a:t>© Paul Fremantle 2015.  Licensed under the Creative Commons 4.0 BY-SA (Attribution-</a:t>
-            </a:r>
-            <a:r>
-              <a:rPr lang="en-US" sz="1000" dirty="0" err="1" smtClean="0">
+              <a:t>© Paul Fremantle 2015.  </a:t>
+            </a:r>
+            <a:r>
+              <a:rPr lang="en-US" sz="700" dirty="0" smtClean="0">
                 <a:latin typeface="Montserrat"/>
               </a:rPr>
-              <a:t>Sharealike</a:t>
-            </a:r>
-            <a:r>
-              <a:rPr lang="en-US" sz="1000" dirty="0" smtClean="0">
+              <a:t>This </a:t>
+            </a:r>
+            <a:r>
+              <a:rPr lang="en-US" sz="700" dirty="0" smtClean="0">
                 <a:latin typeface="Montserrat"/>
               </a:rPr>
-              <a:t>) license.</a:t>
+              <a:t>work is licensed under a Creative Commons</a:t>
             </a:r>
           </a:p>
           <a:p>
@@ -3549,87 +3549,84 @@
               <a:defRPr/>
             </a:pPr>
             <a:r>
-              <a:rPr lang="en-US" sz="1000" dirty="0" smtClean="0">
+              <a:rPr lang="en-US" sz="700" dirty="0" smtClean="0">
                 <a:latin typeface="Montserrat"/>
               </a:rPr>
-              <a:t>See </a:t>
-            </a:r>
-            <a:r>
-              <a:rPr lang="en-US" sz="1000" dirty="0" smtClean="0">
+              <a:t> Attribution-</a:t>
+            </a:r>
+            <a:r>
+              <a:rPr lang="en-US" sz="700" dirty="0" err="1" smtClean="0">
+                <a:latin typeface="Montserrat"/>
+              </a:rPr>
+              <a:t>NonCommercial</a:t>
+            </a:r>
+            <a:r>
+              <a:rPr lang="en-US" sz="700" dirty="0" smtClean="0">
+                <a:latin typeface="Montserrat"/>
+              </a:rPr>
+              <a:t>-</a:t>
+            </a:r>
+            <a:r>
+              <a:rPr lang="en-US" sz="700" dirty="0" err="1" smtClean="0">
+                <a:latin typeface="Montserrat"/>
+              </a:rPr>
+              <a:t>ShareAlike</a:t>
+            </a:r>
+            <a:r>
+              <a:rPr lang="en-US" sz="700" dirty="0" smtClean="0">
+                <a:latin typeface="Montserrat"/>
+              </a:rPr>
+              <a:t> 4.0 International License</a:t>
+            </a:r>
+            <a:br>
+              <a:rPr lang="en-US" sz="700" dirty="0" smtClean="0">
+                <a:latin typeface="Montserrat"/>
+              </a:rPr>
+            </a:br>
+            <a:r>
+              <a:rPr lang="en-US" sz="700" dirty="0" smtClean="0">
+                <a:latin typeface="Montserrat"/>
+              </a:rPr>
+              <a:t>See  </a:t>
+            </a:r>
+            <a:r>
+              <a:rPr lang="en-US" sz="700" dirty="0" smtClean="0">
                 <a:latin typeface="Montserrat"/>
                 <a:hlinkClick r:id="rId13"/>
               </a:rPr>
-              <a:t>http://creativecommons.org/licenses/by-sa/4.0/</a:t>
-            </a:r>
-            <a:r>
-              <a:rPr lang="en-US" sz="1000" dirty="0" smtClean="0">
+              <a:t>http://creativecommons.org/licenses/by-nc-sa/4.0/</a:t>
+            </a:r>
+            <a:r>
+              <a:rPr lang="en-US" sz="700" dirty="0" smtClean="0">
                 <a:latin typeface="Montserrat"/>
               </a:rPr>
               <a:t> </a:t>
             </a:r>
-          </a:p>
-          <a:p>
-            <a:pPr algn="l" eaLnBrk="1" hangingPunct="1">
-              <a:defRPr/>
-            </a:pPr>
-            <a:endParaRPr lang="en-US" sz="1000" dirty="0" smtClean="0">
-              <a:latin typeface="Montserrat"/>
-            </a:endParaRPr>
           </a:p>
         </p:txBody>
       </p:sp>
       <p:pic>
         <p:nvPicPr>
-          <p:cNvPr id="24" name="Picture 23"/>
+          <p:cNvPr id="9" name="Picture 8"/>
           <p:cNvPicPr>
-            <a:picLocks noChangeAspect="1" noChangeArrowheads="1"/>
+            <a:picLocks noChangeAspect="1"/>
           </p:cNvPicPr>
           <p:nvPr userDrawn="1"/>
         </p:nvPicPr>
         <p:blipFill>
-          <a:blip r:embed="rId14">
-            <a:extLst>
-              <a:ext uri="{28A0092B-C50C-407E-A947-70E740481C1C}">
-                <a14:useLocalDpi xmlns:a14="http://schemas.microsoft.com/office/drawing/2010/main" val="0"/>
-              </a:ext>
-            </a:extLst>
-          </a:blip>
-          <a:srcRect/>
+          <a:blip r:embed="rId14"/>
           <a:stretch>
             <a:fillRect/>
           </a:stretch>
         </p:blipFill>
-        <p:spPr bwMode="auto">
+        <p:spPr>
           <a:xfrm>
-            <a:off x="320764" y="6254746"/>
-            <a:ext cx="725399" cy="258097"/>
+            <a:off x="375635" y="6492098"/>
+            <a:ext cx="792765" cy="279269"/>
           </a:xfrm>
           <a:prstGeom prst="rect">
             <a:avLst/>
           </a:prstGeom>
-          <a:noFill/>
-          <a:ln>
-            <a:noFill/>
-          </a:ln>
-          <a:extLst>
-            <a:ext uri="{909E8E84-426E-40dd-AFC4-6F175D3DCCD1}">
-              <a14:hiddenFill xmlns:a14="http://schemas.microsoft.com/office/drawing/2010/main">
-                <a:solidFill>
-                  <a:srgbClr val="FFFFFF"/>
-                </a:solidFill>
-              </a14:hiddenFill>
-            </a:ext>
-            <a:ext uri="{91240B29-F687-4f45-9708-019B960494DF}">
-              <a14:hiddenLine xmlns:a14="http://schemas.microsoft.com/office/drawing/2010/main" w="9525">
-                <a:solidFill>
-                  <a:srgbClr val="000000"/>
-                </a:solidFill>
-                <a:miter lim="800000"/>
-                <a:headEnd/>
-                <a:tailEnd/>
-              </a14:hiddenLine>
-            </a:ext>
-          </a:extLst>
         </p:spPr>
       </p:pic>
     </p:spTree>

--- a/pres-source/05-mr-hadoop.pptx
+++ b/pres-source/05-mr-hadoop.pptx
@@ -232,7 +232,7 @@
             <a:fld id="{7307762F-A706-E543-A832-3C298AA3103F}" type="datetimeFigureOut">
               <a:rPr lang="en-US" smtClean="0"/>
               <a:pPr/>
-              <a:t>30/11/15</a:t>
+              <a:t>09/09/16</a:t>
             </a:fld>
             <a:endParaRPr lang="en-US" dirty="0"/>
           </a:p>
@@ -884,7 +884,7 @@
           <a:p>
             <a:fld id="{875CF0EB-321F-0749-B37A-89BBA859503C}" type="datetimeFigureOut">
               <a:rPr lang="en-US" smtClean="0"/>
-              <a:t>30/11/15</a:t>
+              <a:t>09/09/16</a:t>
             </a:fld>
             <a:endParaRPr lang="en-US"/>
           </a:p>
@@ -1088,7 +1088,7 @@
           <a:p>
             <a:fld id="{875CF0EB-321F-0749-B37A-89BBA859503C}" type="datetimeFigureOut">
               <a:rPr lang="en-US" smtClean="0"/>
-              <a:t>30/11/15</a:t>
+              <a:t>09/09/16</a:t>
             </a:fld>
             <a:endParaRPr lang="en-US"/>
           </a:p>
@@ -1282,7 +1282,7 @@
           <a:p>
             <a:fld id="{875CF0EB-321F-0749-B37A-89BBA859503C}" type="datetimeFigureOut">
               <a:rPr lang="en-US" smtClean="0"/>
-              <a:t>30/11/15</a:t>
+              <a:t>09/09/16</a:t>
             </a:fld>
             <a:endParaRPr lang="en-US"/>
           </a:p>
@@ -1552,7 +1552,7 @@
           <a:p>
             <a:fld id="{875CF0EB-321F-0749-B37A-89BBA859503C}" type="datetimeFigureOut">
               <a:rPr lang="en-US" smtClean="0"/>
-              <a:t>30/11/15</a:t>
+              <a:t>09/09/16</a:t>
             </a:fld>
             <a:endParaRPr lang="en-US"/>
           </a:p>
@@ -1864,7 +1864,7 @@
           <a:p>
             <a:fld id="{875CF0EB-321F-0749-B37A-89BBA859503C}" type="datetimeFigureOut">
               <a:rPr lang="en-US" smtClean="0"/>
-              <a:t>30/11/15</a:t>
+              <a:t>09/09/16</a:t>
             </a:fld>
             <a:endParaRPr lang="en-US"/>
           </a:p>
@@ -2310,7 +2310,7 @@
           <a:p>
             <a:fld id="{875CF0EB-321F-0749-B37A-89BBA859503C}" type="datetimeFigureOut">
               <a:rPr lang="en-US" smtClean="0"/>
-              <a:t>30/11/15</a:t>
+              <a:t>09/09/16</a:t>
             </a:fld>
             <a:endParaRPr lang="en-US"/>
           </a:p>
@@ -2452,7 +2452,7 @@
           <a:p>
             <a:fld id="{875CF0EB-321F-0749-B37A-89BBA859503C}" type="datetimeFigureOut">
               <a:rPr lang="en-US" smtClean="0"/>
-              <a:t>30/11/15</a:t>
+              <a:t>09/09/16</a:t>
             </a:fld>
             <a:endParaRPr lang="en-US"/>
           </a:p>
@@ -2571,7 +2571,7 @@
           <a:p>
             <a:fld id="{875CF0EB-321F-0749-B37A-89BBA859503C}" type="datetimeFigureOut">
               <a:rPr lang="en-US" smtClean="0"/>
-              <a:t>30/11/15</a:t>
+              <a:t>09/09/16</a:t>
             </a:fld>
             <a:endParaRPr lang="en-US"/>
           </a:p>
@@ -2872,7 +2872,7 @@
           <a:p>
             <a:fld id="{875CF0EB-321F-0749-B37A-89BBA859503C}" type="datetimeFigureOut">
               <a:rPr lang="en-US" smtClean="0"/>
-              <a:t>30/11/15</a:t>
+              <a:t>09/09/16</a:t>
             </a:fld>
             <a:endParaRPr lang="en-US"/>
           </a:p>
@@ -3149,7 +3149,7 @@
           <a:p>
             <a:fld id="{875CF0EB-321F-0749-B37A-89BBA859503C}" type="datetimeFigureOut">
               <a:rPr lang="en-US" smtClean="0"/>
-              <a:t>30/11/15</a:t>
+              <a:t>09/09/16</a:t>
             </a:fld>
             <a:endParaRPr lang="en-US"/>
           </a:p>
@@ -3529,19 +3529,7 @@
               <a:rPr lang="en-US" sz="700" dirty="0" smtClean="0">
                 <a:latin typeface="Montserrat"/>
               </a:rPr>
-              <a:t>© Paul Fremantle 2015.  </a:t>
-            </a:r>
-            <a:r>
-              <a:rPr lang="en-US" sz="700" dirty="0" smtClean="0">
-                <a:latin typeface="Montserrat"/>
-              </a:rPr>
-              <a:t>This </a:t>
-            </a:r>
-            <a:r>
-              <a:rPr lang="en-US" sz="700" dirty="0" smtClean="0">
-                <a:latin typeface="Montserrat"/>
-              </a:rPr>
-              <a:t>work is licensed under a Creative Commons</a:t>
+              <a:t>© Paul Fremantle 2015.  This work is licensed under a Creative Commons</a:t>
             </a:r>
           </a:p>
           <a:p>
@@ -9983,7 +9971,22 @@
             </a:r>
             <a:r>
               <a:rPr lang="en-US" dirty="0"/>
-              <a:t>) -&gt; list(</a:t>
+              <a:t>) -&gt; </a:t>
+            </a:r>
+            <a:r>
+              <a:rPr lang="en-US" dirty="0" smtClean="0"/>
+              <a:t/>
+            </a:r>
+            <a:br>
+              <a:rPr lang="en-US" dirty="0" smtClean="0"/>
+            </a:br>
+            <a:r>
+              <a:rPr lang="en-US" dirty="0" smtClean="0"/>
+              <a:t>list</a:t>
+            </a:r>
+            <a:r>
+              <a:rPr lang="en-US" dirty="0"/>
+              <a:t>(</a:t>
             </a:r>
             <a:r>
               <a:rPr lang="en-US" dirty="0" err="1"/>

--- a/pres-source/05-mr-hadoop.pptx
+++ b/pres-source/05-mr-hadoop.pptx
@@ -5,7 +5,7 @@
     <p:sldMasterId id="2147483648" r:id="rId1"/>
   </p:sldMasterIdLst>
   <p:notesMasterIdLst>
-    <p:notesMasterId r:id="rId38"/>
+    <p:notesMasterId r:id="rId39"/>
   </p:notesMasterIdLst>
   <p:sldIdLst>
     <p:sldId id="256" r:id="rId2"/>
@@ -13,37 +13,38 @@
     <p:sldId id="293" r:id="rId4"/>
     <p:sldId id="299" r:id="rId5"/>
     <p:sldId id="294" r:id="rId6"/>
-    <p:sldId id="297" r:id="rId7"/>
-    <p:sldId id="295" r:id="rId8"/>
-    <p:sldId id="261" r:id="rId9"/>
-    <p:sldId id="262" r:id="rId10"/>
-    <p:sldId id="259" r:id="rId11"/>
-    <p:sldId id="282" r:id="rId12"/>
-    <p:sldId id="283" r:id="rId13"/>
-    <p:sldId id="300" r:id="rId14"/>
-    <p:sldId id="260" r:id="rId15"/>
-    <p:sldId id="298" r:id="rId16"/>
-    <p:sldId id="263" r:id="rId17"/>
-    <p:sldId id="264" r:id="rId18"/>
-    <p:sldId id="265" r:id="rId19"/>
-    <p:sldId id="286" r:id="rId20"/>
-    <p:sldId id="266" r:id="rId21"/>
-    <p:sldId id="280" r:id="rId22"/>
-    <p:sldId id="267" r:id="rId23"/>
-    <p:sldId id="268" r:id="rId24"/>
-    <p:sldId id="269" r:id="rId25"/>
-    <p:sldId id="270" r:id="rId26"/>
-    <p:sldId id="281" r:id="rId27"/>
-    <p:sldId id="287" r:id="rId28"/>
-    <p:sldId id="288" r:id="rId29"/>
-    <p:sldId id="272" r:id="rId30"/>
-    <p:sldId id="289" r:id="rId31"/>
-    <p:sldId id="290" r:id="rId32"/>
-    <p:sldId id="291" r:id="rId33"/>
-    <p:sldId id="271" r:id="rId34"/>
-    <p:sldId id="292" r:id="rId35"/>
-    <p:sldId id="276" r:id="rId36"/>
-    <p:sldId id="278" r:id="rId37"/>
+    <p:sldId id="301" r:id="rId7"/>
+    <p:sldId id="297" r:id="rId8"/>
+    <p:sldId id="295" r:id="rId9"/>
+    <p:sldId id="261" r:id="rId10"/>
+    <p:sldId id="262" r:id="rId11"/>
+    <p:sldId id="259" r:id="rId12"/>
+    <p:sldId id="282" r:id="rId13"/>
+    <p:sldId id="283" r:id="rId14"/>
+    <p:sldId id="300" r:id="rId15"/>
+    <p:sldId id="260" r:id="rId16"/>
+    <p:sldId id="298" r:id="rId17"/>
+    <p:sldId id="263" r:id="rId18"/>
+    <p:sldId id="264" r:id="rId19"/>
+    <p:sldId id="265" r:id="rId20"/>
+    <p:sldId id="286" r:id="rId21"/>
+    <p:sldId id="266" r:id="rId22"/>
+    <p:sldId id="280" r:id="rId23"/>
+    <p:sldId id="267" r:id="rId24"/>
+    <p:sldId id="268" r:id="rId25"/>
+    <p:sldId id="269" r:id="rId26"/>
+    <p:sldId id="270" r:id="rId27"/>
+    <p:sldId id="281" r:id="rId28"/>
+    <p:sldId id="287" r:id="rId29"/>
+    <p:sldId id="288" r:id="rId30"/>
+    <p:sldId id="272" r:id="rId31"/>
+    <p:sldId id="289" r:id="rId32"/>
+    <p:sldId id="290" r:id="rId33"/>
+    <p:sldId id="291" r:id="rId34"/>
+    <p:sldId id="271" r:id="rId35"/>
+    <p:sldId id="292" r:id="rId36"/>
+    <p:sldId id="276" r:id="rId37"/>
+    <p:sldId id="278" r:id="rId38"/>
   </p:sldIdLst>
   <p:sldSz cx="9144000" cy="6858000" type="screen4x3"/>
   <p:notesSz cx="6858000" cy="9144000"/>
@@ -571,7 +572,7 @@
             <a:fld id="{BC39F3E1-B436-EB4D-8332-DAA0486A7B2B}" type="slidenum">
               <a:rPr lang="en-US" smtClean="0"/>
               <a:pPr/>
-              <a:t>8</a:t>
+              <a:t>9</a:t>
             </a:fld>
             <a:endParaRPr lang="en-US" dirty="0"/>
           </a:p>
@@ -4072,11 +4073,11 @@
           <a:p>
             <a:pPr eaLnBrk="1" hangingPunct="1"/>
             <a:r>
-              <a:rPr lang="en-US" dirty="0" smtClean="0">
+              <a:rPr lang="en-US" smtClean="0">
                 <a:ea typeface="ヒラギノ角ゴ ProN W3" charset="0"/>
                 <a:cs typeface="ヒラギノ角ゴ ProN W3" charset="0"/>
               </a:rPr>
-              <a:t>Nov 2015</a:t>
+              <a:t>Sep 2016</a:t>
             </a:r>
             <a:endParaRPr lang="en-US" dirty="0">
               <a:ea typeface="ヒラギノ角ゴ ProN W3" charset="0"/>
@@ -4142,21 +4143,12 @@
         </p:nvSpPr>
         <p:spPr/>
         <p:txBody>
-          <a:bodyPr>
-            <a:normAutofit fontScale="90000"/>
-          </a:bodyPr>
-          <a:lstStyle/>
-          <a:p>
-            <a:r>
-              <a:rPr lang="en-US" dirty="0" smtClean="0"/>
-              <a:t>Map Reduce example #2</a:t>
-            </a:r>
-            <a:br>
-              <a:rPr lang="en-US" dirty="0" smtClean="0"/>
-            </a:br>
-            <a:r>
-              <a:rPr lang="en-US" dirty="0" smtClean="0"/>
-              <a:t>in words</a:t>
+          <a:bodyPr/>
+          <a:lstStyle/>
+          <a:p>
+            <a:r>
+              <a:rPr lang="en-US" dirty="0" smtClean="0"/>
+              <a:t>Notice how	</a:t>
             </a:r>
             <a:endParaRPr lang="en-US" dirty="0"/>
           </a:p>
@@ -4179,80 +4171,26 @@
           <a:p>
             <a:r>
               <a:rPr lang="en-US" dirty="0" smtClean="0"/>
-              <a:t>Do a word count on 1000 books:</a:t>
-            </a:r>
-          </a:p>
-          <a:p>
+              <a:t>We could have squared each number in the stream </a:t>
+            </a:r>
+            <a:r>
+              <a:rPr lang="en-US" b="1" i="1" dirty="0" smtClean="0"/>
+              <a:t>at the same time</a:t>
+            </a:r>
+          </a:p>
+          <a:p>
+            <a:r>
+              <a:rPr lang="en-US" dirty="0" smtClean="0"/>
+              <a:t>Adding them up needed all the results available</a:t>
+            </a:r>
             <a:endParaRPr lang="en-US" dirty="0"/>
-          </a:p>
-          <a:p>
-            <a:pPr lvl="1"/>
-            <a:r>
-              <a:rPr lang="en-US" dirty="0" smtClean="0"/>
-              <a:t>First count each book</a:t>
-            </a:r>
-            <a:r>
-              <a:rPr lang="en-US" dirty="0"/>
-              <a:t> </a:t>
-            </a:r>
-            <a:r>
-              <a:rPr lang="en-US" dirty="0" smtClean="0"/>
-              <a:t>(</a:t>
-            </a:r>
-            <a:r>
-              <a:rPr lang="en-US" b="1" dirty="0" smtClean="0"/>
-              <a:t>map</a:t>
-            </a:r>
-            <a:r>
-              <a:rPr lang="en-US" dirty="0" smtClean="0"/>
-              <a:t> </a:t>
-            </a:r>
-            <a:r>
-              <a:rPr lang="en-US" dirty="0" err="1" smtClean="0"/>
-              <a:t>wc</a:t>
-            </a:r>
-            <a:r>
-              <a:rPr lang="en-US" dirty="0" smtClean="0"/>
-              <a:t> onto book)</a:t>
-            </a:r>
-          </a:p>
-          <a:p>
-            <a:pPr lvl="1"/>
-            <a:endParaRPr lang="en-US" dirty="0"/>
-          </a:p>
-          <a:p>
-            <a:pPr lvl="1"/>
-            <a:r>
-              <a:rPr lang="en-US" dirty="0" smtClean="0"/>
-              <a:t>Then </a:t>
-            </a:r>
-            <a:r>
-              <a:rPr lang="en-US" b="1" dirty="0" smtClean="0"/>
-              <a:t>reduce</a:t>
-            </a:r>
-            <a:r>
-              <a:rPr lang="en-US" dirty="0" smtClean="0"/>
-              <a:t> the outputs to a global </a:t>
-            </a:r>
-            <a:r>
-              <a:rPr lang="en-US" dirty="0" err="1" smtClean="0"/>
-              <a:t>wordcount</a:t>
-            </a:r>
-            <a:r>
-              <a:rPr lang="en-US" dirty="0" smtClean="0"/>
-              <a:t> across all books</a:t>
-            </a:r>
-          </a:p>
-          <a:p>
-            <a:pPr lvl="2"/>
-            <a:endParaRPr lang="en-US" dirty="0" smtClean="0"/>
           </a:p>
         </p:txBody>
       </p:sp>
     </p:spTree>
     <p:extLst>
       <p:ext uri="{BB962C8B-B14F-4D97-AF65-F5344CB8AC3E}">
-        <p14:creationId xmlns:p14="http://schemas.microsoft.com/office/powerpoint/2010/main" val="3597497257"/>
+        <p14:creationId xmlns:p14="http://schemas.microsoft.com/office/powerpoint/2010/main" val="3942600109"/>
       </p:ext>
     </p:extLst>
   </p:cSld>
@@ -4292,6 +4230,155 @@
         <p:spPr/>
         <p:txBody>
           <a:bodyPr>
+            <a:normAutofit fontScale="90000"/>
+          </a:bodyPr>
+          <a:lstStyle/>
+          <a:p>
+            <a:r>
+              <a:rPr lang="en-US" dirty="0" smtClean="0"/>
+              <a:t>Map Reduce example #2</a:t>
+            </a:r>
+            <a:br>
+              <a:rPr lang="en-US" dirty="0" smtClean="0"/>
+            </a:br>
+            <a:r>
+              <a:rPr lang="en-US" dirty="0" smtClean="0"/>
+              <a:t>in words</a:t>
+            </a:r>
+            <a:endParaRPr lang="en-US" dirty="0"/>
+          </a:p>
+        </p:txBody>
+      </p:sp>
+      <p:sp>
+        <p:nvSpPr>
+          <p:cNvPr id="3" name="Content Placeholder 2"/>
+          <p:cNvSpPr>
+            <a:spLocks noGrp="1"/>
+          </p:cNvSpPr>
+          <p:nvPr>
+            <p:ph idx="1"/>
+          </p:nvPr>
+        </p:nvSpPr>
+        <p:spPr/>
+        <p:txBody>
+          <a:bodyPr/>
+          <a:lstStyle/>
+          <a:p>
+            <a:r>
+              <a:rPr lang="en-US" dirty="0" smtClean="0"/>
+              <a:t>Do a word count on 1000 books:</a:t>
+            </a:r>
+          </a:p>
+          <a:p>
+            <a:endParaRPr lang="en-US" dirty="0"/>
+          </a:p>
+          <a:p>
+            <a:pPr lvl="1"/>
+            <a:r>
+              <a:rPr lang="en-US" dirty="0" smtClean="0"/>
+              <a:t>First count each book</a:t>
+            </a:r>
+            <a:r>
+              <a:rPr lang="en-US" dirty="0"/>
+              <a:t> </a:t>
+            </a:r>
+            <a:r>
+              <a:rPr lang="en-US" dirty="0" smtClean="0"/>
+              <a:t>(</a:t>
+            </a:r>
+            <a:r>
+              <a:rPr lang="en-US" b="1" dirty="0" smtClean="0"/>
+              <a:t>map</a:t>
+            </a:r>
+            <a:r>
+              <a:rPr lang="en-US" dirty="0" smtClean="0"/>
+              <a:t> </a:t>
+            </a:r>
+            <a:r>
+              <a:rPr lang="en-US" dirty="0" err="1" smtClean="0"/>
+              <a:t>wc</a:t>
+            </a:r>
+            <a:r>
+              <a:rPr lang="en-US" dirty="0" smtClean="0"/>
+              <a:t> onto book)</a:t>
+            </a:r>
+          </a:p>
+          <a:p>
+            <a:pPr lvl="1"/>
+            <a:endParaRPr lang="en-US" dirty="0"/>
+          </a:p>
+          <a:p>
+            <a:pPr lvl="1"/>
+            <a:r>
+              <a:rPr lang="en-US" dirty="0" smtClean="0"/>
+              <a:t>Then </a:t>
+            </a:r>
+            <a:r>
+              <a:rPr lang="en-US" b="1" dirty="0" smtClean="0"/>
+              <a:t>reduce</a:t>
+            </a:r>
+            <a:r>
+              <a:rPr lang="en-US" dirty="0" smtClean="0"/>
+              <a:t> the outputs to a global </a:t>
+            </a:r>
+            <a:r>
+              <a:rPr lang="en-US" dirty="0" err="1" smtClean="0"/>
+              <a:t>wordcount</a:t>
+            </a:r>
+            <a:r>
+              <a:rPr lang="en-US" dirty="0" smtClean="0"/>
+              <a:t> across all books</a:t>
+            </a:r>
+          </a:p>
+          <a:p>
+            <a:pPr lvl="2"/>
+            <a:endParaRPr lang="en-US" dirty="0" smtClean="0"/>
+          </a:p>
+        </p:txBody>
+      </p:sp>
+    </p:spTree>
+    <p:extLst>
+      <p:ext uri="{BB962C8B-B14F-4D97-AF65-F5344CB8AC3E}">
+        <p14:creationId xmlns:p14="http://schemas.microsoft.com/office/powerpoint/2010/main" val="3597497257"/>
+      </p:ext>
+    </p:extLst>
+  </p:cSld>
+  <p:clrMapOvr>
+    <a:masterClrMapping/>
+  </p:clrMapOvr>
+</p:sld>
+</file>
+
+<file path=ppt/slides/slide12.xml><?xml version="1.0" encoding="utf-8"?>
+<p:sld xmlns:a="http://schemas.openxmlformats.org/drawingml/2006/main" xmlns:r="http://schemas.openxmlformats.org/officeDocument/2006/relationships" xmlns:p="http://schemas.openxmlformats.org/presentationml/2006/main">
+  <p:cSld>
+    <p:spTree>
+      <p:nvGrpSpPr>
+        <p:cNvPr id="1" name=""/>
+        <p:cNvGrpSpPr/>
+        <p:nvPr/>
+      </p:nvGrpSpPr>
+      <p:grpSpPr>
+        <a:xfrm>
+          <a:off x="0" y="0"/>
+          <a:ext cx="0" cy="0"/>
+          <a:chOff x="0" y="0"/>
+          <a:chExt cx="0" cy="0"/>
+        </a:xfrm>
+      </p:grpSpPr>
+      <p:sp>
+        <p:nvSpPr>
+          <p:cNvPr id="2" name="Title 1"/>
+          <p:cNvSpPr>
+            <a:spLocks noGrp="1"/>
+          </p:cNvSpPr>
+          <p:nvPr>
+            <p:ph type="title"/>
+          </p:nvPr>
+        </p:nvSpPr>
+        <p:spPr/>
+        <p:txBody>
+          <a:bodyPr>
             <a:normAutofit/>
           </a:bodyPr>
           <a:lstStyle/>
@@ -4385,7 +4472,7 @@
 </p:sld>
 </file>
 
-<file path=ppt/slides/slide12.xml><?xml version="1.0" encoding="utf-8"?>
+<file path=ppt/slides/slide13.xml><?xml version="1.0" encoding="utf-8"?>
 <p:sld xmlns:a="http://schemas.openxmlformats.org/drawingml/2006/main" xmlns:r="http://schemas.openxmlformats.org/officeDocument/2006/relationships" xmlns:p="http://schemas.openxmlformats.org/presentationml/2006/main">
   <p:cSld>
     <p:spTree>
@@ -4462,7 +4549,7 @@
 </p:sld>
 </file>
 
-<file path=ppt/slides/slide13.xml><?xml version="1.0" encoding="utf-8"?>
+<file path=ppt/slides/slide14.xml><?xml version="1.0" encoding="utf-8"?>
 <p:sld xmlns:a="http://schemas.openxmlformats.org/drawingml/2006/main" xmlns:r="http://schemas.openxmlformats.org/officeDocument/2006/relationships" xmlns:p="http://schemas.openxmlformats.org/presentationml/2006/main">
   <p:cSld>
     <p:spTree>
@@ -4535,162 +4622,6 @@
 </p:sld>
 </file>
 
-<file path=ppt/slides/slide14.xml><?xml version="1.0" encoding="utf-8"?>
-<p:sld xmlns:a="http://schemas.openxmlformats.org/drawingml/2006/main" xmlns:r="http://schemas.openxmlformats.org/officeDocument/2006/relationships" xmlns:p="http://schemas.openxmlformats.org/presentationml/2006/main">
-  <p:cSld>
-    <p:spTree>
-      <p:nvGrpSpPr>
-        <p:cNvPr id="1" name=""/>
-        <p:cNvGrpSpPr/>
-        <p:nvPr/>
-      </p:nvGrpSpPr>
-      <p:grpSpPr>
-        <a:xfrm>
-          <a:off x="0" y="0"/>
-          <a:ext cx="0" cy="0"/>
-          <a:chOff x="0" y="0"/>
-          <a:chExt cx="0" cy="0"/>
-        </a:xfrm>
-      </p:grpSpPr>
-      <p:sp>
-        <p:nvSpPr>
-          <p:cNvPr id="2" name="Title 1"/>
-          <p:cNvSpPr>
-            <a:spLocks noGrp="1"/>
-          </p:cNvSpPr>
-          <p:nvPr>
-            <p:ph type="title"/>
-          </p:nvPr>
-        </p:nvSpPr>
-        <p:spPr/>
-        <p:txBody>
-          <a:bodyPr/>
-          <a:lstStyle/>
-          <a:p>
-            <a:r>
-              <a:rPr lang="en-US" dirty="0" smtClean="0"/>
-              <a:t>Map Reduce in Real Life</a:t>
-            </a:r>
-            <a:endParaRPr lang="en-US" dirty="0"/>
-          </a:p>
-        </p:txBody>
-      </p:sp>
-      <p:sp>
-        <p:nvSpPr>
-          <p:cNvPr id="3" name="Content Placeholder 2"/>
-          <p:cNvSpPr>
-            <a:spLocks noGrp="1"/>
-          </p:cNvSpPr>
-          <p:nvPr>
-            <p:ph idx="1"/>
-          </p:nvPr>
-        </p:nvSpPr>
-        <p:spPr/>
-        <p:txBody>
-          <a:bodyPr>
-            <a:normAutofit lnSpcReduction="10000"/>
-          </a:bodyPr>
-          <a:lstStyle/>
-          <a:p>
-            <a:r>
-              <a:rPr lang="en-US" dirty="0" err="1" smtClean="0"/>
-              <a:t>Analysing</a:t>
-            </a:r>
-            <a:r>
-              <a:rPr lang="en-US" dirty="0" smtClean="0"/>
-              <a:t> web logs</a:t>
-            </a:r>
-          </a:p>
-          <a:p>
-            <a:pPr lvl="1"/>
-            <a:r>
-              <a:rPr lang="en-US" dirty="0" err="1" smtClean="0"/>
-              <a:t>Summarise</a:t>
-            </a:r>
-            <a:r>
-              <a:rPr lang="en-US" dirty="0" smtClean="0"/>
-              <a:t> by user / cookie</a:t>
-            </a:r>
-          </a:p>
-          <a:p>
-            <a:pPr lvl="1"/>
-            <a:r>
-              <a:rPr lang="en-US" dirty="0" smtClean="0"/>
-              <a:t>Then aggregate to identify who did what</a:t>
-            </a:r>
-          </a:p>
-          <a:p>
-            <a:r>
-              <a:rPr lang="en-US" dirty="0" err="1" smtClean="0"/>
-              <a:t>Analysing</a:t>
-            </a:r>
-            <a:r>
-              <a:rPr lang="en-US" dirty="0" smtClean="0"/>
-              <a:t> twitter data</a:t>
-            </a:r>
-          </a:p>
-          <a:p>
-            <a:pPr lvl="1"/>
-            <a:r>
-              <a:rPr lang="en-US" dirty="0" smtClean="0"/>
-              <a:t>Who </a:t>
-            </a:r>
-            <a:r>
-              <a:rPr lang="en-US" dirty="0" err="1" smtClean="0"/>
-              <a:t>retweeted</a:t>
-            </a:r>
-            <a:endParaRPr lang="en-US" dirty="0" smtClean="0"/>
-          </a:p>
-          <a:p>
-            <a:pPr lvl="1"/>
-            <a:r>
-              <a:rPr lang="en-US" dirty="0" smtClean="0"/>
-              <a:t>Who was </a:t>
-            </a:r>
-            <a:r>
-              <a:rPr lang="en-US" dirty="0" err="1" smtClean="0"/>
-              <a:t>retweeted</a:t>
-            </a:r>
-            <a:r>
-              <a:rPr lang="en-US" dirty="0" smtClean="0"/>
-              <a:t> the most</a:t>
-            </a:r>
-          </a:p>
-          <a:p>
-            <a:r>
-              <a:rPr lang="en-US" dirty="0" smtClean="0"/>
-              <a:t>Almost all big data problems can be re-factored into Map Reduce</a:t>
-            </a:r>
-          </a:p>
-          <a:p>
-            <a:pPr lvl="1"/>
-            <a:r>
-              <a:rPr lang="en-US" dirty="0" smtClean="0"/>
-              <a:t>Some more efficiently than others</a:t>
-            </a:r>
-          </a:p>
-          <a:p>
-            <a:endParaRPr lang="en-US" dirty="0" smtClean="0"/>
-          </a:p>
-          <a:p>
-            <a:pPr lvl="1"/>
-            <a:endParaRPr lang="en-US" dirty="0"/>
-          </a:p>
-        </p:txBody>
-      </p:sp>
-    </p:spTree>
-    <p:extLst>
-      <p:ext uri="{BB962C8B-B14F-4D97-AF65-F5344CB8AC3E}">
-        <p14:creationId xmlns:p14="http://schemas.microsoft.com/office/powerpoint/2010/main" val="2467033703"/>
-      </p:ext>
-    </p:extLst>
-  </p:cSld>
-  <p:clrMapOvr>
-    <a:masterClrMapping/>
-  </p:clrMapOvr>
-</p:sld>
-</file>
-
 <file path=ppt/slides/slide15.xml><?xml version="1.0" encoding="utf-8"?>
 <p:sld xmlns:a="http://schemas.openxmlformats.org/drawingml/2006/main" xmlns:r="http://schemas.openxmlformats.org/officeDocument/2006/relationships" xmlns:p="http://schemas.openxmlformats.org/presentationml/2006/main">
   <p:cSld>
@@ -4725,7 +4656,7 @@
           <a:p>
             <a:r>
               <a:rPr lang="en-US" dirty="0" smtClean="0"/>
-              <a:t>Tuning</a:t>
+              <a:t>Map Reduce in Real Life</a:t>
             </a:r>
             <a:endParaRPr lang="en-US" dirty="0"/>
           </a:p>
@@ -4743,41 +4674,93 @@
         </p:nvSpPr>
         <p:spPr/>
         <p:txBody>
-          <a:bodyPr/>
-          <a:lstStyle/>
-          <a:p>
-            <a:r>
-              <a:rPr lang="en-US" dirty="0" smtClean="0"/>
-              <a:t>Fault tolerance</a:t>
+          <a:bodyPr>
+            <a:normAutofit lnSpcReduction="10000"/>
+          </a:bodyPr>
+          <a:lstStyle/>
+          <a:p>
+            <a:r>
+              <a:rPr lang="en-US" dirty="0" err="1" smtClean="0"/>
+              <a:t>Analysing</a:t>
+            </a:r>
+            <a:r>
+              <a:rPr lang="en-US" dirty="0" smtClean="0"/>
+              <a:t> web logs</a:t>
             </a:r>
           </a:p>
           <a:p>
             <a:pPr lvl="1"/>
             <a:r>
-              <a:rPr lang="en-US" dirty="0" smtClean="0"/>
-              <a:t>Simply re-execute work that fails</a:t>
-            </a:r>
-          </a:p>
-          <a:p>
-            <a:r>
-              <a:rPr lang="en-US" dirty="0" smtClean="0"/>
-              <a:t>Performance:</a:t>
-            </a:r>
-            <a:endParaRPr lang="en-US" dirty="0"/>
+              <a:rPr lang="en-US" dirty="0" err="1" smtClean="0"/>
+              <a:t>Summarise</a:t>
+            </a:r>
+            <a:r>
+              <a:rPr lang="en-US" dirty="0" smtClean="0"/>
+              <a:t> by user / cookie</a:t>
+            </a:r>
           </a:p>
           <a:p>
             <a:pPr lvl="1"/>
             <a:r>
               <a:rPr lang="en-US" dirty="0" smtClean="0"/>
-              <a:t>Partitioning the data </a:t>
+              <a:t>Then aggregate to identify who did what</a:t>
+            </a:r>
+          </a:p>
+          <a:p>
+            <a:r>
+              <a:rPr lang="en-US" dirty="0" err="1" smtClean="0"/>
+              <a:t>Analysing</a:t>
+            </a:r>
+            <a:r>
+              <a:rPr lang="en-US" dirty="0" smtClean="0"/>
+              <a:t> twitter data</a:t>
             </a:r>
           </a:p>
           <a:p>
             <a:pPr lvl="1"/>
             <a:r>
               <a:rPr lang="en-US" dirty="0" smtClean="0"/>
-              <a:t>Moving the work to near the data</a:t>
-            </a:r>
+              <a:t>Who </a:t>
+            </a:r>
+            <a:r>
+              <a:rPr lang="en-US" dirty="0" err="1" smtClean="0"/>
+              <a:t>retweeted</a:t>
+            </a:r>
+            <a:endParaRPr lang="en-US" dirty="0" smtClean="0"/>
+          </a:p>
+          <a:p>
+            <a:pPr lvl="1"/>
+            <a:r>
+              <a:rPr lang="en-US" dirty="0" smtClean="0"/>
+              <a:t>Who was </a:t>
+            </a:r>
+            <a:r>
+              <a:rPr lang="en-US" dirty="0" err="1" smtClean="0"/>
+              <a:t>retweeted</a:t>
+            </a:r>
+            <a:r>
+              <a:rPr lang="en-US" dirty="0" smtClean="0"/>
+              <a:t> the most</a:t>
+            </a:r>
+          </a:p>
+          <a:p>
+            <a:r>
+              <a:rPr lang="en-US" dirty="0" smtClean="0"/>
+              <a:t>Almost all big data problems can be re-factored into Map Reduce</a:t>
+            </a:r>
+          </a:p>
+          <a:p>
+            <a:pPr lvl="1"/>
+            <a:r>
+              <a:rPr lang="en-US" dirty="0" smtClean="0"/>
+              <a:t>Some more efficiently than others</a:t>
+            </a:r>
+          </a:p>
+          <a:p>
+            <a:endParaRPr lang="en-US" dirty="0" smtClean="0"/>
+          </a:p>
+          <a:p>
+            <a:pPr lvl="1"/>
             <a:endParaRPr lang="en-US" dirty="0"/>
           </a:p>
         </p:txBody>
@@ -4785,7 +4768,7 @@
     </p:spTree>
     <p:extLst>
       <p:ext uri="{BB962C8B-B14F-4D97-AF65-F5344CB8AC3E}">
-        <p14:creationId xmlns:p14="http://schemas.microsoft.com/office/powerpoint/2010/main" val="1992076754"/>
+        <p14:creationId xmlns:p14="http://schemas.microsoft.com/office/powerpoint/2010/main" val="2467033703"/>
       </p:ext>
     </p:extLst>
   </p:cSld>
@@ -4829,11 +4812,7 @@
           <a:p>
             <a:r>
               <a:rPr lang="en-US" dirty="0" smtClean="0"/>
-              <a:t>Apache </a:t>
-            </a:r>
-            <a:r>
-              <a:rPr lang="en-US" dirty="0" err="1" smtClean="0"/>
-              <a:t>Hadoop</a:t>
+              <a:t>Tuning</a:t>
             </a:r>
             <a:endParaRPr lang="en-US" dirty="0"/>
           </a:p>
@@ -4851,64 +4830,40 @@
         </p:nvSpPr>
         <p:spPr/>
         <p:txBody>
-          <a:bodyPr>
-            <a:normAutofit lnSpcReduction="10000"/>
-          </a:bodyPr>
-          <a:lstStyle/>
-          <a:p>
-            <a:r>
-              <a:rPr lang="en-US" dirty="0" smtClean="0"/>
-              <a:t>The most famous and popular </a:t>
-            </a:r>
-            <a:br>
-              <a:rPr lang="en-US" dirty="0" smtClean="0"/>
-            </a:br>
-            <a:r>
-              <a:rPr lang="en-US" dirty="0" smtClean="0"/>
-              <a:t>Map Reduce framework</a:t>
+          <a:bodyPr/>
+          <a:lstStyle/>
+          <a:p>
+            <a:r>
+              <a:rPr lang="en-US" dirty="0" smtClean="0"/>
+              <a:t>Fault tolerance</a:t>
             </a:r>
           </a:p>
           <a:p>
             <a:pPr lvl="1"/>
             <a:r>
               <a:rPr lang="en-US" dirty="0" smtClean="0"/>
-              <a:t>Open Source</a:t>
-            </a:r>
-          </a:p>
-          <a:p>
-            <a:pPr lvl="2"/>
-            <a:r>
-              <a:rPr lang="en-US" dirty="0" smtClean="0"/>
-              <a:t>Written in Java, but supports other languages</a:t>
-            </a:r>
+              <a:t>Simply re-execute work that fails</a:t>
+            </a:r>
+          </a:p>
+          <a:p>
+            <a:r>
+              <a:rPr lang="en-US" dirty="0" smtClean="0"/>
+              <a:t>Performance:</a:t>
+            </a:r>
+            <a:endParaRPr lang="en-US" dirty="0"/>
           </a:p>
           <a:p>
             <a:pPr lvl="1"/>
             <a:r>
               <a:rPr lang="en-US" dirty="0" smtClean="0"/>
-              <a:t>Runs Map Reduce workloads across a cloud or cluster of machines</a:t>
+              <a:t>Partitioning the data </a:t>
             </a:r>
           </a:p>
           <a:p>
             <a:pPr lvl="1"/>
             <a:r>
               <a:rPr lang="en-US" dirty="0" smtClean="0"/>
-              <a:t>Supports a distributed </a:t>
-            </a:r>
-            <a:r>
-              <a:rPr lang="en-US" dirty="0" err="1" smtClean="0"/>
-              <a:t>filesystem</a:t>
-            </a:r>
-            <a:r>
-              <a:rPr lang="en-US" dirty="0" smtClean="0"/>
-              <a:t> to store data for these jobs</a:t>
-            </a:r>
-          </a:p>
-          <a:p>
-            <a:pPr lvl="1"/>
-            <a:r>
-              <a:rPr lang="en-US" dirty="0" smtClean="0"/>
-              <a:t>Provides reliability when servers in the cluster fail</a:t>
+              <a:t>Moving the work to near the data</a:t>
             </a:r>
             <a:endParaRPr lang="en-US" dirty="0"/>
           </a:p>
@@ -4917,7 +4872,7 @@
     </p:spTree>
     <p:extLst>
       <p:ext uri="{BB962C8B-B14F-4D97-AF65-F5344CB8AC3E}">
-        <p14:creationId xmlns:p14="http://schemas.microsoft.com/office/powerpoint/2010/main" val="889996596"/>
+        <p14:creationId xmlns:p14="http://schemas.microsoft.com/office/powerpoint/2010/main" val="1992076754"/>
       </p:ext>
     </p:extLst>
   </p:cSld>
@@ -4961,6 +4916,138 @@
           <a:p>
             <a:r>
               <a:rPr lang="en-US" dirty="0" smtClean="0"/>
+              <a:t>Apache </a:t>
+            </a:r>
+            <a:r>
+              <a:rPr lang="en-US" dirty="0" err="1" smtClean="0"/>
+              <a:t>Hadoop</a:t>
+            </a:r>
+            <a:endParaRPr lang="en-US" dirty="0"/>
+          </a:p>
+        </p:txBody>
+      </p:sp>
+      <p:sp>
+        <p:nvSpPr>
+          <p:cNvPr id="3" name="Content Placeholder 2"/>
+          <p:cNvSpPr>
+            <a:spLocks noGrp="1"/>
+          </p:cNvSpPr>
+          <p:nvPr>
+            <p:ph idx="1"/>
+          </p:nvPr>
+        </p:nvSpPr>
+        <p:spPr/>
+        <p:txBody>
+          <a:bodyPr>
+            <a:normAutofit lnSpcReduction="10000"/>
+          </a:bodyPr>
+          <a:lstStyle/>
+          <a:p>
+            <a:r>
+              <a:rPr lang="en-US" dirty="0" smtClean="0"/>
+              <a:t>The most famous and popular </a:t>
+            </a:r>
+            <a:br>
+              <a:rPr lang="en-US" dirty="0" smtClean="0"/>
+            </a:br>
+            <a:r>
+              <a:rPr lang="en-US" dirty="0" smtClean="0"/>
+              <a:t>Map Reduce framework</a:t>
+            </a:r>
+          </a:p>
+          <a:p>
+            <a:pPr lvl="1"/>
+            <a:r>
+              <a:rPr lang="en-US" dirty="0" smtClean="0"/>
+              <a:t>Open Source</a:t>
+            </a:r>
+          </a:p>
+          <a:p>
+            <a:pPr lvl="2"/>
+            <a:r>
+              <a:rPr lang="en-US" dirty="0" smtClean="0"/>
+              <a:t>Written in Java, but supports other languages</a:t>
+            </a:r>
+          </a:p>
+          <a:p>
+            <a:pPr lvl="1"/>
+            <a:r>
+              <a:rPr lang="en-US" dirty="0" smtClean="0"/>
+              <a:t>Runs Map Reduce workloads across a cloud or cluster of machines</a:t>
+            </a:r>
+          </a:p>
+          <a:p>
+            <a:pPr lvl="1"/>
+            <a:r>
+              <a:rPr lang="en-US" dirty="0" smtClean="0"/>
+              <a:t>Supports a distributed </a:t>
+            </a:r>
+            <a:r>
+              <a:rPr lang="en-US" dirty="0" err="1" smtClean="0"/>
+              <a:t>filesystem</a:t>
+            </a:r>
+            <a:r>
+              <a:rPr lang="en-US" dirty="0" smtClean="0"/>
+              <a:t> to store data for these jobs</a:t>
+            </a:r>
+          </a:p>
+          <a:p>
+            <a:pPr lvl="1"/>
+            <a:r>
+              <a:rPr lang="en-US" dirty="0" smtClean="0"/>
+              <a:t>Provides reliability when servers in the cluster fail</a:t>
+            </a:r>
+            <a:endParaRPr lang="en-US" dirty="0"/>
+          </a:p>
+        </p:txBody>
+      </p:sp>
+    </p:spTree>
+    <p:extLst>
+      <p:ext uri="{BB962C8B-B14F-4D97-AF65-F5344CB8AC3E}">
+        <p14:creationId xmlns:p14="http://schemas.microsoft.com/office/powerpoint/2010/main" val="889996596"/>
+      </p:ext>
+    </p:extLst>
+  </p:cSld>
+  <p:clrMapOvr>
+    <a:masterClrMapping/>
+  </p:clrMapOvr>
+</p:sld>
+</file>
+
+<file path=ppt/slides/slide18.xml><?xml version="1.0" encoding="utf-8"?>
+<p:sld xmlns:a="http://schemas.openxmlformats.org/drawingml/2006/main" xmlns:r="http://schemas.openxmlformats.org/officeDocument/2006/relationships" xmlns:p="http://schemas.openxmlformats.org/presentationml/2006/main">
+  <p:cSld>
+    <p:spTree>
+      <p:nvGrpSpPr>
+        <p:cNvPr id="1" name=""/>
+        <p:cNvGrpSpPr/>
+        <p:nvPr/>
+      </p:nvGrpSpPr>
+      <p:grpSpPr>
+        <a:xfrm>
+          <a:off x="0" y="0"/>
+          <a:ext cx="0" cy="0"/>
+          <a:chOff x="0" y="0"/>
+          <a:chExt cx="0" cy="0"/>
+        </a:xfrm>
+      </p:grpSpPr>
+      <p:sp>
+        <p:nvSpPr>
+          <p:cNvPr id="2" name="Title 1"/>
+          <p:cNvSpPr>
+            <a:spLocks noGrp="1"/>
+          </p:cNvSpPr>
+          <p:nvPr>
+            <p:ph type="title"/>
+          </p:nvPr>
+        </p:nvSpPr>
+        <p:spPr/>
+        <p:txBody>
+          <a:bodyPr/>
+          <a:lstStyle/>
+          <a:p>
+            <a:r>
+              <a:rPr lang="en-US" dirty="0" smtClean="0"/>
               <a:t>Components of </a:t>
             </a:r>
             <a:r>
@@ -5153,7 +5240,7 @@
 </p:sld>
 </file>
 
-<file path=ppt/slides/slide18.xml><?xml version="1.0" encoding="utf-8"?>
+<file path=ppt/slides/slide19.xml><?xml version="1.0" encoding="utf-8"?>
 <p:sld xmlns:a="http://schemas.openxmlformats.org/drawingml/2006/main" xmlns:r="http://schemas.openxmlformats.org/officeDocument/2006/relationships" xmlns:p="http://schemas.openxmlformats.org/presentationml/2006/main">
   <p:cSld>
     <p:spTree>
@@ -5894,136 +5981,6 @@
 </p:sld>
 </file>
 
-<file path=ppt/slides/slide19.xml><?xml version="1.0" encoding="utf-8"?>
-<p:sld xmlns:a="http://schemas.openxmlformats.org/drawingml/2006/main" xmlns:r="http://schemas.openxmlformats.org/officeDocument/2006/relationships" xmlns:p="http://schemas.openxmlformats.org/presentationml/2006/main">
-  <p:cSld>
-    <p:spTree>
-      <p:nvGrpSpPr>
-        <p:cNvPr id="1" name=""/>
-        <p:cNvGrpSpPr/>
-        <p:nvPr/>
-      </p:nvGrpSpPr>
-      <p:grpSpPr>
-        <a:xfrm>
-          <a:off x="0" y="0"/>
-          <a:ext cx="0" cy="0"/>
-          <a:chOff x="0" y="0"/>
-          <a:chExt cx="0" cy="0"/>
-        </a:xfrm>
-      </p:grpSpPr>
-      <p:sp>
-        <p:nvSpPr>
-          <p:cNvPr id="2" name="Title 1"/>
-          <p:cNvSpPr>
-            <a:spLocks noGrp="1"/>
-          </p:cNvSpPr>
-          <p:nvPr>
-            <p:ph type="title"/>
-          </p:nvPr>
-        </p:nvSpPr>
-        <p:spPr/>
-        <p:txBody>
-          <a:bodyPr/>
-          <a:lstStyle/>
-          <a:p>
-            <a:r>
-              <a:rPr lang="en-US" dirty="0" smtClean="0"/>
-              <a:t>HDFS inspiration	</a:t>
-            </a:r>
-            <a:endParaRPr lang="en-US" dirty="0"/>
-          </a:p>
-        </p:txBody>
-      </p:sp>
-      <p:sp>
-        <p:nvSpPr>
-          <p:cNvPr id="3" name="Content Placeholder 2"/>
-          <p:cNvSpPr>
-            <a:spLocks noGrp="1"/>
-          </p:cNvSpPr>
-          <p:nvPr>
-            <p:ph idx="1"/>
-          </p:nvPr>
-        </p:nvSpPr>
-        <p:spPr/>
-        <p:txBody>
-          <a:bodyPr/>
-          <a:lstStyle/>
-          <a:p>
-            <a:r>
-              <a:rPr lang="en-US" dirty="0" smtClean="0"/>
-              <a:t>Google File System</a:t>
-            </a:r>
-          </a:p>
-          <a:p>
-            <a:pPr lvl="1"/>
-            <a:r>
-              <a:rPr lang="en-US" sz="1600" dirty="0"/>
-              <a:t>Sanjay </a:t>
-            </a:r>
-            <a:r>
-              <a:rPr lang="en-US" sz="1600" dirty="0" err="1"/>
-              <a:t>Ghemawat</a:t>
-            </a:r>
-            <a:r>
-              <a:rPr lang="en-US" sz="1600" dirty="0"/>
-              <a:t>, Howard </a:t>
-            </a:r>
-            <a:r>
-              <a:rPr lang="en-US" sz="1600" dirty="0" err="1"/>
-              <a:t>Gobioff</a:t>
-            </a:r>
-            <a:r>
-              <a:rPr lang="en-US" sz="1600" dirty="0"/>
-              <a:t>, and Shun-</a:t>
-            </a:r>
-            <a:r>
-              <a:rPr lang="en-US" sz="1600" dirty="0" err="1"/>
-              <a:t>Tak</a:t>
-            </a:r>
-            <a:r>
-              <a:rPr lang="en-US" sz="1600" dirty="0"/>
-              <a:t> Leung. 2003. The Google file system. In Proceedings of the nineteenth ACM symposium on Operating systems principles (SOSP '03). ACM, New York, NY, USA, 29-43. </a:t>
-            </a:r>
-          </a:p>
-        </p:txBody>
-      </p:sp>
-      <p:pic>
-        <p:nvPicPr>
-          <p:cNvPr id="4" name="Picture 3"/>
-          <p:cNvPicPr>
-            <a:picLocks noChangeAspect="1"/>
-          </p:cNvPicPr>
-          <p:nvPr/>
-        </p:nvPicPr>
-        <p:blipFill>
-          <a:blip r:embed="rId2"/>
-          <a:stretch>
-            <a:fillRect/>
-          </a:stretch>
-        </p:blipFill>
-        <p:spPr>
-          <a:xfrm>
-            <a:off x="2056926" y="2936099"/>
-            <a:ext cx="4878295" cy="2964376"/>
-          </a:xfrm>
-          <a:prstGeom prst="rect">
-            <a:avLst/>
-          </a:prstGeom>
-        </p:spPr>
-      </p:pic>
-    </p:spTree>
-    <p:extLst>
-      <p:ext uri="{BB962C8B-B14F-4D97-AF65-F5344CB8AC3E}">
-        <p14:creationId xmlns:p14="http://schemas.microsoft.com/office/powerpoint/2010/main" val="2506054683"/>
-      </p:ext>
-    </p:extLst>
-  </p:cSld>
-  <p:clrMapOvr>
-    <a:masterClrMapping/>
-  </p:clrMapOvr>
-</p:sld>
-</file>
-
 <file path=ppt/slides/slide2.xml><?xml version="1.0" encoding="utf-8"?>
 <p:sld xmlns:a="http://schemas.openxmlformats.org/drawingml/2006/main" xmlns:r="http://schemas.openxmlformats.org/officeDocument/2006/relationships" xmlns:p="http://schemas.openxmlformats.org/presentationml/2006/main">
   <p:cSld>
@@ -6324,7 +6281,7 @@
           <a:p>
             <a:r>
               <a:rPr lang="en-US" dirty="0" smtClean="0"/>
-              <a:t>HDFS overview</a:t>
+              <a:t>HDFS inspiration	</a:t>
             </a:r>
             <a:endParaRPr lang="en-US" dirty="0"/>
           </a:p>
@@ -6342,41 +6299,75 @@
         </p:nvSpPr>
         <p:spPr/>
         <p:txBody>
-          <a:bodyPr>
-            <a:normAutofit lnSpcReduction="10000"/>
-          </a:bodyPr>
-          <a:lstStyle/>
-          <a:p>
-            <a:r>
-              <a:rPr lang="en-US" dirty="0" smtClean="0"/>
-              <a:t>Good for streaming access to large files, reliability, scale</a:t>
-            </a:r>
-          </a:p>
-          <a:p>
-            <a:r>
-              <a:rPr lang="en-US" dirty="0" smtClean="0"/>
-              <a:t>Not good for random access, small files</a:t>
-            </a:r>
-          </a:p>
-          <a:p>
-            <a:r>
-              <a:rPr lang="en-US" dirty="0" smtClean="0"/>
-              <a:t>Blocks of data 64Mb in size (configurable)</a:t>
-            </a:r>
-          </a:p>
-          <a:p>
-            <a:r>
-              <a:rPr lang="en-US" dirty="0" smtClean="0"/>
-              <a:t>Each block can be replicated across multiple data nodes for High Availability (HA)</a:t>
-            </a:r>
-            <a:endParaRPr lang="en-US" dirty="0"/>
-          </a:p>
-        </p:txBody>
-      </p:sp>
+          <a:bodyPr/>
+          <a:lstStyle/>
+          <a:p>
+            <a:r>
+              <a:rPr lang="en-US" dirty="0" smtClean="0"/>
+              <a:t>Google File System</a:t>
+            </a:r>
+          </a:p>
+          <a:p>
+            <a:pPr lvl="1"/>
+            <a:r>
+              <a:rPr lang="en-US" sz="1600" dirty="0"/>
+              <a:t>Sanjay </a:t>
+            </a:r>
+            <a:r>
+              <a:rPr lang="en-US" sz="1600" dirty="0" err="1"/>
+              <a:t>Ghemawat</a:t>
+            </a:r>
+            <a:r>
+              <a:rPr lang="en-US" sz="1600" dirty="0"/>
+              <a:t>, Howard </a:t>
+            </a:r>
+            <a:r>
+              <a:rPr lang="en-US" sz="1600" dirty="0" err="1"/>
+              <a:t>Gobioff</a:t>
+            </a:r>
+            <a:r>
+              <a:rPr lang="en-US" sz="1600" dirty="0"/>
+              <a:t>, and Shun-</a:t>
+            </a:r>
+            <a:r>
+              <a:rPr lang="en-US" sz="1600" dirty="0" err="1"/>
+              <a:t>Tak</a:t>
+            </a:r>
+            <a:r>
+              <a:rPr lang="en-US" sz="1600" dirty="0"/>
+              <a:t> Leung. 2003. The Google file system. In Proceedings of the nineteenth ACM symposium on Operating systems principles (SOSP '03). ACM, New York, NY, USA, 29-43. </a:t>
+            </a:r>
+          </a:p>
+        </p:txBody>
+      </p:sp>
+      <p:pic>
+        <p:nvPicPr>
+          <p:cNvPr id="4" name="Picture 3"/>
+          <p:cNvPicPr>
+            <a:picLocks noChangeAspect="1"/>
+          </p:cNvPicPr>
+          <p:nvPr/>
+        </p:nvPicPr>
+        <p:blipFill>
+          <a:blip r:embed="rId2"/>
+          <a:stretch>
+            <a:fillRect/>
+          </a:stretch>
+        </p:blipFill>
+        <p:spPr>
+          <a:xfrm>
+            <a:off x="2056926" y="2936099"/>
+            <a:ext cx="4878295" cy="2964376"/>
+          </a:xfrm>
+          <a:prstGeom prst="rect">
+            <a:avLst/>
+          </a:prstGeom>
+        </p:spPr>
+      </p:pic>
     </p:spTree>
     <p:extLst>
       <p:ext uri="{BB962C8B-B14F-4D97-AF65-F5344CB8AC3E}">
-        <p14:creationId xmlns:p14="http://schemas.microsoft.com/office/powerpoint/2010/main" val="2815944417"/>
+        <p14:creationId xmlns:p14="http://schemas.microsoft.com/office/powerpoint/2010/main" val="2506054683"/>
       </p:ext>
     </p:extLst>
   </p:cSld>
@@ -6420,7 +6411,7 @@
           <a:p>
             <a:r>
               <a:rPr lang="en-US" dirty="0" smtClean="0"/>
-              <a:t>HDFS commands</a:t>
+              <a:t>HDFS overview</a:t>
             </a:r>
             <a:endParaRPr lang="en-US" dirty="0"/>
           </a:p>
@@ -6439,205 +6430,40 @@
         <p:spPr/>
         <p:txBody>
           <a:bodyPr>
-            <a:normAutofit/>
+            <a:normAutofit lnSpcReduction="10000"/>
           </a:bodyPr>
           <a:lstStyle/>
           <a:p>
             <a:r>
-              <a:rPr lang="en-US" sz="2800" dirty="0" smtClean="0"/>
-              <a:t>start-</a:t>
-            </a:r>
-            <a:r>
-              <a:rPr lang="en-US" sz="2800" dirty="0" err="1" smtClean="0"/>
-              <a:t>dfs.sh</a:t>
-            </a:r>
-            <a:endParaRPr lang="en-US" sz="2800" dirty="0" smtClean="0"/>
-          </a:p>
-          <a:p>
-            <a:r>
-              <a:rPr lang="en-US" sz="2800" dirty="0" smtClean="0"/>
-              <a:t>stop-</a:t>
-            </a:r>
-            <a:r>
-              <a:rPr lang="en-US" sz="2800" dirty="0" err="1" smtClean="0"/>
-              <a:t>dfs.sh</a:t>
-            </a:r>
-            <a:endParaRPr lang="en-US" sz="2800" dirty="0" smtClean="0"/>
-          </a:p>
-          <a:p>
-            <a:r>
-              <a:rPr lang="en-US" sz="2800" dirty="0" err="1" smtClean="0"/>
-              <a:t>hadoop</a:t>
-            </a:r>
-            <a:r>
-              <a:rPr lang="en-US" sz="2800" dirty="0" smtClean="0"/>
-              <a:t> </a:t>
-            </a:r>
-            <a:r>
-              <a:rPr lang="en-US" sz="2800" dirty="0" err="1" smtClean="0"/>
-              <a:t>fs</a:t>
-            </a:r>
-            <a:r>
-              <a:rPr lang="en-US" sz="2800" dirty="0" smtClean="0"/>
-              <a:t> &lt;command&gt;</a:t>
-            </a:r>
-          </a:p>
-          <a:p>
-            <a:pPr lvl="1"/>
-            <a:r>
-              <a:rPr lang="en-US" sz="2400" dirty="0" smtClean="0"/>
-              <a:t>e.g. </a:t>
-            </a:r>
-            <a:r>
-              <a:rPr lang="en-US" sz="2400" dirty="0" err="1" smtClean="0"/>
-              <a:t>hadoop</a:t>
-            </a:r>
-            <a:r>
-              <a:rPr lang="en-US" sz="2400" dirty="0" smtClean="0"/>
-              <a:t> </a:t>
-            </a:r>
-            <a:r>
-              <a:rPr lang="en-US" sz="2400" dirty="0" err="1" smtClean="0"/>
-              <a:t>fs</a:t>
-            </a:r>
-            <a:r>
-              <a:rPr lang="en-US" sz="2400" dirty="0" smtClean="0"/>
-              <a:t> cat /user/</a:t>
-            </a:r>
-            <a:r>
-              <a:rPr lang="en-US" sz="2400" dirty="0" err="1" smtClean="0"/>
-              <a:t>hduser</a:t>
-            </a:r>
-            <a:r>
-              <a:rPr lang="en-US" sz="2400" dirty="0" smtClean="0"/>
-              <a:t>/file</a:t>
-            </a:r>
-          </a:p>
-          <a:p>
-            <a:pPr lvl="1"/>
-            <a:r>
-              <a:rPr lang="en-US" sz="2400" dirty="0" err="1" smtClean="0"/>
-              <a:t>hadoop</a:t>
-            </a:r>
-            <a:r>
-              <a:rPr lang="en-US" sz="2400" dirty="0" smtClean="0"/>
-              <a:t> </a:t>
-            </a:r>
-            <a:r>
-              <a:rPr lang="en-US" sz="2400" dirty="0" err="1" smtClean="0"/>
-              <a:t>fs</a:t>
-            </a:r>
-            <a:r>
-              <a:rPr lang="en-US" sz="2400" dirty="0" smtClean="0"/>
-              <a:t> </a:t>
-            </a:r>
-            <a:r>
-              <a:rPr lang="en-US" sz="2400" dirty="0" err="1" smtClean="0"/>
-              <a:t>mkdir</a:t>
-            </a:r>
-            <a:r>
-              <a:rPr lang="en-US" sz="2400" dirty="0" smtClean="0"/>
-              <a:t> –p /user/</a:t>
-            </a:r>
-            <a:r>
-              <a:rPr lang="en-US" sz="2400" dirty="0" err="1" smtClean="0"/>
-              <a:t>hduser</a:t>
-            </a:r>
-            <a:r>
-              <a:rPr lang="en-US" sz="2400" dirty="0" smtClean="0"/>
-              <a:t>/</a:t>
-            </a:r>
-          </a:p>
-          <a:p>
-            <a:pPr lvl="1"/>
-            <a:r>
-              <a:rPr lang="en-US" sz="2400" dirty="0" err="1" smtClean="0"/>
-              <a:t>hadoop</a:t>
-            </a:r>
-            <a:r>
-              <a:rPr lang="en-US" sz="2400" dirty="0" smtClean="0"/>
-              <a:t> </a:t>
-            </a:r>
-            <a:r>
-              <a:rPr lang="en-US" sz="2400" dirty="0" err="1" smtClean="0"/>
-              <a:t>fs</a:t>
-            </a:r>
-            <a:r>
-              <a:rPr lang="en-US" sz="2400" dirty="0" smtClean="0"/>
-              <a:t> put </a:t>
-            </a:r>
-            <a:r>
-              <a:rPr lang="en-US" sz="2400" dirty="0" err="1" smtClean="0"/>
-              <a:t>localfile</a:t>
-            </a:r>
-            <a:r>
-              <a:rPr lang="en-US" sz="2400" dirty="0" smtClean="0"/>
-              <a:t> /user/</a:t>
-            </a:r>
-            <a:r>
-              <a:rPr lang="en-US" sz="2400" dirty="0" err="1" smtClean="0"/>
-              <a:t>hduser</a:t>
-            </a:r>
-            <a:r>
-              <a:rPr lang="en-US" sz="2400" dirty="0" smtClean="0"/>
-              <a:t>/</a:t>
-            </a:r>
-            <a:r>
-              <a:rPr lang="en-US" sz="2400" dirty="0" err="1" smtClean="0"/>
-              <a:t>remotefile</a:t>
-            </a:r>
-            <a:endParaRPr lang="en-US" sz="2400" dirty="0" smtClean="0"/>
-          </a:p>
-          <a:p>
-            <a:pPr lvl="1"/>
-            <a:r>
-              <a:rPr lang="en-US" sz="2400" dirty="0" err="1"/>
-              <a:t>h</a:t>
-            </a:r>
-            <a:r>
-              <a:rPr lang="en-US" sz="2400" dirty="0" err="1" smtClean="0"/>
-              <a:t>adoop</a:t>
-            </a:r>
-            <a:r>
-              <a:rPr lang="en-US" sz="2400" dirty="0" smtClean="0"/>
-              <a:t> </a:t>
-            </a:r>
-            <a:r>
-              <a:rPr lang="en-US" sz="2400" dirty="0" err="1" smtClean="0"/>
-              <a:t>fs</a:t>
-            </a:r>
-            <a:r>
-              <a:rPr lang="en-US" sz="2400" dirty="0" smtClean="0"/>
-              <a:t> get /user/</a:t>
-            </a:r>
-            <a:r>
-              <a:rPr lang="en-US" sz="2400" dirty="0" err="1" smtClean="0"/>
-              <a:t>hduser</a:t>
-            </a:r>
-            <a:r>
-              <a:rPr lang="en-US" sz="2400" dirty="0" smtClean="0"/>
-              <a:t>/</a:t>
-            </a:r>
-            <a:r>
-              <a:rPr lang="en-US" sz="2400" dirty="0" err="1" smtClean="0"/>
-              <a:t>remotefile</a:t>
-            </a:r>
-            <a:r>
-              <a:rPr lang="en-US" sz="2400" dirty="0" smtClean="0"/>
-              <a:t> </a:t>
-            </a:r>
-            <a:r>
-              <a:rPr lang="en-US" sz="2400" dirty="0" err="1" smtClean="0"/>
-              <a:t>localfile</a:t>
-            </a:r>
-            <a:endParaRPr lang="en-US" sz="2400" dirty="0"/>
+              <a:rPr lang="en-US" dirty="0" smtClean="0"/>
+              <a:t>Good for streaming access to large files, reliability, scale</a:t>
+            </a:r>
+          </a:p>
+          <a:p>
+            <a:r>
+              <a:rPr lang="en-US" dirty="0" smtClean="0"/>
+              <a:t>Not good for random access, small files</a:t>
+            </a:r>
+          </a:p>
+          <a:p>
+            <a:r>
+              <a:rPr lang="en-US" dirty="0" smtClean="0"/>
+              <a:t>Blocks of data 64Mb in size (configurable)</a:t>
+            </a:r>
+          </a:p>
+          <a:p>
+            <a:r>
+              <a:rPr lang="en-US" dirty="0" smtClean="0"/>
+              <a:t>Each block can be replicated across multiple data nodes for High Availability (HA)</a:t>
+            </a:r>
+            <a:endParaRPr lang="en-US" dirty="0"/>
           </a:p>
         </p:txBody>
       </p:sp>
     </p:spTree>
     <p:extLst>
       <p:ext uri="{BB962C8B-B14F-4D97-AF65-F5344CB8AC3E}">
-        <p14:creationId xmlns:p14="http://schemas.microsoft.com/office/powerpoint/2010/main" val="2975913495"/>
+        <p14:creationId xmlns:p14="http://schemas.microsoft.com/office/powerpoint/2010/main" val="2815944417"/>
       </p:ext>
     </p:extLst>
   </p:cSld>
@@ -6681,6 +6507,267 @@
           <a:p>
             <a:r>
               <a:rPr lang="en-US" dirty="0" smtClean="0"/>
+              <a:t>HDFS commands</a:t>
+            </a:r>
+            <a:endParaRPr lang="en-US" dirty="0"/>
+          </a:p>
+        </p:txBody>
+      </p:sp>
+      <p:sp>
+        <p:nvSpPr>
+          <p:cNvPr id="3" name="Content Placeholder 2"/>
+          <p:cNvSpPr>
+            <a:spLocks noGrp="1"/>
+          </p:cNvSpPr>
+          <p:nvPr>
+            <p:ph idx="1"/>
+          </p:nvPr>
+        </p:nvSpPr>
+        <p:spPr/>
+        <p:txBody>
+          <a:bodyPr>
+            <a:normAutofit/>
+          </a:bodyPr>
+          <a:lstStyle/>
+          <a:p>
+            <a:r>
+              <a:rPr lang="en-US" sz="2800" dirty="0" smtClean="0"/>
+              <a:t>start-</a:t>
+            </a:r>
+            <a:r>
+              <a:rPr lang="en-US" sz="2800" dirty="0" err="1" smtClean="0"/>
+              <a:t>dfs.sh</a:t>
+            </a:r>
+            <a:endParaRPr lang="en-US" sz="2800" dirty="0" smtClean="0"/>
+          </a:p>
+          <a:p>
+            <a:r>
+              <a:rPr lang="en-US" sz="2800" dirty="0" smtClean="0"/>
+              <a:t>stop-</a:t>
+            </a:r>
+            <a:r>
+              <a:rPr lang="en-US" sz="2800" dirty="0" err="1" smtClean="0"/>
+              <a:t>dfs.sh</a:t>
+            </a:r>
+            <a:endParaRPr lang="en-US" sz="2800" dirty="0" smtClean="0"/>
+          </a:p>
+          <a:p>
+            <a:r>
+              <a:rPr lang="en-US" sz="2800" dirty="0" err="1" smtClean="0"/>
+              <a:t>hadoop</a:t>
+            </a:r>
+            <a:r>
+              <a:rPr lang="en-US" sz="2800" dirty="0" smtClean="0"/>
+              <a:t> </a:t>
+            </a:r>
+            <a:r>
+              <a:rPr lang="en-US" sz="2800" dirty="0" err="1" smtClean="0"/>
+              <a:t>fs</a:t>
+            </a:r>
+            <a:r>
+              <a:rPr lang="en-US" sz="2800" dirty="0" smtClean="0"/>
+              <a:t> &lt;command&gt;</a:t>
+            </a:r>
+          </a:p>
+          <a:p>
+            <a:pPr lvl="1"/>
+            <a:r>
+              <a:rPr lang="en-US" sz="2400" dirty="0" smtClean="0"/>
+              <a:t>e.g. </a:t>
+            </a:r>
+            <a:r>
+              <a:rPr lang="en-US" sz="2400" dirty="0" err="1" smtClean="0"/>
+              <a:t>hadoop</a:t>
+            </a:r>
+            <a:r>
+              <a:rPr lang="en-US" sz="2400" dirty="0" smtClean="0"/>
+              <a:t> </a:t>
+            </a:r>
+            <a:r>
+              <a:rPr lang="en-US" sz="2400" dirty="0" err="1" smtClean="0"/>
+              <a:t>fs</a:t>
+            </a:r>
+            <a:r>
+              <a:rPr lang="en-US" sz="2400" dirty="0" smtClean="0"/>
+              <a:t> cat /user/</a:t>
+            </a:r>
+            <a:r>
+              <a:rPr lang="en-US" sz="2400" dirty="0" err="1" smtClean="0"/>
+              <a:t>hduser</a:t>
+            </a:r>
+            <a:r>
+              <a:rPr lang="en-US" sz="2400" dirty="0" smtClean="0"/>
+              <a:t>/file</a:t>
+            </a:r>
+          </a:p>
+          <a:p>
+            <a:pPr lvl="1"/>
+            <a:r>
+              <a:rPr lang="en-US" sz="2400" dirty="0" err="1" smtClean="0"/>
+              <a:t>hadoop</a:t>
+            </a:r>
+            <a:r>
+              <a:rPr lang="en-US" sz="2400" dirty="0" smtClean="0"/>
+              <a:t> </a:t>
+            </a:r>
+            <a:r>
+              <a:rPr lang="en-US" sz="2400" dirty="0" err="1" smtClean="0"/>
+              <a:t>fs</a:t>
+            </a:r>
+            <a:r>
+              <a:rPr lang="en-US" sz="2400" dirty="0" smtClean="0"/>
+              <a:t> </a:t>
+            </a:r>
+            <a:r>
+              <a:rPr lang="en-US" sz="2400" dirty="0" err="1" smtClean="0"/>
+              <a:t>mkdir</a:t>
+            </a:r>
+            <a:r>
+              <a:rPr lang="en-US" sz="2400" dirty="0" smtClean="0"/>
+              <a:t> –p /user/</a:t>
+            </a:r>
+            <a:r>
+              <a:rPr lang="en-US" sz="2400" dirty="0" err="1" smtClean="0"/>
+              <a:t>hduser</a:t>
+            </a:r>
+            <a:r>
+              <a:rPr lang="en-US" sz="2400" dirty="0" smtClean="0"/>
+              <a:t>/</a:t>
+            </a:r>
+          </a:p>
+          <a:p>
+            <a:pPr lvl="1"/>
+            <a:r>
+              <a:rPr lang="en-US" sz="2400" dirty="0" err="1" smtClean="0"/>
+              <a:t>hadoop</a:t>
+            </a:r>
+            <a:r>
+              <a:rPr lang="en-US" sz="2400" dirty="0" smtClean="0"/>
+              <a:t> </a:t>
+            </a:r>
+            <a:r>
+              <a:rPr lang="en-US" sz="2400" dirty="0" err="1" smtClean="0"/>
+              <a:t>fs</a:t>
+            </a:r>
+            <a:r>
+              <a:rPr lang="en-US" sz="2400" dirty="0" smtClean="0"/>
+              <a:t> put </a:t>
+            </a:r>
+            <a:r>
+              <a:rPr lang="en-US" sz="2400" dirty="0" err="1" smtClean="0"/>
+              <a:t>localfile</a:t>
+            </a:r>
+            <a:r>
+              <a:rPr lang="en-US" sz="2400" dirty="0" smtClean="0"/>
+              <a:t> /user/</a:t>
+            </a:r>
+            <a:r>
+              <a:rPr lang="en-US" sz="2400" dirty="0" err="1" smtClean="0"/>
+              <a:t>hduser</a:t>
+            </a:r>
+            <a:r>
+              <a:rPr lang="en-US" sz="2400" dirty="0" smtClean="0"/>
+              <a:t>/</a:t>
+            </a:r>
+            <a:r>
+              <a:rPr lang="en-US" sz="2400" dirty="0" err="1" smtClean="0"/>
+              <a:t>remotefile</a:t>
+            </a:r>
+            <a:endParaRPr lang="en-US" sz="2400" dirty="0" smtClean="0"/>
+          </a:p>
+          <a:p>
+            <a:pPr lvl="1"/>
+            <a:r>
+              <a:rPr lang="en-US" sz="2400" dirty="0" err="1"/>
+              <a:t>h</a:t>
+            </a:r>
+            <a:r>
+              <a:rPr lang="en-US" sz="2400" dirty="0" err="1" smtClean="0"/>
+              <a:t>adoop</a:t>
+            </a:r>
+            <a:r>
+              <a:rPr lang="en-US" sz="2400" dirty="0" smtClean="0"/>
+              <a:t> </a:t>
+            </a:r>
+            <a:r>
+              <a:rPr lang="en-US" sz="2400" dirty="0" err="1" smtClean="0"/>
+              <a:t>fs</a:t>
+            </a:r>
+            <a:r>
+              <a:rPr lang="en-US" sz="2400" dirty="0" smtClean="0"/>
+              <a:t> get /user/</a:t>
+            </a:r>
+            <a:r>
+              <a:rPr lang="en-US" sz="2400" dirty="0" err="1" smtClean="0"/>
+              <a:t>hduser</a:t>
+            </a:r>
+            <a:r>
+              <a:rPr lang="en-US" sz="2400" dirty="0" smtClean="0"/>
+              <a:t>/</a:t>
+            </a:r>
+            <a:r>
+              <a:rPr lang="en-US" sz="2400" dirty="0" err="1" smtClean="0"/>
+              <a:t>remotefile</a:t>
+            </a:r>
+            <a:r>
+              <a:rPr lang="en-US" sz="2400" dirty="0" smtClean="0"/>
+              <a:t> </a:t>
+            </a:r>
+            <a:r>
+              <a:rPr lang="en-US" sz="2400" dirty="0" err="1" smtClean="0"/>
+              <a:t>localfile</a:t>
+            </a:r>
+            <a:endParaRPr lang="en-US" sz="2400" dirty="0"/>
+          </a:p>
+        </p:txBody>
+      </p:sp>
+    </p:spTree>
+    <p:extLst>
+      <p:ext uri="{BB962C8B-B14F-4D97-AF65-F5344CB8AC3E}">
+        <p14:creationId xmlns:p14="http://schemas.microsoft.com/office/powerpoint/2010/main" val="2975913495"/>
+      </p:ext>
+    </p:extLst>
+  </p:cSld>
+  <p:clrMapOvr>
+    <a:masterClrMapping/>
+  </p:clrMapOvr>
+</p:sld>
+</file>
+
+<file path=ppt/slides/slide23.xml><?xml version="1.0" encoding="utf-8"?>
+<p:sld xmlns:a="http://schemas.openxmlformats.org/drawingml/2006/main" xmlns:r="http://schemas.openxmlformats.org/officeDocument/2006/relationships" xmlns:p="http://schemas.openxmlformats.org/presentationml/2006/main">
+  <p:cSld>
+    <p:spTree>
+      <p:nvGrpSpPr>
+        <p:cNvPr id="1" name=""/>
+        <p:cNvGrpSpPr/>
+        <p:nvPr/>
+      </p:nvGrpSpPr>
+      <p:grpSpPr>
+        <a:xfrm>
+          <a:off x="0" y="0"/>
+          <a:ext cx="0" cy="0"/>
+          <a:chOff x="0" y="0"/>
+          <a:chExt cx="0" cy="0"/>
+        </a:xfrm>
+      </p:grpSpPr>
+      <p:sp>
+        <p:nvSpPr>
+          <p:cNvPr id="2" name="Title 1"/>
+          <p:cNvSpPr>
+            <a:spLocks noGrp="1"/>
+          </p:cNvSpPr>
+          <p:nvPr>
+            <p:ph type="title"/>
+          </p:nvPr>
+        </p:nvSpPr>
+        <p:spPr/>
+        <p:txBody>
+          <a:bodyPr/>
+          <a:lstStyle/>
+          <a:p>
+            <a:r>
+              <a:rPr lang="en-US" dirty="0" smtClean="0"/>
               <a:t>What is YARN?</a:t>
             </a:r>
             <a:endParaRPr lang="en-US" dirty="0"/>
@@ -6760,7 +6847,7 @@
 </p:sld>
 </file>
 
-<file path=ppt/slides/slide23.xml><?xml version="1.0" encoding="utf-8"?>
+<file path=ppt/slides/slide24.xml><?xml version="1.0" encoding="utf-8"?>
 <p:sld xmlns:a="http://schemas.openxmlformats.org/drawingml/2006/main" xmlns:r="http://schemas.openxmlformats.org/officeDocument/2006/relationships" xmlns:p="http://schemas.openxmlformats.org/presentationml/2006/main">
   <p:cSld>
     <p:spTree>
@@ -6837,138 +6924,6 @@
 </p:sld>
 </file>
 
-<file path=ppt/slides/slide24.xml><?xml version="1.0" encoding="utf-8"?>
-<p:sld xmlns:a="http://schemas.openxmlformats.org/drawingml/2006/main" xmlns:r="http://schemas.openxmlformats.org/officeDocument/2006/relationships" xmlns:p="http://schemas.openxmlformats.org/presentationml/2006/main">
-  <p:cSld>
-    <p:spTree>
-      <p:nvGrpSpPr>
-        <p:cNvPr id="1" name=""/>
-        <p:cNvGrpSpPr/>
-        <p:nvPr/>
-      </p:nvGrpSpPr>
-      <p:grpSpPr>
-        <a:xfrm>
-          <a:off x="0" y="0"/>
-          <a:ext cx="0" cy="0"/>
-          <a:chOff x="0" y="0"/>
-          <a:chExt cx="0" cy="0"/>
-        </a:xfrm>
-      </p:grpSpPr>
-      <p:sp>
-        <p:nvSpPr>
-          <p:cNvPr id="2" name="Title 1"/>
-          <p:cNvSpPr>
-            <a:spLocks noGrp="1"/>
-          </p:cNvSpPr>
-          <p:nvPr>
-            <p:ph type="title"/>
-          </p:nvPr>
-        </p:nvSpPr>
-        <p:spPr/>
-        <p:txBody>
-          <a:bodyPr/>
-          <a:lstStyle/>
-          <a:p>
-            <a:r>
-              <a:rPr lang="en-US" dirty="0" smtClean="0"/>
-              <a:t>Map Reduce in </a:t>
-            </a:r>
-            <a:r>
-              <a:rPr lang="en-US" dirty="0" err="1" smtClean="0"/>
-              <a:t>Hadoop</a:t>
-            </a:r>
-            <a:endParaRPr lang="en-US" dirty="0"/>
-          </a:p>
-        </p:txBody>
-      </p:sp>
-      <p:sp>
-        <p:nvSpPr>
-          <p:cNvPr id="3" name="Content Placeholder 2"/>
-          <p:cNvSpPr>
-            <a:spLocks noGrp="1"/>
-          </p:cNvSpPr>
-          <p:nvPr>
-            <p:ph idx="1"/>
-          </p:nvPr>
-        </p:nvSpPr>
-        <p:spPr/>
-        <p:txBody>
-          <a:bodyPr>
-            <a:normAutofit lnSpcReduction="10000"/>
-          </a:bodyPr>
-          <a:lstStyle/>
-          <a:p>
-            <a:r>
-              <a:rPr lang="en-US" dirty="0" smtClean="0"/>
-              <a:t>Map reduce in </a:t>
-            </a:r>
-            <a:r>
-              <a:rPr lang="en-US" dirty="0" err="1" smtClean="0"/>
-              <a:t>Hadoop</a:t>
-            </a:r>
-            <a:r>
-              <a:rPr lang="en-US" dirty="0" smtClean="0"/>
-              <a:t> actually consists of multiple steps</a:t>
-            </a:r>
-          </a:p>
-          <a:p>
-            <a:pPr lvl="1"/>
-            <a:r>
-              <a:rPr lang="en-US" dirty="0" smtClean="0"/>
-              <a:t>Mapper</a:t>
-            </a:r>
-          </a:p>
-          <a:p>
-            <a:pPr lvl="2"/>
-            <a:r>
-              <a:rPr lang="en-US" dirty="0" smtClean="0"/>
-              <a:t>Works on a single file, line by line</a:t>
-            </a:r>
-          </a:p>
-          <a:p>
-            <a:pPr lvl="1"/>
-            <a:r>
-              <a:rPr lang="en-US" dirty="0" smtClean="0"/>
-              <a:t>Combiner</a:t>
-            </a:r>
-          </a:p>
-          <a:p>
-            <a:pPr lvl="2"/>
-            <a:r>
-              <a:rPr lang="en-US" dirty="0" smtClean="0"/>
-              <a:t>Like a reducer, but still on a single system taking the output of the mapper</a:t>
-            </a:r>
-          </a:p>
-          <a:p>
-            <a:pPr lvl="1"/>
-            <a:r>
-              <a:rPr lang="en-US" dirty="0" smtClean="0"/>
-              <a:t>Reducer</a:t>
-            </a:r>
-          </a:p>
-          <a:p>
-            <a:pPr lvl="2"/>
-            <a:r>
-              <a:rPr lang="en-US" dirty="0" smtClean="0"/>
-              <a:t>Takes the outputs of multiple mapper/combiners</a:t>
-            </a:r>
-            <a:endParaRPr lang="en-US" dirty="0"/>
-          </a:p>
-        </p:txBody>
-      </p:sp>
-    </p:spTree>
-    <p:extLst>
-      <p:ext uri="{BB962C8B-B14F-4D97-AF65-F5344CB8AC3E}">
-        <p14:creationId xmlns:p14="http://schemas.microsoft.com/office/powerpoint/2010/main" val="3837245040"/>
-      </p:ext>
-    </p:extLst>
-  </p:cSld>
-  <p:clrMapOvr>
-    <a:masterClrMapping/>
-  </p:clrMapOvr>
-</p:sld>
-</file>
-
 <file path=ppt/slides/slide25.xml><?xml version="1.0" encoding="utf-8"?>
 <p:sld xmlns:a="http://schemas.openxmlformats.org/drawingml/2006/main" xmlns:r="http://schemas.openxmlformats.org/officeDocument/2006/relationships" xmlns:p="http://schemas.openxmlformats.org/presentationml/2006/main">
   <p:cSld>
@@ -7003,7 +6958,11 @@
           <a:p>
             <a:r>
               <a:rPr lang="en-US" dirty="0" smtClean="0"/>
-              <a:t>The general flow	</a:t>
+              <a:t>Map Reduce in </a:t>
+            </a:r>
+            <a:r>
+              <a:rPr lang="en-US" dirty="0" err="1" smtClean="0"/>
+              <a:t>Hadoop</a:t>
             </a:r>
             <a:endParaRPr lang="en-US" dirty="0"/>
           </a:p>
@@ -7021,39 +6980,73 @@
         </p:nvSpPr>
         <p:spPr/>
         <p:txBody>
-          <a:bodyPr/>
-          <a:lstStyle/>
-          <a:p>
-            <a:r>
-              <a:rPr lang="en-US" dirty="0" smtClean="0"/>
-              <a:t>On the whole, we expect to produce key-value &lt;K,V&gt; pairs from any mapper or reducer</a:t>
+          <a:bodyPr>
+            <a:normAutofit lnSpcReduction="10000"/>
+          </a:bodyPr>
+          <a:lstStyle/>
+          <a:p>
+            <a:r>
+              <a:rPr lang="en-US" dirty="0" smtClean="0"/>
+              <a:t>Map reduce in </a:t>
+            </a:r>
+            <a:r>
+              <a:rPr lang="en-US" dirty="0" err="1" smtClean="0"/>
+              <a:t>Hadoop</a:t>
+            </a:r>
+            <a:r>
+              <a:rPr lang="en-US" dirty="0" smtClean="0"/>
+              <a:t> actually consists of multiple steps</a:t>
             </a:r>
           </a:p>
           <a:p>
             <a:pPr lvl="1"/>
             <a:r>
               <a:rPr lang="en-US" dirty="0" smtClean="0"/>
-              <a:t>In some cases we may produce &lt;K,&lt;V1,V2,..&gt;&gt; </a:t>
-            </a:r>
-          </a:p>
-          <a:p>
-            <a:r>
-              <a:rPr lang="en-US" dirty="0" smtClean="0"/>
-              <a:t>The results are stored to file and then read from file</a:t>
-            </a:r>
-          </a:p>
-          <a:p>
-            <a:pPr marL="0" indent="0">
-              <a:buNone/>
-            </a:pPr>
-            <a:endParaRPr lang="en-US" dirty="0" smtClean="0"/>
+              <a:t>Mapper</a:t>
+            </a:r>
+          </a:p>
+          <a:p>
+            <a:pPr lvl="2"/>
+            <a:r>
+              <a:rPr lang="en-US" dirty="0" smtClean="0"/>
+              <a:t>Works on a single file, line by line</a:t>
+            </a:r>
+          </a:p>
+          <a:p>
+            <a:pPr lvl="1"/>
+            <a:r>
+              <a:rPr lang="en-US" dirty="0" smtClean="0"/>
+              <a:t>Combiner</a:t>
+            </a:r>
+          </a:p>
+          <a:p>
+            <a:pPr lvl="2"/>
+            <a:r>
+              <a:rPr lang="en-US" dirty="0" smtClean="0"/>
+              <a:t>Like a reducer, but still on a single system taking the output of the mapper</a:t>
+            </a:r>
+          </a:p>
+          <a:p>
+            <a:pPr lvl="1"/>
+            <a:r>
+              <a:rPr lang="en-US" dirty="0" smtClean="0"/>
+              <a:t>Reducer</a:t>
+            </a:r>
+          </a:p>
+          <a:p>
+            <a:pPr lvl="2"/>
+            <a:r>
+              <a:rPr lang="en-US" dirty="0" smtClean="0"/>
+              <a:t>Takes the outputs of multiple mapper/combiners</a:t>
+            </a:r>
+            <a:endParaRPr lang="en-US" dirty="0"/>
           </a:p>
         </p:txBody>
       </p:sp>
     </p:spTree>
     <p:extLst>
       <p:ext uri="{BB962C8B-B14F-4D97-AF65-F5344CB8AC3E}">
-        <p14:creationId xmlns:p14="http://schemas.microsoft.com/office/powerpoint/2010/main" val="3663277687"/>
+        <p14:creationId xmlns:p14="http://schemas.microsoft.com/office/powerpoint/2010/main" val="3837245040"/>
       </p:ext>
     </p:extLst>
   </p:cSld>
@@ -7097,7 +7090,7 @@
           <a:p>
             <a:r>
               <a:rPr lang="en-US" dirty="0" smtClean="0"/>
-              <a:t>Mappers</a:t>
+              <a:t>The general flow	</a:t>
             </a:r>
             <a:endParaRPr lang="en-US" dirty="0"/>
           </a:p>
@@ -7120,28 +7113,34 @@
           <a:p>
             <a:r>
               <a:rPr lang="en-US" dirty="0" smtClean="0"/>
-              <a:t>Take input files and produce &lt;K,V&gt; pairs</a:t>
-            </a:r>
-          </a:p>
-          <a:p>
-            <a:r>
-              <a:rPr lang="en-US" dirty="0" smtClean="0"/>
-              <a:t>Each mapper gets a complete file</a:t>
-            </a:r>
-          </a:p>
-          <a:p>
-            <a:r>
-              <a:rPr lang="en-US" dirty="0" smtClean="0"/>
-              <a:t>Each mapper runs on a single system</a:t>
-            </a:r>
-            <a:endParaRPr lang="en-US" dirty="0"/>
+              <a:t>On the whole, we expect to produce key-value &lt;K,V&gt; pairs from any mapper or reducer</a:t>
+            </a:r>
+          </a:p>
+          <a:p>
+            <a:pPr lvl="1"/>
+            <a:r>
+              <a:rPr lang="en-US" dirty="0" smtClean="0"/>
+              <a:t>In some cases we may produce &lt;K,&lt;V1,V2,..&gt;&gt; </a:t>
+            </a:r>
+          </a:p>
+          <a:p>
+            <a:r>
+              <a:rPr lang="en-US" dirty="0" smtClean="0"/>
+              <a:t>The results are stored to file and then read from file</a:t>
+            </a:r>
+          </a:p>
+          <a:p>
+            <a:pPr marL="0" indent="0">
+              <a:buNone/>
+            </a:pPr>
+            <a:endParaRPr lang="en-US" dirty="0" smtClean="0"/>
           </a:p>
         </p:txBody>
       </p:sp>
     </p:spTree>
     <p:extLst>
       <p:ext uri="{BB962C8B-B14F-4D97-AF65-F5344CB8AC3E}">
-        <p14:creationId xmlns:p14="http://schemas.microsoft.com/office/powerpoint/2010/main" val="2558676139"/>
+        <p14:creationId xmlns:p14="http://schemas.microsoft.com/office/powerpoint/2010/main" val="3663277687"/>
       </p:ext>
     </p:extLst>
   </p:cSld>
@@ -7185,7 +7184,7 @@
           <a:p>
             <a:r>
               <a:rPr lang="en-US" dirty="0" smtClean="0"/>
-              <a:t>Combiners</a:t>
+              <a:t>Mappers</a:t>
             </a:r>
             <a:endParaRPr lang="en-US" dirty="0"/>
           </a:p>
@@ -7208,31 +7207,19 @@
           <a:p>
             <a:r>
               <a:rPr lang="en-US" dirty="0" smtClean="0"/>
-              <a:t>The combiner function must take the &lt;K,V&gt; output of the mapper</a:t>
-            </a:r>
-          </a:p>
-          <a:p>
-            <a:r>
-              <a:rPr lang="en-US" dirty="0" smtClean="0"/>
-              <a:t>Produce the same format &lt;K,V&gt;</a:t>
-            </a:r>
-          </a:p>
-          <a:p>
-            <a:r>
-              <a:rPr lang="en-US" dirty="0" smtClean="0"/>
-              <a:t>Must be associative and commutative</a:t>
-            </a:r>
-          </a:p>
-          <a:p>
-            <a:r>
-              <a:rPr lang="en-US" i="1" dirty="0" smtClean="0"/>
-              <a:t>Runs on the same node as the mapper</a:t>
-            </a:r>
-          </a:p>
-          <a:p>
-            <a:r>
-              <a:rPr lang="en-US" dirty="0" smtClean="0"/>
-              <a:t>May actually be the reducer function if the reducer follows the rules above</a:t>
+              <a:t>Take input files and produce &lt;K,V&gt; pairs</a:t>
+            </a:r>
+          </a:p>
+          <a:p>
+            <a:r>
+              <a:rPr lang="en-US" dirty="0" smtClean="0"/>
+              <a:t>Each mapper gets a complete file</a:t>
+            </a:r>
+          </a:p>
+          <a:p>
+            <a:r>
+              <a:rPr lang="en-US" dirty="0" smtClean="0"/>
+              <a:t>Each mapper runs on a single system</a:t>
             </a:r>
             <a:endParaRPr lang="en-US" dirty="0"/>
           </a:p>
@@ -7241,7 +7228,7 @@
     </p:spTree>
     <p:extLst>
       <p:ext uri="{BB962C8B-B14F-4D97-AF65-F5344CB8AC3E}">
-        <p14:creationId xmlns:p14="http://schemas.microsoft.com/office/powerpoint/2010/main" val="3000065012"/>
+        <p14:creationId xmlns:p14="http://schemas.microsoft.com/office/powerpoint/2010/main" val="2558676139"/>
       </p:ext>
     </p:extLst>
   </p:cSld>
@@ -7285,7 +7272,7 @@
           <a:p>
             <a:r>
               <a:rPr lang="en-US" dirty="0" smtClean="0"/>
-              <a:t>Reducers	</a:t>
+              <a:t>Combiners</a:t>
             </a:r>
             <a:endParaRPr lang="en-US" dirty="0"/>
           </a:p>
@@ -7308,19 +7295,31 @@
           <a:p>
             <a:r>
               <a:rPr lang="en-US" dirty="0" smtClean="0"/>
-              <a:t>The reducers get the &lt;K,V&gt; pairs output from the mappers/combiners</a:t>
-            </a:r>
-          </a:p>
-          <a:p>
-            <a:r>
-              <a:rPr lang="en-US" dirty="0" smtClean="0"/>
-              <a:t>The output is first sorted/partitioned</a:t>
-            </a:r>
-          </a:p>
-          <a:p>
-            <a:r>
-              <a:rPr lang="en-US" dirty="0" smtClean="0"/>
-              <a:t>The reducers produce the final expected output, usually in the form of &lt;K,V&gt; pairs</a:t>
+              <a:t>The combiner function must take the &lt;K,V&gt; output of the mapper</a:t>
+            </a:r>
+          </a:p>
+          <a:p>
+            <a:r>
+              <a:rPr lang="en-US" dirty="0" smtClean="0"/>
+              <a:t>Produce the same format &lt;K,V&gt;</a:t>
+            </a:r>
+          </a:p>
+          <a:p>
+            <a:r>
+              <a:rPr lang="en-US" dirty="0" smtClean="0"/>
+              <a:t>Must be associative and commutative</a:t>
+            </a:r>
+          </a:p>
+          <a:p>
+            <a:r>
+              <a:rPr lang="en-US" i="1" dirty="0" smtClean="0"/>
+              <a:t>Runs on the same node as the mapper</a:t>
+            </a:r>
+          </a:p>
+          <a:p>
+            <a:r>
+              <a:rPr lang="en-US" dirty="0" smtClean="0"/>
+              <a:t>May actually be the reducer function if the reducer follows the rules above</a:t>
             </a:r>
             <a:endParaRPr lang="en-US" dirty="0"/>
           </a:p>
@@ -7329,7 +7328,7 @@
     </p:spTree>
     <p:extLst>
       <p:ext uri="{BB962C8B-B14F-4D97-AF65-F5344CB8AC3E}">
-        <p14:creationId xmlns:p14="http://schemas.microsoft.com/office/powerpoint/2010/main" val="4032647134"/>
+        <p14:creationId xmlns:p14="http://schemas.microsoft.com/office/powerpoint/2010/main" val="3000065012"/>
       </p:ext>
     </p:extLst>
   </p:cSld>
@@ -7368,21 +7367,12 @@
         </p:nvSpPr>
         <p:spPr/>
         <p:txBody>
-          <a:bodyPr>
-            <a:normAutofit fontScale="90000"/>
-          </a:bodyPr>
-          <a:lstStyle/>
-          <a:p>
-            <a:r>
-              <a:rPr lang="en-US" dirty="0" smtClean="0"/>
-              <a:t>Map Reduce in Python</a:t>
-            </a:r>
-            <a:br>
-              <a:rPr lang="en-US" dirty="0" smtClean="0"/>
-            </a:br>
-            <a:r>
-              <a:rPr lang="en-US" dirty="0" smtClean="0"/>
-              <a:t>A mapper</a:t>
+          <a:bodyPr/>
+          <a:lstStyle/>
+          <a:p>
+            <a:r>
+              <a:rPr lang="en-US" dirty="0" smtClean="0"/>
+              <a:t>Reducers	</a:t>
             </a:r>
             <a:endParaRPr lang="en-US" dirty="0"/>
           </a:p>
@@ -7400,328 +7390,33 @@
         </p:nvSpPr>
         <p:spPr/>
         <p:txBody>
-          <a:bodyPr>
-            <a:normAutofit fontScale="55000" lnSpcReduction="20000"/>
-          </a:bodyPr>
-          <a:lstStyle/>
-          <a:p>
-            <a:pPr marL="457200" lvl="1" indent="0">
-              <a:buNone/>
-            </a:pPr>
-            <a:r>
-              <a:rPr lang="en-US" dirty="0" smtClean="0">
-                <a:latin typeface="Lucida Console"/>
-                <a:cs typeface="Lucida Console"/>
-              </a:rPr>
-              <a:t>#</a:t>
-            </a:r>
-            <a:r>
-              <a:rPr lang="en-US" dirty="0">
-                <a:latin typeface="Lucida Console"/>
-                <a:cs typeface="Lucida Console"/>
-              </a:rPr>
-              <a:t>!/</a:t>
-            </a:r>
-            <a:r>
-              <a:rPr lang="en-US" dirty="0" err="1">
-                <a:latin typeface="Lucida Console"/>
-                <a:cs typeface="Lucida Console"/>
-              </a:rPr>
-              <a:t>usr</a:t>
-            </a:r>
-            <a:r>
-              <a:rPr lang="en-US" dirty="0">
-                <a:latin typeface="Lucida Console"/>
-                <a:cs typeface="Lucida Console"/>
-              </a:rPr>
-              <a:t>/bin/</a:t>
-            </a:r>
-            <a:r>
-              <a:rPr lang="en-US" dirty="0" err="1">
-                <a:latin typeface="Lucida Console"/>
-                <a:cs typeface="Lucida Console"/>
-              </a:rPr>
-              <a:t>env</a:t>
-            </a:r>
-            <a:r>
-              <a:rPr lang="en-US" dirty="0">
-                <a:latin typeface="Lucida Console"/>
-                <a:cs typeface="Lucida Console"/>
-              </a:rPr>
-              <a:t> python</a:t>
-            </a:r>
-          </a:p>
-          <a:p>
-            <a:pPr marL="457200" lvl="1" indent="0">
-              <a:buNone/>
-            </a:pPr>
-            <a:endParaRPr lang="en-US" dirty="0">
-              <a:latin typeface="Lucida Console"/>
-              <a:cs typeface="Lucida Console"/>
-            </a:endParaRPr>
-          </a:p>
-          <a:p>
-            <a:pPr marL="457200" lvl="1" indent="0">
-              <a:buNone/>
-            </a:pPr>
-            <a:r>
-              <a:rPr lang="en-US" dirty="0">
-                <a:latin typeface="Lucida Console"/>
-                <a:cs typeface="Lucida Console"/>
-              </a:rPr>
-              <a:t>import sys</a:t>
-            </a:r>
-          </a:p>
-          <a:p>
-            <a:pPr marL="457200" lvl="1" indent="0">
-              <a:buNone/>
-            </a:pPr>
-            <a:endParaRPr lang="en-US" dirty="0">
-              <a:latin typeface="Lucida Console"/>
-              <a:cs typeface="Lucida Console"/>
-            </a:endParaRPr>
-          </a:p>
-          <a:p>
-            <a:pPr marL="457200" lvl="1" indent="0">
-              <a:buNone/>
-            </a:pPr>
-            <a:r>
-              <a:rPr lang="en-US" dirty="0">
-                <a:latin typeface="Lucida Console"/>
-                <a:cs typeface="Lucida Console"/>
-              </a:rPr>
-              <a:t># input comes from STDIN (standard input)</a:t>
-            </a:r>
-          </a:p>
-          <a:p>
-            <a:pPr marL="457200" lvl="1" indent="0">
-              <a:buNone/>
-            </a:pPr>
-            <a:r>
-              <a:rPr lang="en-US" dirty="0">
-                <a:latin typeface="Lucida Console"/>
-                <a:cs typeface="Lucida Console"/>
-              </a:rPr>
-              <a:t>for line in </a:t>
-            </a:r>
-            <a:r>
-              <a:rPr lang="en-US" dirty="0" err="1">
-                <a:latin typeface="Lucida Console"/>
-                <a:cs typeface="Lucida Console"/>
-              </a:rPr>
-              <a:t>sys.stdin</a:t>
-            </a:r>
-            <a:r>
-              <a:rPr lang="en-US" dirty="0">
-                <a:latin typeface="Lucida Console"/>
-                <a:cs typeface="Lucida Console"/>
-              </a:rPr>
-              <a:t>:</a:t>
-            </a:r>
-          </a:p>
-          <a:p>
-            <a:pPr marL="457200" lvl="1" indent="0">
-              <a:buNone/>
-            </a:pPr>
-            <a:r>
-              <a:rPr lang="en-US" dirty="0">
-                <a:latin typeface="Lucida Console"/>
-                <a:cs typeface="Lucida Console"/>
-              </a:rPr>
-              <a:t>    # remove leading and trailing whitespace</a:t>
-            </a:r>
-          </a:p>
-          <a:p>
-            <a:pPr marL="457200" lvl="1" indent="0">
-              <a:buNone/>
-            </a:pPr>
-            <a:r>
-              <a:rPr lang="en-US" dirty="0">
-                <a:latin typeface="Lucida Console"/>
-                <a:cs typeface="Lucida Console"/>
-              </a:rPr>
-              <a:t>    line = </a:t>
-            </a:r>
-            <a:r>
-              <a:rPr lang="en-US" dirty="0" err="1">
-                <a:latin typeface="Lucida Console"/>
-                <a:cs typeface="Lucida Console"/>
-              </a:rPr>
-              <a:t>line.strip</a:t>
-            </a:r>
-            <a:r>
-              <a:rPr lang="en-US" dirty="0">
-                <a:latin typeface="Lucida Console"/>
-                <a:cs typeface="Lucida Console"/>
-              </a:rPr>
-              <a:t>()</a:t>
-            </a:r>
-          </a:p>
-          <a:p>
-            <a:pPr marL="457200" lvl="1" indent="0">
-              <a:buNone/>
-            </a:pPr>
-            <a:r>
-              <a:rPr lang="en-US" dirty="0">
-                <a:latin typeface="Lucida Console"/>
-                <a:cs typeface="Lucida Console"/>
-              </a:rPr>
-              <a:t>    # split the line into words</a:t>
-            </a:r>
-          </a:p>
-          <a:p>
-            <a:pPr marL="457200" lvl="1" indent="0">
-              <a:buNone/>
-            </a:pPr>
-            <a:r>
-              <a:rPr lang="en-US" dirty="0">
-                <a:latin typeface="Lucida Console"/>
-                <a:cs typeface="Lucida Console"/>
-              </a:rPr>
-              <a:t>    words = </a:t>
-            </a:r>
-            <a:r>
-              <a:rPr lang="en-US" dirty="0" err="1">
-                <a:latin typeface="Lucida Console"/>
-                <a:cs typeface="Lucida Console"/>
-              </a:rPr>
-              <a:t>line.split</a:t>
-            </a:r>
-            <a:r>
-              <a:rPr lang="en-US" dirty="0">
-                <a:latin typeface="Lucida Console"/>
-                <a:cs typeface="Lucida Console"/>
-              </a:rPr>
-              <a:t>()</a:t>
-            </a:r>
-          </a:p>
-          <a:p>
-            <a:pPr marL="457200" lvl="1" indent="0">
-              <a:buNone/>
-            </a:pPr>
-            <a:r>
-              <a:rPr lang="en-US" dirty="0">
-                <a:latin typeface="Lucida Console"/>
-                <a:cs typeface="Lucida Console"/>
-              </a:rPr>
-              <a:t>    # increase counters</a:t>
-            </a:r>
-          </a:p>
-          <a:p>
-            <a:pPr marL="457200" lvl="1" indent="0">
-              <a:buNone/>
-            </a:pPr>
-            <a:r>
-              <a:rPr lang="en-US" dirty="0">
-                <a:latin typeface="Lucida Console"/>
-                <a:cs typeface="Lucida Console"/>
-              </a:rPr>
-              <a:t>    for word in words:</a:t>
-            </a:r>
-          </a:p>
-          <a:p>
-            <a:pPr marL="457200" lvl="1" indent="0">
-              <a:buNone/>
-            </a:pPr>
-            <a:r>
-              <a:rPr lang="en-US" dirty="0">
-                <a:latin typeface="Lucida Console"/>
-                <a:cs typeface="Lucida Console"/>
-              </a:rPr>
-              <a:t>        # write the results to STDOUT (standard output);</a:t>
-            </a:r>
-          </a:p>
-          <a:p>
-            <a:pPr marL="457200" lvl="1" indent="0">
-              <a:buNone/>
-            </a:pPr>
-            <a:r>
-              <a:rPr lang="en-US" dirty="0">
-                <a:latin typeface="Lucida Console"/>
-                <a:cs typeface="Lucida Console"/>
-              </a:rPr>
-              <a:t>        # what we output here will be the input for the</a:t>
-            </a:r>
-          </a:p>
-          <a:p>
-            <a:pPr marL="457200" lvl="1" indent="0">
-              <a:buNone/>
-            </a:pPr>
-            <a:r>
-              <a:rPr lang="en-US" dirty="0">
-                <a:latin typeface="Lucida Console"/>
-                <a:cs typeface="Lucida Console"/>
-              </a:rPr>
-              <a:t>        # Reduce step, i.e. the input for </a:t>
-            </a:r>
-            <a:r>
-              <a:rPr lang="en-US" dirty="0" err="1">
-                <a:latin typeface="Lucida Console"/>
-                <a:cs typeface="Lucida Console"/>
-              </a:rPr>
-              <a:t>reducer.py</a:t>
-            </a:r>
-            <a:endParaRPr lang="en-US" dirty="0">
-              <a:latin typeface="Lucida Console"/>
-              <a:cs typeface="Lucida Console"/>
-            </a:endParaRPr>
-          </a:p>
-          <a:p>
-            <a:pPr marL="457200" lvl="1" indent="0">
-              <a:buNone/>
-            </a:pPr>
-            <a:r>
-              <a:rPr lang="en-US" dirty="0">
-                <a:latin typeface="Lucida Console"/>
-                <a:cs typeface="Lucida Console"/>
-              </a:rPr>
-              <a:t>        #</a:t>
-            </a:r>
-          </a:p>
-          <a:p>
-            <a:pPr marL="457200" lvl="1" indent="0">
-              <a:buNone/>
-            </a:pPr>
-            <a:r>
-              <a:rPr lang="en-US" dirty="0">
-                <a:latin typeface="Lucida Console"/>
-                <a:cs typeface="Lucida Console"/>
-              </a:rPr>
-              <a:t>        # tab-delimited; the trivial word count is 1</a:t>
-            </a:r>
-          </a:p>
-          <a:p>
-            <a:pPr marL="457200" lvl="1" indent="0">
-              <a:buNone/>
-            </a:pPr>
-            <a:r>
-              <a:rPr lang="en-US" dirty="0">
-                <a:latin typeface="Lucida Console"/>
-                <a:cs typeface="Lucida Console"/>
-              </a:rPr>
-              <a:t>        print '%s\</a:t>
-            </a:r>
-            <a:r>
-              <a:rPr lang="en-US" dirty="0" err="1">
-                <a:latin typeface="Lucida Console"/>
-                <a:cs typeface="Lucida Console"/>
-              </a:rPr>
-              <a:t>t%s</a:t>
-            </a:r>
-            <a:r>
-              <a:rPr lang="en-US" dirty="0">
-                <a:latin typeface="Lucida Console"/>
-                <a:cs typeface="Lucida Console"/>
-              </a:rPr>
-              <a:t>' % (word, 1)</a:t>
-            </a:r>
+          <a:bodyPr/>
+          <a:lstStyle/>
+          <a:p>
+            <a:r>
+              <a:rPr lang="en-US" dirty="0" smtClean="0"/>
+              <a:t>The reducers get the &lt;K,V&gt; pairs output from the mappers/combiners</a:t>
+            </a:r>
+          </a:p>
+          <a:p>
+            <a:r>
+              <a:rPr lang="en-US" dirty="0" smtClean="0"/>
+              <a:t>The output is first sorted/partitioned</a:t>
+            </a:r>
+          </a:p>
+          <a:p>
+            <a:r>
+              <a:rPr lang="en-US" dirty="0" smtClean="0"/>
+              <a:t>The reducers produce the final expected output, usually in the form of &lt;K,V&gt; pairs</a:t>
+            </a:r>
+            <a:endParaRPr lang="en-US" dirty="0"/>
           </a:p>
         </p:txBody>
       </p:sp>
     </p:spTree>
     <p:extLst>
       <p:ext uri="{BB962C8B-B14F-4D97-AF65-F5344CB8AC3E}">
-        <p14:creationId xmlns:p14="http://schemas.microsoft.com/office/powerpoint/2010/main" val="172982769"/>
+        <p14:creationId xmlns:p14="http://schemas.microsoft.com/office/powerpoint/2010/main" val="4032647134"/>
       </p:ext>
     </p:extLst>
   </p:cSld>
@@ -7851,7 +7546,7 @@
             </a:br>
             <a:r>
               <a:rPr lang="en-US" dirty="0" smtClean="0"/>
-              <a:t>A reducer</a:t>
+              <a:t>A mapper</a:t>
             </a:r>
             <a:endParaRPr lang="en-US" dirty="0"/>
           </a:p>
@@ -7867,15 +7562,10 @@
             <p:ph idx="1"/>
           </p:nvPr>
         </p:nvSpPr>
-        <p:spPr>
-          <a:xfrm>
-            <a:off x="375635" y="1443984"/>
-            <a:ext cx="8229600" cy="4525963"/>
-          </a:xfrm>
-        </p:spPr>
+        <p:spPr/>
         <p:txBody>
           <a:bodyPr>
-            <a:noAutofit/>
+            <a:normAutofit fontScale="55000" lnSpcReduction="20000"/>
           </a:bodyPr>
           <a:lstStyle/>
           <a:p>
@@ -7883,35 +7573,42 @@
               <a:buNone/>
             </a:pPr>
             <a:r>
-              <a:rPr lang="en-US" sz="800" dirty="0">
-                <a:latin typeface="Lucida Console"/>
-                <a:cs typeface="Lucida Console"/>
-              </a:rPr>
-              <a:t>#!/</a:t>
-            </a:r>
-            <a:r>
-              <a:rPr lang="en-US" sz="800" dirty="0" err="1">
+              <a:rPr lang="en-US" dirty="0" smtClean="0">
+                <a:latin typeface="Lucida Console"/>
+                <a:cs typeface="Lucida Console"/>
+              </a:rPr>
+              <a:t>#</a:t>
+            </a:r>
+            <a:r>
+              <a:rPr lang="en-US" dirty="0">
+                <a:latin typeface="Lucida Console"/>
+                <a:cs typeface="Lucida Console"/>
+              </a:rPr>
+              <a:t>!/</a:t>
+            </a:r>
+            <a:r>
+              <a:rPr lang="en-US" dirty="0" err="1">
                 <a:latin typeface="Lucida Console"/>
                 <a:cs typeface="Lucida Console"/>
               </a:rPr>
               <a:t>usr</a:t>
             </a:r>
             <a:r>
-              <a:rPr lang="en-US" sz="800" dirty="0">
+              <a:rPr lang="en-US" dirty="0">
                 <a:latin typeface="Lucida Console"/>
                 <a:cs typeface="Lucida Console"/>
               </a:rPr>
               <a:t>/bin/</a:t>
             </a:r>
             <a:r>
-              <a:rPr lang="en-US" sz="800" dirty="0" err="1">
+              <a:rPr lang="en-US" dirty="0" err="1">
                 <a:latin typeface="Lucida Console"/>
                 <a:cs typeface="Lucida Console"/>
               </a:rPr>
               <a:t>env</a:t>
             </a:r>
             <a:r>
-              <a:rPr lang="en-US" sz="800" dirty="0">
+              <a:rPr lang="en-US" dirty="0">
                 <a:latin typeface="Lucida Console"/>
                 <a:cs typeface="Lucida Console"/>
               </a:rPr>
@@ -7922,26 +7619,7 @@
             <a:pPr marL="457200" lvl="1" indent="0">
               <a:buNone/>
             </a:pPr>
-            <a:r>
-              <a:rPr lang="en-US" sz="800" dirty="0" smtClean="0">
-                <a:latin typeface="Lucida Console"/>
-                <a:cs typeface="Lucida Console"/>
-              </a:rPr>
-              <a:t>import </a:t>
-            </a:r>
-            <a:r>
-              <a:rPr lang="en-US" sz="800" dirty="0">
-                <a:latin typeface="Lucida Console"/>
-                <a:cs typeface="Lucida Console"/>
-              </a:rPr>
-              <a:t>sys</a:t>
-            </a:r>
-          </a:p>
-          <a:p>
-            <a:pPr marL="457200" lvl="1" indent="0">
-              <a:buNone/>
-            </a:pPr>
-            <a:endParaRPr lang="en-US" sz="800" dirty="0">
+            <a:endParaRPr lang="en-US" dirty="0">
               <a:latin typeface="Lucida Console"/>
               <a:cs typeface="Lucida Console"/>
             </a:endParaRPr>
@@ -7951,56 +7629,18 @@
               <a:buNone/>
             </a:pPr>
             <a:r>
-              <a:rPr lang="en-US" sz="800" dirty="0" err="1">
-                <a:latin typeface="Lucida Console"/>
-                <a:cs typeface="Lucida Console"/>
-              </a:rPr>
-              <a:t>current_word</a:t>
-            </a:r>
-            <a:r>
-              <a:rPr lang="en-US" sz="800" dirty="0">
-                <a:latin typeface="Lucida Console"/>
-                <a:cs typeface="Lucida Console"/>
-              </a:rPr>
-              <a:t> = None</a:t>
+              <a:rPr lang="en-US" dirty="0">
+                <a:latin typeface="Lucida Console"/>
+                <a:cs typeface="Lucida Console"/>
+              </a:rPr>
+              <a:t>import sys</a:t>
             </a:r>
           </a:p>
           <a:p>
             <a:pPr marL="457200" lvl="1" indent="0">
               <a:buNone/>
             </a:pPr>
-            <a:r>
-              <a:rPr lang="en-US" sz="800" dirty="0" err="1">
-                <a:latin typeface="Lucida Console"/>
-                <a:cs typeface="Lucida Console"/>
-              </a:rPr>
-              <a:t>current_count</a:t>
-            </a:r>
-            <a:r>
-              <a:rPr lang="en-US" sz="800" dirty="0">
-                <a:latin typeface="Lucida Console"/>
-                <a:cs typeface="Lucida Console"/>
-              </a:rPr>
-              <a:t> = 0</a:t>
-            </a:r>
-          </a:p>
-          <a:p>
-            <a:pPr marL="457200" lvl="1" indent="0">
-              <a:buNone/>
-            </a:pPr>
-            <a:r>
-              <a:rPr lang="en-US" sz="800" dirty="0">
-                <a:latin typeface="Lucida Console"/>
-                <a:cs typeface="Lucida Console"/>
-              </a:rPr>
-              <a:t>word = None</a:t>
-            </a:r>
-          </a:p>
-          <a:p>
-            <a:pPr marL="457200" lvl="1" indent="0">
-              <a:buNone/>
-            </a:pPr>
-            <a:endParaRPr lang="en-US" sz="800" dirty="0">
+            <a:endParaRPr lang="en-US" dirty="0">
               <a:latin typeface="Lucida Console"/>
               <a:cs typeface="Lucida Console"/>
             </a:endParaRPr>
@@ -8010,11 +7650,11 @@
               <a:buNone/>
             </a:pPr>
             <a:r>
-              <a:rPr lang="en-US" sz="800" dirty="0">
-                <a:latin typeface="Lucida Console"/>
-                <a:cs typeface="Lucida Console"/>
-              </a:rPr>
-              <a:t># input comes from STDIN</a:t>
+              <a:rPr lang="en-US" dirty="0">
+                <a:latin typeface="Lucida Console"/>
+                <a:cs typeface="Lucida Console"/>
+              </a:rPr>
+              <a:t># input comes from STDIN (standard input)</a:t>
             </a:r>
           </a:p>
           <a:p>
@@ -8022,21 +7662,21 @@
               <a:buNone/>
             </a:pPr>
             <a:r>
-              <a:rPr lang="en-US" sz="800" dirty="0">
+              <a:rPr lang="en-US" dirty="0">
                 <a:latin typeface="Lucida Console"/>
                 <a:cs typeface="Lucida Console"/>
               </a:rPr>
               <a:t>for line in </a:t>
             </a:r>
             <a:r>
-              <a:rPr lang="en-US" sz="800" dirty="0" err="1">
+              <a:rPr lang="en-US" dirty="0" err="1">
                 <a:latin typeface="Lucida Console"/>
                 <a:cs typeface="Lucida Console"/>
               </a:rPr>
               <a:t>sys.stdin</a:t>
             </a:r>
             <a:r>
-              <a:rPr lang="en-US" sz="800" dirty="0">
+              <a:rPr lang="en-US" dirty="0">
                 <a:latin typeface="Lucida Console"/>
                 <a:cs typeface="Lucida Console"/>
               </a:rPr>
@@ -8048,7 +7688,7 @@
               <a:buNone/>
             </a:pPr>
             <a:r>
-              <a:rPr lang="en-US" sz="800" dirty="0">
+              <a:rPr lang="en-US" dirty="0">
                 <a:latin typeface="Lucida Console"/>
                 <a:cs typeface="Lucida Console"/>
               </a:rPr>
@@ -8060,34 +7700,132 @@
               <a:buNone/>
             </a:pPr>
             <a:r>
-              <a:rPr lang="en-US" sz="800" dirty="0">
+              <a:rPr lang="en-US" dirty="0">
                 <a:latin typeface="Lucida Console"/>
                 <a:cs typeface="Lucida Console"/>
               </a:rPr>
               <a:t>    line = </a:t>
             </a:r>
             <a:r>
-              <a:rPr lang="en-US" sz="800" dirty="0" err="1">
+              <a:rPr lang="en-US" dirty="0" err="1">
                 <a:latin typeface="Lucida Console"/>
                 <a:cs typeface="Lucida Console"/>
               </a:rPr>
               <a:t>line.strip</a:t>
             </a:r>
             <a:r>
-              <a:rPr lang="en-US" sz="800" dirty="0">
-                <a:latin typeface="Lucida Console"/>
-                <a:cs typeface="Lucida Console"/>
-              </a:rPr>
-              <a:t>(</a:t>
-            </a:r>
-            <a:r>
-              <a:rPr lang="en-US" sz="800" dirty="0" smtClean="0">
-                <a:latin typeface="Lucida Console"/>
-                <a:cs typeface="Lucida Console"/>
-              </a:rPr>
-              <a:t>)</a:t>
-            </a:r>
-            <a:endParaRPr lang="en-US" sz="800" dirty="0">
+              <a:rPr lang="en-US" dirty="0">
+                <a:latin typeface="Lucida Console"/>
+                <a:cs typeface="Lucida Console"/>
+              </a:rPr>
+              <a:t>()</a:t>
+            </a:r>
+          </a:p>
+          <a:p>
+            <a:pPr marL="457200" lvl="1" indent="0">
+              <a:buNone/>
+            </a:pPr>
+            <a:r>
+              <a:rPr lang="en-US" dirty="0">
+                <a:latin typeface="Lucida Console"/>
+                <a:cs typeface="Lucida Console"/>
+              </a:rPr>
+              <a:t>    # split the line into words</a:t>
+            </a:r>
+          </a:p>
+          <a:p>
+            <a:pPr marL="457200" lvl="1" indent="0">
+              <a:buNone/>
+            </a:pPr>
+            <a:r>
+              <a:rPr lang="en-US" dirty="0">
+                <a:latin typeface="Lucida Console"/>
+                <a:cs typeface="Lucida Console"/>
+              </a:rPr>
+              <a:t>    words = </a:t>
+            </a:r>
+            <a:r>
+              <a:rPr lang="en-US" dirty="0" err="1">
+                <a:latin typeface="Lucida Console"/>
+                <a:cs typeface="Lucida Console"/>
+              </a:rPr>
+              <a:t>line.split</a:t>
+            </a:r>
+            <a:r>
+              <a:rPr lang="en-US" dirty="0">
+                <a:latin typeface="Lucida Console"/>
+                <a:cs typeface="Lucida Console"/>
+              </a:rPr>
+              <a:t>()</a:t>
+            </a:r>
+          </a:p>
+          <a:p>
+            <a:pPr marL="457200" lvl="1" indent="0">
+              <a:buNone/>
+            </a:pPr>
+            <a:r>
+              <a:rPr lang="en-US" dirty="0">
+                <a:latin typeface="Lucida Console"/>
+                <a:cs typeface="Lucida Console"/>
+              </a:rPr>
+              <a:t>    # increase counters</a:t>
+            </a:r>
+          </a:p>
+          <a:p>
+            <a:pPr marL="457200" lvl="1" indent="0">
+              <a:buNone/>
+            </a:pPr>
+            <a:r>
+              <a:rPr lang="en-US" dirty="0">
+                <a:latin typeface="Lucida Console"/>
+                <a:cs typeface="Lucida Console"/>
+              </a:rPr>
+              <a:t>    for word in words:</a:t>
+            </a:r>
+          </a:p>
+          <a:p>
+            <a:pPr marL="457200" lvl="1" indent="0">
+              <a:buNone/>
+            </a:pPr>
+            <a:r>
+              <a:rPr lang="en-US" dirty="0">
+                <a:latin typeface="Lucida Console"/>
+                <a:cs typeface="Lucida Console"/>
+              </a:rPr>
+              <a:t>        # write the results to STDOUT (standard output);</a:t>
+            </a:r>
+          </a:p>
+          <a:p>
+            <a:pPr marL="457200" lvl="1" indent="0">
+              <a:buNone/>
+            </a:pPr>
+            <a:r>
+              <a:rPr lang="en-US" dirty="0">
+                <a:latin typeface="Lucida Console"/>
+                <a:cs typeface="Lucida Console"/>
+              </a:rPr>
+              <a:t>        # what we output here will be the input for the</a:t>
+            </a:r>
+          </a:p>
+          <a:p>
+            <a:pPr marL="457200" lvl="1" indent="0">
+              <a:buNone/>
+            </a:pPr>
+            <a:r>
+              <a:rPr lang="en-US" dirty="0">
+                <a:latin typeface="Lucida Console"/>
+                <a:cs typeface="Lucida Console"/>
+              </a:rPr>
+              <a:t>        # Reduce step, i.e. the input for </a:t>
+            </a:r>
+            <a:r>
+              <a:rPr lang="en-US" dirty="0" err="1">
+                <a:latin typeface="Lucida Console"/>
+                <a:cs typeface="Lucida Console"/>
+              </a:rPr>
+              <a:t>reducer.py</a:t>
+            </a:r>
+            <a:endParaRPr lang="en-US" dirty="0">
               <a:latin typeface="Lucida Console"/>
               <a:cs typeface="Lucida Console"/>
             </a:endParaRPr>
@@ -8097,508 +7835,49 @@
               <a:buNone/>
             </a:pPr>
             <a:r>
-              <a:rPr lang="en-US" sz="800" dirty="0">
-                <a:latin typeface="Lucida Console"/>
-                <a:cs typeface="Lucida Console"/>
-              </a:rPr>
-              <a:t>    # parse the input we got from </a:t>
-            </a:r>
-            <a:r>
-              <a:rPr lang="en-US" sz="800" dirty="0" err="1">
-                <a:latin typeface="Lucida Console"/>
-                <a:cs typeface="Lucida Console"/>
-              </a:rPr>
-              <a:t>mapper.py</a:t>
-            </a:r>
-            <a:endParaRPr lang="en-US" sz="800" dirty="0">
-              <a:latin typeface="Lucida Console"/>
-              <a:cs typeface="Lucida Console"/>
-            </a:endParaRPr>
+              <a:rPr lang="en-US" dirty="0">
+                <a:latin typeface="Lucida Console"/>
+                <a:cs typeface="Lucida Console"/>
+              </a:rPr>
+              <a:t>        #</a:t>
+            </a:r>
           </a:p>
           <a:p>
             <a:pPr marL="457200" lvl="1" indent="0">
               <a:buNone/>
             </a:pPr>
             <a:r>
-              <a:rPr lang="en-US" sz="800" dirty="0">
-                <a:latin typeface="Lucida Console"/>
-                <a:cs typeface="Lucida Console"/>
-              </a:rPr>
-              <a:t>    word, count = </a:t>
-            </a:r>
-            <a:r>
-              <a:rPr lang="en-US" sz="800" dirty="0" err="1">
-                <a:latin typeface="Lucida Console"/>
-                <a:cs typeface="Lucida Console"/>
-              </a:rPr>
-              <a:t>line.split</a:t>
-            </a:r>
-            <a:r>
-              <a:rPr lang="en-US" sz="800" dirty="0">
-                <a:latin typeface="Lucida Console"/>
-                <a:cs typeface="Lucida Console"/>
-              </a:rPr>
-              <a:t>('\t', 1</a:t>
-            </a:r>
-            <a:r>
-              <a:rPr lang="en-US" sz="800" dirty="0" smtClean="0">
-                <a:latin typeface="Lucida Console"/>
-                <a:cs typeface="Lucida Console"/>
-              </a:rPr>
-              <a:t>)</a:t>
-            </a:r>
-            <a:endParaRPr lang="en-US" sz="800" dirty="0">
-              <a:latin typeface="Lucida Console"/>
-              <a:cs typeface="Lucida Console"/>
-            </a:endParaRPr>
+              <a:rPr lang="en-US" dirty="0">
+                <a:latin typeface="Lucida Console"/>
+                <a:cs typeface="Lucida Console"/>
+              </a:rPr>
+              <a:t>        # tab-delimited; the trivial word count is 1</a:t>
+            </a:r>
           </a:p>
           <a:p>
             <a:pPr marL="457200" lvl="1" indent="0">
               <a:buNone/>
             </a:pPr>
             <a:r>
-              <a:rPr lang="en-US" sz="800" dirty="0">
-                <a:latin typeface="Lucida Console"/>
-                <a:cs typeface="Lucida Console"/>
-              </a:rPr>
-              <a:t>    # convert count (currently a string) to </a:t>
-            </a:r>
-            <a:r>
-              <a:rPr lang="en-US" sz="800" dirty="0" err="1">
-                <a:latin typeface="Lucida Console"/>
-                <a:cs typeface="Lucida Console"/>
-              </a:rPr>
-              <a:t>int</a:t>
-            </a:r>
-            <a:endParaRPr lang="en-US" sz="800" dirty="0">
-              <a:latin typeface="Lucida Console"/>
-              <a:cs typeface="Lucida Console"/>
-            </a:endParaRPr>
-          </a:p>
-          <a:p>
-            <a:pPr marL="457200" lvl="1" indent="0">
-              <a:buNone/>
-            </a:pPr>
-            <a:r>
-              <a:rPr lang="en-US" sz="800" dirty="0">
-                <a:latin typeface="Lucida Console"/>
-                <a:cs typeface="Lucida Console"/>
-              </a:rPr>
-              <a:t>    try:</a:t>
-            </a:r>
-          </a:p>
-          <a:p>
-            <a:pPr marL="457200" lvl="1" indent="0">
-              <a:buNone/>
-            </a:pPr>
-            <a:r>
-              <a:rPr lang="en-US" sz="800" dirty="0">
-                <a:latin typeface="Lucida Console"/>
-                <a:cs typeface="Lucida Console"/>
-              </a:rPr>
-              <a:t>        count = </a:t>
-            </a:r>
-            <a:r>
-              <a:rPr lang="en-US" sz="800" dirty="0" err="1">
-                <a:latin typeface="Lucida Console"/>
-                <a:cs typeface="Lucida Console"/>
-              </a:rPr>
-              <a:t>int</a:t>
-            </a:r>
-            <a:r>
-              <a:rPr lang="en-US" sz="800" dirty="0">
-                <a:latin typeface="Lucida Console"/>
-                <a:cs typeface="Lucida Console"/>
-              </a:rPr>
-              <a:t>(count)</a:t>
-            </a:r>
-          </a:p>
-          <a:p>
-            <a:pPr marL="457200" lvl="1" indent="0">
-              <a:buNone/>
-            </a:pPr>
-            <a:r>
-              <a:rPr lang="en-US" sz="800" dirty="0">
-                <a:latin typeface="Lucida Console"/>
-                <a:cs typeface="Lucida Console"/>
-              </a:rPr>
-              <a:t>    except </a:t>
-            </a:r>
-            <a:r>
-              <a:rPr lang="en-US" sz="800" dirty="0" err="1">
-                <a:latin typeface="Lucida Console"/>
-                <a:cs typeface="Lucida Console"/>
-              </a:rPr>
-              <a:t>ValueError</a:t>
-            </a:r>
-            <a:r>
-              <a:rPr lang="en-US" sz="800" dirty="0">
-                <a:latin typeface="Lucida Console"/>
-                <a:cs typeface="Lucida Console"/>
-              </a:rPr>
-              <a:t>:</a:t>
-            </a:r>
-          </a:p>
-          <a:p>
-            <a:pPr marL="457200" lvl="1" indent="0">
-              <a:buNone/>
-            </a:pPr>
-            <a:r>
-              <a:rPr lang="en-US" sz="800" dirty="0" smtClean="0">
-                <a:latin typeface="Lucida Console"/>
-                <a:cs typeface="Lucida Console"/>
-              </a:rPr>
-              <a:t>	continue</a:t>
-            </a:r>
-            <a:endParaRPr lang="en-US" sz="800" dirty="0">
-              <a:latin typeface="Lucida Console"/>
-              <a:cs typeface="Lucida Console"/>
-            </a:endParaRPr>
-          </a:p>
-          <a:p>
-            <a:pPr marL="457200" lvl="1" indent="0">
-              <a:buNone/>
-            </a:pPr>
-            <a:r>
-              <a:rPr lang="en-US" sz="800" dirty="0">
-                <a:latin typeface="Lucida Console"/>
-                <a:cs typeface="Lucida Console"/>
-              </a:rPr>
-              <a:t>    # this IF-switch only works because </a:t>
-            </a:r>
-            <a:r>
-              <a:rPr lang="en-US" sz="800" dirty="0" err="1">
-                <a:latin typeface="Lucida Console"/>
-                <a:cs typeface="Lucida Console"/>
-              </a:rPr>
-              <a:t>Hadoop</a:t>
-            </a:r>
-            <a:r>
-              <a:rPr lang="en-US" sz="800" dirty="0">
-                <a:latin typeface="Lucida Console"/>
-                <a:cs typeface="Lucida Console"/>
-              </a:rPr>
-              <a:t> sorts map </a:t>
-            </a:r>
-            <a:r>
-              <a:rPr lang="en-US" sz="800" dirty="0" smtClean="0">
-                <a:latin typeface="Lucida Console"/>
-                <a:cs typeface="Lucida Console"/>
-              </a:rPr>
-              <a:t>output by key</a:t>
-            </a:r>
-            <a:endParaRPr lang="en-US" sz="800" dirty="0">
-              <a:latin typeface="Lucida Console"/>
-              <a:cs typeface="Lucida Console"/>
-            </a:endParaRPr>
-          </a:p>
-          <a:p>
-            <a:pPr marL="457200" lvl="1" indent="0">
-              <a:buNone/>
-            </a:pPr>
-            <a:r>
-              <a:rPr lang="en-US" sz="800" dirty="0" smtClean="0">
-                <a:latin typeface="Lucida Console"/>
-                <a:cs typeface="Lucida Console"/>
-              </a:rPr>
-              <a:t>    if </a:t>
-            </a:r>
-            <a:r>
-              <a:rPr lang="en-US" sz="800" dirty="0" err="1">
-                <a:latin typeface="Lucida Console"/>
-                <a:cs typeface="Lucida Console"/>
-              </a:rPr>
-              <a:t>current_word</a:t>
-            </a:r>
-            <a:r>
-              <a:rPr lang="en-US" sz="800" dirty="0">
-                <a:latin typeface="Lucida Console"/>
-                <a:cs typeface="Lucida Console"/>
-              </a:rPr>
-              <a:t> == word:</a:t>
-            </a:r>
-          </a:p>
-          <a:p>
-            <a:pPr marL="457200" lvl="1" indent="0">
-              <a:buNone/>
-            </a:pPr>
-            <a:r>
-              <a:rPr lang="en-US" sz="800" dirty="0">
-                <a:latin typeface="Lucida Console"/>
-                <a:cs typeface="Lucida Console"/>
-              </a:rPr>
-              <a:t>        </a:t>
-            </a:r>
-            <a:r>
-              <a:rPr lang="en-US" sz="800" dirty="0" err="1">
-                <a:latin typeface="Lucida Console"/>
-                <a:cs typeface="Lucida Console"/>
-              </a:rPr>
-              <a:t>current_count</a:t>
-            </a:r>
-            <a:r>
-              <a:rPr lang="en-US" sz="800" dirty="0">
-                <a:latin typeface="Lucida Console"/>
-                <a:cs typeface="Lucida Console"/>
-              </a:rPr>
-              <a:t> += count</a:t>
-            </a:r>
-          </a:p>
-          <a:p>
-            <a:pPr marL="457200" lvl="1" indent="0">
-              <a:buNone/>
-            </a:pPr>
-            <a:r>
-              <a:rPr lang="en-US" sz="800" dirty="0">
-                <a:latin typeface="Lucida Console"/>
-                <a:cs typeface="Lucida Console"/>
-              </a:rPr>
-              <a:t>    else:</a:t>
-            </a:r>
-          </a:p>
-          <a:p>
-            <a:pPr marL="457200" lvl="1" indent="0">
-              <a:buNone/>
-            </a:pPr>
-            <a:r>
-              <a:rPr lang="en-US" sz="800" dirty="0">
-                <a:latin typeface="Lucida Console"/>
-                <a:cs typeface="Lucida Console"/>
-              </a:rPr>
-              <a:t>        if </a:t>
-            </a:r>
-            <a:r>
-              <a:rPr lang="en-US" sz="800" dirty="0" err="1">
-                <a:latin typeface="Lucida Console"/>
-                <a:cs typeface="Lucida Console"/>
-              </a:rPr>
-              <a:t>current_word</a:t>
-            </a:r>
-            <a:r>
-              <a:rPr lang="en-US" sz="800" dirty="0">
-                <a:latin typeface="Lucida Console"/>
-                <a:cs typeface="Lucida Console"/>
-              </a:rPr>
-              <a:t>:</a:t>
-            </a:r>
-          </a:p>
-          <a:p>
-            <a:pPr marL="457200" lvl="1" indent="0">
-              <a:buNone/>
-            </a:pPr>
-            <a:r>
-              <a:rPr lang="en-US" sz="800" dirty="0">
-                <a:latin typeface="Lucida Console"/>
-                <a:cs typeface="Lucida Console"/>
-              </a:rPr>
-              <a:t>            # write result to STDOUT</a:t>
-            </a:r>
-          </a:p>
-          <a:p>
-            <a:pPr marL="457200" lvl="1" indent="0">
-              <a:buNone/>
-            </a:pPr>
-            <a:r>
-              <a:rPr lang="en-US" sz="800" dirty="0">
-                <a:latin typeface="Lucida Console"/>
-                <a:cs typeface="Lucida Console"/>
-              </a:rPr>
-              <a:t>            print '%s\</a:t>
-            </a:r>
-            <a:r>
-              <a:rPr lang="en-US" sz="800" dirty="0" err="1">
+              <a:rPr lang="en-US" dirty="0">
+                <a:latin typeface="Lucida Console"/>
+                <a:cs typeface="Lucida Console"/>
+              </a:rPr>
+              <a:t>        print '%s\</a:t>
+            </a:r>
+            <a:r>
+              <a:rPr lang="en-US" dirty="0" err="1">
                 <a:latin typeface="Lucida Console"/>
                 <a:cs typeface="Lucida Console"/>
               </a:rPr>
               <a:t>t%s</a:t>
             </a:r>
             <a:r>
-              <a:rPr lang="en-US" sz="800" dirty="0">
-                <a:latin typeface="Lucida Console"/>
-                <a:cs typeface="Lucida Console"/>
-              </a:rPr>
-              <a:t>' % (</a:t>
-            </a:r>
-            <a:r>
-              <a:rPr lang="en-US" sz="800" dirty="0" err="1">
-                <a:latin typeface="Lucida Console"/>
-                <a:cs typeface="Lucida Console"/>
-              </a:rPr>
-              <a:t>current_word</a:t>
-            </a:r>
-            <a:r>
-              <a:rPr lang="en-US" sz="800" dirty="0">
-                <a:latin typeface="Lucida Console"/>
-                <a:cs typeface="Lucida Console"/>
-              </a:rPr>
-              <a:t>, </a:t>
-            </a:r>
-            <a:r>
-              <a:rPr lang="en-US" sz="800" dirty="0" err="1">
-                <a:latin typeface="Lucida Console"/>
-                <a:cs typeface="Lucida Console"/>
-              </a:rPr>
-              <a:t>current_count</a:t>
-            </a:r>
-            <a:r>
-              <a:rPr lang="en-US" sz="800" dirty="0">
-                <a:latin typeface="Lucida Console"/>
-                <a:cs typeface="Lucida Console"/>
-              </a:rPr>
-              <a:t>)</a:t>
-            </a:r>
-          </a:p>
-          <a:p>
-            <a:pPr marL="457200" lvl="1" indent="0">
-              <a:buNone/>
-            </a:pPr>
-            <a:r>
-              <a:rPr lang="en-US" sz="800" dirty="0">
-                <a:latin typeface="Lucida Console"/>
-                <a:cs typeface="Lucida Console"/>
-              </a:rPr>
-              <a:t>        </a:t>
-            </a:r>
-            <a:r>
-              <a:rPr lang="en-US" sz="800" dirty="0" err="1">
-                <a:latin typeface="Lucida Console"/>
-                <a:cs typeface="Lucida Console"/>
-              </a:rPr>
-              <a:t>current_count</a:t>
-            </a:r>
-            <a:r>
-              <a:rPr lang="en-US" sz="800" dirty="0">
-                <a:latin typeface="Lucida Console"/>
-                <a:cs typeface="Lucida Console"/>
-              </a:rPr>
-              <a:t> = count</a:t>
-            </a:r>
-          </a:p>
-          <a:p>
-            <a:pPr marL="457200" lvl="1" indent="0">
-              <a:buNone/>
-            </a:pPr>
-            <a:r>
-              <a:rPr lang="en-US" sz="800" dirty="0">
-                <a:latin typeface="Lucida Console"/>
-                <a:cs typeface="Lucida Console"/>
-              </a:rPr>
-              <a:t>        </a:t>
-            </a:r>
-            <a:r>
-              <a:rPr lang="en-US" sz="800" dirty="0" err="1">
-                <a:latin typeface="Lucida Console"/>
-                <a:cs typeface="Lucida Console"/>
-              </a:rPr>
-              <a:t>current_word</a:t>
-            </a:r>
-            <a:r>
-              <a:rPr lang="en-US" sz="800" dirty="0">
-                <a:latin typeface="Lucida Console"/>
-                <a:cs typeface="Lucida Console"/>
-              </a:rPr>
-              <a:t> = word</a:t>
-            </a:r>
-          </a:p>
-          <a:p>
-            <a:pPr marL="457200" lvl="1" indent="0">
-              <a:buNone/>
-            </a:pPr>
-            <a:endParaRPr lang="en-US" sz="800" dirty="0">
-              <a:latin typeface="Lucida Console"/>
-              <a:cs typeface="Lucida Console"/>
-            </a:endParaRPr>
-          </a:p>
-          <a:p>
-            <a:pPr marL="457200" lvl="1" indent="0">
-              <a:buNone/>
-            </a:pPr>
-            <a:r>
-              <a:rPr lang="en-US" sz="800" dirty="0">
-                <a:latin typeface="Lucida Console"/>
-                <a:cs typeface="Lucida Console"/>
-              </a:rPr>
-              <a:t># do not forget to output the last word if needed!</a:t>
-            </a:r>
-          </a:p>
-          <a:p>
-            <a:pPr marL="457200" lvl="1" indent="0">
-              <a:buNone/>
-            </a:pPr>
-            <a:r>
-              <a:rPr lang="en-US" sz="800" dirty="0">
-                <a:latin typeface="Lucida Console"/>
-                <a:cs typeface="Lucida Console"/>
-              </a:rPr>
-              <a:t>if </a:t>
-            </a:r>
-            <a:r>
-              <a:rPr lang="en-US" sz="800" dirty="0" err="1">
-                <a:latin typeface="Lucida Console"/>
-                <a:cs typeface="Lucida Console"/>
-              </a:rPr>
-              <a:t>current_word</a:t>
-            </a:r>
-            <a:r>
-              <a:rPr lang="en-US" sz="800" dirty="0">
-                <a:latin typeface="Lucida Console"/>
-                <a:cs typeface="Lucida Console"/>
-              </a:rPr>
-              <a:t> == word:</a:t>
-            </a:r>
-          </a:p>
-          <a:p>
-            <a:pPr marL="457200" lvl="1" indent="0">
-              <a:buNone/>
-            </a:pPr>
-            <a:r>
-              <a:rPr lang="en-US" sz="800" dirty="0">
-                <a:latin typeface="Lucida Console"/>
-                <a:cs typeface="Lucida Console"/>
-              </a:rPr>
-              <a:t>    print '%s\</a:t>
-            </a:r>
-            <a:r>
-              <a:rPr lang="en-US" sz="800" dirty="0" err="1">
-                <a:latin typeface="Lucida Console"/>
-                <a:cs typeface="Lucida Console"/>
-              </a:rPr>
-              <a:t>t%s</a:t>
-            </a:r>
-            <a:r>
-              <a:rPr lang="en-US" sz="800" dirty="0">
-                <a:latin typeface="Lucida Console"/>
-                <a:cs typeface="Lucida Console"/>
-              </a:rPr>
-              <a:t>' % (</a:t>
-            </a:r>
-            <a:r>
-              <a:rPr lang="en-US" sz="800" dirty="0" err="1">
-                <a:latin typeface="Lucida Console"/>
-                <a:cs typeface="Lucida Console"/>
-              </a:rPr>
-              <a:t>current_word</a:t>
-            </a:r>
-            <a:r>
-              <a:rPr lang="en-US" sz="800" dirty="0">
-                <a:latin typeface="Lucida Console"/>
-                <a:cs typeface="Lucida Console"/>
-              </a:rPr>
-              <a:t>, </a:t>
-            </a:r>
-            <a:r>
-              <a:rPr lang="en-US" sz="800" dirty="0" err="1">
-                <a:latin typeface="Lucida Console"/>
-                <a:cs typeface="Lucida Console"/>
-              </a:rPr>
-              <a:t>current_count</a:t>
-            </a:r>
-            <a:r>
-              <a:rPr lang="en-US" sz="800" dirty="0">
-                <a:latin typeface="Lucida Console"/>
-                <a:cs typeface="Lucida Console"/>
-              </a:rPr>
-              <a:t>)</a:t>
+              <a:rPr lang="en-US" dirty="0">
+                <a:latin typeface="Lucida Console"/>
+                <a:cs typeface="Lucida Console"/>
+              </a:rPr>
+              <a:t>' % (word, 1)</a:t>
             </a:r>
           </a:p>
         </p:txBody>
@@ -8606,7 +7885,7 @@
     </p:spTree>
     <p:extLst>
       <p:ext uri="{BB962C8B-B14F-4D97-AF65-F5344CB8AC3E}">
-        <p14:creationId xmlns:p14="http://schemas.microsoft.com/office/powerpoint/2010/main" val="807094189"/>
+        <p14:creationId xmlns:p14="http://schemas.microsoft.com/office/powerpoint/2010/main" val="172982769"/>
       </p:ext>
     </p:extLst>
   </p:cSld>
@@ -8652,7 +7931,14 @@
           <a:p>
             <a:r>
               <a:rPr lang="en-US" dirty="0" smtClean="0"/>
-              <a:t>Executing this on a set of files</a:t>
+              <a:t>Map Reduce in Python</a:t>
+            </a:r>
+            <a:br>
+              <a:rPr lang="en-US" dirty="0" smtClean="0"/>
+            </a:br>
+            <a:r>
+              <a:rPr lang="en-US" dirty="0" smtClean="0"/>
+              <a:t>A reducer</a:t>
             </a:r>
             <a:endParaRPr lang="en-US" dirty="0"/>
           </a:p>
@@ -8668,155 +7954,746 @@
             <p:ph idx="1"/>
           </p:nvPr>
         </p:nvSpPr>
-        <p:spPr/>
-        <p:txBody>
-          <a:bodyPr/>
-          <a:lstStyle/>
-          <a:p>
-            <a:pPr marL="0" indent="0">
+        <p:spPr>
+          <a:xfrm>
+            <a:off x="375635" y="1443984"/>
+            <a:ext cx="8229600" cy="4525963"/>
+          </a:xfrm>
+        </p:spPr>
+        <p:txBody>
+          <a:bodyPr>
+            <a:noAutofit/>
+          </a:bodyPr>
+          <a:lstStyle/>
+          <a:p>
+            <a:pPr marL="457200" lvl="1" indent="0">
               <a:buNone/>
             </a:pPr>
             <a:r>
-              <a:rPr lang="en-US" dirty="0"/>
-              <a:t>y</a:t>
-            </a:r>
-            <a:r>
-              <a:rPr lang="en-US" dirty="0" smtClean="0"/>
-              <a:t>arn </a:t>
-            </a:r>
-            <a:br>
-              <a:rPr lang="en-US" dirty="0" smtClean="0"/>
-            </a:br>
-            <a:r>
-              <a:rPr lang="en-US" dirty="0" smtClean="0"/>
-              <a:t>jar </a:t>
-            </a:r>
-            <a:br>
-              <a:rPr lang="en-US" dirty="0" smtClean="0"/>
-            </a:br>
-            <a:r>
-              <a:rPr lang="en-US" dirty="0" smtClean="0"/>
-              <a:t>/</a:t>
-            </a:r>
-            <a:r>
-              <a:rPr lang="en-US" dirty="0" err="1"/>
+              <a:rPr lang="en-US" sz="800" dirty="0">
+                <a:latin typeface="Lucida Console"/>
+                <a:cs typeface="Lucida Console"/>
+              </a:rPr>
+              <a:t>#!/</a:t>
+            </a:r>
+            <a:r>
+              <a:rPr lang="en-US" sz="800" dirty="0" err="1">
+                <a:latin typeface="Lucida Console"/>
+                <a:cs typeface="Lucida Console"/>
+              </a:rPr>
               <a:t>usr</a:t>
             </a:r>
             <a:r>
-              <a:rPr lang="en-US" dirty="0" smtClean="0"/>
-              <a:t>/</a:t>
-            </a:r>
-            <a:r>
-              <a:rPr lang="is-IS" dirty="0" smtClean="0"/>
-              <a:t>….</a:t>
-            </a:r>
-            <a:r>
-              <a:rPr lang="en-US" dirty="0" smtClean="0"/>
-              <a:t>/</a:t>
-            </a:r>
-            <a:r>
-              <a:rPr lang="en-US" dirty="0"/>
-              <a:t>lib/hadoop-streaming-2.7.1.jar </a:t>
-            </a:r>
-            <a:endParaRPr lang="en-US" dirty="0" smtClean="0"/>
-          </a:p>
-          <a:p>
-            <a:pPr marL="0" indent="0">
+              <a:rPr lang="en-US" sz="800" dirty="0">
+                <a:latin typeface="Lucida Console"/>
+                <a:cs typeface="Lucida Console"/>
+              </a:rPr>
+              <a:t>/bin/</a:t>
+            </a:r>
+            <a:r>
+              <a:rPr lang="en-US" sz="800" dirty="0" err="1">
+                <a:latin typeface="Lucida Console"/>
+                <a:cs typeface="Lucida Console"/>
+              </a:rPr>
+              <a:t>env</a:t>
+            </a:r>
+            <a:r>
+              <a:rPr lang="en-US" sz="800" dirty="0">
+                <a:latin typeface="Lucida Console"/>
+                <a:cs typeface="Lucida Console"/>
+              </a:rPr>
+              <a:t> python</a:t>
+            </a:r>
+          </a:p>
+          <a:p>
+            <a:pPr marL="457200" lvl="1" indent="0">
               <a:buNone/>
             </a:pPr>
             <a:r>
-              <a:rPr lang="en-US" dirty="0" smtClean="0"/>
-              <a:t>-</a:t>
-            </a:r>
-            <a:r>
-              <a:rPr lang="en-US" dirty="0"/>
-              <a:t>input /user/</a:t>
-            </a:r>
-            <a:r>
-              <a:rPr lang="en-US" dirty="0" err="1"/>
-              <a:t>hduser</a:t>
-            </a:r>
-            <a:r>
-              <a:rPr lang="en-US" dirty="0" smtClean="0"/>
-              <a:t>/books </a:t>
-            </a:r>
-            <a:br>
-              <a:rPr lang="en-US" dirty="0" smtClean="0"/>
-            </a:br>
-            <a:r>
-              <a:rPr lang="en-US" dirty="0" smtClean="0"/>
-              <a:t>-</a:t>
-            </a:r>
-            <a:r>
-              <a:rPr lang="en-US" dirty="0"/>
-              <a:t>output /user/</a:t>
-            </a:r>
-            <a:r>
-              <a:rPr lang="en-US" dirty="0" err="1"/>
-              <a:t>hduser</a:t>
-            </a:r>
-            <a:r>
-              <a:rPr lang="en-US" dirty="0"/>
-              <a:t>/</a:t>
-            </a:r>
-            <a:r>
-              <a:rPr lang="en-US" dirty="0" smtClean="0"/>
-              <a:t>output </a:t>
-            </a:r>
-            <a:br>
-              <a:rPr lang="en-US" dirty="0" smtClean="0"/>
-            </a:br>
-            <a:r>
-              <a:rPr lang="en-US" dirty="0" smtClean="0"/>
-              <a:t>-</a:t>
-            </a:r>
-            <a:r>
-              <a:rPr lang="en-US" dirty="0"/>
-              <a:t>mapper .</a:t>
-            </a:r>
-            <a:r>
-              <a:rPr lang="en-US" dirty="0" smtClean="0"/>
-              <a:t>/</a:t>
-            </a:r>
-            <a:r>
-              <a:rPr lang="en-US" dirty="0" err="1" smtClean="0"/>
+              <a:rPr lang="en-US" sz="800" dirty="0" smtClean="0">
+                <a:latin typeface="Lucida Console"/>
+                <a:cs typeface="Lucida Console"/>
+              </a:rPr>
+              <a:t>import </a:t>
+            </a:r>
+            <a:r>
+              <a:rPr lang="en-US" sz="800" dirty="0">
+                <a:latin typeface="Lucida Console"/>
+                <a:cs typeface="Lucida Console"/>
+              </a:rPr>
+              <a:t>sys</a:t>
+            </a:r>
+          </a:p>
+          <a:p>
+            <a:pPr marL="457200" lvl="1" indent="0">
+              <a:buNone/>
+            </a:pPr>
+            <a:endParaRPr lang="en-US" sz="800" dirty="0">
+              <a:latin typeface="Lucida Console"/>
+              <a:cs typeface="Lucida Console"/>
+            </a:endParaRPr>
+          </a:p>
+          <a:p>
+            <a:pPr marL="457200" lvl="1" indent="0">
+              <a:buNone/>
+            </a:pPr>
+            <a:r>
+              <a:rPr lang="en-US" sz="800" dirty="0" err="1">
+                <a:latin typeface="Lucida Console"/>
+                <a:cs typeface="Lucida Console"/>
+              </a:rPr>
+              <a:t>current_word</a:t>
+            </a:r>
+            <a:r>
+              <a:rPr lang="en-US" sz="800" dirty="0">
+                <a:latin typeface="Lucida Console"/>
+                <a:cs typeface="Lucida Console"/>
+              </a:rPr>
+              <a:t> = None</a:t>
+            </a:r>
+          </a:p>
+          <a:p>
+            <a:pPr marL="457200" lvl="1" indent="0">
+              <a:buNone/>
+            </a:pPr>
+            <a:r>
+              <a:rPr lang="en-US" sz="800" dirty="0" err="1">
+                <a:latin typeface="Lucida Console"/>
+                <a:cs typeface="Lucida Console"/>
+              </a:rPr>
+              <a:t>current_count</a:t>
+            </a:r>
+            <a:r>
+              <a:rPr lang="en-US" sz="800" dirty="0">
+                <a:latin typeface="Lucida Console"/>
+                <a:cs typeface="Lucida Console"/>
+              </a:rPr>
+              <a:t> = 0</a:t>
+            </a:r>
+          </a:p>
+          <a:p>
+            <a:pPr marL="457200" lvl="1" indent="0">
+              <a:buNone/>
+            </a:pPr>
+            <a:r>
+              <a:rPr lang="en-US" sz="800" dirty="0">
+                <a:latin typeface="Lucida Console"/>
+                <a:cs typeface="Lucida Console"/>
+              </a:rPr>
+              <a:t>word = None</a:t>
+            </a:r>
+          </a:p>
+          <a:p>
+            <a:pPr marL="457200" lvl="1" indent="0">
+              <a:buNone/>
+            </a:pPr>
+            <a:endParaRPr lang="en-US" sz="800" dirty="0">
+              <a:latin typeface="Lucida Console"/>
+              <a:cs typeface="Lucida Console"/>
+            </a:endParaRPr>
+          </a:p>
+          <a:p>
+            <a:pPr marL="457200" lvl="1" indent="0">
+              <a:buNone/>
+            </a:pPr>
+            <a:r>
+              <a:rPr lang="en-US" sz="800" dirty="0">
+                <a:latin typeface="Lucida Console"/>
+                <a:cs typeface="Lucida Console"/>
+              </a:rPr>
+              <a:t># input comes from STDIN</a:t>
+            </a:r>
+          </a:p>
+          <a:p>
+            <a:pPr marL="457200" lvl="1" indent="0">
+              <a:buNone/>
+            </a:pPr>
+            <a:r>
+              <a:rPr lang="en-US" sz="800" dirty="0">
+                <a:latin typeface="Lucida Console"/>
+                <a:cs typeface="Lucida Console"/>
+              </a:rPr>
+              <a:t>for line in </a:t>
+            </a:r>
+            <a:r>
+              <a:rPr lang="en-US" sz="800" dirty="0" err="1">
+                <a:latin typeface="Lucida Console"/>
+                <a:cs typeface="Lucida Console"/>
+              </a:rPr>
+              <a:t>sys.stdin</a:t>
+            </a:r>
+            <a:r>
+              <a:rPr lang="en-US" sz="800" dirty="0">
+                <a:latin typeface="Lucida Console"/>
+                <a:cs typeface="Lucida Console"/>
+              </a:rPr>
+              <a:t>:</a:t>
+            </a:r>
+          </a:p>
+          <a:p>
+            <a:pPr marL="457200" lvl="1" indent="0">
+              <a:buNone/>
+            </a:pPr>
+            <a:r>
+              <a:rPr lang="en-US" sz="800" dirty="0">
+                <a:latin typeface="Lucida Console"/>
+                <a:cs typeface="Lucida Console"/>
+              </a:rPr>
+              <a:t>    # remove leading and trailing whitespace</a:t>
+            </a:r>
+          </a:p>
+          <a:p>
+            <a:pPr marL="457200" lvl="1" indent="0">
+              <a:buNone/>
+            </a:pPr>
+            <a:r>
+              <a:rPr lang="en-US" sz="800" dirty="0">
+                <a:latin typeface="Lucida Console"/>
+                <a:cs typeface="Lucida Console"/>
+              </a:rPr>
+              <a:t>    line = </a:t>
+            </a:r>
+            <a:r>
+              <a:rPr lang="en-US" sz="800" dirty="0" err="1">
+                <a:latin typeface="Lucida Console"/>
+                <a:cs typeface="Lucida Console"/>
+              </a:rPr>
+              <a:t>line.strip</a:t>
+            </a:r>
+            <a:r>
+              <a:rPr lang="en-US" sz="800" dirty="0">
+                <a:latin typeface="Lucida Console"/>
+                <a:cs typeface="Lucida Console"/>
+              </a:rPr>
+              <a:t>(</a:t>
+            </a:r>
+            <a:r>
+              <a:rPr lang="en-US" sz="800" dirty="0" smtClean="0">
+                <a:latin typeface="Lucida Console"/>
+                <a:cs typeface="Lucida Console"/>
+              </a:rPr>
+              <a:t>)</a:t>
+            </a:r>
+            <a:endParaRPr lang="en-US" sz="800" dirty="0">
+              <a:latin typeface="Lucida Console"/>
+              <a:cs typeface="Lucida Console"/>
+            </a:endParaRPr>
+          </a:p>
+          <a:p>
+            <a:pPr marL="457200" lvl="1" indent="0">
+              <a:buNone/>
+            </a:pPr>
+            <a:r>
+              <a:rPr lang="en-US" sz="800" dirty="0">
+                <a:latin typeface="Lucida Console"/>
+                <a:cs typeface="Lucida Console"/>
+              </a:rPr>
+              <a:t>    # parse the input we got from </a:t>
+            </a:r>
+            <a:r>
+              <a:rPr lang="en-US" sz="800" dirty="0" err="1">
+                <a:latin typeface="Lucida Console"/>
+                <a:cs typeface="Lucida Console"/>
+              </a:rPr>
               <a:t>mapper.py</a:t>
             </a:r>
-            <a:r>
-              <a:rPr lang="en-US" dirty="0" smtClean="0"/>
-              <a:t> </a:t>
-            </a:r>
-            <a:br>
-              <a:rPr lang="en-US" dirty="0" smtClean="0"/>
-            </a:br>
-            <a:r>
-              <a:rPr lang="en-US" dirty="0" smtClean="0"/>
-              <a:t>-</a:t>
-            </a:r>
-            <a:r>
-              <a:rPr lang="en-US" dirty="0"/>
-              <a:t>reducer .</a:t>
-            </a:r>
-            <a:r>
-              <a:rPr lang="en-US" dirty="0" smtClean="0"/>
-              <a:t>/</a:t>
-            </a:r>
-            <a:r>
-              <a:rPr lang="en-US" dirty="0" err="1" smtClean="0"/>
-              <a:t>reducer.py</a:t>
-            </a:r>
-            <a:r>
-              <a:rPr lang="en-US" dirty="0" smtClean="0"/>
-              <a:t> </a:t>
-            </a:r>
-            <a:endParaRPr lang="en-US" dirty="0"/>
+            <a:endParaRPr lang="en-US" sz="800" dirty="0">
+              <a:latin typeface="Lucida Console"/>
+              <a:cs typeface="Lucida Console"/>
+            </a:endParaRPr>
+          </a:p>
+          <a:p>
+            <a:pPr marL="457200" lvl="1" indent="0">
+              <a:buNone/>
+            </a:pPr>
+            <a:r>
+              <a:rPr lang="en-US" sz="800" dirty="0">
+                <a:latin typeface="Lucida Console"/>
+                <a:cs typeface="Lucida Console"/>
+              </a:rPr>
+              <a:t>    word, count = </a:t>
+            </a:r>
+            <a:r>
+              <a:rPr lang="en-US" sz="800" dirty="0" err="1">
+                <a:latin typeface="Lucida Console"/>
+                <a:cs typeface="Lucida Console"/>
+              </a:rPr>
+              <a:t>line.split</a:t>
+            </a:r>
+            <a:r>
+              <a:rPr lang="en-US" sz="800" dirty="0">
+                <a:latin typeface="Lucida Console"/>
+                <a:cs typeface="Lucida Console"/>
+              </a:rPr>
+              <a:t>('\t', 1</a:t>
+            </a:r>
+            <a:r>
+              <a:rPr lang="en-US" sz="800" dirty="0" smtClean="0">
+                <a:latin typeface="Lucida Console"/>
+                <a:cs typeface="Lucida Console"/>
+              </a:rPr>
+              <a:t>)</a:t>
+            </a:r>
+            <a:endParaRPr lang="en-US" sz="800" dirty="0">
+              <a:latin typeface="Lucida Console"/>
+              <a:cs typeface="Lucida Console"/>
+            </a:endParaRPr>
+          </a:p>
+          <a:p>
+            <a:pPr marL="457200" lvl="1" indent="0">
+              <a:buNone/>
+            </a:pPr>
+            <a:r>
+              <a:rPr lang="en-US" sz="800" dirty="0">
+                <a:latin typeface="Lucida Console"/>
+                <a:cs typeface="Lucida Console"/>
+              </a:rPr>
+              <a:t>    # convert count (currently a string) to </a:t>
+            </a:r>
+            <a:r>
+              <a:rPr lang="en-US" sz="800" dirty="0" err="1">
+                <a:latin typeface="Lucida Console"/>
+                <a:cs typeface="Lucida Console"/>
+              </a:rPr>
+              <a:t>int</a:t>
+            </a:r>
+            <a:endParaRPr lang="en-US" sz="800" dirty="0">
+              <a:latin typeface="Lucida Console"/>
+              <a:cs typeface="Lucida Console"/>
+            </a:endParaRPr>
+          </a:p>
+          <a:p>
+            <a:pPr marL="457200" lvl="1" indent="0">
+              <a:buNone/>
+            </a:pPr>
+            <a:r>
+              <a:rPr lang="en-US" sz="800" dirty="0">
+                <a:latin typeface="Lucida Console"/>
+                <a:cs typeface="Lucida Console"/>
+              </a:rPr>
+              <a:t>    try:</a:t>
+            </a:r>
+          </a:p>
+          <a:p>
+            <a:pPr marL="457200" lvl="1" indent="0">
+              <a:buNone/>
+            </a:pPr>
+            <a:r>
+              <a:rPr lang="en-US" sz="800" dirty="0">
+                <a:latin typeface="Lucida Console"/>
+                <a:cs typeface="Lucida Console"/>
+              </a:rPr>
+              <a:t>        count = </a:t>
+            </a:r>
+            <a:r>
+              <a:rPr lang="en-US" sz="800" dirty="0" err="1">
+                <a:latin typeface="Lucida Console"/>
+                <a:cs typeface="Lucida Console"/>
+              </a:rPr>
+              <a:t>int</a:t>
+            </a:r>
+            <a:r>
+              <a:rPr lang="en-US" sz="800" dirty="0">
+                <a:latin typeface="Lucida Console"/>
+                <a:cs typeface="Lucida Console"/>
+              </a:rPr>
+              <a:t>(count)</a:t>
+            </a:r>
+          </a:p>
+          <a:p>
+            <a:pPr marL="457200" lvl="1" indent="0">
+              <a:buNone/>
+            </a:pPr>
+            <a:r>
+              <a:rPr lang="en-US" sz="800" dirty="0">
+                <a:latin typeface="Lucida Console"/>
+                <a:cs typeface="Lucida Console"/>
+              </a:rPr>
+              <a:t>    except </a:t>
+            </a:r>
+            <a:r>
+              <a:rPr lang="en-US" sz="800" dirty="0" err="1">
+                <a:latin typeface="Lucida Console"/>
+                <a:cs typeface="Lucida Console"/>
+              </a:rPr>
+              <a:t>ValueError</a:t>
+            </a:r>
+            <a:r>
+              <a:rPr lang="en-US" sz="800" dirty="0">
+                <a:latin typeface="Lucida Console"/>
+                <a:cs typeface="Lucida Console"/>
+              </a:rPr>
+              <a:t>:</a:t>
+            </a:r>
+          </a:p>
+          <a:p>
+            <a:pPr marL="457200" lvl="1" indent="0">
+              <a:buNone/>
+            </a:pPr>
+            <a:r>
+              <a:rPr lang="en-US" sz="800" dirty="0" smtClean="0">
+                <a:latin typeface="Lucida Console"/>
+                <a:cs typeface="Lucida Console"/>
+              </a:rPr>
+              <a:t>	continue</a:t>
+            </a:r>
+            <a:endParaRPr lang="en-US" sz="800" dirty="0">
+              <a:latin typeface="Lucida Console"/>
+              <a:cs typeface="Lucida Console"/>
+            </a:endParaRPr>
+          </a:p>
+          <a:p>
+            <a:pPr marL="457200" lvl="1" indent="0">
+              <a:buNone/>
+            </a:pPr>
+            <a:r>
+              <a:rPr lang="en-US" sz="800" dirty="0">
+                <a:latin typeface="Lucida Console"/>
+                <a:cs typeface="Lucida Console"/>
+              </a:rPr>
+              <a:t>    # this IF-switch only works because </a:t>
+            </a:r>
+            <a:r>
+              <a:rPr lang="en-US" sz="800" dirty="0" err="1">
+                <a:latin typeface="Lucida Console"/>
+                <a:cs typeface="Lucida Console"/>
+              </a:rPr>
+              <a:t>Hadoop</a:t>
+            </a:r>
+            <a:r>
+              <a:rPr lang="en-US" sz="800" dirty="0">
+                <a:latin typeface="Lucida Console"/>
+                <a:cs typeface="Lucida Console"/>
+              </a:rPr>
+              <a:t> sorts map </a:t>
+            </a:r>
+            <a:r>
+              <a:rPr lang="en-US" sz="800" dirty="0" smtClean="0">
+                <a:latin typeface="Lucida Console"/>
+                <a:cs typeface="Lucida Console"/>
+              </a:rPr>
+              <a:t>output by key</a:t>
+            </a:r>
+            <a:endParaRPr lang="en-US" sz="800" dirty="0">
+              <a:latin typeface="Lucida Console"/>
+              <a:cs typeface="Lucida Console"/>
+            </a:endParaRPr>
+          </a:p>
+          <a:p>
+            <a:pPr marL="457200" lvl="1" indent="0">
+              <a:buNone/>
+            </a:pPr>
+            <a:r>
+              <a:rPr lang="en-US" sz="800" dirty="0" smtClean="0">
+                <a:latin typeface="Lucida Console"/>
+                <a:cs typeface="Lucida Console"/>
+              </a:rPr>
+              <a:t>    if </a:t>
+            </a:r>
+            <a:r>
+              <a:rPr lang="en-US" sz="800" dirty="0" err="1">
+                <a:latin typeface="Lucida Console"/>
+                <a:cs typeface="Lucida Console"/>
+              </a:rPr>
+              <a:t>current_word</a:t>
+            </a:r>
+            <a:r>
+              <a:rPr lang="en-US" sz="800" dirty="0">
+                <a:latin typeface="Lucida Console"/>
+                <a:cs typeface="Lucida Console"/>
+              </a:rPr>
+              <a:t> == word:</a:t>
+            </a:r>
+          </a:p>
+          <a:p>
+            <a:pPr marL="457200" lvl="1" indent="0">
+              <a:buNone/>
+            </a:pPr>
+            <a:r>
+              <a:rPr lang="en-US" sz="800" dirty="0">
+                <a:latin typeface="Lucida Console"/>
+                <a:cs typeface="Lucida Console"/>
+              </a:rPr>
+              <a:t>        </a:t>
+            </a:r>
+            <a:r>
+              <a:rPr lang="en-US" sz="800" dirty="0" err="1">
+                <a:latin typeface="Lucida Console"/>
+                <a:cs typeface="Lucida Console"/>
+              </a:rPr>
+              <a:t>current_count</a:t>
+            </a:r>
+            <a:r>
+              <a:rPr lang="en-US" sz="800" dirty="0">
+                <a:latin typeface="Lucida Console"/>
+                <a:cs typeface="Lucida Console"/>
+              </a:rPr>
+              <a:t> += count</a:t>
+            </a:r>
+          </a:p>
+          <a:p>
+            <a:pPr marL="457200" lvl="1" indent="0">
+              <a:buNone/>
+            </a:pPr>
+            <a:r>
+              <a:rPr lang="en-US" sz="800" dirty="0">
+                <a:latin typeface="Lucida Console"/>
+                <a:cs typeface="Lucida Console"/>
+              </a:rPr>
+              <a:t>    else:</a:t>
+            </a:r>
+          </a:p>
+          <a:p>
+            <a:pPr marL="457200" lvl="1" indent="0">
+              <a:buNone/>
+            </a:pPr>
+            <a:r>
+              <a:rPr lang="en-US" sz="800" dirty="0">
+                <a:latin typeface="Lucida Console"/>
+                <a:cs typeface="Lucida Console"/>
+              </a:rPr>
+              <a:t>        if </a:t>
+            </a:r>
+            <a:r>
+              <a:rPr lang="en-US" sz="800" dirty="0" err="1">
+                <a:latin typeface="Lucida Console"/>
+                <a:cs typeface="Lucida Console"/>
+              </a:rPr>
+              <a:t>current_word</a:t>
+            </a:r>
+            <a:r>
+              <a:rPr lang="en-US" sz="800" dirty="0">
+                <a:latin typeface="Lucida Console"/>
+                <a:cs typeface="Lucida Console"/>
+              </a:rPr>
+              <a:t>:</a:t>
+            </a:r>
+          </a:p>
+          <a:p>
+            <a:pPr marL="457200" lvl="1" indent="0">
+              <a:buNone/>
+            </a:pPr>
+            <a:r>
+              <a:rPr lang="en-US" sz="800" dirty="0">
+                <a:latin typeface="Lucida Console"/>
+                <a:cs typeface="Lucida Console"/>
+              </a:rPr>
+              <a:t>            # write result to STDOUT</a:t>
+            </a:r>
+          </a:p>
+          <a:p>
+            <a:pPr marL="457200" lvl="1" indent="0">
+              <a:buNone/>
+            </a:pPr>
+            <a:r>
+              <a:rPr lang="en-US" sz="800" dirty="0">
+                <a:latin typeface="Lucida Console"/>
+                <a:cs typeface="Lucida Console"/>
+              </a:rPr>
+              <a:t>            print '%s\</a:t>
+            </a:r>
+            <a:r>
+              <a:rPr lang="en-US" sz="800" dirty="0" err="1">
+                <a:latin typeface="Lucida Console"/>
+                <a:cs typeface="Lucida Console"/>
+              </a:rPr>
+              <a:t>t%s</a:t>
+            </a:r>
+            <a:r>
+              <a:rPr lang="en-US" sz="800" dirty="0">
+                <a:latin typeface="Lucida Console"/>
+                <a:cs typeface="Lucida Console"/>
+              </a:rPr>
+              <a:t>' % (</a:t>
+            </a:r>
+            <a:r>
+              <a:rPr lang="en-US" sz="800" dirty="0" err="1">
+                <a:latin typeface="Lucida Console"/>
+                <a:cs typeface="Lucida Console"/>
+              </a:rPr>
+              <a:t>current_word</a:t>
+            </a:r>
+            <a:r>
+              <a:rPr lang="en-US" sz="800" dirty="0">
+                <a:latin typeface="Lucida Console"/>
+                <a:cs typeface="Lucida Console"/>
+              </a:rPr>
+              <a:t>, </a:t>
+            </a:r>
+            <a:r>
+              <a:rPr lang="en-US" sz="800" dirty="0" err="1">
+                <a:latin typeface="Lucida Console"/>
+                <a:cs typeface="Lucida Console"/>
+              </a:rPr>
+              <a:t>current_count</a:t>
+            </a:r>
+            <a:r>
+              <a:rPr lang="en-US" sz="800" dirty="0">
+                <a:latin typeface="Lucida Console"/>
+                <a:cs typeface="Lucida Console"/>
+              </a:rPr>
+              <a:t>)</a:t>
+            </a:r>
+          </a:p>
+          <a:p>
+            <a:pPr marL="457200" lvl="1" indent="0">
+              <a:buNone/>
+            </a:pPr>
+            <a:r>
+              <a:rPr lang="en-US" sz="800" dirty="0">
+                <a:latin typeface="Lucida Console"/>
+                <a:cs typeface="Lucida Console"/>
+              </a:rPr>
+              <a:t>        </a:t>
+            </a:r>
+            <a:r>
+              <a:rPr lang="en-US" sz="800" dirty="0" err="1">
+                <a:latin typeface="Lucida Console"/>
+                <a:cs typeface="Lucida Console"/>
+              </a:rPr>
+              <a:t>current_count</a:t>
+            </a:r>
+            <a:r>
+              <a:rPr lang="en-US" sz="800" dirty="0">
+                <a:latin typeface="Lucida Console"/>
+                <a:cs typeface="Lucida Console"/>
+              </a:rPr>
+              <a:t> = count</a:t>
+            </a:r>
+          </a:p>
+          <a:p>
+            <a:pPr marL="457200" lvl="1" indent="0">
+              <a:buNone/>
+            </a:pPr>
+            <a:r>
+              <a:rPr lang="en-US" sz="800" dirty="0">
+                <a:latin typeface="Lucida Console"/>
+                <a:cs typeface="Lucida Console"/>
+              </a:rPr>
+              <a:t>        </a:t>
+            </a:r>
+            <a:r>
+              <a:rPr lang="en-US" sz="800" dirty="0" err="1">
+                <a:latin typeface="Lucida Console"/>
+                <a:cs typeface="Lucida Console"/>
+              </a:rPr>
+              <a:t>current_word</a:t>
+            </a:r>
+            <a:r>
+              <a:rPr lang="en-US" sz="800" dirty="0">
+                <a:latin typeface="Lucida Console"/>
+                <a:cs typeface="Lucida Console"/>
+              </a:rPr>
+              <a:t> = word</a:t>
+            </a:r>
+          </a:p>
+          <a:p>
+            <a:pPr marL="457200" lvl="1" indent="0">
+              <a:buNone/>
+            </a:pPr>
+            <a:endParaRPr lang="en-US" sz="800" dirty="0">
+              <a:latin typeface="Lucida Console"/>
+              <a:cs typeface="Lucida Console"/>
+            </a:endParaRPr>
+          </a:p>
+          <a:p>
+            <a:pPr marL="457200" lvl="1" indent="0">
+              <a:buNone/>
+            </a:pPr>
+            <a:r>
+              <a:rPr lang="en-US" sz="800" dirty="0">
+                <a:latin typeface="Lucida Console"/>
+                <a:cs typeface="Lucida Console"/>
+              </a:rPr>
+              <a:t># do not forget to output the last word if needed!</a:t>
+            </a:r>
+          </a:p>
+          <a:p>
+            <a:pPr marL="457200" lvl="1" indent="0">
+              <a:buNone/>
+            </a:pPr>
+            <a:r>
+              <a:rPr lang="en-US" sz="800" dirty="0">
+                <a:latin typeface="Lucida Console"/>
+                <a:cs typeface="Lucida Console"/>
+              </a:rPr>
+              <a:t>if </a:t>
+            </a:r>
+            <a:r>
+              <a:rPr lang="en-US" sz="800" dirty="0" err="1">
+                <a:latin typeface="Lucida Console"/>
+                <a:cs typeface="Lucida Console"/>
+              </a:rPr>
+              <a:t>current_word</a:t>
+            </a:r>
+            <a:r>
+              <a:rPr lang="en-US" sz="800" dirty="0">
+                <a:latin typeface="Lucida Console"/>
+                <a:cs typeface="Lucida Console"/>
+              </a:rPr>
+              <a:t> == word:</a:t>
+            </a:r>
+          </a:p>
+          <a:p>
+            <a:pPr marL="457200" lvl="1" indent="0">
+              <a:buNone/>
+            </a:pPr>
+            <a:r>
+              <a:rPr lang="en-US" sz="800" dirty="0">
+                <a:latin typeface="Lucida Console"/>
+                <a:cs typeface="Lucida Console"/>
+              </a:rPr>
+              <a:t>    print '%s\</a:t>
+            </a:r>
+            <a:r>
+              <a:rPr lang="en-US" sz="800" dirty="0" err="1">
+                <a:latin typeface="Lucida Console"/>
+                <a:cs typeface="Lucida Console"/>
+              </a:rPr>
+              <a:t>t%s</a:t>
+            </a:r>
+            <a:r>
+              <a:rPr lang="en-US" sz="800" dirty="0">
+                <a:latin typeface="Lucida Console"/>
+                <a:cs typeface="Lucida Console"/>
+              </a:rPr>
+              <a:t>' % (</a:t>
+            </a:r>
+            <a:r>
+              <a:rPr lang="en-US" sz="800" dirty="0" err="1">
+                <a:latin typeface="Lucida Console"/>
+                <a:cs typeface="Lucida Console"/>
+              </a:rPr>
+              <a:t>current_word</a:t>
+            </a:r>
+            <a:r>
+              <a:rPr lang="en-US" sz="800" dirty="0">
+                <a:latin typeface="Lucida Console"/>
+                <a:cs typeface="Lucida Console"/>
+              </a:rPr>
+              <a:t>, </a:t>
+            </a:r>
+            <a:r>
+              <a:rPr lang="en-US" sz="800" dirty="0" err="1">
+                <a:latin typeface="Lucida Console"/>
+                <a:cs typeface="Lucida Console"/>
+              </a:rPr>
+              <a:t>current_count</a:t>
+            </a:r>
+            <a:r>
+              <a:rPr lang="en-US" sz="800" dirty="0">
+                <a:latin typeface="Lucida Console"/>
+                <a:cs typeface="Lucida Console"/>
+              </a:rPr>
+              <a:t>)</a:t>
+            </a:r>
           </a:p>
         </p:txBody>
       </p:sp>
     </p:spTree>
     <p:extLst>
       <p:ext uri="{BB962C8B-B14F-4D97-AF65-F5344CB8AC3E}">
-        <p14:creationId xmlns:p14="http://schemas.microsoft.com/office/powerpoint/2010/main" val="3540159546"/>
+        <p14:creationId xmlns:p14="http://schemas.microsoft.com/office/powerpoint/2010/main" val="807094189"/>
       </p:ext>
     </p:extLst>
   </p:cSld>
@@ -8855,42 +8732,169 @@
         </p:nvSpPr>
         <p:spPr/>
         <p:txBody>
+          <a:bodyPr>
+            <a:normAutofit fontScale="90000"/>
+          </a:bodyPr>
+          <a:lstStyle/>
+          <a:p>
+            <a:r>
+              <a:rPr lang="en-US" dirty="0" smtClean="0"/>
+              <a:t>Executing this on a set of files</a:t>
+            </a:r>
+            <a:endParaRPr lang="en-US" dirty="0"/>
+          </a:p>
+        </p:txBody>
+      </p:sp>
+      <p:sp>
+        <p:nvSpPr>
+          <p:cNvPr id="3" name="Content Placeholder 2"/>
+          <p:cNvSpPr>
+            <a:spLocks noGrp="1"/>
+          </p:cNvSpPr>
+          <p:nvPr>
+            <p:ph idx="1"/>
+          </p:nvPr>
+        </p:nvSpPr>
+        <p:spPr/>
+        <p:txBody>
           <a:bodyPr/>
           <a:lstStyle/>
           <a:p>
-            <a:r>
-              <a:rPr lang="en-US" dirty="0" smtClean="0"/>
-              <a:t>Efficiency</a:t>
-            </a:r>
-            <a:endParaRPr lang="en-US" dirty="0"/>
-          </a:p>
-        </p:txBody>
-      </p:sp>
-      <p:sp>
-        <p:nvSpPr>
-          <p:cNvPr id="3" name="Content Placeholder 2"/>
-          <p:cNvSpPr>
-            <a:spLocks noGrp="1"/>
-          </p:cNvSpPr>
-          <p:nvPr>
-            <p:ph idx="1"/>
-          </p:nvPr>
-        </p:nvSpPr>
-        <p:spPr/>
-        <p:txBody>
-          <a:bodyPr/>
-          <a:lstStyle/>
-          <a:p>
-            <a:r>
-              <a:rPr lang="en-US" dirty="0" smtClean="0"/>
-              <a:t>Please note this is not the most efficient way of coding Python</a:t>
-            </a:r>
-          </a:p>
-          <a:p>
-            <a:pPr lvl="1"/>
-            <a:r>
-              <a:rPr lang="en-US" dirty="0" smtClean="0"/>
-              <a:t>But the simplest and easiest to explain</a:t>
+            <a:pPr marL="0" indent="0">
+              <a:buNone/>
+            </a:pPr>
+            <a:r>
+              <a:rPr lang="en-US" dirty="0"/>
+              <a:t>y</a:t>
+            </a:r>
+            <a:r>
+              <a:rPr lang="en-US" dirty="0" smtClean="0"/>
+              <a:t>arn </a:t>
+            </a:r>
+            <a:br>
+              <a:rPr lang="en-US" dirty="0" smtClean="0"/>
+            </a:br>
+            <a:r>
+              <a:rPr lang="en-US" dirty="0" smtClean="0"/>
+              <a:t>jar </a:t>
+            </a:r>
+            <a:br>
+              <a:rPr lang="en-US" dirty="0" smtClean="0"/>
+            </a:br>
+            <a:r>
+              <a:rPr lang="en-US" dirty="0" smtClean="0"/>
+              <a:t>/</a:t>
+            </a:r>
+            <a:r>
+              <a:rPr lang="en-US" dirty="0" err="1"/>
+              <a:t>usr</a:t>
+            </a:r>
+            <a:r>
+              <a:rPr lang="en-US" dirty="0" smtClean="0"/>
+              <a:t>/</a:t>
+            </a:r>
+            <a:r>
+              <a:rPr lang="is-IS" dirty="0" smtClean="0"/>
+              <a:t>….</a:t>
+            </a:r>
+            <a:r>
+              <a:rPr lang="en-US" dirty="0" smtClean="0"/>
+              <a:t>/</a:t>
+            </a:r>
+            <a:r>
+              <a:rPr lang="en-US" dirty="0"/>
+              <a:t>lib/hadoop-streaming-2.7.1.jar </a:t>
+            </a:r>
+            <a:endParaRPr lang="en-US" dirty="0" smtClean="0"/>
+          </a:p>
+          <a:p>
+            <a:pPr marL="0" indent="0">
+              <a:buNone/>
+            </a:pPr>
+            <a:r>
+              <a:rPr lang="en-US" dirty="0" smtClean="0"/>
+              <a:t>-</a:t>
+            </a:r>
+            <a:r>
+              <a:rPr lang="en-US" dirty="0"/>
+              <a:t>input /user/</a:t>
+            </a:r>
+            <a:r>
+              <a:rPr lang="en-US" dirty="0" err="1"/>
+              <a:t>hduser</a:t>
+            </a:r>
+            <a:r>
+              <a:rPr lang="en-US" dirty="0" smtClean="0"/>
+              <a:t>/books </a:t>
+            </a:r>
+            <a:br>
+              <a:rPr lang="en-US" dirty="0" smtClean="0"/>
+            </a:br>
+            <a:r>
+              <a:rPr lang="en-US" dirty="0" smtClean="0"/>
+              <a:t>-</a:t>
+            </a:r>
+            <a:r>
+              <a:rPr lang="en-US" dirty="0"/>
+              <a:t>output /user/</a:t>
+            </a:r>
+            <a:r>
+              <a:rPr lang="en-US" dirty="0" err="1"/>
+              <a:t>hduser</a:t>
+            </a:r>
+            <a:r>
+              <a:rPr lang="en-US" dirty="0"/>
+              <a:t>/</a:t>
+            </a:r>
+            <a:r>
+              <a:rPr lang="en-US" dirty="0" smtClean="0"/>
+              <a:t>output </a:t>
+            </a:r>
+            <a:br>
+              <a:rPr lang="en-US" dirty="0" smtClean="0"/>
+            </a:br>
+            <a:r>
+              <a:rPr lang="en-US" dirty="0" smtClean="0"/>
+              <a:t>-</a:t>
+            </a:r>
+            <a:r>
+              <a:rPr lang="en-US" dirty="0"/>
+              <a:t>mapper .</a:t>
+            </a:r>
+            <a:r>
+              <a:rPr lang="en-US" dirty="0" smtClean="0"/>
+              <a:t>/</a:t>
+            </a:r>
+            <a:r>
+              <a:rPr lang="en-US" dirty="0" err="1" smtClean="0"/>
+              <a:t>mapper.py</a:t>
+            </a:r>
+            <a:r>
+              <a:rPr lang="en-US" dirty="0" smtClean="0"/>
+              <a:t> </a:t>
+            </a:r>
+            <a:br>
+              <a:rPr lang="en-US" dirty="0" smtClean="0"/>
+            </a:br>
+            <a:r>
+              <a:rPr lang="en-US" dirty="0" smtClean="0"/>
+              <a:t>-</a:t>
+            </a:r>
+            <a:r>
+              <a:rPr lang="en-US" dirty="0"/>
+              <a:t>reducer .</a:t>
+            </a:r>
+            <a:r>
+              <a:rPr lang="en-US" dirty="0" smtClean="0"/>
+              <a:t>/</a:t>
+            </a:r>
+            <a:r>
+              <a:rPr lang="en-US" dirty="0" err="1" smtClean="0"/>
+              <a:t>reducer.py</a:t>
+            </a:r>
+            <a:r>
+              <a:rPr lang="en-US" dirty="0" smtClean="0"/>
+              <a:t> </a:t>
             </a:r>
             <a:endParaRPr lang="en-US" dirty="0"/>
           </a:p>
@@ -8899,7 +8903,7 @@
     </p:spTree>
     <p:extLst>
       <p:ext uri="{BB962C8B-B14F-4D97-AF65-F5344CB8AC3E}">
-        <p14:creationId xmlns:p14="http://schemas.microsoft.com/office/powerpoint/2010/main" val="1142095931"/>
+        <p14:creationId xmlns:p14="http://schemas.microsoft.com/office/powerpoint/2010/main" val="3540159546"/>
       </p:ext>
     </p:extLst>
   </p:cSld>
@@ -8943,7 +8947,7 @@
           <a:p>
             <a:r>
               <a:rPr lang="en-US" dirty="0" smtClean="0"/>
-              <a:t>Map Reduce in Java</a:t>
+              <a:t>Efficiency</a:t>
             </a:r>
             <a:endParaRPr lang="en-US" dirty="0"/>
           </a:p>
@@ -8961,503 +8965,28 @@
         </p:nvSpPr>
         <p:spPr/>
         <p:txBody>
-          <a:bodyPr>
-            <a:normAutofit fontScale="55000" lnSpcReduction="20000"/>
-          </a:bodyPr>
-          <a:lstStyle/>
-          <a:p>
-            <a:pPr marL="0" indent="0">
-              <a:buNone/>
-            </a:pPr>
-            <a:r>
-              <a:rPr lang="en-US" dirty="0">
-                <a:latin typeface="Lucida Console"/>
-                <a:cs typeface="Lucida Console"/>
-              </a:rPr>
-              <a:t> public static void main(String[] </a:t>
-            </a:r>
-            <a:r>
-              <a:rPr lang="en-US" dirty="0" err="1">
-                <a:latin typeface="Lucida Console"/>
-                <a:cs typeface="Lucida Console"/>
-              </a:rPr>
-              <a:t>args</a:t>
-            </a:r>
-            <a:r>
-              <a:rPr lang="en-US" dirty="0">
-                <a:latin typeface="Lucida Console"/>
-                <a:cs typeface="Lucida Console"/>
-              </a:rPr>
-              <a:t>) throws Exception {</a:t>
-            </a:r>
-          </a:p>
-          <a:p>
-            <a:pPr marL="0" indent="0">
-              <a:buNone/>
-            </a:pPr>
-            <a:r>
-              <a:rPr lang="en-US" dirty="0">
-                <a:latin typeface="Lucida Console"/>
-                <a:cs typeface="Lucida Console"/>
-              </a:rPr>
-              <a:t>    Configuration </a:t>
-            </a:r>
-            <a:r>
-              <a:rPr lang="en-US" dirty="0" err="1">
-                <a:latin typeface="Lucida Console"/>
-                <a:cs typeface="Lucida Console"/>
-              </a:rPr>
-              <a:t>conf</a:t>
-            </a:r>
-            <a:r>
-              <a:rPr lang="en-US" dirty="0">
-                <a:latin typeface="Lucida Console"/>
-                <a:cs typeface="Lucida Console"/>
-              </a:rPr>
-              <a:t> = new Configuration();</a:t>
-            </a:r>
-          </a:p>
-          <a:p>
-            <a:pPr marL="0" indent="0">
-              <a:buNone/>
-            </a:pPr>
-            <a:r>
-              <a:rPr lang="en-US" dirty="0">
-                <a:latin typeface="Lucida Console"/>
-                <a:cs typeface="Lucida Console"/>
-              </a:rPr>
-              <a:t>    Job job = </a:t>
-            </a:r>
-            <a:r>
-              <a:rPr lang="en-US" dirty="0" err="1">
-                <a:latin typeface="Lucida Console"/>
-                <a:cs typeface="Lucida Console"/>
-              </a:rPr>
-              <a:t>Job.getInstance</a:t>
-            </a:r>
-            <a:r>
-              <a:rPr lang="en-US" dirty="0">
-                <a:latin typeface="Lucida Console"/>
-                <a:cs typeface="Lucida Console"/>
-              </a:rPr>
-              <a:t>(</a:t>
-            </a:r>
-            <a:r>
-              <a:rPr lang="en-US" dirty="0" err="1">
-                <a:latin typeface="Lucida Console"/>
-                <a:cs typeface="Lucida Console"/>
-              </a:rPr>
-              <a:t>conf</a:t>
-            </a:r>
-            <a:r>
-              <a:rPr lang="en-US" dirty="0">
-                <a:latin typeface="Lucida Console"/>
-                <a:cs typeface="Lucida Console"/>
-              </a:rPr>
-              <a:t>, "word count");</a:t>
-            </a:r>
-          </a:p>
-          <a:p>
-            <a:pPr marL="0" indent="0">
-              <a:buNone/>
-            </a:pPr>
-            <a:r>
-              <a:rPr lang="en-US" dirty="0">
-                <a:latin typeface="Lucida Console"/>
-                <a:cs typeface="Lucida Console"/>
-              </a:rPr>
-              <a:t>    </a:t>
-            </a:r>
-            <a:r>
-              <a:rPr lang="en-US" dirty="0" err="1">
-                <a:latin typeface="Lucida Console"/>
-                <a:cs typeface="Lucida Console"/>
-              </a:rPr>
-              <a:t>job.setJarByClass</a:t>
-            </a:r>
-            <a:r>
-              <a:rPr lang="en-US" dirty="0">
-                <a:latin typeface="Lucida Console"/>
-                <a:cs typeface="Lucida Console"/>
-              </a:rPr>
-              <a:t>(</a:t>
-            </a:r>
-            <a:r>
-              <a:rPr lang="en-US" dirty="0" err="1">
-                <a:latin typeface="Lucida Console"/>
-                <a:cs typeface="Lucida Console"/>
-              </a:rPr>
-              <a:t>WordCount.class</a:t>
-            </a:r>
-            <a:r>
-              <a:rPr lang="en-US" dirty="0">
-                <a:latin typeface="Lucida Console"/>
-                <a:cs typeface="Lucida Console"/>
-              </a:rPr>
-              <a:t>);</a:t>
-            </a:r>
-          </a:p>
-          <a:p>
-            <a:pPr marL="0" indent="0">
-              <a:buNone/>
-            </a:pPr>
-            <a:r>
-              <a:rPr lang="en-US" dirty="0">
-                <a:latin typeface="Lucida Console"/>
-                <a:cs typeface="Lucida Console"/>
-              </a:rPr>
-              <a:t>    </a:t>
-            </a:r>
-            <a:r>
-              <a:rPr lang="en-US" dirty="0" err="1">
-                <a:latin typeface="Lucida Console"/>
-                <a:cs typeface="Lucida Console"/>
-              </a:rPr>
-              <a:t>job.setMapperClass</a:t>
-            </a:r>
-            <a:r>
-              <a:rPr lang="en-US" dirty="0">
-                <a:latin typeface="Lucida Console"/>
-                <a:cs typeface="Lucida Console"/>
-              </a:rPr>
-              <a:t>(</a:t>
-            </a:r>
-            <a:r>
-              <a:rPr lang="en-US" dirty="0" err="1">
-                <a:latin typeface="Lucida Console"/>
-                <a:cs typeface="Lucida Console"/>
-              </a:rPr>
-              <a:t>TokenizerMapper.class</a:t>
-            </a:r>
-            <a:r>
-              <a:rPr lang="en-US" dirty="0">
-                <a:latin typeface="Lucida Console"/>
-                <a:cs typeface="Lucida Console"/>
-              </a:rPr>
-              <a:t>);</a:t>
-            </a:r>
-          </a:p>
-          <a:p>
-            <a:pPr marL="0" indent="0">
-              <a:buNone/>
-            </a:pPr>
-            <a:r>
-              <a:rPr lang="en-US" dirty="0">
-                <a:latin typeface="Lucida Console"/>
-                <a:cs typeface="Lucida Console"/>
-              </a:rPr>
-              <a:t>    </a:t>
-            </a:r>
-            <a:r>
-              <a:rPr lang="en-US" dirty="0" err="1">
-                <a:latin typeface="Lucida Console"/>
-                <a:cs typeface="Lucida Console"/>
-              </a:rPr>
-              <a:t>job.setCombinerClass</a:t>
-            </a:r>
-            <a:r>
-              <a:rPr lang="en-US" dirty="0">
-                <a:latin typeface="Lucida Console"/>
-                <a:cs typeface="Lucida Console"/>
-              </a:rPr>
-              <a:t>(</a:t>
-            </a:r>
-            <a:r>
-              <a:rPr lang="en-US" dirty="0" err="1">
-                <a:latin typeface="Lucida Console"/>
-                <a:cs typeface="Lucida Console"/>
-              </a:rPr>
-              <a:t>IntSumReducer.class</a:t>
-            </a:r>
-            <a:r>
-              <a:rPr lang="en-US" dirty="0">
-                <a:latin typeface="Lucida Console"/>
-                <a:cs typeface="Lucida Console"/>
-              </a:rPr>
-              <a:t>);</a:t>
-            </a:r>
-          </a:p>
-          <a:p>
-            <a:pPr marL="0" indent="0">
-              <a:buNone/>
-            </a:pPr>
-            <a:r>
-              <a:rPr lang="en-US" dirty="0">
-                <a:latin typeface="Lucida Console"/>
-                <a:cs typeface="Lucida Console"/>
-              </a:rPr>
-              <a:t>    </a:t>
-            </a:r>
-            <a:r>
-              <a:rPr lang="en-US" dirty="0" err="1">
-                <a:latin typeface="Lucida Console"/>
-                <a:cs typeface="Lucida Console"/>
-              </a:rPr>
-              <a:t>job.setReducerClass</a:t>
-            </a:r>
-            <a:r>
-              <a:rPr lang="en-US" dirty="0">
-                <a:latin typeface="Lucida Console"/>
-                <a:cs typeface="Lucida Console"/>
-              </a:rPr>
-              <a:t>(</a:t>
-            </a:r>
-            <a:r>
-              <a:rPr lang="en-US" dirty="0" err="1">
-                <a:latin typeface="Lucida Console"/>
-                <a:cs typeface="Lucida Console"/>
-              </a:rPr>
-              <a:t>IntSumReducer.class</a:t>
-            </a:r>
-            <a:r>
-              <a:rPr lang="en-US" dirty="0">
-                <a:latin typeface="Lucida Console"/>
-                <a:cs typeface="Lucida Console"/>
-              </a:rPr>
-              <a:t>);</a:t>
-            </a:r>
-          </a:p>
-          <a:p>
-            <a:pPr marL="0" indent="0">
-              <a:buNone/>
-            </a:pPr>
-            <a:r>
-              <a:rPr lang="en-US" dirty="0">
-                <a:latin typeface="Lucida Console"/>
-                <a:cs typeface="Lucida Console"/>
-              </a:rPr>
-              <a:t>    </a:t>
-            </a:r>
-            <a:r>
-              <a:rPr lang="en-US" dirty="0" err="1">
-                <a:latin typeface="Lucida Console"/>
-                <a:cs typeface="Lucida Console"/>
-              </a:rPr>
-              <a:t>job.setOutputKeyClass</a:t>
-            </a:r>
-            <a:r>
-              <a:rPr lang="en-US" dirty="0">
-                <a:latin typeface="Lucida Console"/>
-                <a:cs typeface="Lucida Console"/>
-              </a:rPr>
-              <a:t>(</a:t>
-            </a:r>
-            <a:r>
-              <a:rPr lang="en-US" dirty="0" err="1">
-                <a:latin typeface="Lucida Console"/>
-                <a:cs typeface="Lucida Console"/>
-              </a:rPr>
-              <a:t>Text.class</a:t>
-            </a:r>
-            <a:r>
-              <a:rPr lang="en-US" dirty="0">
-                <a:latin typeface="Lucida Console"/>
-                <a:cs typeface="Lucida Console"/>
-              </a:rPr>
-              <a:t>);</a:t>
-            </a:r>
-          </a:p>
-          <a:p>
-            <a:pPr marL="0" indent="0">
-              <a:buNone/>
-            </a:pPr>
-            <a:r>
-              <a:rPr lang="en-US" dirty="0">
-                <a:latin typeface="Lucida Console"/>
-                <a:cs typeface="Lucida Console"/>
-              </a:rPr>
-              <a:t>    </a:t>
-            </a:r>
-            <a:r>
-              <a:rPr lang="en-US" dirty="0" err="1">
-                <a:latin typeface="Lucida Console"/>
-                <a:cs typeface="Lucida Console"/>
-              </a:rPr>
-              <a:t>job.setOutputValueClass</a:t>
-            </a:r>
-            <a:r>
-              <a:rPr lang="en-US" dirty="0">
-                <a:latin typeface="Lucida Console"/>
-                <a:cs typeface="Lucida Console"/>
-              </a:rPr>
-              <a:t>(</a:t>
-            </a:r>
-            <a:r>
-              <a:rPr lang="en-US" dirty="0" err="1">
-                <a:latin typeface="Lucida Console"/>
-                <a:cs typeface="Lucida Console"/>
-              </a:rPr>
-              <a:t>IntWritable.class</a:t>
-            </a:r>
-            <a:r>
-              <a:rPr lang="en-US" dirty="0">
-                <a:latin typeface="Lucida Console"/>
-                <a:cs typeface="Lucida Console"/>
-              </a:rPr>
-              <a:t>);</a:t>
-            </a:r>
-          </a:p>
-          <a:p>
-            <a:pPr marL="0" indent="0">
-              <a:buNone/>
-            </a:pPr>
-            <a:r>
-              <a:rPr lang="en-US" dirty="0">
-                <a:latin typeface="Lucida Console"/>
-                <a:cs typeface="Lucida Console"/>
-              </a:rPr>
-              <a:t>    </a:t>
-            </a:r>
-            <a:r>
-              <a:rPr lang="en-US" dirty="0" err="1">
-                <a:latin typeface="Lucida Console"/>
-                <a:cs typeface="Lucida Console"/>
-              </a:rPr>
-              <a:t>FileInputFormat.addInputPath</a:t>
-            </a:r>
-            <a:r>
-              <a:rPr lang="en-US" dirty="0">
-                <a:latin typeface="Lucida Console"/>
-                <a:cs typeface="Lucida Console"/>
-              </a:rPr>
-              <a:t>(job, new Path(</a:t>
-            </a:r>
-            <a:r>
-              <a:rPr lang="en-US" dirty="0" err="1">
-                <a:latin typeface="Lucida Console"/>
-                <a:cs typeface="Lucida Console"/>
-              </a:rPr>
-              <a:t>args</a:t>
-            </a:r>
-            <a:r>
-              <a:rPr lang="en-US" dirty="0">
-                <a:latin typeface="Lucida Console"/>
-                <a:cs typeface="Lucida Console"/>
-              </a:rPr>
-              <a:t>[0]));</a:t>
-            </a:r>
-          </a:p>
-          <a:p>
-            <a:pPr marL="0" indent="0">
-              <a:buNone/>
-            </a:pPr>
-            <a:r>
-              <a:rPr lang="en-US" dirty="0">
-                <a:latin typeface="Lucida Console"/>
-                <a:cs typeface="Lucida Console"/>
-              </a:rPr>
-              <a:t>    </a:t>
-            </a:r>
-            <a:r>
-              <a:rPr lang="en-US" dirty="0" err="1">
-                <a:latin typeface="Lucida Console"/>
-                <a:cs typeface="Lucida Console"/>
-              </a:rPr>
-              <a:t>FileOutputFormat.setOutputPath</a:t>
-            </a:r>
-            <a:r>
-              <a:rPr lang="en-US" dirty="0">
-                <a:latin typeface="Lucida Console"/>
-                <a:cs typeface="Lucida Console"/>
-              </a:rPr>
-              <a:t>(job, </a:t>
-            </a:r>
-            <a:r>
-              <a:rPr lang="en-US" sz="2900" dirty="0">
-                <a:latin typeface="Lucida Console"/>
-                <a:cs typeface="Lucida Console"/>
-              </a:rPr>
-              <a:t>new Path(</a:t>
-            </a:r>
-            <a:r>
-              <a:rPr lang="en-US" sz="2900" dirty="0" err="1">
-                <a:latin typeface="Lucida Console"/>
-                <a:cs typeface="Lucida Console"/>
-              </a:rPr>
-              <a:t>args</a:t>
-            </a:r>
-            <a:r>
-              <a:rPr lang="en-US" sz="2900" dirty="0">
-                <a:latin typeface="Lucida Console"/>
-                <a:cs typeface="Lucida Console"/>
-              </a:rPr>
-              <a:t>[1]));</a:t>
-            </a:r>
-            <a:endParaRPr lang="en-US" dirty="0">
-              <a:latin typeface="Lucida Console"/>
-              <a:cs typeface="Lucida Console"/>
-            </a:endParaRPr>
-          </a:p>
-          <a:p>
-            <a:pPr marL="0" indent="0">
-              <a:buNone/>
-            </a:pPr>
-            <a:r>
-              <a:rPr lang="en-US" dirty="0">
-                <a:latin typeface="Lucida Console"/>
-                <a:cs typeface="Lucida Console"/>
-              </a:rPr>
-              <a:t>    </a:t>
-            </a:r>
-            <a:r>
-              <a:rPr lang="en-US" dirty="0" err="1">
-                <a:latin typeface="Lucida Console"/>
-                <a:cs typeface="Lucida Console"/>
-              </a:rPr>
-              <a:t>System.exit</a:t>
-            </a:r>
-            <a:r>
-              <a:rPr lang="en-US" dirty="0">
-                <a:latin typeface="Lucida Console"/>
-                <a:cs typeface="Lucida Console"/>
-              </a:rPr>
-              <a:t>(</a:t>
-            </a:r>
-            <a:r>
-              <a:rPr lang="en-US" dirty="0" err="1">
-                <a:latin typeface="Lucida Console"/>
-                <a:cs typeface="Lucida Console"/>
-              </a:rPr>
-              <a:t>job.waitForCompletion</a:t>
-            </a:r>
-            <a:r>
-              <a:rPr lang="en-US" dirty="0">
-                <a:latin typeface="Lucida Console"/>
-                <a:cs typeface="Lucida Console"/>
-              </a:rPr>
-              <a:t>(true) ? 0 : 1);</a:t>
-            </a:r>
-          </a:p>
-          <a:p>
-            <a:pPr marL="0" indent="0">
-              <a:buNone/>
-            </a:pPr>
-            <a:r>
-              <a:rPr lang="en-US" dirty="0">
-                <a:latin typeface="Lucida Console"/>
-                <a:cs typeface="Lucida Console"/>
-              </a:rPr>
-              <a:t>  }</a:t>
-            </a:r>
-          </a:p>
-          <a:p>
-            <a:pPr marL="0" indent="0">
-              <a:buNone/>
-            </a:pPr>
-            <a:r>
-              <a:rPr lang="en-US" dirty="0">
-                <a:latin typeface="Lucida Console"/>
-                <a:cs typeface="Lucida Console"/>
-              </a:rPr>
-              <a:t>}</a:t>
-            </a:r>
+          <a:bodyPr/>
+          <a:lstStyle/>
+          <a:p>
+            <a:r>
+              <a:rPr lang="en-US" dirty="0" smtClean="0"/>
+              <a:t>Please note this is not the most efficient way of coding Python</a:t>
+            </a:r>
+          </a:p>
+          <a:p>
+            <a:pPr lvl="1"/>
+            <a:r>
+              <a:rPr lang="en-US" dirty="0" smtClean="0"/>
+              <a:t>But the simplest and easiest to explain</a:t>
+            </a:r>
+            <a:endParaRPr lang="en-US" dirty="0"/>
           </a:p>
         </p:txBody>
       </p:sp>
     </p:spTree>
     <p:extLst>
       <p:ext uri="{BB962C8B-B14F-4D97-AF65-F5344CB8AC3E}">
-        <p14:creationId xmlns:p14="http://schemas.microsoft.com/office/powerpoint/2010/main" val="3524617766"/>
+        <p14:creationId xmlns:p14="http://schemas.microsoft.com/office/powerpoint/2010/main" val="1142095931"/>
       </p:ext>
     </p:extLst>
   </p:cSld>
@@ -9501,11 +9030,7 @@
           <a:p>
             <a:r>
               <a:rPr lang="en-US" dirty="0" smtClean="0"/>
-              <a:t>Map Reduce in Java </a:t>
-            </a:r>
-            <a:r>
-              <a:rPr lang="en-US" dirty="0" err="1" smtClean="0"/>
-              <a:t>cont</a:t>
+              <a:t>Map Reduce in Java</a:t>
             </a:r>
             <a:endParaRPr lang="en-US" dirty="0"/>
           </a:p>
@@ -9523,45 +9048,60 @@
         </p:nvSpPr>
         <p:spPr/>
         <p:txBody>
-          <a:bodyPr/>
+          <a:bodyPr>
+            <a:normAutofit fontScale="55000" lnSpcReduction="20000"/>
+          </a:bodyPr>
           <a:lstStyle/>
           <a:p>
             <a:pPr marL="0" indent="0">
               <a:buNone/>
             </a:pPr>
             <a:r>
-              <a:rPr lang="en-US" dirty="0"/>
-              <a:t>$ </a:t>
-            </a:r>
-            <a:r>
-              <a:rPr lang="en-US" dirty="0" smtClean="0"/>
-              <a:t>yarn jar </a:t>
-            </a:r>
-            <a:r>
-              <a:rPr lang="en-US" dirty="0" err="1"/>
-              <a:t>wc.jar</a:t>
-            </a:r>
-            <a:r>
-              <a:rPr lang="en-US" dirty="0"/>
-              <a:t> </a:t>
-            </a:r>
-            <a:endParaRPr lang="en-US" dirty="0" smtClean="0"/>
+              <a:rPr lang="en-US" dirty="0">
+                <a:latin typeface="Lucida Console"/>
+                <a:cs typeface="Lucida Console"/>
+              </a:rPr>
+              <a:t> public static void main(String[] </a:t>
+            </a:r>
+            <a:r>
+              <a:rPr lang="en-US" dirty="0" err="1">
+                <a:latin typeface="Lucida Console"/>
+                <a:cs typeface="Lucida Console"/>
+              </a:rPr>
+              <a:t>args</a:t>
+            </a:r>
+            <a:r>
+              <a:rPr lang="en-US" dirty="0">
+                <a:latin typeface="Lucida Console"/>
+                <a:cs typeface="Lucida Console"/>
+              </a:rPr>
+              <a:t>) throws Exception {</a:t>
+            </a:r>
           </a:p>
           <a:p>
             <a:pPr marL="0" indent="0">
               <a:buNone/>
             </a:pPr>
             <a:r>
-              <a:rPr lang="en-US" dirty="0"/>
-              <a:t>	</a:t>
-            </a:r>
-            <a:r>
-              <a:rPr lang="en-US" dirty="0" err="1" smtClean="0"/>
-              <a:t>WordCount</a:t>
-            </a:r>
-            <a:r>
-              <a:rPr lang="en-US" dirty="0" smtClean="0"/>
-              <a:t> </a:t>
+              <a:rPr lang="en-US" dirty="0">
+                <a:latin typeface="Lucida Console"/>
+                <a:cs typeface="Lucida Console"/>
+              </a:rPr>
+              <a:t>    Configuration </a:t>
+            </a:r>
+            <a:r>
+              <a:rPr lang="en-US" dirty="0" err="1">
+                <a:latin typeface="Lucida Console"/>
+                <a:cs typeface="Lucida Console"/>
+              </a:rPr>
+              <a:t>conf</a:t>
+            </a:r>
+            <a:r>
+              <a:rPr lang="en-US" dirty="0">
+                <a:latin typeface="Lucida Console"/>
+                <a:cs typeface="Lucida Console"/>
+              </a:rPr>
+              <a:t> = new Configuration();</a:t>
             </a:r>
           </a:p>
           <a:p>
@@ -9569,66 +9109,434 @@
               <a:buNone/>
             </a:pPr>
             <a:r>
-              <a:rPr lang="en-US" dirty="0"/>
-              <a:t>	</a:t>
-            </a:r>
-            <a:r>
-              <a:rPr lang="en-US" dirty="0" smtClean="0"/>
-              <a:t>/</a:t>
-            </a:r>
-            <a:r>
-              <a:rPr lang="en-US" dirty="0"/>
-              <a:t>user/</a:t>
-            </a:r>
-            <a:r>
-              <a:rPr lang="en-US" dirty="0" err="1"/>
-              <a:t>joe</a:t>
-            </a:r>
-            <a:r>
-              <a:rPr lang="en-US" dirty="0"/>
-              <a:t>/</a:t>
-            </a:r>
-            <a:r>
-              <a:rPr lang="en-US" dirty="0" err="1"/>
-              <a:t>wordcount</a:t>
-            </a:r>
-            <a:r>
-              <a:rPr lang="en-US" dirty="0"/>
-              <a:t>/input </a:t>
-            </a:r>
-            <a:endParaRPr lang="en-US" dirty="0" smtClean="0"/>
+              <a:rPr lang="en-US" dirty="0">
+                <a:latin typeface="Lucida Console"/>
+                <a:cs typeface="Lucida Console"/>
+              </a:rPr>
+              <a:t>    Job job = </a:t>
+            </a:r>
+            <a:r>
+              <a:rPr lang="en-US" dirty="0" err="1">
+                <a:latin typeface="Lucida Console"/>
+                <a:cs typeface="Lucida Console"/>
+              </a:rPr>
+              <a:t>Job.getInstance</a:t>
+            </a:r>
+            <a:r>
+              <a:rPr lang="en-US" dirty="0">
+                <a:latin typeface="Lucida Console"/>
+                <a:cs typeface="Lucida Console"/>
+              </a:rPr>
+              <a:t>(</a:t>
+            </a:r>
+            <a:r>
+              <a:rPr lang="en-US" dirty="0" err="1">
+                <a:latin typeface="Lucida Console"/>
+                <a:cs typeface="Lucida Console"/>
+              </a:rPr>
+              <a:t>conf</a:t>
+            </a:r>
+            <a:r>
+              <a:rPr lang="en-US" dirty="0">
+                <a:latin typeface="Lucida Console"/>
+                <a:cs typeface="Lucida Console"/>
+              </a:rPr>
+              <a:t>, "word count");</a:t>
+            </a:r>
           </a:p>
           <a:p>
             <a:pPr marL="0" indent="0">
               <a:buNone/>
             </a:pPr>
             <a:r>
-              <a:rPr lang="en-US" dirty="0"/>
-              <a:t>	</a:t>
-            </a:r>
-            <a:r>
-              <a:rPr lang="en-US" dirty="0" smtClean="0"/>
-              <a:t>/</a:t>
-            </a:r>
-            <a:r>
-              <a:rPr lang="en-US" dirty="0"/>
-              <a:t>user/</a:t>
-            </a:r>
-            <a:r>
-              <a:rPr lang="en-US" dirty="0" err="1"/>
-              <a:t>joe</a:t>
-            </a:r>
-            <a:r>
-              <a:rPr lang="en-US" dirty="0"/>
-              <a:t>/</a:t>
-            </a:r>
-            <a:r>
-              <a:rPr lang="en-US" dirty="0" err="1"/>
-              <a:t>wordcount</a:t>
-            </a:r>
-            <a:r>
-              <a:rPr lang="en-US" dirty="0"/>
-              <a:t>/output</a:t>
+              <a:rPr lang="en-US" dirty="0">
+                <a:latin typeface="Lucida Console"/>
+                <a:cs typeface="Lucida Console"/>
+              </a:rPr>
+              <a:t>    </a:t>
+            </a:r>
+            <a:r>
+              <a:rPr lang="en-US" dirty="0" err="1">
+                <a:latin typeface="Lucida Console"/>
+                <a:cs typeface="Lucida Console"/>
+              </a:rPr>
+              <a:t>job.setJarByClass</a:t>
+            </a:r>
+            <a:r>
+              <a:rPr lang="en-US" dirty="0">
+                <a:latin typeface="Lucida Console"/>
+                <a:cs typeface="Lucida Console"/>
+              </a:rPr>
+              <a:t>(</a:t>
+            </a:r>
+            <a:r>
+              <a:rPr lang="en-US" dirty="0" err="1">
+                <a:latin typeface="Lucida Console"/>
+                <a:cs typeface="Lucida Console"/>
+              </a:rPr>
+              <a:t>WordCount.class</a:t>
+            </a:r>
+            <a:r>
+              <a:rPr lang="en-US" dirty="0">
+                <a:latin typeface="Lucida Console"/>
+                <a:cs typeface="Lucida Console"/>
+              </a:rPr>
+              <a:t>);</a:t>
+            </a:r>
+          </a:p>
+          <a:p>
+            <a:pPr marL="0" indent="0">
+              <a:buNone/>
+            </a:pPr>
+            <a:r>
+              <a:rPr lang="en-US" dirty="0">
+                <a:latin typeface="Lucida Console"/>
+                <a:cs typeface="Lucida Console"/>
+              </a:rPr>
+              <a:t>    </a:t>
+            </a:r>
+            <a:r>
+              <a:rPr lang="en-US" dirty="0" err="1">
+                <a:latin typeface="Lucida Console"/>
+                <a:cs typeface="Lucida Console"/>
+              </a:rPr>
+              <a:t>job.setMapperClass</a:t>
+            </a:r>
+            <a:r>
+              <a:rPr lang="en-US" dirty="0">
+                <a:latin typeface="Lucida Console"/>
+                <a:cs typeface="Lucida Console"/>
+              </a:rPr>
+              <a:t>(</a:t>
+            </a:r>
+            <a:r>
+              <a:rPr lang="en-US" dirty="0" err="1">
+                <a:latin typeface="Lucida Console"/>
+                <a:cs typeface="Lucida Console"/>
+              </a:rPr>
+              <a:t>TokenizerMapper.class</a:t>
+            </a:r>
+            <a:r>
+              <a:rPr lang="en-US" dirty="0">
+                <a:latin typeface="Lucida Console"/>
+                <a:cs typeface="Lucida Console"/>
+              </a:rPr>
+              <a:t>);</a:t>
+            </a:r>
+          </a:p>
+          <a:p>
+            <a:pPr marL="0" indent="0">
+              <a:buNone/>
+            </a:pPr>
+            <a:r>
+              <a:rPr lang="en-US" dirty="0">
+                <a:latin typeface="Lucida Console"/>
+                <a:cs typeface="Lucida Console"/>
+              </a:rPr>
+              <a:t>    </a:t>
+            </a:r>
+            <a:r>
+              <a:rPr lang="en-US" dirty="0" err="1">
+                <a:latin typeface="Lucida Console"/>
+                <a:cs typeface="Lucida Console"/>
+              </a:rPr>
+              <a:t>job.setCombinerClass</a:t>
+            </a:r>
+            <a:r>
+              <a:rPr lang="en-US" dirty="0">
+                <a:latin typeface="Lucida Console"/>
+                <a:cs typeface="Lucida Console"/>
+              </a:rPr>
+              <a:t>(</a:t>
+            </a:r>
+            <a:r>
+              <a:rPr lang="en-US" dirty="0" err="1">
+                <a:latin typeface="Lucida Console"/>
+                <a:cs typeface="Lucida Console"/>
+              </a:rPr>
+              <a:t>IntSumReducer.class</a:t>
+            </a:r>
+            <a:r>
+              <a:rPr lang="en-US" dirty="0">
+                <a:latin typeface="Lucida Console"/>
+                <a:cs typeface="Lucida Console"/>
+              </a:rPr>
+              <a:t>);</a:t>
+            </a:r>
+          </a:p>
+          <a:p>
+            <a:pPr marL="0" indent="0">
+              <a:buNone/>
+            </a:pPr>
+            <a:r>
+              <a:rPr lang="en-US" dirty="0">
+                <a:latin typeface="Lucida Console"/>
+                <a:cs typeface="Lucida Console"/>
+              </a:rPr>
+              <a:t>    </a:t>
+            </a:r>
+            <a:r>
+              <a:rPr lang="en-US" dirty="0" err="1">
+                <a:latin typeface="Lucida Console"/>
+                <a:cs typeface="Lucida Console"/>
+              </a:rPr>
+              <a:t>job.setReducerClass</a:t>
+            </a:r>
+            <a:r>
+              <a:rPr lang="en-US" dirty="0">
+                <a:latin typeface="Lucida Console"/>
+                <a:cs typeface="Lucida Console"/>
+              </a:rPr>
+              <a:t>(</a:t>
+            </a:r>
+            <a:r>
+              <a:rPr lang="en-US" dirty="0" err="1">
+                <a:latin typeface="Lucida Console"/>
+                <a:cs typeface="Lucida Console"/>
+              </a:rPr>
+              <a:t>IntSumReducer.class</a:t>
+            </a:r>
+            <a:r>
+              <a:rPr lang="en-US" dirty="0">
+                <a:latin typeface="Lucida Console"/>
+                <a:cs typeface="Lucida Console"/>
+              </a:rPr>
+              <a:t>);</a:t>
+            </a:r>
+          </a:p>
+          <a:p>
+            <a:pPr marL="0" indent="0">
+              <a:buNone/>
+            </a:pPr>
+            <a:r>
+              <a:rPr lang="en-US" dirty="0">
+                <a:latin typeface="Lucida Console"/>
+                <a:cs typeface="Lucida Console"/>
+              </a:rPr>
+              <a:t>    </a:t>
+            </a:r>
+            <a:r>
+              <a:rPr lang="en-US" dirty="0" err="1">
+                <a:latin typeface="Lucida Console"/>
+                <a:cs typeface="Lucida Console"/>
+              </a:rPr>
+              <a:t>job.setOutputKeyClass</a:t>
+            </a:r>
+            <a:r>
+              <a:rPr lang="en-US" dirty="0">
+                <a:latin typeface="Lucida Console"/>
+                <a:cs typeface="Lucida Console"/>
+              </a:rPr>
+              <a:t>(</a:t>
+            </a:r>
+            <a:r>
+              <a:rPr lang="en-US" dirty="0" err="1">
+                <a:latin typeface="Lucida Console"/>
+                <a:cs typeface="Lucida Console"/>
+              </a:rPr>
+              <a:t>Text.class</a:t>
+            </a:r>
+            <a:r>
+              <a:rPr lang="en-US" dirty="0">
+                <a:latin typeface="Lucida Console"/>
+                <a:cs typeface="Lucida Console"/>
+              </a:rPr>
+              <a:t>);</a:t>
+            </a:r>
+          </a:p>
+          <a:p>
+            <a:pPr marL="0" indent="0">
+              <a:buNone/>
+            </a:pPr>
+            <a:r>
+              <a:rPr lang="en-US" dirty="0">
+                <a:latin typeface="Lucida Console"/>
+                <a:cs typeface="Lucida Console"/>
+              </a:rPr>
+              <a:t>    </a:t>
+            </a:r>
+            <a:r>
+              <a:rPr lang="en-US" dirty="0" err="1">
+                <a:latin typeface="Lucida Console"/>
+                <a:cs typeface="Lucida Console"/>
+              </a:rPr>
+              <a:t>job.setOutputValueClass</a:t>
+            </a:r>
+            <a:r>
+              <a:rPr lang="en-US" dirty="0">
+                <a:latin typeface="Lucida Console"/>
+                <a:cs typeface="Lucida Console"/>
+              </a:rPr>
+              <a:t>(</a:t>
+            </a:r>
+            <a:r>
+              <a:rPr lang="en-US" dirty="0" err="1">
+                <a:latin typeface="Lucida Console"/>
+                <a:cs typeface="Lucida Console"/>
+              </a:rPr>
+              <a:t>IntWritable.class</a:t>
+            </a:r>
+            <a:r>
+              <a:rPr lang="en-US" dirty="0">
+                <a:latin typeface="Lucida Console"/>
+                <a:cs typeface="Lucida Console"/>
+              </a:rPr>
+              <a:t>);</a:t>
+            </a:r>
+          </a:p>
+          <a:p>
+            <a:pPr marL="0" indent="0">
+              <a:buNone/>
+            </a:pPr>
+            <a:r>
+              <a:rPr lang="en-US" dirty="0">
+                <a:latin typeface="Lucida Console"/>
+                <a:cs typeface="Lucida Console"/>
+              </a:rPr>
+              <a:t>    </a:t>
+            </a:r>
+            <a:r>
+              <a:rPr lang="en-US" dirty="0" err="1">
+                <a:latin typeface="Lucida Console"/>
+                <a:cs typeface="Lucida Console"/>
+              </a:rPr>
+              <a:t>FileInputFormat.addInputPath</a:t>
+            </a:r>
+            <a:r>
+              <a:rPr lang="en-US" dirty="0">
+                <a:latin typeface="Lucida Console"/>
+                <a:cs typeface="Lucida Console"/>
+              </a:rPr>
+              <a:t>(job, new Path(</a:t>
+            </a:r>
+            <a:r>
+              <a:rPr lang="en-US" dirty="0" err="1">
+                <a:latin typeface="Lucida Console"/>
+                <a:cs typeface="Lucida Console"/>
+              </a:rPr>
+              <a:t>args</a:t>
+            </a:r>
+            <a:r>
+              <a:rPr lang="en-US" dirty="0">
+                <a:latin typeface="Lucida Console"/>
+                <a:cs typeface="Lucida Console"/>
+              </a:rPr>
+              <a:t>[0]));</a:t>
+            </a:r>
+          </a:p>
+          <a:p>
+            <a:pPr marL="0" indent="0">
+              <a:buNone/>
+            </a:pPr>
+            <a:r>
+              <a:rPr lang="en-US" dirty="0">
+                <a:latin typeface="Lucida Console"/>
+                <a:cs typeface="Lucida Console"/>
+              </a:rPr>
+              <a:t>    </a:t>
+            </a:r>
+            <a:r>
+              <a:rPr lang="en-US" dirty="0" err="1">
+                <a:latin typeface="Lucida Console"/>
+                <a:cs typeface="Lucida Console"/>
+              </a:rPr>
+              <a:t>FileOutputFormat.setOutputPath</a:t>
+            </a:r>
+            <a:r>
+              <a:rPr lang="en-US" dirty="0">
+                <a:latin typeface="Lucida Console"/>
+                <a:cs typeface="Lucida Console"/>
+              </a:rPr>
+              <a:t>(job, </a:t>
+            </a:r>
+            <a:r>
+              <a:rPr lang="en-US" sz="2900" dirty="0">
+                <a:latin typeface="Lucida Console"/>
+                <a:cs typeface="Lucida Console"/>
+              </a:rPr>
+              <a:t>new Path(</a:t>
+            </a:r>
+            <a:r>
+              <a:rPr lang="en-US" sz="2900" dirty="0" err="1">
+                <a:latin typeface="Lucida Console"/>
+                <a:cs typeface="Lucida Console"/>
+              </a:rPr>
+              <a:t>args</a:t>
+            </a:r>
+            <a:r>
+              <a:rPr lang="en-US" sz="2900" dirty="0">
+                <a:latin typeface="Lucida Console"/>
+                <a:cs typeface="Lucida Console"/>
+              </a:rPr>
+              <a:t>[1]));</a:t>
+            </a:r>
+            <a:endParaRPr lang="en-US" dirty="0">
+              <a:latin typeface="Lucida Console"/>
+              <a:cs typeface="Lucida Console"/>
+            </a:endParaRPr>
+          </a:p>
+          <a:p>
+            <a:pPr marL="0" indent="0">
+              <a:buNone/>
+            </a:pPr>
+            <a:r>
+              <a:rPr lang="en-US" dirty="0">
+                <a:latin typeface="Lucida Console"/>
+                <a:cs typeface="Lucida Console"/>
+              </a:rPr>
+              <a:t>    </a:t>
+            </a:r>
+            <a:r>
+              <a:rPr lang="en-US" dirty="0" err="1">
+                <a:latin typeface="Lucida Console"/>
+                <a:cs typeface="Lucida Console"/>
+              </a:rPr>
+              <a:t>System.exit</a:t>
+            </a:r>
+            <a:r>
+              <a:rPr lang="en-US" dirty="0">
+                <a:latin typeface="Lucida Console"/>
+                <a:cs typeface="Lucida Console"/>
+              </a:rPr>
+              <a:t>(</a:t>
+            </a:r>
+            <a:r>
+              <a:rPr lang="en-US" dirty="0" err="1">
+                <a:latin typeface="Lucida Console"/>
+                <a:cs typeface="Lucida Console"/>
+              </a:rPr>
+              <a:t>job.waitForCompletion</a:t>
+            </a:r>
+            <a:r>
+              <a:rPr lang="en-US" dirty="0">
+                <a:latin typeface="Lucida Console"/>
+                <a:cs typeface="Lucida Console"/>
+              </a:rPr>
+              <a:t>(true) ? 0 : 1);</a:t>
+            </a:r>
+          </a:p>
+          <a:p>
+            <a:pPr marL="0" indent="0">
+              <a:buNone/>
+            </a:pPr>
+            <a:r>
+              <a:rPr lang="en-US" dirty="0">
+                <a:latin typeface="Lucida Console"/>
+                <a:cs typeface="Lucida Console"/>
+              </a:rPr>
+              <a:t>  }</a:t>
+            </a:r>
+          </a:p>
+          <a:p>
+            <a:pPr marL="0" indent="0">
+              <a:buNone/>
+            </a:pPr>
+            <a:r>
+              <a:rPr lang="en-US" dirty="0">
+                <a:latin typeface="Lucida Console"/>
+                <a:cs typeface="Lucida Console"/>
+              </a:rPr>
+              <a:t>}</a:t>
             </a:r>
           </a:p>
         </p:txBody>
@@ -9636,7 +9544,7 @@
     </p:spTree>
     <p:extLst>
       <p:ext uri="{BB962C8B-B14F-4D97-AF65-F5344CB8AC3E}">
-        <p14:creationId xmlns:p14="http://schemas.microsoft.com/office/powerpoint/2010/main" val="2269781301"/>
+        <p14:creationId xmlns:p14="http://schemas.microsoft.com/office/powerpoint/2010/main" val="3524617766"/>
       </p:ext>
     </p:extLst>
   </p:cSld>
@@ -9680,6 +9588,185 @@
           <a:p>
             <a:r>
               <a:rPr lang="en-US" dirty="0" smtClean="0"/>
+              <a:t>Map Reduce in Java </a:t>
+            </a:r>
+            <a:r>
+              <a:rPr lang="en-US" dirty="0" err="1" smtClean="0"/>
+              <a:t>cont</a:t>
+            </a:r>
+            <a:endParaRPr lang="en-US" dirty="0"/>
+          </a:p>
+        </p:txBody>
+      </p:sp>
+      <p:sp>
+        <p:nvSpPr>
+          <p:cNvPr id="3" name="Content Placeholder 2"/>
+          <p:cNvSpPr>
+            <a:spLocks noGrp="1"/>
+          </p:cNvSpPr>
+          <p:nvPr>
+            <p:ph idx="1"/>
+          </p:nvPr>
+        </p:nvSpPr>
+        <p:spPr/>
+        <p:txBody>
+          <a:bodyPr/>
+          <a:lstStyle/>
+          <a:p>
+            <a:pPr marL="0" indent="0">
+              <a:buNone/>
+            </a:pPr>
+            <a:r>
+              <a:rPr lang="en-US" dirty="0"/>
+              <a:t>$ </a:t>
+            </a:r>
+            <a:r>
+              <a:rPr lang="en-US" dirty="0" smtClean="0"/>
+              <a:t>yarn jar </a:t>
+            </a:r>
+            <a:r>
+              <a:rPr lang="en-US" dirty="0" err="1"/>
+              <a:t>wc.jar</a:t>
+            </a:r>
+            <a:r>
+              <a:rPr lang="en-US" dirty="0"/>
+              <a:t> </a:t>
+            </a:r>
+            <a:endParaRPr lang="en-US" dirty="0" smtClean="0"/>
+          </a:p>
+          <a:p>
+            <a:pPr marL="0" indent="0">
+              <a:buNone/>
+            </a:pPr>
+            <a:r>
+              <a:rPr lang="en-US" dirty="0"/>
+              <a:t>	</a:t>
+            </a:r>
+            <a:r>
+              <a:rPr lang="en-US" dirty="0" err="1" smtClean="0"/>
+              <a:t>WordCount</a:t>
+            </a:r>
+            <a:r>
+              <a:rPr lang="en-US" dirty="0" smtClean="0"/>
+              <a:t> </a:t>
+            </a:r>
+          </a:p>
+          <a:p>
+            <a:pPr marL="0" indent="0">
+              <a:buNone/>
+            </a:pPr>
+            <a:r>
+              <a:rPr lang="en-US" dirty="0"/>
+              <a:t>	</a:t>
+            </a:r>
+            <a:r>
+              <a:rPr lang="en-US" dirty="0" smtClean="0"/>
+              <a:t>/</a:t>
+            </a:r>
+            <a:r>
+              <a:rPr lang="en-US" dirty="0"/>
+              <a:t>user/</a:t>
+            </a:r>
+            <a:r>
+              <a:rPr lang="en-US" dirty="0" err="1"/>
+              <a:t>joe</a:t>
+            </a:r>
+            <a:r>
+              <a:rPr lang="en-US" dirty="0"/>
+              <a:t>/</a:t>
+            </a:r>
+            <a:r>
+              <a:rPr lang="en-US" dirty="0" err="1"/>
+              <a:t>wordcount</a:t>
+            </a:r>
+            <a:r>
+              <a:rPr lang="en-US" dirty="0"/>
+              <a:t>/input </a:t>
+            </a:r>
+            <a:endParaRPr lang="en-US" dirty="0" smtClean="0"/>
+          </a:p>
+          <a:p>
+            <a:pPr marL="0" indent="0">
+              <a:buNone/>
+            </a:pPr>
+            <a:r>
+              <a:rPr lang="en-US" dirty="0"/>
+              <a:t>	</a:t>
+            </a:r>
+            <a:r>
+              <a:rPr lang="en-US" dirty="0" smtClean="0"/>
+              <a:t>/</a:t>
+            </a:r>
+            <a:r>
+              <a:rPr lang="en-US" dirty="0"/>
+              <a:t>user/</a:t>
+            </a:r>
+            <a:r>
+              <a:rPr lang="en-US" dirty="0" err="1"/>
+              <a:t>joe</a:t>
+            </a:r>
+            <a:r>
+              <a:rPr lang="en-US" dirty="0"/>
+              <a:t>/</a:t>
+            </a:r>
+            <a:r>
+              <a:rPr lang="en-US" dirty="0" err="1"/>
+              <a:t>wordcount</a:t>
+            </a:r>
+            <a:r>
+              <a:rPr lang="en-US" dirty="0"/>
+              <a:t>/output</a:t>
+            </a:r>
+          </a:p>
+        </p:txBody>
+      </p:sp>
+    </p:spTree>
+    <p:extLst>
+      <p:ext uri="{BB962C8B-B14F-4D97-AF65-F5344CB8AC3E}">
+        <p14:creationId xmlns:p14="http://schemas.microsoft.com/office/powerpoint/2010/main" val="2269781301"/>
+      </p:ext>
+    </p:extLst>
+  </p:cSld>
+  <p:clrMapOvr>
+    <a:masterClrMapping/>
+  </p:clrMapOvr>
+</p:sld>
+</file>
+
+<file path=ppt/slides/slide36.xml><?xml version="1.0" encoding="utf-8"?>
+<p:sld xmlns:a="http://schemas.openxmlformats.org/drawingml/2006/main" xmlns:r="http://schemas.openxmlformats.org/officeDocument/2006/relationships" xmlns:p="http://schemas.openxmlformats.org/presentationml/2006/main">
+  <p:cSld>
+    <p:spTree>
+      <p:nvGrpSpPr>
+        <p:cNvPr id="1" name=""/>
+        <p:cNvGrpSpPr/>
+        <p:nvPr/>
+      </p:nvGrpSpPr>
+      <p:grpSpPr>
+        <a:xfrm>
+          <a:off x="0" y="0"/>
+          <a:ext cx="0" cy="0"/>
+          <a:chOff x="0" y="0"/>
+          <a:chExt cx="0" cy="0"/>
+        </a:xfrm>
+      </p:grpSpPr>
+      <p:sp>
+        <p:nvSpPr>
+          <p:cNvPr id="2" name="Title 1"/>
+          <p:cNvSpPr>
+            <a:spLocks noGrp="1"/>
+          </p:cNvSpPr>
+          <p:nvPr>
+            <p:ph type="title"/>
+          </p:nvPr>
+        </p:nvSpPr>
+        <p:spPr/>
+        <p:txBody>
+          <a:bodyPr/>
+          <a:lstStyle/>
+          <a:p>
+            <a:r>
+              <a:rPr lang="en-US" dirty="0" smtClean="0"/>
               <a:t>Summary</a:t>
             </a:r>
             <a:endParaRPr lang="en-US" dirty="0"/>
@@ -9751,7 +9838,7 @@
 </p:sld>
 </file>
 
-<file path=ppt/slides/slide36.xml><?xml version="1.0" encoding="utf-8"?>
+<file path=ppt/slides/slide37.xml><?xml version="1.0" encoding="utf-8"?>
 <p:sld xmlns:a="http://schemas.openxmlformats.org/drawingml/2006/main" xmlns:r="http://schemas.openxmlformats.org/officeDocument/2006/relationships" xmlns:p="http://schemas.openxmlformats.org/presentationml/2006/main">
   <p:cSld>
     <p:spTree>
@@ -10119,6 +10206,185 @@
           <a:p>
             <a:r>
               <a:rPr lang="en-US" dirty="0" smtClean="0"/>
+              <a:t>Class Exercise</a:t>
+            </a:r>
+            <a:endParaRPr lang="en-US" dirty="0"/>
+          </a:p>
+        </p:txBody>
+      </p:sp>
+      <p:sp>
+        <p:nvSpPr>
+          <p:cNvPr id="3" name="Content Placeholder 2"/>
+          <p:cNvSpPr>
+            <a:spLocks noGrp="1"/>
+          </p:cNvSpPr>
+          <p:nvPr>
+            <p:ph idx="1"/>
+          </p:nvPr>
+        </p:nvSpPr>
+        <p:spPr/>
+        <p:txBody>
+          <a:bodyPr/>
+          <a:lstStyle/>
+          <a:p>
+            <a:r>
+              <a:rPr lang="en-US" dirty="0" smtClean="0"/>
+              <a:t>Find two pieces of paper and write your name and day/month of birth on </a:t>
+            </a:r>
+            <a:r>
+              <a:rPr lang="en-US" b="1" dirty="0" smtClean="0"/>
+              <a:t>both</a:t>
+            </a:r>
+            <a:endParaRPr lang="en-US" dirty="0" smtClean="0"/>
+          </a:p>
+          <a:p>
+            <a:r>
+              <a:rPr lang="en-US" dirty="0" smtClean="0"/>
+              <a:t>You don’t need to divulge the year!</a:t>
+            </a:r>
+            <a:endParaRPr lang="en-US" dirty="0"/>
+          </a:p>
+        </p:txBody>
+      </p:sp>
+      <p:sp>
+        <p:nvSpPr>
+          <p:cNvPr id="4" name="Rectangle 3"/>
+          <p:cNvSpPr/>
+          <p:nvPr/>
+        </p:nvSpPr>
+        <p:spPr>
+          <a:xfrm>
+            <a:off x="1898316" y="3813426"/>
+            <a:ext cx="5160210" cy="2312737"/>
+          </a:xfrm>
+          <a:prstGeom prst="rect">
+            <a:avLst/>
+          </a:prstGeom>
+          <a:solidFill>
+            <a:schemeClr val="bg1">
+              <a:lumMod val="85000"/>
+            </a:schemeClr>
+          </a:solidFill>
+          <a:ln>
+            <a:solidFill>
+              <a:schemeClr val="bg1">
+                <a:lumMod val="85000"/>
+              </a:schemeClr>
+            </a:solidFill>
+          </a:ln>
+        </p:spPr>
+        <p:style>
+          <a:lnRef idx="1">
+            <a:schemeClr val="accent1"/>
+          </a:lnRef>
+          <a:fillRef idx="3">
+            <a:schemeClr val="accent1"/>
+          </a:fillRef>
+          <a:effectRef idx="2">
+            <a:schemeClr val="accent1"/>
+          </a:effectRef>
+          <a:fontRef idx="minor">
+            <a:schemeClr val="lt1"/>
+          </a:fontRef>
+        </p:style>
+        <p:txBody>
+          <a:bodyPr rtlCol="0" anchor="ctr"/>
+          <a:lstStyle/>
+          <a:p>
+            <a:pPr algn="ctr"/>
+            <a:r>
+              <a:rPr lang="en-US" sz="3600" dirty="0" smtClean="0">
+                <a:solidFill>
+                  <a:schemeClr val="tx1"/>
+                </a:solidFill>
+              </a:rPr>
+              <a:t>Paul</a:t>
+            </a:r>
+            <a:br>
+              <a:rPr lang="en-US" sz="3600" dirty="0" smtClean="0">
+                <a:solidFill>
+                  <a:schemeClr val="tx1"/>
+                </a:solidFill>
+              </a:rPr>
+            </a:br>
+            <a:r>
+              <a:rPr lang="en-US" sz="3600" dirty="0" smtClean="0">
+                <a:solidFill>
+                  <a:schemeClr val="tx1"/>
+                </a:solidFill>
+              </a:rPr>
+              <a:t>5</a:t>
+            </a:r>
+            <a:br>
+              <a:rPr lang="en-US" sz="3600" dirty="0" smtClean="0">
+                <a:solidFill>
+                  <a:schemeClr val="tx1"/>
+                </a:solidFill>
+              </a:rPr>
+            </a:br>
+            <a:r>
+              <a:rPr lang="en-US" sz="3600" dirty="0" smtClean="0">
+                <a:solidFill>
+                  <a:schemeClr val="tx1"/>
+                </a:solidFill>
+              </a:rPr>
+              <a:t>December</a:t>
+            </a:r>
+            <a:endParaRPr lang="en-US" sz="3600" dirty="0">
+              <a:solidFill>
+                <a:schemeClr val="tx1"/>
+              </a:solidFill>
+            </a:endParaRPr>
+          </a:p>
+        </p:txBody>
+      </p:sp>
+    </p:spTree>
+    <p:extLst>
+      <p:ext uri="{BB962C8B-B14F-4D97-AF65-F5344CB8AC3E}">
+        <p14:creationId xmlns:p14="http://schemas.microsoft.com/office/powerpoint/2010/main" val="184381173"/>
+      </p:ext>
+    </p:extLst>
+  </p:cSld>
+  <p:clrMapOvr>
+    <a:masterClrMapping/>
+  </p:clrMapOvr>
+</p:sld>
+</file>
+
+<file path=ppt/slides/slide7.xml><?xml version="1.0" encoding="utf-8"?>
+<p:sld xmlns:a="http://schemas.openxmlformats.org/drawingml/2006/main" xmlns:r="http://schemas.openxmlformats.org/officeDocument/2006/relationships" xmlns:p="http://schemas.openxmlformats.org/presentationml/2006/main">
+  <p:cSld>
+    <p:spTree>
+      <p:nvGrpSpPr>
+        <p:cNvPr id="1" name=""/>
+        <p:cNvGrpSpPr/>
+        <p:nvPr/>
+      </p:nvGrpSpPr>
+      <p:grpSpPr>
+        <a:xfrm>
+          <a:off x="0" y="0"/>
+          <a:ext cx="0" cy="0"/>
+          <a:chOff x="0" y="0"/>
+          <a:chExt cx="0" cy="0"/>
+        </a:xfrm>
+      </p:grpSpPr>
+      <p:sp>
+        <p:nvSpPr>
+          <p:cNvPr id="2" name="Title 1"/>
+          <p:cNvSpPr>
+            <a:spLocks noGrp="1"/>
+          </p:cNvSpPr>
+          <p:nvPr>
+            <p:ph type="title"/>
+          </p:nvPr>
+        </p:nvSpPr>
+        <p:spPr/>
+        <p:txBody>
+          <a:bodyPr/>
+          <a:lstStyle/>
+          <a:p>
+            <a:r>
+              <a:rPr lang="en-US" dirty="0" smtClean="0"/>
               <a:t>Pictorially</a:t>
             </a:r>
             <a:endParaRPr lang="en-US" dirty="0"/>
@@ -10162,7 +10428,7 @@
 </p:sld>
 </file>
 
-<file path=ppt/slides/slide7.xml><?xml version="1.0" encoding="utf-8"?>
+<file path=ppt/slides/slide8.xml><?xml version="1.0" encoding="utf-8"?>
 <p:sld xmlns:a="http://schemas.openxmlformats.org/drawingml/2006/main" xmlns:r="http://schemas.openxmlformats.org/officeDocument/2006/relationships" xmlns:p="http://schemas.openxmlformats.org/presentationml/2006/main">
   <p:cSld>
     <p:spTree>
@@ -10248,690 +10514,6 @@
 </p:sld>
 </file>
 
-<file path=ppt/slides/slide8.xml><?xml version="1.0" encoding="utf-8"?>
-<p:sld xmlns:a="http://schemas.openxmlformats.org/drawingml/2006/main" xmlns:r="http://schemas.openxmlformats.org/officeDocument/2006/relationships" xmlns:p="http://schemas.openxmlformats.org/presentationml/2006/main">
-  <p:cSld>
-    <p:spTree>
-      <p:nvGrpSpPr>
-        <p:cNvPr id="1" name=""/>
-        <p:cNvGrpSpPr/>
-        <p:nvPr/>
-      </p:nvGrpSpPr>
-      <p:grpSpPr>
-        <a:xfrm>
-          <a:off x="0" y="0"/>
-          <a:ext cx="0" cy="0"/>
-          <a:chOff x="0" y="0"/>
-          <a:chExt cx="0" cy="0"/>
-        </a:xfrm>
-      </p:grpSpPr>
-      <p:sp>
-        <p:nvSpPr>
-          <p:cNvPr id="2" name="Title 1"/>
-          <p:cNvSpPr>
-            <a:spLocks noGrp="1"/>
-          </p:cNvSpPr>
-          <p:nvPr>
-            <p:ph type="title"/>
-          </p:nvPr>
-        </p:nvSpPr>
-        <p:spPr/>
-        <p:txBody>
-          <a:bodyPr>
-            <a:normAutofit fontScale="90000"/>
-          </a:bodyPr>
-          <a:lstStyle/>
-          <a:p>
-            <a:r>
-              <a:rPr lang="en-US" dirty="0" smtClean="0"/>
-              <a:t>Map Reduce example #1</a:t>
-            </a:r>
-            <a:br>
-              <a:rPr lang="en-US" dirty="0" smtClean="0"/>
-            </a:br>
-            <a:r>
-              <a:rPr lang="en-US" dirty="0" smtClean="0"/>
-              <a:t>Java</a:t>
-            </a:r>
-            <a:endParaRPr lang="en-US" dirty="0"/>
-          </a:p>
-        </p:txBody>
-      </p:sp>
-      <p:sp>
-        <p:nvSpPr>
-          <p:cNvPr id="3" name="Content Placeholder 2"/>
-          <p:cNvSpPr>
-            <a:spLocks noGrp="1"/>
-          </p:cNvSpPr>
-          <p:nvPr>
-            <p:ph idx="1"/>
-          </p:nvPr>
-        </p:nvSpPr>
-        <p:spPr/>
-        <p:txBody>
-          <a:bodyPr>
-            <a:normAutofit fontScale="92500" lnSpcReduction="10000"/>
-          </a:bodyPr>
-          <a:lstStyle/>
-          <a:p>
-            <a:pPr marL="0" indent="0">
-              <a:buNone/>
-            </a:pPr>
-            <a:r>
-              <a:rPr lang="pt-BR" sz="2400" dirty="0">
-                <a:latin typeface="Lucida Console"/>
-                <a:cs typeface="Lucida Console"/>
-              </a:rPr>
-              <a:t>// some </a:t>
-            </a:r>
-            <a:r>
-              <a:rPr lang="pt-BR" sz="2400" dirty="0" smtClean="0">
-                <a:latin typeface="Lucida Console"/>
-                <a:cs typeface="Lucida Console"/>
-              </a:rPr>
-              <a:t>input</a:t>
-            </a:r>
-          </a:p>
-          <a:p>
-            <a:pPr marL="0" indent="0">
-              <a:buNone/>
-            </a:pPr>
-            <a:r>
-              <a:rPr lang="pt-BR" sz="2400" dirty="0" err="1" smtClean="0">
-                <a:latin typeface="Lucida Console"/>
-                <a:cs typeface="Lucida Console"/>
-              </a:rPr>
-              <a:t>Integer</a:t>
-            </a:r>
-            <a:r>
-              <a:rPr lang="pt-BR" sz="2400" dirty="0" smtClean="0">
-                <a:latin typeface="Lucida Console"/>
-                <a:cs typeface="Lucida Console"/>
-              </a:rPr>
-              <a:t> </a:t>
-            </a:r>
-            <a:r>
-              <a:rPr lang="pt-BR" sz="2400" dirty="0" err="1">
-                <a:latin typeface="Lucida Console"/>
-                <a:cs typeface="Lucida Console"/>
-              </a:rPr>
-              <a:t>array</a:t>
-            </a:r>
-            <a:r>
-              <a:rPr lang="pt-BR" sz="2400" dirty="0">
-                <a:latin typeface="Lucida Console"/>
-                <a:cs typeface="Lucida Console"/>
-              </a:rPr>
-              <a:t>[] = {1,2,3,4,5}</a:t>
-            </a:r>
-            <a:r>
-              <a:rPr lang="pt-BR" sz="2400" dirty="0" smtClean="0">
-                <a:latin typeface="Lucida Console"/>
-                <a:cs typeface="Lucida Console"/>
-              </a:rPr>
-              <a:t>;</a:t>
-            </a:r>
-          </a:p>
-          <a:p>
-            <a:pPr marL="0" indent="0">
-              <a:buNone/>
-            </a:pPr>
-            <a:r>
-              <a:rPr lang="pt-BR" sz="2400" dirty="0" smtClean="0">
-                <a:latin typeface="Lucida Console"/>
-                <a:cs typeface="Lucida Console"/>
-              </a:rPr>
-              <a:t>// </a:t>
-            </a:r>
-            <a:r>
-              <a:rPr lang="pt-BR" sz="2400" dirty="0" err="1" smtClean="0">
-                <a:latin typeface="Lucida Console"/>
-                <a:cs typeface="Lucida Console"/>
-              </a:rPr>
-              <a:t>make</a:t>
-            </a:r>
-            <a:r>
-              <a:rPr lang="pt-BR" sz="2400" dirty="0" smtClean="0">
-                <a:latin typeface="Lucida Console"/>
-                <a:cs typeface="Lucida Console"/>
-              </a:rPr>
-              <a:t> a </a:t>
-            </a:r>
-            <a:r>
-              <a:rPr lang="pt-BR" sz="2400" dirty="0" err="1" smtClean="0">
-                <a:latin typeface="Lucida Console"/>
-                <a:cs typeface="Lucida Console"/>
-              </a:rPr>
-              <a:t>Stream</a:t>
-            </a:r>
-            <a:r>
-              <a:rPr lang="pt-BR" sz="2400" dirty="0" smtClean="0">
-                <a:latin typeface="Lucida Console"/>
-                <a:cs typeface="Lucida Console"/>
-              </a:rPr>
-              <a:t> </a:t>
-            </a:r>
-            <a:r>
-              <a:rPr lang="pt-BR" sz="2400" dirty="0" err="1" smtClean="0">
-                <a:latin typeface="Lucida Console"/>
-                <a:cs typeface="Lucida Console"/>
-              </a:rPr>
-              <a:t>of</a:t>
-            </a:r>
-            <a:r>
-              <a:rPr lang="pt-BR" sz="2400" dirty="0" smtClean="0">
-                <a:latin typeface="Lucida Console"/>
-                <a:cs typeface="Lucida Console"/>
-              </a:rPr>
-              <a:t> it</a:t>
-            </a:r>
-            <a:endParaRPr lang="pt-BR" sz="2400" dirty="0">
-              <a:latin typeface="Lucida Console"/>
-              <a:cs typeface="Lucida Console"/>
-            </a:endParaRPr>
-          </a:p>
-          <a:p>
-            <a:pPr marL="0" indent="0">
-              <a:buNone/>
-            </a:pPr>
-            <a:r>
-              <a:rPr lang="pt-BR" sz="2400" dirty="0" err="1" smtClean="0">
-                <a:latin typeface="Lucida Console"/>
-                <a:cs typeface="Lucida Console"/>
-              </a:rPr>
-              <a:t>Stream</a:t>
-            </a:r>
-            <a:r>
-              <a:rPr lang="pt-BR" sz="2400" dirty="0">
-                <a:latin typeface="Lucida Console"/>
-                <a:cs typeface="Lucida Console"/>
-              </a:rPr>
-              <a:t>&lt;</a:t>
-            </a:r>
-            <a:r>
-              <a:rPr lang="pt-BR" sz="2400" dirty="0" err="1">
-                <a:latin typeface="Lucida Console"/>
-                <a:cs typeface="Lucida Console"/>
-              </a:rPr>
-              <a:t>Integer</a:t>
-            </a:r>
-            <a:r>
-              <a:rPr lang="pt-BR" sz="2400" dirty="0">
-                <a:latin typeface="Lucida Console"/>
-                <a:cs typeface="Lucida Console"/>
-              </a:rPr>
-              <a:t>&gt; </a:t>
-            </a:r>
-            <a:r>
-              <a:rPr lang="pt-BR" sz="2400" dirty="0" err="1">
-                <a:latin typeface="Lucida Console"/>
-                <a:cs typeface="Lucida Console"/>
-              </a:rPr>
-              <a:t>stream</a:t>
-            </a:r>
-            <a:r>
-              <a:rPr lang="pt-BR" sz="2400" dirty="0">
-                <a:latin typeface="Lucida Console"/>
-                <a:cs typeface="Lucida Console"/>
-              </a:rPr>
-              <a:t> = </a:t>
-            </a:r>
-            <a:r>
-              <a:rPr lang="pt-BR" sz="2400" dirty="0" smtClean="0">
-                <a:latin typeface="Lucida Console"/>
-                <a:cs typeface="Lucida Console"/>
-              </a:rPr>
-              <a:t>  </a:t>
-            </a:r>
-            <a:br>
-              <a:rPr lang="pt-BR" sz="2400" dirty="0" smtClean="0">
-                <a:latin typeface="Lucida Console"/>
-                <a:cs typeface="Lucida Console"/>
-              </a:rPr>
-            </a:br>
-            <a:r>
-              <a:rPr lang="pt-BR" sz="2400" dirty="0" smtClean="0">
-                <a:latin typeface="Lucida Console"/>
-                <a:cs typeface="Lucida Console"/>
-              </a:rPr>
-              <a:t>	</a:t>
-            </a:r>
-            <a:r>
-              <a:rPr lang="pt-BR" sz="2400" dirty="0" err="1" smtClean="0">
-                <a:latin typeface="Lucida Console"/>
-                <a:cs typeface="Lucida Console"/>
-              </a:rPr>
-              <a:t>Arrays.</a:t>
-            </a:r>
-            <a:r>
-              <a:rPr lang="pt-BR" sz="2400" i="1" dirty="0" err="1" smtClean="0">
-                <a:latin typeface="Lucida Console"/>
-                <a:cs typeface="Lucida Console"/>
-              </a:rPr>
-              <a:t>stream</a:t>
-            </a:r>
-            <a:r>
-              <a:rPr lang="pt-BR" sz="2400" i="1" dirty="0">
-                <a:latin typeface="Lucida Console"/>
-                <a:cs typeface="Lucida Console"/>
-              </a:rPr>
-              <a:t>(</a:t>
-            </a:r>
-            <a:r>
-              <a:rPr lang="pt-BR" sz="2400" i="1" dirty="0" err="1">
-                <a:latin typeface="Lucida Console"/>
-                <a:cs typeface="Lucida Console"/>
-              </a:rPr>
-              <a:t>array</a:t>
-            </a:r>
-            <a:r>
-              <a:rPr lang="pt-BR" sz="2400" i="1" dirty="0">
-                <a:latin typeface="Lucida Console"/>
-                <a:cs typeface="Lucida Console"/>
-              </a:rPr>
-              <a:t>); </a:t>
-            </a:r>
-            <a:endParaRPr lang="pt-BR" sz="2400" i="1" dirty="0" smtClean="0">
-              <a:latin typeface="Lucida Console"/>
-              <a:cs typeface="Lucida Console"/>
-            </a:endParaRPr>
-          </a:p>
-          <a:p>
-            <a:pPr marL="0" indent="0">
-              <a:buNone/>
-            </a:pPr>
-            <a:r>
-              <a:rPr lang="pt-BR" sz="2400" i="1" dirty="0" smtClean="0">
-                <a:latin typeface="Lucida Console"/>
-                <a:cs typeface="Lucida Console"/>
-              </a:rPr>
-              <a:t>// </a:t>
-            </a:r>
-            <a:r>
-              <a:rPr lang="pt-BR" sz="2400" i="1" dirty="0" err="1" smtClean="0">
-                <a:latin typeface="Lucida Console"/>
-                <a:cs typeface="Lucida Console"/>
-              </a:rPr>
-              <a:t>map</a:t>
-            </a:r>
-            <a:r>
-              <a:rPr lang="pt-BR" sz="2400" i="1" dirty="0" smtClean="0">
-                <a:latin typeface="Lucida Console"/>
-                <a:cs typeface="Lucida Console"/>
-              </a:rPr>
-              <a:t> </a:t>
-            </a:r>
-            <a:r>
-              <a:rPr lang="pt-BR" sz="2400" i="1" dirty="0" err="1" smtClean="0">
-                <a:latin typeface="Lucida Console"/>
-                <a:cs typeface="Lucida Console"/>
-              </a:rPr>
-              <a:t>then</a:t>
-            </a:r>
-            <a:r>
-              <a:rPr lang="pt-BR" sz="2400" i="1" dirty="0" smtClean="0">
-                <a:latin typeface="Lucida Console"/>
-                <a:cs typeface="Lucida Console"/>
-              </a:rPr>
-              <a:t> </a:t>
-            </a:r>
-            <a:r>
-              <a:rPr lang="pt-BR" sz="2400" i="1" dirty="0" err="1" smtClean="0">
-                <a:latin typeface="Lucida Console"/>
-                <a:cs typeface="Lucida Console"/>
-              </a:rPr>
-              <a:t>reduce</a:t>
-            </a:r>
-            <a:endParaRPr lang="pt-BR" sz="2400" i="1" dirty="0">
-              <a:latin typeface="Lucida Console"/>
-              <a:cs typeface="Lucida Console"/>
-            </a:endParaRPr>
-          </a:p>
-          <a:p>
-            <a:pPr marL="0" indent="0">
-              <a:buNone/>
-            </a:pPr>
-            <a:r>
-              <a:rPr lang="pt-BR" sz="2400" dirty="0" err="1" smtClean="0">
-                <a:latin typeface="Lucida Console"/>
-                <a:cs typeface="Lucida Console"/>
-              </a:rPr>
-              <a:t>Integer</a:t>
-            </a:r>
-            <a:r>
-              <a:rPr lang="pt-BR" sz="2400" dirty="0" smtClean="0">
-                <a:latin typeface="Lucida Console"/>
-                <a:cs typeface="Lucida Console"/>
-              </a:rPr>
-              <a:t> </a:t>
-            </a:r>
-            <a:r>
-              <a:rPr lang="pt-BR" sz="2400" dirty="0" err="1">
-                <a:latin typeface="Lucida Console"/>
-                <a:cs typeface="Lucida Console"/>
-              </a:rPr>
-              <a:t>map_reduced</a:t>
-            </a:r>
-            <a:r>
-              <a:rPr lang="pt-BR" sz="2400" dirty="0">
-                <a:latin typeface="Lucida Console"/>
-                <a:cs typeface="Lucida Console"/>
-              </a:rPr>
-              <a:t> = </a:t>
-            </a:r>
-            <a:r>
-              <a:rPr lang="pt-BR" sz="2400" dirty="0" smtClean="0">
-                <a:latin typeface="Lucida Console"/>
-                <a:cs typeface="Lucida Console"/>
-              </a:rPr>
-              <a:t/>
-            </a:r>
-            <a:br>
-              <a:rPr lang="pt-BR" sz="2400" dirty="0" smtClean="0">
-                <a:latin typeface="Lucida Console"/>
-                <a:cs typeface="Lucida Console"/>
-              </a:rPr>
-            </a:br>
-            <a:r>
-              <a:rPr lang="pt-BR" sz="2400" dirty="0" smtClean="0">
-                <a:latin typeface="Lucida Console"/>
-                <a:cs typeface="Lucida Console"/>
-              </a:rPr>
-              <a:t>	</a:t>
-            </a:r>
-            <a:r>
-              <a:rPr lang="pt-BR" sz="2400" dirty="0" err="1" smtClean="0">
-                <a:latin typeface="Lucida Console"/>
-                <a:cs typeface="Lucida Console"/>
-              </a:rPr>
-              <a:t>stream</a:t>
-            </a:r>
-            <a:r>
-              <a:rPr lang="pt-BR" sz="2400" dirty="0" smtClean="0">
-                <a:latin typeface="Lucida Console"/>
-                <a:cs typeface="Lucida Console"/>
-              </a:rPr>
-              <a:t/>
-            </a:r>
-            <a:br>
-              <a:rPr lang="pt-BR" sz="2400" dirty="0" smtClean="0">
-                <a:latin typeface="Lucida Console"/>
-                <a:cs typeface="Lucida Console"/>
-              </a:rPr>
-            </a:br>
-            <a:r>
-              <a:rPr lang="pt-BR" sz="2400" dirty="0" smtClean="0">
-                <a:solidFill>
-                  <a:srgbClr val="FF0000"/>
-                </a:solidFill>
-                <a:latin typeface="Lucida Console"/>
-                <a:cs typeface="Lucida Console"/>
-              </a:rPr>
-              <a:t>		.</a:t>
-            </a:r>
-            <a:r>
-              <a:rPr lang="pt-BR" sz="2400" dirty="0" err="1" smtClean="0">
-                <a:solidFill>
-                  <a:srgbClr val="FF0000"/>
-                </a:solidFill>
-                <a:latin typeface="Lucida Console"/>
-                <a:cs typeface="Lucida Console"/>
-              </a:rPr>
-              <a:t>map</a:t>
-            </a:r>
-            <a:r>
-              <a:rPr lang="pt-BR" sz="2400" dirty="0">
-                <a:solidFill>
-                  <a:srgbClr val="FF0000"/>
-                </a:solidFill>
-                <a:latin typeface="Lucida Console"/>
-                <a:cs typeface="Lucida Console"/>
-              </a:rPr>
-              <a:t>(</a:t>
-            </a:r>
-            <a:r>
-              <a:rPr lang="pt-BR" sz="2400" dirty="0" err="1">
-                <a:solidFill>
-                  <a:srgbClr val="FF0000"/>
-                </a:solidFill>
-                <a:latin typeface="Lucida Console"/>
-                <a:cs typeface="Lucida Console"/>
-              </a:rPr>
-              <a:t>x</a:t>
-            </a:r>
-            <a:r>
-              <a:rPr lang="pt-BR" sz="2400" dirty="0">
-                <a:solidFill>
-                  <a:srgbClr val="FF0000"/>
-                </a:solidFill>
-                <a:latin typeface="Lucida Console"/>
-                <a:cs typeface="Lucida Console"/>
-              </a:rPr>
-              <a:t> -&gt; </a:t>
-            </a:r>
-            <a:r>
-              <a:rPr lang="pt-BR" sz="2400" dirty="0" err="1">
-                <a:solidFill>
-                  <a:srgbClr val="FF0000"/>
-                </a:solidFill>
-                <a:latin typeface="Lucida Console"/>
-                <a:cs typeface="Lucida Console"/>
-              </a:rPr>
-              <a:t>x</a:t>
-            </a:r>
-            <a:r>
-              <a:rPr lang="pt-BR" sz="2400" dirty="0">
-                <a:solidFill>
-                  <a:srgbClr val="FF0000"/>
-                </a:solidFill>
-                <a:latin typeface="Lucida Console"/>
-                <a:cs typeface="Lucida Console"/>
-              </a:rPr>
-              <a:t>*</a:t>
-            </a:r>
-            <a:r>
-              <a:rPr lang="pt-BR" sz="2400" dirty="0" err="1">
-                <a:solidFill>
-                  <a:srgbClr val="FF0000"/>
-                </a:solidFill>
-                <a:latin typeface="Lucida Console"/>
-                <a:cs typeface="Lucida Console"/>
-              </a:rPr>
-              <a:t>x</a:t>
-            </a:r>
-            <a:r>
-              <a:rPr lang="pt-BR" sz="2400" dirty="0" smtClean="0">
-                <a:solidFill>
-                  <a:srgbClr val="FF0000"/>
-                </a:solidFill>
-                <a:latin typeface="Lucida Console"/>
-                <a:cs typeface="Lucida Console"/>
-              </a:rPr>
-              <a:t>)</a:t>
-            </a:r>
-            <a:br>
-              <a:rPr lang="pt-BR" sz="2400" dirty="0" smtClean="0">
-                <a:solidFill>
-                  <a:srgbClr val="FF0000"/>
-                </a:solidFill>
-                <a:latin typeface="Lucida Console"/>
-                <a:cs typeface="Lucida Console"/>
-              </a:rPr>
-            </a:br>
-            <a:r>
-              <a:rPr lang="pt-BR" sz="2400" b="1" dirty="0" smtClean="0">
-                <a:solidFill>
-                  <a:srgbClr val="FF0000"/>
-                </a:solidFill>
-                <a:latin typeface="Lucida Console"/>
-                <a:cs typeface="Lucida Console"/>
-              </a:rPr>
-              <a:t>		.</a:t>
-            </a:r>
-            <a:r>
-              <a:rPr lang="pt-BR" sz="2400" b="1" dirty="0" err="1">
-                <a:solidFill>
-                  <a:srgbClr val="FF0000"/>
-                </a:solidFill>
-                <a:latin typeface="Lucida Console"/>
-                <a:cs typeface="Lucida Console"/>
-              </a:rPr>
-              <a:t>reduce</a:t>
-            </a:r>
-            <a:r>
-              <a:rPr lang="pt-BR" sz="2400" b="1" dirty="0">
-                <a:solidFill>
-                  <a:srgbClr val="FF0000"/>
-                </a:solidFill>
-                <a:latin typeface="Lucida Console"/>
-                <a:cs typeface="Lucida Console"/>
-              </a:rPr>
-              <a:t>(0, (a, </a:t>
-            </a:r>
-            <a:r>
-              <a:rPr lang="pt-BR" sz="2400" b="1" dirty="0" err="1">
-                <a:solidFill>
-                  <a:srgbClr val="FF0000"/>
-                </a:solidFill>
-                <a:latin typeface="Lucida Console"/>
-                <a:cs typeface="Lucida Console"/>
-              </a:rPr>
-              <a:t>b</a:t>
-            </a:r>
-            <a:r>
-              <a:rPr lang="pt-BR" sz="2400" b="1" dirty="0">
-                <a:solidFill>
-                  <a:srgbClr val="FF0000"/>
-                </a:solidFill>
-                <a:latin typeface="Lucida Console"/>
-                <a:cs typeface="Lucida Console"/>
-              </a:rPr>
-              <a:t>)-&gt;</a:t>
-            </a:r>
-            <a:r>
-              <a:rPr lang="pt-BR" sz="2400" b="1" dirty="0" err="1">
-                <a:solidFill>
-                  <a:srgbClr val="FF0000"/>
-                </a:solidFill>
-                <a:latin typeface="Lucida Console"/>
-                <a:cs typeface="Lucida Console"/>
-              </a:rPr>
-              <a:t>a+b</a:t>
-            </a:r>
-            <a:r>
-              <a:rPr lang="pt-BR" sz="2400" b="1" dirty="0">
-                <a:solidFill>
-                  <a:srgbClr val="FF0000"/>
-                </a:solidFill>
-                <a:latin typeface="Lucida Console"/>
-                <a:cs typeface="Lucida Console"/>
-              </a:rPr>
-              <a:t>);</a:t>
-            </a:r>
-          </a:p>
-          <a:p>
-            <a:pPr marL="0" indent="0">
-              <a:buNone/>
-            </a:pPr>
-            <a:r>
-              <a:rPr lang="pt-BR" sz="2400" dirty="0" smtClean="0">
-                <a:latin typeface="Lucida Console"/>
-                <a:cs typeface="Lucida Console"/>
-              </a:rPr>
-              <a:t>// </a:t>
-            </a:r>
-            <a:r>
-              <a:rPr lang="pt-BR" sz="2400" dirty="0" err="1" smtClean="0">
-                <a:latin typeface="Lucida Console"/>
-                <a:cs typeface="Lucida Console"/>
-              </a:rPr>
-              <a:t>should</a:t>
-            </a:r>
-            <a:r>
-              <a:rPr lang="pt-BR" sz="2400" dirty="0" smtClean="0">
-                <a:latin typeface="Lucida Console"/>
-                <a:cs typeface="Lucida Console"/>
-              </a:rPr>
-              <a:t> </a:t>
-            </a:r>
-            <a:r>
-              <a:rPr lang="pt-BR" sz="2400" dirty="0" err="1" smtClean="0">
-                <a:latin typeface="Lucida Console"/>
-                <a:cs typeface="Lucida Console"/>
-              </a:rPr>
-              <a:t>print</a:t>
-            </a:r>
-            <a:r>
-              <a:rPr lang="pt-BR" sz="2400" dirty="0" smtClean="0">
-                <a:latin typeface="Lucida Console"/>
-                <a:cs typeface="Lucida Console"/>
-              </a:rPr>
-              <a:t> 55</a:t>
-            </a:r>
-            <a:endParaRPr lang="pt-BR" sz="2400" dirty="0">
-              <a:latin typeface="Lucida Console"/>
-              <a:cs typeface="Lucida Console"/>
-            </a:endParaRPr>
-          </a:p>
-          <a:p>
-            <a:pPr marL="0" indent="0">
-              <a:buNone/>
-            </a:pPr>
-            <a:r>
-              <a:rPr lang="pt-BR" sz="2400" dirty="0" err="1" smtClean="0">
-                <a:latin typeface="Lucida Console"/>
-                <a:cs typeface="Lucida Console"/>
-              </a:rPr>
-              <a:t>System.</a:t>
-            </a:r>
-            <a:r>
-              <a:rPr lang="pt-BR" sz="2400" b="1" i="1" dirty="0" err="1" smtClean="0">
-                <a:latin typeface="Lucida Console"/>
-                <a:cs typeface="Lucida Console"/>
-              </a:rPr>
-              <a:t>out.println</a:t>
-            </a:r>
-            <a:r>
-              <a:rPr lang="pt-BR" sz="2400" b="1" i="1" dirty="0">
-                <a:latin typeface="Lucida Console"/>
-                <a:cs typeface="Lucida Console"/>
-              </a:rPr>
-              <a:t>(</a:t>
-            </a:r>
-            <a:r>
-              <a:rPr lang="pt-BR" sz="2400" b="1" i="1" dirty="0" err="1">
-                <a:latin typeface="Lucida Console"/>
-                <a:cs typeface="Lucida Console"/>
-              </a:rPr>
-              <a:t>map_reduced</a:t>
-            </a:r>
-            <a:r>
-              <a:rPr lang="pt-BR" sz="2400" b="1" i="1" dirty="0">
-                <a:latin typeface="Lucida Console"/>
-                <a:cs typeface="Lucida Console"/>
-              </a:rPr>
-              <a:t>);</a:t>
-            </a:r>
-            <a:endParaRPr lang="en-US" sz="2400" dirty="0">
-              <a:latin typeface="Lucida Console"/>
-              <a:cs typeface="Lucida Console"/>
-            </a:endParaRPr>
-          </a:p>
-        </p:txBody>
-      </p:sp>
-    </p:spTree>
-    <p:extLst>
-      <p:ext uri="{BB962C8B-B14F-4D97-AF65-F5344CB8AC3E}">
-        <p14:creationId xmlns:p14="http://schemas.microsoft.com/office/powerpoint/2010/main" val="391730550"/>
-      </p:ext>
-    </p:extLst>
-  </p:cSld>
-  <p:clrMapOvr>
-    <a:masterClrMapping/>
-  </p:clrMapOvr>
-</p:sld>
-</file>
-
 <file path=ppt/slides/slide9.xml><?xml version="1.0" encoding="utf-8"?>
 <p:sld xmlns:a="http://schemas.openxmlformats.org/drawingml/2006/main" xmlns:r="http://schemas.openxmlformats.org/officeDocument/2006/relationships" xmlns:p="http://schemas.openxmlformats.org/presentationml/2006/main">
   <p:cSld>
@@ -10961,12 +10543,21 @@
         </p:nvSpPr>
         <p:spPr/>
         <p:txBody>
-          <a:bodyPr/>
-          <a:lstStyle/>
-          <a:p>
-            <a:r>
-              <a:rPr lang="en-US" dirty="0" smtClean="0"/>
-              <a:t>Notice how	</a:t>
+          <a:bodyPr>
+            <a:normAutofit fontScale="90000"/>
+          </a:bodyPr>
+          <a:lstStyle/>
+          <a:p>
+            <a:r>
+              <a:rPr lang="en-US" dirty="0" smtClean="0"/>
+              <a:t>Map Reduce example #1</a:t>
+            </a:r>
+            <a:br>
+              <a:rPr lang="en-US" dirty="0" smtClean="0"/>
+            </a:br>
+            <a:r>
+              <a:rPr lang="en-US" dirty="0" smtClean="0"/>
+              <a:t>Java</a:t>
             </a:r>
             <a:endParaRPr lang="en-US" dirty="0"/>
           </a:p>
@@ -10984,31 +10575,620 @@
         </p:nvSpPr>
         <p:spPr/>
         <p:txBody>
-          <a:bodyPr/>
-          <a:lstStyle/>
-          <a:p>
-            <a:r>
-              <a:rPr lang="en-US" dirty="0" smtClean="0"/>
-              <a:t>We could have squared each number in the stream </a:t>
-            </a:r>
-            <a:r>
-              <a:rPr lang="en-US" b="1" i="1" dirty="0" smtClean="0"/>
-              <a:t>at the same time</a:t>
-            </a:r>
-          </a:p>
-          <a:p>
-            <a:r>
-              <a:rPr lang="en-US" dirty="0" smtClean="0"/>
-              <a:t>Adding them up needed all the results available</a:t>
-            </a:r>
-            <a:endParaRPr lang="en-US" dirty="0"/>
+          <a:bodyPr>
+            <a:normAutofit fontScale="92500" lnSpcReduction="10000"/>
+          </a:bodyPr>
+          <a:lstStyle/>
+          <a:p>
+            <a:pPr marL="0" indent="0">
+              <a:buNone/>
+            </a:pPr>
+            <a:r>
+              <a:rPr lang="pt-BR" sz="2400" dirty="0">
+                <a:latin typeface="Lucida Console"/>
+                <a:cs typeface="Lucida Console"/>
+              </a:rPr>
+              <a:t>// some </a:t>
+            </a:r>
+            <a:r>
+              <a:rPr lang="pt-BR" sz="2400" dirty="0" smtClean="0">
+                <a:latin typeface="Lucida Console"/>
+                <a:cs typeface="Lucida Console"/>
+              </a:rPr>
+              <a:t>input</a:t>
+            </a:r>
+          </a:p>
+          <a:p>
+            <a:pPr marL="0" indent="0">
+              <a:buNone/>
+            </a:pPr>
+            <a:r>
+              <a:rPr lang="pt-BR" sz="2400" dirty="0" err="1" smtClean="0">
+                <a:latin typeface="Lucida Console"/>
+                <a:cs typeface="Lucida Console"/>
+              </a:rPr>
+              <a:t>Integer</a:t>
+            </a:r>
+            <a:r>
+              <a:rPr lang="pt-BR" sz="2400" dirty="0" smtClean="0">
+                <a:latin typeface="Lucida Console"/>
+                <a:cs typeface="Lucida Console"/>
+              </a:rPr>
+              <a:t> </a:t>
+            </a:r>
+            <a:r>
+              <a:rPr lang="pt-BR" sz="2400" dirty="0" err="1">
+                <a:latin typeface="Lucida Console"/>
+                <a:cs typeface="Lucida Console"/>
+              </a:rPr>
+              <a:t>array</a:t>
+            </a:r>
+            <a:r>
+              <a:rPr lang="pt-BR" sz="2400" dirty="0">
+                <a:latin typeface="Lucida Console"/>
+                <a:cs typeface="Lucida Console"/>
+              </a:rPr>
+              <a:t>[] = {1,2,3,4,5}</a:t>
+            </a:r>
+            <a:r>
+              <a:rPr lang="pt-BR" sz="2400" dirty="0" smtClean="0">
+                <a:latin typeface="Lucida Console"/>
+                <a:cs typeface="Lucida Console"/>
+              </a:rPr>
+              <a:t>;</a:t>
+            </a:r>
+          </a:p>
+          <a:p>
+            <a:pPr marL="0" indent="0">
+              <a:buNone/>
+            </a:pPr>
+            <a:r>
+              <a:rPr lang="pt-BR" sz="2400" dirty="0" smtClean="0">
+                <a:latin typeface="Lucida Console"/>
+                <a:cs typeface="Lucida Console"/>
+              </a:rPr>
+              <a:t>// </a:t>
+            </a:r>
+            <a:r>
+              <a:rPr lang="pt-BR" sz="2400" dirty="0" err="1" smtClean="0">
+                <a:latin typeface="Lucida Console"/>
+                <a:cs typeface="Lucida Console"/>
+              </a:rPr>
+              <a:t>make</a:t>
+            </a:r>
+            <a:r>
+              <a:rPr lang="pt-BR" sz="2400" dirty="0" smtClean="0">
+                <a:latin typeface="Lucida Console"/>
+                <a:cs typeface="Lucida Console"/>
+              </a:rPr>
+              <a:t> a </a:t>
+            </a:r>
+            <a:r>
+              <a:rPr lang="pt-BR" sz="2400" dirty="0" err="1" smtClean="0">
+                <a:latin typeface="Lucida Console"/>
+                <a:cs typeface="Lucida Console"/>
+              </a:rPr>
+              <a:t>Stream</a:t>
+            </a:r>
+            <a:r>
+              <a:rPr lang="pt-BR" sz="2400" dirty="0" smtClean="0">
+                <a:latin typeface="Lucida Console"/>
+                <a:cs typeface="Lucida Console"/>
+              </a:rPr>
+              <a:t> </a:t>
+            </a:r>
+            <a:r>
+              <a:rPr lang="pt-BR" sz="2400" dirty="0" err="1" smtClean="0">
+                <a:latin typeface="Lucida Console"/>
+                <a:cs typeface="Lucida Console"/>
+              </a:rPr>
+              <a:t>of</a:t>
+            </a:r>
+            <a:r>
+              <a:rPr lang="pt-BR" sz="2400" dirty="0" smtClean="0">
+                <a:latin typeface="Lucida Console"/>
+                <a:cs typeface="Lucida Console"/>
+              </a:rPr>
+              <a:t> it</a:t>
+            </a:r>
+            <a:endParaRPr lang="pt-BR" sz="2400" dirty="0">
+              <a:latin typeface="Lucida Console"/>
+              <a:cs typeface="Lucida Console"/>
+            </a:endParaRPr>
+          </a:p>
+          <a:p>
+            <a:pPr marL="0" indent="0">
+              <a:buNone/>
+            </a:pPr>
+            <a:r>
+              <a:rPr lang="pt-BR" sz="2400" dirty="0" err="1" smtClean="0">
+                <a:latin typeface="Lucida Console"/>
+                <a:cs typeface="Lucida Console"/>
+              </a:rPr>
+              <a:t>Stream</a:t>
+            </a:r>
+            <a:r>
+              <a:rPr lang="pt-BR" sz="2400" dirty="0">
+                <a:latin typeface="Lucida Console"/>
+                <a:cs typeface="Lucida Console"/>
+              </a:rPr>
+              <a:t>&lt;</a:t>
+            </a:r>
+            <a:r>
+              <a:rPr lang="pt-BR" sz="2400" dirty="0" err="1">
+                <a:latin typeface="Lucida Console"/>
+                <a:cs typeface="Lucida Console"/>
+              </a:rPr>
+              <a:t>Integer</a:t>
+            </a:r>
+            <a:r>
+              <a:rPr lang="pt-BR" sz="2400" dirty="0">
+                <a:latin typeface="Lucida Console"/>
+                <a:cs typeface="Lucida Console"/>
+              </a:rPr>
+              <a:t>&gt; </a:t>
+            </a:r>
+            <a:r>
+              <a:rPr lang="pt-BR" sz="2400" dirty="0" err="1">
+                <a:latin typeface="Lucida Console"/>
+                <a:cs typeface="Lucida Console"/>
+              </a:rPr>
+              <a:t>stream</a:t>
+            </a:r>
+            <a:r>
+              <a:rPr lang="pt-BR" sz="2400" dirty="0">
+                <a:latin typeface="Lucida Console"/>
+                <a:cs typeface="Lucida Console"/>
+              </a:rPr>
+              <a:t> = </a:t>
+            </a:r>
+            <a:r>
+              <a:rPr lang="pt-BR" sz="2400" dirty="0" smtClean="0">
+                <a:latin typeface="Lucida Console"/>
+                <a:cs typeface="Lucida Console"/>
+              </a:rPr>
+              <a:t>  </a:t>
+            </a:r>
+            <a:br>
+              <a:rPr lang="pt-BR" sz="2400" dirty="0" smtClean="0">
+                <a:latin typeface="Lucida Console"/>
+                <a:cs typeface="Lucida Console"/>
+              </a:rPr>
+            </a:br>
+            <a:r>
+              <a:rPr lang="pt-BR" sz="2400" dirty="0" smtClean="0">
+                <a:latin typeface="Lucida Console"/>
+                <a:cs typeface="Lucida Console"/>
+              </a:rPr>
+              <a:t>	</a:t>
+            </a:r>
+            <a:r>
+              <a:rPr lang="pt-BR" sz="2400" dirty="0" err="1" smtClean="0">
+                <a:latin typeface="Lucida Console"/>
+                <a:cs typeface="Lucida Console"/>
+              </a:rPr>
+              <a:t>Arrays.</a:t>
+            </a:r>
+            <a:r>
+              <a:rPr lang="pt-BR" sz="2400" i="1" dirty="0" err="1" smtClean="0">
+                <a:latin typeface="Lucida Console"/>
+                <a:cs typeface="Lucida Console"/>
+              </a:rPr>
+              <a:t>stream</a:t>
+            </a:r>
+            <a:r>
+              <a:rPr lang="pt-BR" sz="2400" i="1" dirty="0">
+                <a:latin typeface="Lucida Console"/>
+                <a:cs typeface="Lucida Console"/>
+              </a:rPr>
+              <a:t>(</a:t>
+            </a:r>
+            <a:r>
+              <a:rPr lang="pt-BR" sz="2400" i="1" dirty="0" err="1">
+                <a:latin typeface="Lucida Console"/>
+                <a:cs typeface="Lucida Console"/>
+              </a:rPr>
+              <a:t>array</a:t>
+            </a:r>
+            <a:r>
+              <a:rPr lang="pt-BR" sz="2400" i="1" dirty="0">
+                <a:latin typeface="Lucida Console"/>
+                <a:cs typeface="Lucida Console"/>
+              </a:rPr>
+              <a:t>); </a:t>
+            </a:r>
+            <a:endParaRPr lang="pt-BR" sz="2400" i="1" dirty="0" smtClean="0">
+              <a:latin typeface="Lucida Console"/>
+              <a:cs typeface="Lucida Console"/>
+            </a:endParaRPr>
+          </a:p>
+          <a:p>
+            <a:pPr marL="0" indent="0">
+              <a:buNone/>
+            </a:pPr>
+            <a:r>
+              <a:rPr lang="pt-BR" sz="2400" i="1" dirty="0" smtClean="0">
+                <a:latin typeface="Lucida Console"/>
+                <a:cs typeface="Lucida Console"/>
+              </a:rPr>
+              <a:t>// </a:t>
+            </a:r>
+            <a:r>
+              <a:rPr lang="pt-BR" sz="2400" i="1" dirty="0" err="1" smtClean="0">
+                <a:latin typeface="Lucida Console"/>
+                <a:cs typeface="Lucida Console"/>
+              </a:rPr>
+              <a:t>map</a:t>
+            </a:r>
+            <a:r>
+              <a:rPr lang="pt-BR" sz="2400" i="1" dirty="0" smtClean="0">
+                <a:latin typeface="Lucida Console"/>
+                <a:cs typeface="Lucida Console"/>
+              </a:rPr>
+              <a:t> </a:t>
+            </a:r>
+            <a:r>
+              <a:rPr lang="pt-BR" sz="2400" i="1" dirty="0" err="1" smtClean="0">
+                <a:latin typeface="Lucida Console"/>
+                <a:cs typeface="Lucida Console"/>
+              </a:rPr>
+              <a:t>then</a:t>
+            </a:r>
+            <a:r>
+              <a:rPr lang="pt-BR" sz="2400" i="1" dirty="0" smtClean="0">
+                <a:latin typeface="Lucida Console"/>
+                <a:cs typeface="Lucida Console"/>
+              </a:rPr>
+              <a:t> </a:t>
+            </a:r>
+            <a:r>
+              <a:rPr lang="pt-BR" sz="2400" i="1" dirty="0" err="1" smtClean="0">
+                <a:latin typeface="Lucida Console"/>
+                <a:cs typeface="Lucida Console"/>
+              </a:rPr>
+              <a:t>reduce</a:t>
+            </a:r>
+            <a:endParaRPr lang="pt-BR" sz="2400" i="1" dirty="0">
+              <a:latin typeface="Lucida Console"/>
+              <a:cs typeface="Lucida Console"/>
+            </a:endParaRPr>
+          </a:p>
+          <a:p>
+            <a:pPr marL="0" indent="0">
+              <a:buNone/>
+            </a:pPr>
+            <a:r>
+              <a:rPr lang="pt-BR" sz="2400" dirty="0" err="1" smtClean="0">
+                <a:latin typeface="Lucida Console"/>
+                <a:cs typeface="Lucida Console"/>
+              </a:rPr>
+              <a:t>Integer</a:t>
+            </a:r>
+            <a:r>
+              <a:rPr lang="pt-BR" sz="2400" dirty="0" smtClean="0">
+                <a:latin typeface="Lucida Console"/>
+                <a:cs typeface="Lucida Console"/>
+              </a:rPr>
+              <a:t> </a:t>
+            </a:r>
+            <a:r>
+              <a:rPr lang="pt-BR" sz="2400" dirty="0" err="1">
+                <a:latin typeface="Lucida Console"/>
+                <a:cs typeface="Lucida Console"/>
+              </a:rPr>
+              <a:t>map_reduced</a:t>
+            </a:r>
+            <a:r>
+              <a:rPr lang="pt-BR" sz="2400" dirty="0">
+                <a:latin typeface="Lucida Console"/>
+                <a:cs typeface="Lucida Console"/>
+              </a:rPr>
+              <a:t> = </a:t>
+            </a:r>
+            <a:r>
+              <a:rPr lang="pt-BR" sz="2400" dirty="0" smtClean="0">
+                <a:latin typeface="Lucida Console"/>
+                <a:cs typeface="Lucida Console"/>
+              </a:rPr>
+              <a:t/>
+            </a:r>
+            <a:br>
+              <a:rPr lang="pt-BR" sz="2400" dirty="0" smtClean="0">
+                <a:latin typeface="Lucida Console"/>
+                <a:cs typeface="Lucida Console"/>
+              </a:rPr>
+            </a:br>
+            <a:r>
+              <a:rPr lang="pt-BR" sz="2400" dirty="0" smtClean="0">
+                <a:latin typeface="Lucida Console"/>
+                <a:cs typeface="Lucida Console"/>
+              </a:rPr>
+              <a:t>	</a:t>
+            </a:r>
+            <a:r>
+              <a:rPr lang="pt-BR" sz="2400" dirty="0" err="1" smtClean="0">
+                <a:latin typeface="Lucida Console"/>
+                <a:cs typeface="Lucida Console"/>
+              </a:rPr>
+              <a:t>stream</a:t>
+            </a:r>
+            <a:r>
+              <a:rPr lang="pt-BR" sz="2400" dirty="0" smtClean="0">
+                <a:latin typeface="Lucida Console"/>
+                <a:cs typeface="Lucida Console"/>
+              </a:rPr>
+              <a:t/>
+            </a:r>
+            <a:br>
+              <a:rPr lang="pt-BR" sz="2400" dirty="0" smtClean="0">
+                <a:latin typeface="Lucida Console"/>
+                <a:cs typeface="Lucida Console"/>
+              </a:rPr>
+            </a:br>
+            <a:r>
+              <a:rPr lang="pt-BR" sz="2400" dirty="0" smtClean="0">
+                <a:solidFill>
+                  <a:srgbClr val="FF0000"/>
+                </a:solidFill>
+                <a:latin typeface="Lucida Console"/>
+                <a:cs typeface="Lucida Console"/>
+              </a:rPr>
+              <a:t>		.</a:t>
+            </a:r>
+            <a:r>
+              <a:rPr lang="pt-BR" sz="2400" dirty="0" err="1" smtClean="0">
+                <a:solidFill>
+                  <a:srgbClr val="FF0000"/>
+                </a:solidFill>
+                <a:latin typeface="Lucida Console"/>
+                <a:cs typeface="Lucida Console"/>
+              </a:rPr>
+              <a:t>map</a:t>
+            </a:r>
+            <a:r>
+              <a:rPr lang="pt-BR" sz="2400" dirty="0">
+                <a:solidFill>
+                  <a:srgbClr val="FF0000"/>
+                </a:solidFill>
+                <a:latin typeface="Lucida Console"/>
+                <a:cs typeface="Lucida Console"/>
+              </a:rPr>
+              <a:t>(</a:t>
+            </a:r>
+            <a:r>
+              <a:rPr lang="pt-BR" sz="2400" dirty="0" err="1">
+                <a:solidFill>
+                  <a:srgbClr val="FF0000"/>
+                </a:solidFill>
+                <a:latin typeface="Lucida Console"/>
+                <a:cs typeface="Lucida Console"/>
+              </a:rPr>
+              <a:t>x</a:t>
+            </a:r>
+            <a:r>
+              <a:rPr lang="pt-BR" sz="2400" dirty="0">
+                <a:solidFill>
+                  <a:srgbClr val="FF0000"/>
+                </a:solidFill>
+                <a:latin typeface="Lucida Console"/>
+                <a:cs typeface="Lucida Console"/>
+              </a:rPr>
+              <a:t> -&gt; </a:t>
+            </a:r>
+            <a:r>
+              <a:rPr lang="pt-BR" sz="2400" dirty="0" err="1">
+                <a:solidFill>
+                  <a:srgbClr val="FF0000"/>
+                </a:solidFill>
+                <a:latin typeface="Lucida Console"/>
+                <a:cs typeface="Lucida Console"/>
+              </a:rPr>
+              <a:t>x</a:t>
+            </a:r>
+            <a:r>
+              <a:rPr lang="pt-BR" sz="2400" dirty="0">
+                <a:solidFill>
+                  <a:srgbClr val="FF0000"/>
+                </a:solidFill>
+                <a:latin typeface="Lucida Console"/>
+                <a:cs typeface="Lucida Console"/>
+              </a:rPr>
+              <a:t>*</a:t>
+            </a:r>
+            <a:r>
+              <a:rPr lang="pt-BR" sz="2400" dirty="0" err="1">
+                <a:solidFill>
+                  <a:srgbClr val="FF0000"/>
+                </a:solidFill>
+                <a:latin typeface="Lucida Console"/>
+                <a:cs typeface="Lucida Console"/>
+              </a:rPr>
+              <a:t>x</a:t>
+            </a:r>
+            <a:r>
+              <a:rPr lang="pt-BR" sz="2400" dirty="0" smtClean="0">
+                <a:solidFill>
+                  <a:srgbClr val="FF0000"/>
+                </a:solidFill>
+                <a:latin typeface="Lucida Console"/>
+                <a:cs typeface="Lucida Console"/>
+              </a:rPr>
+              <a:t>)</a:t>
+            </a:r>
+            <a:br>
+              <a:rPr lang="pt-BR" sz="2400" dirty="0" smtClean="0">
+                <a:solidFill>
+                  <a:srgbClr val="FF0000"/>
+                </a:solidFill>
+                <a:latin typeface="Lucida Console"/>
+                <a:cs typeface="Lucida Console"/>
+              </a:rPr>
+            </a:br>
+            <a:r>
+              <a:rPr lang="pt-BR" sz="2400" b="1" dirty="0" smtClean="0">
+                <a:solidFill>
+                  <a:srgbClr val="FF0000"/>
+                </a:solidFill>
+                <a:latin typeface="Lucida Console"/>
+                <a:cs typeface="Lucida Console"/>
+              </a:rPr>
+              <a:t>		.</a:t>
+            </a:r>
+            <a:r>
+              <a:rPr lang="pt-BR" sz="2400" b="1" dirty="0" err="1">
+                <a:solidFill>
+                  <a:srgbClr val="FF0000"/>
+                </a:solidFill>
+                <a:latin typeface="Lucida Console"/>
+                <a:cs typeface="Lucida Console"/>
+              </a:rPr>
+              <a:t>reduce</a:t>
+            </a:r>
+            <a:r>
+              <a:rPr lang="pt-BR" sz="2400" b="1" dirty="0">
+                <a:solidFill>
+                  <a:srgbClr val="FF0000"/>
+                </a:solidFill>
+                <a:latin typeface="Lucida Console"/>
+                <a:cs typeface="Lucida Console"/>
+              </a:rPr>
+              <a:t>(0, (a, </a:t>
+            </a:r>
+            <a:r>
+              <a:rPr lang="pt-BR" sz="2400" b="1" dirty="0" err="1">
+                <a:solidFill>
+                  <a:srgbClr val="FF0000"/>
+                </a:solidFill>
+                <a:latin typeface="Lucida Console"/>
+                <a:cs typeface="Lucida Console"/>
+              </a:rPr>
+              <a:t>b</a:t>
+            </a:r>
+            <a:r>
+              <a:rPr lang="pt-BR" sz="2400" b="1" dirty="0">
+                <a:solidFill>
+                  <a:srgbClr val="FF0000"/>
+                </a:solidFill>
+                <a:latin typeface="Lucida Console"/>
+                <a:cs typeface="Lucida Console"/>
+              </a:rPr>
+              <a:t>)-&gt;</a:t>
+            </a:r>
+            <a:r>
+              <a:rPr lang="pt-BR" sz="2400" b="1" dirty="0" err="1">
+                <a:solidFill>
+                  <a:srgbClr val="FF0000"/>
+                </a:solidFill>
+                <a:latin typeface="Lucida Console"/>
+                <a:cs typeface="Lucida Console"/>
+              </a:rPr>
+              <a:t>a+b</a:t>
+            </a:r>
+            <a:r>
+              <a:rPr lang="pt-BR" sz="2400" b="1" dirty="0">
+                <a:solidFill>
+                  <a:srgbClr val="FF0000"/>
+                </a:solidFill>
+                <a:latin typeface="Lucida Console"/>
+                <a:cs typeface="Lucida Console"/>
+              </a:rPr>
+              <a:t>);</a:t>
+            </a:r>
+          </a:p>
+          <a:p>
+            <a:pPr marL="0" indent="0">
+              <a:buNone/>
+            </a:pPr>
+            <a:r>
+              <a:rPr lang="pt-BR" sz="2400" dirty="0" smtClean="0">
+                <a:latin typeface="Lucida Console"/>
+                <a:cs typeface="Lucida Console"/>
+              </a:rPr>
+              <a:t>// </a:t>
+            </a:r>
+            <a:r>
+              <a:rPr lang="pt-BR" sz="2400" dirty="0" err="1" smtClean="0">
+                <a:latin typeface="Lucida Console"/>
+                <a:cs typeface="Lucida Console"/>
+              </a:rPr>
+              <a:t>should</a:t>
+            </a:r>
+            <a:r>
+              <a:rPr lang="pt-BR" sz="2400" dirty="0" smtClean="0">
+                <a:latin typeface="Lucida Console"/>
+                <a:cs typeface="Lucida Console"/>
+              </a:rPr>
+              <a:t> </a:t>
+            </a:r>
+            <a:r>
+              <a:rPr lang="pt-BR" sz="2400" dirty="0" err="1" smtClean="0">
+                <a:latin typeface="Lucida Console"/>
+                <a:cs typeface="Lucida Console"/>
+              </a:rPr>
+              <a:t>print</a:t>
+            </a:r>
+            <a:r>
+              <a:rPr lang="pt-BR" sz="2400" dirty="0" smtClean="0">
+                <a:latin typeface="Lucida Console"/>
+                <a:cs typeface="Lucida Console"/>
+              </a:rPr>
+              <a:t> 55</a:t>
+            </a:r>
+            <a:endParaRPr lang="pt-BR" sz="2400" dirty="0">
+              <a:latin typeface="Lucida Console"/>
+              <a:cs typeface="Lucida Console"/>
+            </a:endParaRPr>
+          </a:p>
+          <a:p>
+            <a:pPr marL="0" indent="0">
+              <a:buNone/>
+            </a:pPr>
+            <a:r>
+              <a:rPr lang="pt-BR" sz="2400" dirty="0" err="1" smtClean="0">
+                <a:latin typeface="Lucida Console"/>
+                <a:cs typeface="Lucida Console"/>
+              </a:rPr>
+              <a:t>System.</a:t>
+            </a:r>
+            <a:r>
+              <a:rPr lang="pt-BR" sz="2400" b="1" i="1" dirty="0" err="1" smtClean="0">
+                <a:latin typeface="Lucida Console"/>
+                <a:cs typeface="Lucida Console"/>
+              </a:rPr>
+              <a:t>out.println</a:t>
+            </a:r>
+            <a:r>
+              <a:rPr lang="pt-BR" sz="2400" b="1" i="1" dirty="0">
+                <a:latin typeface="Lucida Console"/>
+                <a:cs typeface="Lucida Console"/>
+              </a:rPr>
+              <a:t>(</a:t>
+            </a:r>
+            <a:r>
+              <a:rPr lang="pt-BR" sz="2400" b="1" i="1" dirty="0" err="1">
+                <a:latin typeface="Lucida Console"/>
+                <a:cs typeface="Lucida Console"/>
+              </a:rPr>
+              <a:t>map_reduced</a:t>
+            </a:r>
+            <a:r>
+              <a:rPr lang="pt-BR" sz="2400" b="1" i="1" dirty="0">
+                <a:latin typeface="Lucida Console"/>
+                <a:cs typeface="Lucida Console"/>
+              </a:rPr>
+              <a:t>);</a:t>
+            </a:r>
+            <a:endParaRPr lang="en-US" sz="2400" dirty="0">
+              <a:latin typeface="Lucida Console"/>
+              <a:cs typeface="Lucida Console"/>
+            </a:endParaRPr>
           </a:p>
         </p:txBody>
       </p:sp>
     </p:spTree>
     <p:extLst>
       <p:ext uri="{BB962C8B-B14F-4D97-AF65-F5344CB8AC3E}">
-        <p14:creationId xmlns:p14="http://schemas.microsoft.com/office/powerpoint/2010/main" val="3942600109"/>
+        <p14:creationId xmlns:p14="http://schemas.microsoft.com/office/powerpoint/2010/main" val="391730550"/>
       </p:ext>
     </p:extLst>
   </p:cSld>

--- a/pres-source/05-mr-hadoop.pptx
+++ b/pres-source/05-mr-hadoop.pptx
@@ -5,7 +5,7 @@
     <p:sldMasterId id="2147483648" r:id="rId1"/>
   </p:sldMasterIdLst>
   <p:notesMasterIdLst>
-    <p:notesMasterId r:id="rId39"/>
+    <p:notesMasterId r:id="rId41"/>
   </p:notesMasterIdLst>
   <p:sldIdLst>
     <p:sldId id="256" r:id="rId2"/>
@@ -30,21 +30,23 @@
     <p:sldId id="286" r:id="rId21"/>
     <p:sldId id="266" r:id="rId22"/>
     <p:sldId id="280" r:id="rId23"/>
-    <p:sldId id="267" r:id="rId24"/>
-    <p:sldId id="268" r:id="rId25"/>
-    <p:sldId id="269" r:id="rId26"/>
-    <p:sldId id="270" r:id="rId27"/>
-    <p:sldId id="281" r:id="rId28"/>
-    <p:sldId id="287" r:id="rId29"/>
-    <p:sldId id="288" r:id="rId30"/>
-    <p:sldId id="272" r:id="rId31"/>
-    <p:sldId id="289" r:id="rId32"/>
-    <p:sldId id="290" r:id="rId33"/>
-    <p:sldId id="291" r:id="rId34"/>
-    <p:sldId id="271" r:id="rId35"/>
-    <p:sldId id="292" r:id="rId36"/>
-    <p:sldId id="276" r:id="rId37"/>
-    <p:sldId id="278" r:id="rId38"/>
+    <p:sldId id="302" r:id="rId24"/>
+    <p:sldId id="303" r:id="rId25"/>
+    <p:sldId id="267" r:id="rId26"/>
+    <p:sldId id="268" r:id="rId27"/>
+    <p:sldId id="269" r:id="rId28"/>
+    <p:sldId id="270" r:id="rId29"/>
+    <p:sldId id="281" r:id="rId30"/>
+    <p:sldId id="287" r:id="rId31"/>
+    <p:sldId id="288" r:id="rId32"/>
+    <p:sldId id="272" r:id="rId33"/>
+    <p:sldId id="289" r:id="rId34"/>
+    <p:sldId id="290" r:id="rId35"/>
+    <p:sldId id="291" r:id="rId36"/>
+    <p:sldId id="271" r:id="rId37"/>
+    <p:sldId id="292" r:id="rId38"/>
+    <p:sldId id="276" r:id="rId39"/>
+    <p:sldId id="278" r:id="rId40"/>
   </p:sldIdLst>
   <p:sldSz cx="9144000" cy="6858000" type="screen4x3"/>
   <p:notesSz cx="6858000" cy="9144000"/>
@@ -233,7 +235,7 @@
             <a:fld id="{7307762F-A706-E543-A832-3C298AA3103F}" type="datetimeFigureOut">
               <a:rPr lang="en-US" smtClean="0"/>
               <a:pPr/>
-              <a:t>09/09/16</a:t>
+              <a:t>07/07/17</a:t>
             </a:fld>
             <a:endParaRPr lang="en-US" dirty="0"/>
           </a:p>
@@ -885,7 +887,7 @@
           <a:p>
             <a:fld id="{875CF0EB-321F-0749-B37A-89BBA859503C}" type="datetimeFigureOut">
               <a:rPr lang="en-US" smtClean="0"/>
-              <a:t>09/09/16</a:t>
+              <a:t>07/07/17</a:t>
             </a:fld>
             <a:endParaRPr lang="en-US"/>
           </a:p>
@@ -1089,7 +1091,7 @@
           <a:p>
             <a:fld id="{875CF0EB-321F-0749-B37A-89BBA859503C}" type="datetimeFigureOut">
               <a:rPr lang="en-US" smtClean="0"/>
-              <a:t>09/09/16</a:t>
+              <a:t>07/07/17</a:t>
             </a:fld>
             <a:endParaRPr lang="en-US"/>
           </a:p>
@@ -1283,7 +1285,7 @@
           <a:p>
             <a:fld id="{875CF0EB-321F-0749-B37A-89BBA859503C}" type="datetimeFigureOut">
               <a:rPr lang="en-US" smtClean="0"/>
-              <a:t>09/09/16</a:t>
+              <a:t>07/07/17</a:t>
             </a:fld>
             <a:endParaRPr lang="en-US"/>
           </a:p>
@@ -1553,7 +1555,7 @@
           <a:p>
             <a:fld id="{875CF0EB-321F-0749-B37A-89BBA859503C}" type="datetimeFigureOut">
               <a:rPr lang="en-US" smtClean="0"/>
-              <a:t>09/09/16</a:t>
+              <a:t>07/07/17</a:t>
             </a:fld>
             <a:endParaRPr lang="en-US"/>
           </a:p>
@@ -1865,7 +1867,7 @@
           <a:p>
             <a:fld id="{875CF0EB-321F-0749-B37A-89BBA859503C}" type="datetimeFigureOut">
               <a:rPr lang="en-US" smtClean="0"/>
-              <a:t>09/09/16</a:t>
+              <a:t>07/07/17</a:t>
             </a:fld>
             <a:endParaRPr lang="en-US"/>
           </a:p>
@@ -2311,7 +2313,7 @@
           <a:p>
             <a:fld id="{875CF0EB-321F-0749-B37A-89BBA859503C}" type="datetimeFigureOut">
               <a:rPr lang="en-US" smtClean="0"/>
-              <a:t>09/09/16</a:t>
+              <a:t>07/07/17</a:t>
             </a:fld>
             <a:endParaRPr lang="en-US"/>
           </a:p>
@@ -2453,7 +2455,7 @@
           <a:p>
             <a:fld id="{875CF0EB-321F-0749-B37A-89BBA859503C}" type="datetimeFigureOut">
               <a:rPr lang="en-US" smtClean="0"/>
-              <a:t>09/09/16</a:t>
+              <a:t>07/07/17</a:t>
             </a:fld>
             <a:endParaRPr lang="en-US"/>
           </a:p>
@@ -2572,7 +2574,7 @@
           <a:p>
             <a:fld id="{875CF0EB-321F-0749-B37A-89BBA859503C}" type="datetimeFigureOut">
               <a:rPr lang="en-US" smtClean="0"/>
-              <a:t>09/09/16</a:t>
+              <a:t>07/07/17</a:t>
             </a:fld>
             <a:endParaRPr lang="en-US"/>
           </a:p>
@@ -2873,7 +2875,7 @@
           <a:p>
             <a:fld id="{875CF0EB-321F-0749-B37A-89BBA859503C}" type="datetimeFigureOut">
               <a:rPr lang="en-US" smtClean="0"/>
-              <a:t>09/09/16</a:t>
+              <a:t>07/07/17</a:t>
             </a:fld>
             <a:endParaRPr lang="en-US"/>
           </a:p>
@@ -3150,7 +3152,7 @@
           <a:p>
             <a:fld id="{875CF0EB-321F-0749-B37A-89BBA859503C}" type="datetimeFigureOut">
               <a:rPr lang="en-US" smtClean="0"/>
-              <a:t>09/09/16</a:t>
+              <a:t>07/07/17</a:t>
             </a:fld>
             <a:endParaRPr lang="en-US"/>
           </a:p>
@@ -6768,6 +6770,314 @@
           <a:p>
             <a:r>
               <a:rPr lang="en-US" dirty="0" smtClean="0"/>
+              <a:t>HDFS Usage</a:t>
+            </a:r>
+            <a:endParaRPr lang="en-US" dirty="0"/>
+          </a:p>
+        </p:txBody>
+      </p:sp>
+      <p:sp>
+        <p:nvSpPr>
+          <p:cNvPr id="3" name="Content Placeholder 2"/>
+          <p:cNvSpPr>
+            <a:spLocks noGrp="1"/>
+          </p:cNvSpPr>
+          <p:nvPr>
+            <p:ph idx="1"/>
+          </p:nvPr>
+        </p:nvSpPr>
+        <p:spPr/>
+        <p:txBody>
+          <a:bodyPr>
+            <a:normAutofit/>
+          </a:bodyPr>
+          <a:lstStyle/>
+          <a:p>
+            <a:r>
+              <a:rPr lang="en-US" dirty="0" err="1" smtClean="0"/>
+              <a:t>Spotify</a:t>
+            </a:r>
+            <a:r>
+              <a:rPr lang="en-US" dirty="0" smtClean="0"/>
+              <a:t> has 1600+ nodes, storing 60+ petabytes of data</a:t>
+            </a:r>
+          </a:p>
+          <a:p>
+            <a:pPr lvl="1"/>
+            <a:r>
+              <a:rPr lang="en-US" sz="1700" dirty="0"/>
+              <a:t>https://</a:t>
+            </a:r>
+            <a:r>
+              <a:rPr lang="en-US" sz="1700" dirty="0" err="1"/>
+              <a:t>www.usenix.org</a:t>
+            </a:r>
+            <a:r>
+              <a:rPr lang="en-US" sz="1700" dirty="0"/>
+              <a:t>/system/files/conference/fast17/fast17-</a:t>
+            </a:r>
+            <a:r>
+              <a:rPr lang="en-US" sz="1700" dirty="0" smtClean="0"/>
+              <a:t>niazi.pdf</a:t>
+            </a:r>
+            <a:endParaRPr lang="en-US" dirty="0" smtClean="0"/>
+          </a:p>
+          <a:p>
+            <a:r>
+              <a:rPr lang="en-US" dirty="0" smtClean="0"/>
+              <a:t>One </a:t>
+            </a:r>
+            <a:r>
+              <a:rPr lang="en-US" dirty="0"/>
+              <a:t>of the Facebook's largest clusters </a:t>
+            </a:r>
+            <a:r>
+              <a:rPr lang="en-US" dirty="0" smtClean="0"/>
+              <a:t>(based on HDFS) holds more </a:t>
+            </a:r>
+            <a:r>
+              <a:rPr lang="en-US" dirty="0"/>
+              <a:t>than </a:t>
+            </a:r>
+            <a:br>
+              <a:rPr lang="en-US" dirty="0"/>
+            </a:br>
+            <a:r>
+              <a:rPr lang="en-US" dirty="0" smtClean="0"/>
+              <a:t>100 </a:t>
+            </a:r>
+            <a:r>
+              <a:rPr lang="en-US" dirty="0"/>
+              <a:t>PB of data, processing more than 60,000 </a:t>
+            </a:r>
+            <a:r>
+              <a:rPr lang="en-US" dirty="0" smtClean="0"/>
+              <a:t>Hive queries </a:t>
+            </a:r>
+            <a:r>
+              <a:rPr lang="en-US" dirty="0"/>
+              <a:t>a </a:t>
+            </a:r>
+            <a:r>
+              <a:rPr lang="en-US" dirty="0" smtClean="0"/>
+              <a:t>day</a:t>
+            </a:r>
+          </a:p>
+          <a:p>
+            <a:pPr lvl="1"/>
+            <a:r>
+              <a:rPr lang="en-US" sz="1700" dirty="0"/>
+              <a:t>https://</a:t>
+            </a:r>
+            <a:r>
+              <a:rPr lang="en-US" sz="1700" dirty="0" err="1"/>
+              <a:t>www.facebook.com</a:t>
+            </a:r>
+            <a:r>
+              <a:rPr lang="en-US" sz="1700" dirty="0"/>
+              <a:t>/notes/</a:t>
+            </a:r>
+            <a:r>
+              <a:rPr lang="en-US" sz="1700" dirty="0" err="1"/>
+              <a:t>facebook</a:t>
+            </a:r>
+            <a:r>
+              <a:rPr lang="en-US" sz="1700" dirty="0"/>
+              <a:t>-engineering/under-the-hood-scheduling-mapreduce-jobs-more-efficiently-with-corona</a:t>
+            </a:r>
+            <a:r>
+              <a:rPr lang="en-US" sz="1700" dirty="0" smtClean="0"/>
+              <a:t>/</a:t>
+            </a:r>
+            <a:endParaRPr lang="en-US" sz="1900" dirty="0"/>
+          </a:p>
+          <a:p>
+            <a:endParaRPr lang="en-US" dirty="0" smtClean="0"/>
+          </a:p>
+          <a:p>
+            <a:endParaRPr lang="en-US" dirty="0"/>
+          </a:p>
+        </p:txBody>
+      </p:sp>
+    </p:spTree>
+    <p:extLst>
+      <p:ext uri="{BB962C8B-B14F-4D97-AF65-F5344CB8AC3E}">
+        <p14:creationId xmlns:p14="http://schemas.microsoft.com/office/powerpoint/2010/main" val="392807925"/>
+      </p:ext>
+    </p:extLst>
+  </p:cSld>
+  <p:clrMapOvr>
+    <a:masterClrMapping/>
+  </p:clrMapOvr>
+</p:sld>
+</file>
+
+<file path=ppt/slides/slide24.xml><?xml version="1.0" encoding="utf-8"?>
+<p:sld xmlns:a="http://schemas.openxmlformats.org/drawingml/2006/main" xmlns:r="http://schemas.openxmlformats.org/officeDocument/2006/relationships" xmlns:p="http://schemas.openxmlformats.org/presentationml/2006/main">
+  <p:cSld>
+    <p:spTree>
+      <p:nvGrpSpPr>
+        <p:cNvPr id="1" name=""/>
+        <p:cNvGrpSpPr/>
+        <p:nvPr/>
+      </p:nvGrpSpPr>
+      <p:grpSpPr>
+        <a:xfrm>
+          <a:off x="0" y="0"/>
+          <a:ext cx="0" cy="0"/>
+          <a:chOff x="0" y="0"/>
+          <a:chExt cx="0" cy="0"/>
+        </a:xfrm>
+      </p:grpSpPr>
+      <p:sp>
+        <p:nvSpPr>
+          <p:cNvPr id="2" name="Title 1"/>
+          <p:cNvSpPr>
+            <a:spLocks noGrp="1"/>
+          </p:cNvSpPr>
+          <p:nvPr>
+            <p:ph type="title"/>
+          </p:nvPr>
+        </p:nvSpPr>
+        <p:spPr/>
+        <p:txBody>
+          <a:bodyPr/>
+          <a:lstStyle/>
+          <a:p>
+            <a:r>
+              <a:rPr lang="en-US" dirty="0" err="1" smtClean="0"/>
+              <a:t>HopFS</a:t>
+            </a:r>
+            <a:endParaRPr lang="en-US" dirty="0"/>
+          </a:p>
+        </p:txBody>
+      </p:sp>
+      <p:sp>
+        <p:nvSpPr>
+          <p:cNvPr id="3" name="Content Placeholder 2"/>
+          <p:cNvSpPr>
+            <a:spLocks noGrp="1"/>
+          </p:cNvSpPr>
+          <p:nvPr>
+            <p:ph idx="1"/>
+          </p:nvPr>
+        </p:nvSpPr>
+        <p:spPr>
+          <a:xfrm>
+            <a:off x="375635" y="1600201"/>
+            <a:ext cx="8229600" cy="1205108"/>
+          </a:xfrm>
+        </p:spPr>
+        <p:txBody>
+          <a:bodyPr/>
+          <a:lstStyle/>
+          <a:p>
+            <a:r>
+              <a:rPr lang="en-US" dirty="0" err="1"/>
+              <a:t>HopFS</a:t>
+            </a:r>
+            <a:r>
+              <a:rPr lang="en-US" dirty="0"/>
+              <a:t> is a drop-in replacement for HDFS, based on HDFS v2.0.4. </a:t>
+            </a:r>
+          </a:p>
+        </p:txBody>
+      </p:sp>
+      <p:pic>
+        <p:nvPicPr>
+          <p:cNvPr id="4" name="Picture 3"/>
+          <p:cNvPicPr>
+            <a:picLocks noChangeAspect="1"/>
+          </p:cNvPicPr>
+          <p:nvPr/>
+        </p:nvPicPr>
+        <p:blipFill>
+          <a:blip r:embed="rId2"/>
+          <a:stretch>
+            <a:fillRect/>
+          </a:stretch>
+        </p:blipFill>
+        <p:spPr>
+          <a:xfrm>
+            <a:off x="265512" y="3000702"/>
+            <a:ext cx="5152508" cy="3791554"/>
+          </a:xfrm>
+          <a:prstGeom prst="rect">
+            <a:avLst/>
+          </a:prstGeom>
+        </p:spPr>
+      </p:pic>
+      <p:pic>
+        <p:nvPicPr>
+          <p:cNvPr id="5" name="Picture 4"/>
+          <p:cNvPicPr>
+            <a:picLocks noChangeAspect="1"/>
+          </p:cNvPicPr>
+          <p:nvPr/>
+        </p:nvPicPr>
+        <p:blipFill>
+          <a:blip r:embed="rId3"/>
+          <a:stretch>
+            <a:fillRect/>
+          </a:stretch>
+        </p:blipFill>
+        <p:spPr>
+          <a:xfrm>
+            <a:off x="5418020" y="3000702"/>
+            <a:ext cx="3739569" cy="2824498"/>
+          </a:xfrm>
+          <a:prstGeom prst="rect">
+            <a:avLst/>
+          </a:prstGeom>
+        </p:spPr>
+      </p:pic>
+    </p:spTree>
+    <p:extLst>
+      <p:ext uri="{BB962C8B-B14F-4D97-AF65-F5344CB8AC3E}">
+        <p14:creationId xmlns:p14="http://schemas.microsoft.com/office/powerpoint/2010/main" val="2841789187"/>
+      </p:ext>
+    </p:extLst>
+  </p:cSld>
+  <p:clrMapOvr>
+    <a:masterClrMapping/>
+  </p:clrMapOvr>
+</p:sld>
+</file>
+
+<file path=ppt/slides/slide25.xml><?xml version="1.0" encoding="utf-8"?>
+<p:sld xmlns:a="http://schemas.openxmlformats.org/drawingml/2006/main" xmlns:r="http://schemas.openxmlformats.org/officeDocument/2006/relationships" xmlns:p="http://schemas.openxmlformats.org/presentationml/2006/main">
+  <p:cSld>
+    <p:spTree>
+      <p:nvGrpSpPr>
+        <p:cNvPr id="1" name=""/>
+        <p:cNvGrpSpPr/>
+        <p:nvPr/>
+      </p:nvGrpSpPr>
+      <p:grpSpPr>
+        <a:xfrm>
+          <a:off x="0" y="0"/>
+          <a:ext cx="0" cy="0"/>
+          <a:chOff x="0" y="0"/>
+          <a:chExt cx="0" cy="0"/>
+        </a:xfrm>
+      </p:grpSpPr>
+      <p:sp>
+        <p:nvSpPr>
+          <p:cNvPr id="2" name="Title 1"/>
+          <p:cNvSpPr>
+            <a:spLocks noGrp="1"/>
+          </p:cNvSpPr>
+          <p:nvPr>
+            <p:ph type="title"/>
+          </p:nvPr>
+        </p:nvSpPr>
+        <p:spPr/>
+        <p:txBody>
+          <a:bodyPr/>
+          <a:lstStyle/>
+          <a:p>
+            <a:r>
+              <a:rPr lang="en-US" dirty="0" smtClean="0"/>
               <a:t>What is YARN?</a:t>
             </a:r>
             <a:endParaRPr lang="en-US" dirty="0"/>
@@ -6847,7 +7157,7 @@
 </p:sld>
 </file>
 
-<file path=ppt/slides/slide24.xml><?xml version="1.0" encoding="utf-8"?>
+<file path=ppt/slides/slide26.xml><?xml version="1.0" encoding="utf-8"?>
 <p:sld xmlns:a="http://schemas.openxmlformats.org/drawingml/2006/main" xmlns:r="http://schemas.openxmlformats.org/officeDocument/2006/relationships" xmlns:p="http://schemas.openxmlformats.org/presentationml/2006/main">
   <p:cSld>
     <p:spTree>
@@ -6924,232 +7234,6 @@
 </p:sld>
 </file>
 
-<file path=ppt/slides/slide25.xml><?xml version="1.0" encoding="utf-8"?>
-<p:sld xmlns:a="http://schemas.openxmlformats.org/drawingml/2006/main" xmlns:r="http://schemas.openxmlformats.org/officeDocument/2006/relationships" xmlns:p="http://schemas.openxmlformats.org/presentationml/2006/main">
-  <p:cSld>
-    <p:spTree>
-      <p:nvGrpSpPr>
-        <p:cNvPr id="1" name=""/>
-        <p:cNvGrpSpPr/>
-        <p:nvPr/>
-      </p:nvGrpSpPr>
-      <p:grpSpPr>
-        <a:xfrm>
-          <a:off x="0" y="0"/>
-          <a:ext cx="0" cy="0"/>
-          <a:chOff x="0" y="0"/>
-          <a:chExt cx="0" cy="0"/>
-        </a:xfrm>
-      </p:grpSpPr>
-      <p:sp>
-        <p:nvSpPr>
-          <p:cNvPr id="2" name="Title 1"/>
-          <p:cNvSpPr>
-            <a:spLocks noGrp="1"/>
-          </p:cNvSpPr>
-          <p:nvPr>
-            <p:ph type="title"/>
-          </p:nvPr>
-        </p:nvSpPr>
-        <p:spPr/>
-        <p:txBody>
-          <a:bodyPr/>
-          <a:lstStyle/>
-          <a:p>
-            <a:r>
-              <a:rPr lang="en-US" dirty="0" smtClean="0"/>
-              <a:t>Map Reduce in </a:t>
-            </a:r>
-            <a:r>
-              <a:rPr lang="en-US" dirty="0" err="1" smtClean="0"/>
-              <a:t>Hadoop</a:t>
-            </a:r>
-            <a:endParaRPr lang="en-US" dirty="0"/>
-          </a:p>
-        </p:txBody>
-      </p:sp>
-      <p:sp>
-        <p:nvSpPr>
-          <p:cNvPr id="3" name="Content Placeholder 2"/>
-          <p:cNvSpPr>
-            <a:spLocks noGrp="1"/>
-          </p:cNvSpPr>
-          <p:nvPr>
-            <p:ph idx="1"/>
-          </p:nvPr>
-        </p:nvSpPr>
-        <p:spPr/>
-        <p:txBody>
-          <a:bodyPr>
-            <a:normAutofit lnSpcReduction="10000"/>
-          </a:bodyPr>
-          <a:lstStyle/>
-          <a:p>
-            <a:r>
-              <a:rPr lang="en-US" dirty="0" smtClean="0"/>
-              <a:t>Map reduce in </a:t>
-            </a:r>
-            <a:r>
-              <a:rPr lang="en-US" dirty="0" err="1" smtClean="0"/>
-              <a:t>Hadoop</a:t>
-            </a:r>
-            <a:r>
-              <a:rPr lang="en-US" dirty="0" smtClean="0"/>
-              <a:t> actually consists of multiple steps</a:t>
-            </a:r>
-          </a:p>
-          <a:p>
-            <a:pPr lvl="1"/>
-            <a:r>
-              <a:rPr lang="en-US" dirty="0" smtClean="0"/>
-              <a:t>Mapper</a:t>
-            </a:r>
-          </a:p>
-          <a:p>
-            <a:pPr lvl="2"/>
-            <a:r>
-              <a:rPr lang="en-US" dirty="0" smtClean="0"/>
-              <a:t>Works on a single file, line by line</a:t>
-            </a:r>
-          </a:p>
-          <a:p>
-            <a:pPr lvl="1"/>
-            <a:r>
-              <a:rPr lang="en-US" dirty="0" smtClean="0"/>
-              <a:t>Combiner</a:t>
-            </a:r>
-          </a:p>
-          <a:p>
-            <a:pPr lvl="2"/>
-            <a:r>
-              <a:rPr lang="en-US" dirty="0" smtClean="0"/>
-              <a:t>Like a reducer, but still on a single system taking the output of the mapper</a:t>
-            </a:r>
-          </a:p>
-          <a:p>
-            <a:pPr lvl="1"/>
-            <a:r>
-              <a:rPr lang="en-US" dirty="0" smtClean="0"/>
-              <a:t>Reducer</a:t>
-            </a:r>
-          </a:p>
-          <a:p>
-            <a:pPr lvl="2"/>
-            <a:r>
-              <a:rPr lang="en-US" dirty="0" smtClean="0"/>
-              <a:t>Takes the outputs of multiple mapper/combiners</a:t>
-            </a:r>
-            <a:endParaRPr lang="en-US" dirty="0"/>
-          </a:p>
-        </p:txBody>
-      </p:sp>
-    </p:spTree>
-    <p:extLst>
-      <p:ext uri="{BB962C8B-B14F-4D97-AF65-F5344CB8AC3E}">
-        <p14:creationId xmlns:p14="http://schemas.microsoft.com/office/powerpoint/2010/main" val="3837245040"/>
-      </p:ext>
-    </p:extLst>
-  </p:cSld>
-  <p:clrMapOvr>
-    <a:masterClrMapping/>
-  </p:clrMapOvr>
-</p:sld>
-</file>
-
-<file path=ppt/slides/slide26.xml><?xml version="1.0" encoding="utf-8"?>
-<p:sld xmlns:a="http://schemas.openxmlformats.org/drawingml/2006/main" xmlns:r="http://schemas.openxmlformats.org/officeDocument/2006/relationships" xmlns:p="http://schemas.openxmlformats.org/presentationml/2006/main">
-  <p:cSld>
-    <p:spTree>
-      <p:nvGrpSpPr>
-        <p:cNvPr id="1" name=""/>
-        <p:cNvGrpSpPr/>
-        <p:nvPr/>
-      </p:nvGrpSpPr>
-      <p:grpSpPr>
-        <a:xfrm>
-          <a:off x="0" y="0"/>
-          <a:ext cx="0" cy="0"/>
-          <a:chOff x="0" y="0"/>
-          <a:chExt cx="0" cy="0"/>
-        </a:xfrm>
-      </p:grpSpPr>
-      <p:sp>
-        <p:nvSpPr>
-          <p:cNvPr id="2" name="Title 1"/>
-          <p:cNvSpPr>
-            <a:spLocks noGrp="1"/>
-          </p:cNvSpPr>
-          <p:nvPr>
-            <p:ph type="title"/>
-          </p:nvPr>
-        </p:nvSpPr>
-        <p:spPr/>
-        <p:txBody>
-          <a:bodyPr/>
-          <a:lstStyle/>
-          <a:p>
-            <a:r>
-              <a:rPr lang="en-US" dirty="0" smtClean="0"/>
-              <a:t>The general flow	</a:t>
-            </a:r>
-            <a:endParaRPr lang="en-US" dirty="0"/>
-          </a:p>
-        </p:txBody>
-      </p:sp>
-      <p:sp>
-        <p:nvSpPr>
-          <p:cNvPr id="3" name="Content Placeholder 2"/>
-          <p:cNvSpPr>
-            <a:spLocks noGrp="1"/>
-          </p:cNvSpPr>
-          <p:nvPr>
-            <p:ph idx="1"/>
-          </p:nvPr>
-        </p:nvSpPr>
-        <p:spPr/>
-        <p:txBody>
-          <a:bodyPr/>
-          <a:lstStyle/>
-          <a:p>
-            <a:r>
-              <a:rPr lang="en-US" dirty="0" smtClean="0"/>
-              <a:t>On the whole, we expect to produce key-value &lt;K,V&gt; pairs from any mapper or reducer</a:t>
-            </a:r>
-          </a:p>
-          <a:p>
-            <a:pPr lvl="1"/>
-            <a:r>
-              <a:rPr lang="en-US" dirty="0" smtClean="0"/>
-              <a:t>In some cases we may produce &lt;K,&lt;V1,V2,..&gt;&gt; </a:t>
-            </a:r>
-          </a:p>
-          <a:p>
-            <a:r>
-              <a:rPr lang="en-US" dirty="0" smtClean="0"/>
-              <a:t>The results are stored to file and then read from file</a:t>
-            </a:r>
-          </a:p>
-          <a:p>
-            <a:pPr marL="0" indent="0">
-              <a:buNone/>
-            </a:pPr>
-            <a:endParaRPr lang="en-US" dirty="0" smtClean="0"/>
-          </a:p>
-        </p:txBody>
-      </p:sp>
-    </p:spTree>
-    <p:extLst>
-      <p:ext uri="{BB962C8B-B14F-4D97-AF65-F5344CB8AC3E}">
-        <p14:creationId xmlns:p14="http://schemas.microsoft.com/office/powerpoint/2010/main" val="3663277687"/>
-      </p:ext>
-    </p:extLst>
-  </p:cSld>
-  <p:clrMapOvr>
-    <a:masterClrMapping/>
-  </p:clrMapOvr>
-</p:sld>
-</file>
-
 <file path=ppt/slides/slide27.xml><?xml version="1.0" encoding="utf-8"?>
 <p:sld xmlns:a="http://schemas.openxmlformats.org/drawingml/2006/main" xmlns:r="http://schemas.openxmlformats.org/officeDocument/2006/relationships" xmlns:p="http://schemas.openxmlformats.org/presentationml/2006/main">
   <p:cSld>
@@ -7184,7 +7268,11 @@
           <a:p>
             <a:r>
               <a:rPr lang="en-US" dirty="0" smtClean="0"/>
-              <a:t>Mappers</a:t>
+              <a:t>Map Reduce in </a:t>
+            </a:r>
+            <a:r>
+              <a:rPr lang="en-US" dirty="0" err="1" smtClean="0"/>
+              <a:t>Hadoop</a:t>
             </a:r>
             <a:endParaRPr lang="en-US" dirty="0"/>
           </a:p>
@@ -7202,24 +7290,64 @@
         </p:nvSpPr>
         <p:spPr/>
         <p:txBody>
-          <a:bodyPr/>
-          <a:lstStyle/>
-          <a:p>
-            <a:r>
-              <a:rPr lang="en-US" dirty="0" smtClean="0"/>
-              <a:t>Take input files and produce &lt;K,V&gt; pairs</a:t>
-            </a:r>
-          </a:p>
-          <a:p>
-            <a:r>
-              <a:rPr lang="en-US" dirty="0" smtClean="0"/>
-              <a:t>Each mapper gets a complete file</a:t>
-            </a:r>
-          </a:p>
-          <a:p>
-            <a:r>
-              <a:rPr lang="en-US" dirty="0" smtClean="0"/>
-              <a:t>Each mapper runs on a single system</a:t>
+          <a:bodyPr>
+            <a:normAutofit lnSpcReduction="10000"/>
+          </a:bodyPr>
+          <a:lstStyle/>
+          <a:p>
+            <a:r>
+              <a:rPr lang="en-US" dirty="0" smtClean="0"/>
+              <a:t>Map reduce in </a:t>
+            </a:r>
+            <a:r>
+              <a:rPr lang="en-US" dirty="0" err="1" smtClean="0"/>
+              <a:t>Hadoop</a:t>
+            </a:r>
+            <a:r>
+              <a:rPr lang="en-US" dirty="0" smtClean="0"/>
+              <a:t> actually consists of multiple steps</a:t>
+            </a:r>
+          </a:p>
+          <a:p>
+            <a:pPr lvl="1"/>
+            <a:r>
+              <a:rPr lang="en-US" dirty="0" smtClean="0"/>
+              <a:t>Mapper</a:t>
+            </a:r>
+          </a:p>
+          <a:p>
+            <a:pPr lvl="2"/>
+            <a:r>
+              <a:rPr lang="en-US" dirty="0" smtClean="0"/>
+              <a:t>Works on a single file, line by line</a:t>
+            </a:r>
+          </a:p>
+          <a:p>
+            <a:pPr lvl="1"/>
+            <a:r>
+              <a:rPr lang="en-US" dirty="0" smtClean="0"/>
+              <a:t>Combiner</a:t>
+            </a:r>
+          </a:p>
+          <a:p>
+            <a:pPr lvl="2"/>
+            <a:r>
+              <a:rPr lang="en-US" dirty="0" smtClean="0"/>
+              <a:t>Like a reducer, but still on a single system taking the output of the mapper</a:t>
+            </a:r>
+          </a:p>
+          <a:p>
+            <a:pPr lvl="1"/>
+            <a:r>
+              <a:rPr lang="en-US" dirty="0" smtClean="0"/>
+              <a:t>Reducer</a:t>
+            </a:r>
+          </a:p>
+          <a:p>
+            <a:pPr lvl="2"/>
+            <a:r>
+              <a:rPr lang="en-US" dirty="0" smtClean="0"/>
+              <a:t>Takes the outputs of multiple mapper/combiners</a:t>
             </a:r>
             <a:endParaRPr lang="en-US" dirty="0"/>
           </a:p>
@@ -7228,7 +7356,7 @@
     </p:spTree>
     <p:extLst>
       <p:ext uri="{BB962C8B-B14F-4D97-AF65-F5344CB8AC3E}">
-        <p14:creationId xmlns:p14="http://schemas.microsoft.com/office/powerpoint/2010/main" val="2558676139"/>
+        <p14:creationId xmlns:p14="http://schemas.microsoft.com/office/powerpoint/2010/main" val="3837245040"/>
       </p:ext>
     </p:extLst>
   </p:cSld>
@@ -7272,7 +7400,7 @@
           <a:p>
             <a:r>
               <a:rPr lang="en-US" dirty="0" smtClean="0"/>
-              <a:t>Combiners</a:t>
+              <a:t>The general flow	</a:t>
             </a:r>
             <a:endParaRPr lang="en-US" dirty="0"/>
           </a:p>
@@ -7295,40 +7423,34 @@
           <a:p>
             <a:r>
               <a:rPr lang="en-US" dirty="0" smtClean="0"/>
-              <a:t>The combiner function must take the &lt;K,V&gt; output of the mapper</a:t>
-            </a:r>
-          </a:p>
-          <a:p>
-            <a:r>
-              <a:rPr lang="en-US" dirty="0" smtClean="0"/>
-              <a:t>Produce the same format &lt;K,V&gt;</a:t>
-            </a:r>
-          </a:p>
-          <a:p>
-            <a:r>
-              <a:rPr lang="en-US" dirty="0" smtClean="0"/>
-              <a:t>Must be associative and commutative</a:t>
-            </a:r>
-          </a:p>
-          <a:p>
-            <a:r>
-              <a:rPr lang="en-US" i="1" dirty="0" smtClean="0"/>
-              <a:t>Runs on the same node as the mapper</a:t>
-            </a:r>
-          </a:p>
-          <a:p>
-            <a:r>
-              <a:rPr lang="en-US" dirty="0" smtClean="0"/>
-              <a:t>May actually be the reducer function if the reducer follows the rules above</a:t>
-            </a:r>
-            <a:endParaRPr lang="en-US" dirty="0"/>
+              <a:t>On the whole, we expect to produce key-value &lt;K,V&gt; pairs from any mapper or reducer</a:t>
+            </a:r>
+          </a:p>
+          <a:p>
+            <a:pPr lvl="1"/>
+            <a:r>
+              <a:rPr lang="en-US" dirty="0" smtClean="0"/>
+              <a:t>In some cases we may produce &lt;K,&lt;V1,V2,..&gt;&gt; </a:t>
+            </a:r>
+          </a:p>
+          <a:p>
+            <a:r>
+              <a:rPr lang="en-US" dirty="0" smtClean="0"/>
+              <a:t>The results are stored to file and then read from file</a:t>
+            </a:r>
+          </a:p>
+          <a:p>
+            <a:pPr marL="0" indent="0">
+              <a:buNone/>
+            </a:pPr>
+            <a:endParaRPr lang="en-US" dirty="0" smtClean="0"/>
           </a:p>
         </p:txBody>
       </p:sp>
     </p:spTree>
     <p:extLst>
       <p:ext uri="{BB962C8B-B14F-4D97-AF65-F5344CB8AC3E}">
-        <p14:creationId xmlns:p14="http://schemas.microsoft.com/office/powerpoint/2010/main" val="3000065012"/>
+        <p14:creationId xmlns:p14="http://schemas.microsoft.com/office/powerpoint/2010/main" val="3663277687"/>
       </p:ext>
     </p:extLst>
   </p:cSld>
@@ -7372,7 +7494,7 @@
           <a:p>
             <a:r>
               <a:rPr lang="en-US" dirty="0" smtClean="0"/>
-              <a:t>Reducers	</a:t>
+              <a:t>Mappers</a:t>
             </a:r>
             <a:endParaRPr lang="en-US" dirty="0"/>
           </a:p>
@@ -7395,19 +7517,19 @@
           <a:p>
             <a:r>
               <a:rPr lang="en-US" dirty="0" smtClean="0"/>
-              <a:t>The reducers get the &lt;K,V&gt; pairs output from the mappers/combiners</a:t>
-            </a:r>
-          </a:p>
-          <a:p>
-            <a:r>
-              <a:rPr lang="en-US" dirty="0" smtClean="0"/>
-              <a:t>The output is first sorted/partitioned</a:t>
-            </a:r>
-          </a:p>
-          <a:p>
-            <a:r>
-              <a:rPr lang="en-US" dirty="0" smtClean="0"/>
-              <a:t>The reducers produce the final expected output, usually in the form of &lt;K,V&gt; pairs</a:t>
+              <a:t>Take input files and produce &lt;K,V&gt; pairs</a:t>
+            </a:r>
+          </a:p>
+          <a:p>
+            <a:r>
+              <a:rPr lang="en-US" dirty="0" smtClean="0"/>
+              <a:t>Each mapper gets a complete file</a:t>
+            </a:r>
+          </a:p>
+          <a:p>
+            <a:r>
+              <a:rPr lang="en-US" dirty="0" smtClean="0"/>
+              <a:t>Each mapper runs on a single system</a:t>
             </a:r>
             <a:endParaRPr lang="en-US" dirty="0"/>
           </a:p>
@@ -7416,7 +7538,7 @@
     </p:spTree>
     <p:extLst>
       <p:ext uri="{BB962C8B-B14F-4D97-AF65-F5344CB8AC3E}">
-        <p14:creationId xmlns:p14="http://schemas.microsoft.com/office/powerpoint/2010/main" val="4032647134"/>
+        <p14:creationId xmlns:p14="http://schemas.microsoft.com/office/powerpoint/2010/main" val="2558676139"/>
       </p:ext>
     </p:extLst>
   </p:cSld>
@@ -7532,21 +7654,12 @@
         </p:nvSpPr>
         <p:spPr/>
         <p:txBody>
-          <a:bodyPr>
-            <a:normAutofit fontScale="90000"/>
-          </a:bodyPr>
-          <a:lstStyle/>
-          <a:p>
-            <a:r>
-              <a:rPr lang="en-US" dirty="0" smtClean="0"/>
-              <a:t>Map Reduce in Python</a:t>
-            </a:r>
-            <a:br>
-              <a:rPr lang="en-US" dirty="0" smtClean="0"/>
-            </a:br>
-            <a:r>
-              <a:rPr lang="en-US" dirty="0" smtClean="0"/>
-              <a:t>A mapper</a:t>
+          <a:bodyPr/>
+          <a:lstStyle/>
+          <a:p>
+            <a:r>
+              <a:rPr lang="en-US" dirty="0" smtClean="0"/>
+              <a:t>Combiners</a:t>
             </a:r>
             <a:endParaRPr lang="en-US" dirty="0"/>
           </a:p>
@@ -7564,328 +7677,45 @@
         </p:nvSpPr>
         <p:spPr/>
         <p:txBody>
-          <a:bodyPr>
-            <a:normAutofit fontScale="55000" lnSpcReduction="20000"/>
-          </a:bodyPr>
-          <a:lstStyle/>
-          <a:p>
-            <a:pPr marL="457200" lvl="1" indent="0">
-              <a:buNone/>
-            </a:pPr>
-            <a:r>
-              <a:rPr lang="en-US" dirty="0" smtClean="0">
-                <a:latin typeface="Lucida Console"/>
-                <a:cs typeface="Lucida Console"/>
-              </a:rPr>
-              <a:t>#</a:t>
-            </a:r>
-            <a:r>
-              <a:rPr lang="en-US" dirty="0">
-                <a:latin typeface="Lucida Console"/>
-                <a:cs typeface="Lucida Console"/>
-              </a:rPr>
-              <a:t>!/</a:t>
-            </a:r>
-            <a:r>
-              <a:rPr lang="en-US" dirty="0" err="1">
-                <a:latin typeface="Lucida Console"/>
-                <a:cs typeface="Lucida Console"/>
-              </a:rPr>
-              <a:t>usr</a:t>
-            </a:r>
-            <a:r>
-              <a:rPr lang="en-US" dirty="0">
-                <a:latin typeface="Lucida Console"/>
-                <a:cs typeface="Lucida Console"/>
-              </a:rPr>
-              <a:t>/bin/</a:t>
-            </a:r>
-            <a:r>
-              <a:rPr lang="en-US" dirty="0" err="1">
-                <a:latin typeface="Lucida Console"/>
-                <a:cs typeface="Lucida Console"/>
-              </a:rPr>
-              <a:t>env</a:t>
-            </a:r>
-            <a:r>
-              <a:rPr lang="en-US" dirty="0">
-                <a:latin typeface="Lucida Console"/>
-                <a:cs typeface="Lucida Console"/>
-              </a:rPr>
-              <a:t> python</a:t>
-            </a:r>
-          </a:p>
-          <a:p>
-            <a:pPr marL="457200" lvl="1" indent="0">
-              <a:buNone/>
-            </a:pPr>
-            <a:endParaRPr lang="en-US" dirty="0">
-              <a:latin typeface="Lucida Console"/>
-              <a:cs typeface="Lucida Console"/>
-            </a:endParaRPr>
-          </a:p>
-          <a:p>
-            <a:pPr marL="457200" lvl="1" indent="0">
-              <a:buNone/>
-            </a:pPr>
-            <a:r>
-              <a:rPr lang="en-US" dirty="0">
-                <a:latin typeface="Lucida Console"/>
-                <a:cs typeface="Lucida Console"/>
-              </a:rPr>
-              <a:t>import sys</a:t>
-            </a:r>
-          </a:p>
-          <a:p>
-            <a:pPr marL="457200" lvl="1" indent="0">
-              <a:buNone/>
-            </a:pPr>
-            <a:endParaRPr lang="en-US" dirty="0">
-              <a:latin typeface="Lucida Console"/>
-              <a:cs typeface="Lucida Console"/>
-            </a:endParaRPr>
-          </a:p>
-          <a:p>
-            <a:pPr marL="457200" lvl="1" indent="0">
-              <a:buNone/>
-            </a:pPr>
-            <a:r>
-              <a:rPr lang="en-US" dirty="0">
-                <a:latin typeface="Lucida Console"/>
-                <a:cs typeface="Lucida Console"/>
-              </a:rPr>
-              <a:t># input comes from STDIN (standard input)</a:t>
-            </a:r>
-          </a:p>
-          <a:p>
-            <a:pPr marL="457200" lvl="1" indent="0">
-              <a:buNone/>
-            </a:pPr>
-            <a:r>
-              <a:rPr lang="en-US" dirty="0">
-                <a:latin typeface="Lucida Console"/>
-                <a:cs typeface="Lucida Console"/>
-              </a:rPr>
-              <a:t>for line in </a:t>
-            </a:r>
-            <a:r>
-              <a:rPr lang="en-US" dirty="0" err="1">
-                <a:latin typeface="Lucida Console"/>
-                <a:cs typeface="Lucida Console"/>
-              </a:rPr>
-              <a:t>sys.stdin</a:t>
-            </a:r>
-            <a:r>
-              <a:rPr lang="en-US" dirty="0">
-                <a:latin typeface="Lucida Console"/>
-                <a:cs typeface="Lucida Console"/>
-              </a:rPr>
-              <a:t>:</a:t>
-            </a:r>
-          </a:p>
-          <a:p>
-            <a:pPr marL="457200" lvl="1" indent="0">
-              <a:buNone/>
-            </a:pPr>
-            <a:r>
-              <a:rPr lang="en-US" dirty="0">
-                <a:latin typeface="Lucida Console"/>
-                <a:cs typeface="Lucida Console"/>
-              </a:rPr>
-              <a:t>    # remove leading and trailing whitespace</a:t>
-            </a:r>
-          </a:p>
-          <a:p>
-            <a:pPr marL="457200" lvl="1" indent="0">
-              <a:buNone/>
-            </a:pPr>
-            <a:r>
-              <a:rPr lang="en-US" dirty="0">
-                <a:latin typeface="Lucida Console"/>
-                <a:cs typeface="Lucida Console"/>
-              </a:rPr>
-              <a:t>    line = </a:t>
-            </a:r>
-            <a:r>
-              <a:rPr lang="en-US" dirty="0" err="1">
-                <a:latin typeface="Lucida Console"/>
-                <a:cs typeface="Lucida Console"/>
-              </a:rPr>
-              <a:t>line.strip</a:t>
-            </a:r>
-            <a:r>
-              <a:rPr lang="en-US" dirty="0">
-                <a:latin typeface="Lucida Console"/>
-                <a:cs typeface="Lucida Console"/>
-              </a:rPr>
-              <a:t>()</a:t>
-            </a:r>
-          </a:p>
-          <a:p>
-            <a:pPr marL="457200" lvl="1" indent="0">
-              <a:buNone/>
-            </a:pPr>
-            <a:r>
-              <a:rPr lang="en-US" dirty="0">
-                <a:latin typeface="Lucida Console"/>
-                <a:cs typeface="Lucida Console"/>
-              </a:rPr>
-              <a:t>    # split the line into words</a:t>
-            </a:r>
-          </a:p>
-          <a:p>
-            <a:pPr marL="457200" lvl="1" indent="0">
-              <a:buNone/>
-            </a:pPr>
-            <a:r>
-              <a:rPr lang="en-US" dirty="0">
-                <a:latin typeface="Lucida Console"/>
-                <a:cs typeface="Lucida Console"/>
-              </a:rPr>
-              <a:t>    words = </a:t>
-            </a:r>
-            <a:r>
-              <a:rPr lang="en-US" dirty="0" err="1">
-                <a:latin typeface="Lucida Console"/>
-                <a:cs typeface="Lucida Console"/>
-              </a:rPr>
-              <a:t>line.split</a:t>
-            </a:r>
-            <a:r>
-              <a:rPr lang="en-US" dirty="0">
-                <a:latin typeface="Lucida Console"/>
-                <a:cs typeface="Lucida Console"/>
-              </a:rPr>
-              <a:t>()</a:t>
-            </a:r>
-          </a:p>
-          <a:p>
-            <a:pPr marL="457200" lvl="1" indent="0">
-              <a:buNone/>
-            </a:pPr>
-            <a:r>
-              <a:rPr lang="en-US" dirty="0">
-                <a:latin typeface="Lucida Console"/>
-                <a:cs typeface="Lucida Console"/>
-              </a:rPr>
-              <a:t>    # increase counters</a:t>
-            </a:r>
-          </a:p>
-          <a:p>
-            <a:pPr marL="457200" lvl="1" indent="0">
-              <a:buNone/>
-            </a:pPr>
-            <a:r>
-              <a:rPr lang="en-US" dirty="0">
-                <a:latin typeface="Lucida Console"/>
-                <a:cs typeface="Lucida Console"/>
-              </a:rPr>
-              <a:t>    for word in words:</a:t>
-            </a:r>
-          </a:p>
-          <a:p>
-            <a:pPr marL="457200" lvl="1" indent="0">
-              <a:buNone/>
-            </a:pPr>
-            <a:r>
-              <a:rPr lang="en-US" dirty="0">
-                <a:latin typeface="Lucida Console"/>
-                <a:cs typeface="Lucida Console"/>
-              </a:rPr>
-              <a:t>        # write the results to STDOUT (standard output);</a:t>
-            </a:r>
-          </a:p>
-          <a:p>
-            <a:pPr marL="457200" lvl="1" indent="0">
-              <a:buNone/>
-            </a:pPr>
-            <a:r>
-              <a:rPr lang="en-US" dirty="0">
-                <a:latin typeface="Lucida Console"/>
-                <a:cs typeface="Lucida Console"/>
-              </a:rPr>
-              <a:t>        # what we output here will be the input for the</a:t>
-            </a:r>
-          </a:p>
-          <a:p>
-            <a:pPr marL="457200" lvl="1" indent="0">
-              <a:buNone/>
-            </a:pPr>
-            <a:r>
-              <a:rPr lang="en-US" dirty="0">
-                <a:latin typeface="Lucida Console"/>
-                <a:cs typeface="Lucida Console"/>
-              </a:rPr>
-              <a:t>        # Reduce step, i.e. the input for </a:t>
-            </a:r>
-            <a:r>
-              <a:rPr lang="en-US" dirty="0" err="1">
-                <a:latin typeface="Lucida Console"/>
-                <a:cs typeface="Lucida Console"/>
-              </a:rPr>
-              <a:t>reducer.py</a:t>
-            </a:r>
-            <a:endParaRPr lang="en-US" dirty="0">
-              <a:latin typeface="Lucida Console"/>
-              <a:cs typeface="Lucida Console"/>
-            </a:endParaRPr>
-          </a:p>
-          <a:p>
-            <a:pPr marL="457200" lvl="1" indent="0">
-              <a:buNone/>
-            </a:pPr>
-            <a:r>
-              <a:rPr lang="en-US" dirty="0">
-                <a:latin typeface="Lucida Console"/>
-                <a:cs typeface="Lucida Console"/>
-              </a:rPr>
-              <a:t>        #</a:t>
-            </a:r>
-          </a:p>
-          <a:p>
-            <a:pPr marL="457200" lvl="1" indent="0">
-              <a:buNone/>
-            </a:pPr>
-            <a:r>
-              <a:rPr lang="en-US" dirty="0">
-                <a:latin typeface="Lucida Console"/>
-                <a:cs typeface="Lucida Console"/>
-              </a:rPr>
-              <a:t>        # tab-delimited; the trivial word count is 1</a:t>
-            </a:r>
-          </a:p>
-          <a:p>
-            <a:pPr marL="457200" lvl="1" indent="0">
-              <a:buNone/>
-            </a:pPr>
-            <a:r>
-              <a:rPr lang="en-US" dirty="0">
-                <a:latin typeface="Lucida Console"/>
-                <a:cs typeface="Lucida Console"/>
-              </a:rPr>
-              <a:t>        print '%s\</a:t>
-            </a:r>
-            <a:r>
-              <a:rPr lang="en-US" dirty="0" err="1">
-                <a:latin typeface="Lucida Console"/>
-                <a:cs typeface="Lucida Console"/>
-              </a:rPr>
-              <a:t>t%s</a:t>
-            </a:r>
-            <a:r>
-              <a:rPr lang="en-US" dirty="0">
-                <a:latin typeface="Lucida Console"/>
-                <a:cs typeface="Lucida Console"/>
-              </a:rPr>
-              <a:t>' % (word, 1)</a:t>
-            </a:r>
+          <a:bodyPr/>
+          <a:lstStyle/>
+          <a:p>
+            <a:r>
+              <a:rPr lang="en-US" dirty="0" smtClean="0"/>
+              <a:t>The combiner function must take the &lt;K,V&gt; output of the mapper</a:t>
+            </a:r>
+          </a:p>
+          <a:p>
+            <a:r>
+              <a:rPr lang="en-US" dirty="0" smtClean="0"/>
+              <a:t>Produce the same format &lt;K,V&gt;</a:t>
+            </a:r>
+          </a:p>
+          <a:p>
+            <a:r>
+              <a:rPr lang="en-US" dirty="0" smtClean="0"/>
+              <a:t>Must be associative and commutative</a:t>
+            </a:r>
+          </a:p>
+          <a:p>
+            <a:r>
+              <a:rPr lang="en-US" i="1" dirty="0" smtClean="0"/>
+              <a:t>Runs on the same node as the mapper</a:t>
+            </a:r>
+          </a:p>
+          <a:p>
+            <a:r>
+              <a:rPr lang="en-US" dirty="0" smtClean="0"/>
+              <a:t>May actually be the reducer function if the reducer follows the rules above</a:t>
+            </a:r>
+            <a:endParaRPr lang="en-US" dirty="0"/>
           </a:p>
         </p:txBody>
       </p:sp>
     </p:spTree>
     <p:extLst>
       <p:ext uri="{BB962C8B-B14F-4D97-AF65-F5344CB8AC3E}">
-        <p14:creationId xmlns:p14="http://schemas.microsoft.com/office/powerpoint/2010/main" val="172982769"/>
+        <p14:creationId xmlns:p14="http://schemas.microsoft.com/office/powerpoint/2010/main" val="3000065012"/>
       </p:ext>
     </p:extLst>
   </p:cSld>
@@ -7924,21 +7754,12 @@
         </p:nvSpPr>
         <p:spPr/>
         <p:txBody>
-          <a:bodyPr>
-            <a:normAutofit fontScale="90000"/>
-          </a:bodyPr>
-          <a:lstStyle/>
-          <a:p>
-            <a:r>
-              <a:rPr lang="en-US" dirty="0" smtClean="0"/>
-              <a:t>Map Reduce in Python</a:t>
-            </a:r>
-            <a:br>
-              <a:rPr lang="en-US" dirty="0" smtClean="0"/>
-            </a:br>
-            <a:r>
-              <a:rPr lang="en-US" dirty="0" smtClean="0"/>
-              <a:t>A reducer</a:t>
+          <a:bodyPr/>
+          <a:lstStyle/>
+          <a:p>
+            <a:r>
+              <a:rPr lang="en-US" dirty="0" smtClean="0"/>
+              <a:t>Reducers	</a:t>
             </a:r>
             <a:endParaRPr lang="en-US" dirty="0"/>
           </a:p>
@@ -7954,746 +7775,35 @@
             <p:ph idx="1"/>
           </p:nvPr>
         </p:nvSpPr>
-        <p:spPr>
-          <a:xfrm>
-            <a:off x="375635" y="1443984"/>
-            <a:ext cx="8229600" cy="4525963"/>
-          </a:xfrm>
-        </p:spPr>
-        <p:txBody>
-          <a:bodyPr>
-            <a:noAutofit/>
-          </a:bodyPr>
-          <a:lstStyle/>
-          <a:p>
-            <a:pPr marL="457200" lvl="1" indent="0">
-              <a:buNone/>
-            </a:pPr>
-            <a:r>
-              <a:rPr lang="en-US" sz="800" dirty="0">
-                <a:latin typeface="Lucida Console"/>
-                <a:cs typeface="Lucida Console"/>
-              </a:rPr>
-              <a:t>#!/</a:t>
-            </a:r>
-            <a:r>
-              <a:rPr lang="en-US" sz="800" dirty="0" err="1">
-                <a:latin typeface="Lucida Console"/>
-                <a:cs typeface="Lucida Console"/>
-              </a:rPr>
-              <a:t>usr</a:t>
-            </a:r>
-            <a:r>
-              <a:rPr lang="en-US" sz="800" dirty="0">
-                <a:latin typeface="Lucida Console"/>
-                <a:cs typeface="Lucida Console"/>
-              </a:rPr>
-              <a:t>/bin/</a:t>
-            </a:r>
-            <a:r>
-              <a:rPr lang="en-US" sz="800" dirty="0" err="1">
-                <a:latin typeface="Lucida Console"/>
-                <a:cs typeface="Lucida Console"/>
-              </a:rPr>
-              <a:t>env</a:t>
-            </a:r>
-            <a:r>
-              <a:rPr lang="en-US" sz="800" dirty="0">
-                <a:latin typeface="Lucida Console"/>
-                <a:cs typeface="Lucida Console"/>
-              </a:rPr>
-              <a:t> python</a:t>
-            </a:r>
-          </a:p>
-          <a:p>
-            <a:pPr marL="457200" lvl="1" indent="0">
-              <a:buNone/>
-            </a:pPr>
-            <a:r>
-              <a:rPr lang="en-US" sz="800" dirty="0" smtClean="0">
-                <a:latin typeface="Lucida Console"/>
-                <a:cs typeface="Lucida Console"/>
-              </a:rPr>
-              <a:t>import </a:t>
-            </a:r>
-            <a:r>
-              <a:rPr lang="en-US" sz="800" dirty="0">
-                <a:latin typeface="Lucida Console"/>
-                <a:cs typeface="Lucida Console"/>
-              </a:rPr>
-              <a:t>sys</a:t>
-            </a:r>
-          </a:p>
-          <a:p>
-            <a:pPr marL="457200" lvl="1" indent="0">
-              <a:buNone/>
-            </a:pPr>
-            <a:endParaRPr lang="en-US" sz="800" dirty="0">
-              <a:latin typeface="Lucida Console"/>
-              <a:cs typeface="Lucida Console"/>
-            </a:endParaRPr>
-          </a:p>
-          <a:p>
-            <a:pPr marL="457200" lvl="1" indent="0">
-              <a:buNone/>
-            </a:pPr>
-            <a:r>
-              <a:rPr lang="en-US" sz="800" dirty="0" err="1">
-                <a:latin typeface="Lucida Console"/>
-                <a:cs typeface="Lucida Console"/>
-              </a:rPr>
-              <a:t>current_word</a:t>
-            </a:r>
-            <a:r>
-              <a:rPr lang="en-US" sz="800" dirty="0">
-                <a:latin typeface="Lucida Console"/>
-                <a:cs typeface="Lucida Console"/>
-              </a:rPr>
-              <a:t> = None</a:t>
-            </a:r>
-          </a:p>
-          <a:p>
-            <a:pPr marL="457200" lvl="1" indent="0">
-              <a:buNone/>
-            </a:pPr>
-            <a:r>
-              <a:rPr lang="en-US" sz="800" dirty="0" err="1">
-                <a:latin typeface="Lucida Console"/>
-                <a:cs typeface="Lucida Console"/>
-              </a:rPr>
-              <a:t>current_count</a:t>
-            </a:r>
-            <a:r>
-              <a:rPr lang="en-US" sz="800" dirty="0">
-                <a:latin typeface="Lucida Console"/>
-                <a:cs typeface="Lucida Console"/>
-              </a:rPr>
-              <a:t> = 0</a:t>
-            </a:r>
-          </a:p>
-          <a:p>
-            <a:pPr marL="457200" lvl="1" indent="0">
-              <a:buNone/>
-            </a:pPr>
-            <a:r>
-              <a:rPr lang="en-US" sz="800" dirty="0">
-                <a:latin typeface="Lucida Console"/>
-                <a:cs typeface="Lucida Console"/>
-              </a:rPr>
-              <a:t>word = None</a:t>
-            </a:r>
-          </a:p>
-          <a:p>
-            <a:pPr marL="457200" lvl="1" indent="0">
-              <a:buNone/>
-            </a:pPr>
-            <a:endParaRPr lang="en-US" sz="800" dirty="0">
-              <a:latin typeface="Lucida Console"/>
-              <a:cs typeface="Lucida Console"/>
-            </a:endParaRPr>
-          </a:p>
-          <a:p>
-            <a:pPr marL="457200" lvl="1" indent="0">
-              <a:buNone/>
-            </a:pPr>
-            <a:r>
-              <a:rPr lang="en-US" sz="800" dirty="0">
-                <a:latin typeface="Lucida Console"/>
-                <a:cs typeface="Lucida Console"/>
-              </a:rPr>
-              <a:t># input comes from STDIN</a:t>
-            </a:r>
-          </a:p>
-          <a:p>
-            <a:pPr marL="457200" lvl="1" indent="0">
-              <a:buNone/>
-            </a:pPr>
-            <a:r>
-              <a:rPr lang="en-US" sz="800" dirty="0">
-                <a:latin typeface="Lucida Console"/>
-                <a:cs typeface="Lucida Console"/>
-              </a:rPr>
-              <a:t>for line in </a:t>
-            </a:r>
-            <a:r>
-              <a:rPr lang="en-US" sz="800" dirty="0" err="1">
-                <a:latin typeface="Lucida Console"/>
-                <a:cs typeface="Lucida Console"/>
-              </a:rPr>
-              <a:t>sys.stdin</a:t>
-            </a:r>
-            <a:r>
-              <a:rPr lang="en-US" sz="800" dirty="0">
-                <a:latin typeface="Lucida Console"/>
-                <a:cs typeface="Lucida Console"/>
-              </a:rPr>
-              <a:t>:</a:t>
-            </a:r>
-          </a:p>
-          <a:p>
-            <a:pPr marL="457200" lvl="1" indent="0">
-              <a:buNone/>
-            </a:pPr>
-            <a:r>
-              <a:rPr lang="en-US" sz="800" dirty="0">
-                <a:latin typeface="Lucida Console"/>
-                <a:cs typeface="Lucida Console"/>
-              </a:rPr>
-              <a:t>    # remove leading and trailing whitespace</a:t>
-            </a:r>
-          </a:p>
-          <a:p>
-            <a:pPr marL="457200" lvl="1" indent="0">
-              <a:buNone/>
-            </a:pPr>
-            <a:r>
-              <a:rPr lang="en-US" sz="800" dirty="0">
-                <a:latin typeface="Lucida Console"/>
-                <a:cs typeface="Lucida Console"/>
-              </a:rPr>
-              <a:t>    line = </a:t>
-            </a:r>
-            <a:r>
-              <a:rPr lang="en-US" sz="800" dirty="0" err="1">
-                <a:latin typeface="Lucida Console"/>
-                <a:cs typeface="Lucida Console"/>
-              </a:rPr>
-              <a:t>line.strip</a:t>
-            </a:r>
-            <a:r>
-              <a:rPr lang="en-US" sz="800" dirty="0">
-                <a:latin typeface="Lucida Console"/>
-                <a:cs typeface="Lucida Console"/>
-              </a:rPr>
-              <a:t>(</a:t>
-            </a:r>
-            <a:r>
-              <a:rPr lang="en-US" sz="800" dirty="0" smtClean="0">
-                <a:latin typeface="Lucida Console"/>
-                <a:cs typeface="Lucida Console"/>
-              </a:rPr>
-              <a:t>)</a:t>
-            </a:r>
-            <a:endParaRPr lang="en-US" sz="800" dirty="0">
-              <a:latin typeface="Lucida Console"/>
-              <a:cs typeface="Lucida Console"/>
-            </a:endParaRPr>
-          </a:p>
-          <a:p>
-            <a:pPr marL="457200" lvl="1" indent="0">
-              <a:buNone/>
-            </a:pPr>
-            <a:r>
-              <a:rPr lang="en-US" sz="800" dirty="0">
-                <a:latin typeface="Lucida Console"/>
-                <a:cs typeface="Lucida Console"/>
-              </a:rPr>
-              <a:t>    # parse the input we got from </a:t>
-            </a:r>
-            <a:r>
-              <a:rPr lang="en-US" sz="800" dirty="0" err="1">
-                <a:latin typeface="Lucida Console"/>
-                <a:cs typeface="Lucida Console"/>
-              </a:rPr>
-              <a:t>mapper.py</a:t>
-            </a:r>
-            <a:endParaRPr lang="en-US" sz="800" dirty="0">
-              <a:latin typeface="Lucida Console"/>
-              <a:cs typeface="Lucida Console"/>
-            </a:endParaRPr>
-          </a:p>
-          <a:p>
-            <a:pPr marL="457200" lvl="1" indent="0">
-              <a:buNone/>
-            </a:pPr>
-            <a:r>
-              <a:rPr lang="en-US" sz="800" dirty="0">
-                <a:latin typeface="Lucida Console"/>
-                <a:cs typeface="Lucida Console"/>
-              </a:rPr>
-              <a:t>    word, count = </a:t>
-            </a:r>
-            <a:r>
-              <a:rPr lang="en-US" sz="800" dirty="0" err="1">
-                <a:latin typeface="Lucida Console"/>
-                <a:cs typeface="Lucida Console"/>
-              </a:rPr>
-              <a:t>line.split</a:t>
-            </a:r>
-            <a:r>
-              <a:rPr lang="en-US" sz="800" dirty="0">
-                <a:latin typeface="Lucida Console"/>
-                <a:cs typeface="Lucida Console"/>
-              </a:rPr>
-              <a:t>('\t', 1</a:t>
-            </a:r>
-            <a:r>
-              <a:rPr lang="en-US" sz="800" dirty="0" smtClean="0">
-                <a:latin typeface="Lucida Console"/>
-                <a:cs typeface="Lucida Console"/>
-              </a:rPr>
-              <a:t>)</a:t>
-            </a:r>
-            <a:endParaRPr lang="en-US" sz="800" dirty="0">
-              <a:latin typeface="Lucida Console"/>
-              <a:cs typeface="Lucida Console"/>
-            </a:endParaRPr>
-          </a:p>
-          <a:p>
-            <a:pPr marL="457200" lvl="1" indent="0">
-              <a:buNone/>
-            </a:pPr>
-            <a:r>
-              <a:rPr lang="en-US" sz="800" dirty="0">
-                <a:latin typeface="Lucida Console"/>
-                <a:cs typeface="Lucida Console"/>
-              </a:rPr>
-              <a:t>    # convert count (currently a string) to </a:t>
-            </a:r>
-            <a:r>
-              <a:rPr lang="en-US" sz="800" dirty="0" err="1">
-                <a:latin typeface="Lucida Console"/>
-                <a:cs typeface="Lucida Console"/>
-              </a:rPr>
-              <a:t>int</a:t>
-            </a:r>
-            <a:endParaRPr lang="en-US" sz="800" dirty="0">
-              <a:latin typeface="Lucida Console"/>
-              <a:cs typeface="Lucida Console"/>
-            </a:endParaRPr>
-          </a:p>
-          <a:p>
-            <a:pPr marL="457200" lvl="1" indent="0">
-              <a:buNone/>
-            </a:pPr>
-            <a:r>
-              <a:rPr lang="en-US" sz="800" dirty="0">
-                <a:latin typeface="Lucida Console"/>
-                <a:cs typeface="Lucida Console"/>
-              </a:rPr>
-              <a:t>    try:</a:t>
-            </a:r>
-          </a:p>
-          <a:p>
-            <a:pPr marL="457200" lvl="1" indent="0">
-              <a:buNone/>
-            </a:pPr>
-            <a:r>
-              <a:rPr lang="en-US" sz="800" dirty="0">
-                <a:latin typeface="Lucida Console"/>
-                <a:cs typeface="Lucida Console"/>
-              </a:rPr>
-              <a:t>        count = </a:t>
-            </a:r>
-            <a:r>
-              <a:rPr lang="en-US" sz="800" dirty="0" err="1">
-                <a:latin typeface="Lucida Console"/>
-                <a:cs typeface="Lucida Console"/>
-              </a:rPr>
-              <a:t>int</a:t>
-            </a:r>
-            <a:r>
-              <a:rPr lang="en-US" sz="800" dirty="0">
-                <a:latin typeface="Lucida Console"/>
-                <a:cs typeface="Lucida Console"/>
-              </a:rPr>
-              <a:t>(count)</a:t>
-            </a:r>
-          </a:p>
-          <a:p>
-            <a:pPr marL="457200" lvl="1" indent="0">
-              <a:buNone/>
-            </a:pPr>
-            <a:r>
-              <a:rPr lang="en-US" sz="800" dirty="0">
-                <a:latin typeface="Lucida Console"/>
-                <a:cs typeface="Lucida Console"/>
-              </a:rPr>
-              <a:t>    except </a:t>
-            </a:r>
-            <a:r>
-              <a:rPr lang="en-US" sz="800" dirty="0" err="1">
-                <a:latin typeface="Lucida Console"/>
-                <a:cs typeface="Lucida Console"/>
-              </a:rPr>
-              <a:t>ValueError</a:t>
-            </a:r>
-            <a:r>
-              <a:rPr lang="en-US" sz="800" dirty="0">
-                <a:latin typeface="Lucida Console"/>
-                <a:cs typeface="Lucida Console"/>
-              </a:rPr>
-              <a:t>:</a:t>
-            </a:r>
-          </a:p>
-          <a:p>
-            <a:pPr marL="457200" lvl="1" indent="0">
-              <a:buNone/>
-            </a:pPr>
-            <a:r>
-              <a:rPr lang="en-US" sz="800" dirty="0" smtClean="0">
-                <a:latin typeface="Lucida Console"/>
-                <a:cs typeface="Lucida Console"/>
-              </a:rPr>
-              <a:t>	continue</a:t>
-            </a:r>
-            <a:endParaRPr lang="en-US" sz="800" dirty="0">
-              <a:latin typeface="Lucida Console"/>
-              <a:cs typeface="Lucida Console"/>
-            </a:endParaRPr>
-          </a:p>
-          <a:p>
-            <a:pPr marL="457200" lvl="1" indent="0">
-              <a:buNone/>
-            </a:pPr>
-            <a:r>
-              <a:rPr lang="en-US" sz="800" dirty="0">
-                <a:latin typeface="Lucida Console"/>
-                <a:cs typeface="Lucida Console"/>
-              </a:rPr>
-              <a:t>    # this IF-switch only works because </a:t>
-            </a:r>
-            <a:r>
-              <a:rPr lang="en-US" sz="800" dirty="0" err="1">
-                <a:latin typeface="Lucida Console"/>
-                <a:cs typeface="Lucida Console"/>
-              </a:rPr>
-              <a:t>Hadoop</a:t>
-            </a:r>
-            <a:r>
-              <a:rPr lang="en-US" sz="800" dirty="0">
-                <a:latin typeface="Lucida Console"/>
-                <a:cs typeface="Lucida Console"/>
-              </a:rPr>
-              <a:t> sorts map </a:t>
-            </a:r>
-            <a:r>
-              <a:rPr lang="en-US" sz="800" dirty="0" smtClean="0">
-                <a:latin typeface="Lucida Console"/>
-                <a:cs typeface="Lucida Console"/>
-              </a:rPr>
-              <a:t>output by key</a:t>
-            </a:r>
-            <a:endParaRPr lang="en-US" sz="800" dirty="0">
-              <a:latin typeface="Lucida Console"/>
-              <a:cs typeface="Lucida Console"/>
-            </a:endParaRPr>
-          </a:p>
-          <a:p>
-            <a:pPr marL="457200" lvl="1" indent="0">
-              <a:buNone/>
-            </a:pPr>
-            <a:r>
-              <a:rPr lang="en-US" sz="800" dirty="0" smtClean="0">
-                <a:latin typeface="Lucida Console"/>
-                <a:cs typeface="Lucida Console"/>
-              </a:rPr>
-              <a:t>    if </a:t>
-            </a:r>
-            <a:r>
-              <a:rPr lang="en-US" sz="800" dirty="0" err="1">
-                <a:latin typeface="Lucida Console"/>
-                <a:cs typeface="Lucida Console"/>
-              </a:rPr>
-              <a:t>current_word</a:t>
-            </a:r>
-            <a:r>
-              <a:rPr lang="en-US" sz="800" dirty="0">
-                <a:latin typeface="Lucida Console"/>
-                <a:cs typeface="Lucida Console"/>
-              </a:rPr>
-              <a:t> == word:</a:t>
-            </a:r>
-          </a:p>
-          <a:p>
-            <a:pPr marL="457200" lvl="1" indent="0">
-              <a:buNone/>
-            </a:pPr>
-            <a:r>
-              <a:rPr lang="en-US" sz="800" dirty="0">
-                <a:latin typeface="Lucida Console"/>
-                <a:cs typeface="Lucida Console"/>
-              </a:rPr>
-              <a:t>        </a:t>
-            </a:r>
-            <a:r>
-              <a:rPr lang="en-US" sz="800" dirty="0" err="1">
-                <a:latin typeface="Lucida Console"/>
-                <a:cs typeface="Lucida Console"/>
-              </a:rPr>
-              <a:t>current_count</a:t>
-            </a:r>
-            <a:r>
-              <a:rPr lang="en-US" sz="800" dirty="0">
-                <a:latin typeface="Lucida Console"/>
-                <a:cs typeface="Lucida Console"/>
-              </a:rPr>
-              <a:t> += count</a:t>
-            </a:r>
-          </a:p>
-          <a:p>
-            <a:pPr marL="457200" lvl="1" indent="0">
-              <a:buNone/>
-            </a:pPr>
-            <a:r>
-              <a:rPr lang="en-US" sz="800" dirty="0">
-                <a:latin typeface="Lucida Console"/>
-                <a:cs typeface="Lucida Console"/>
-              </a:rPr>
-              <a:t>    else:</a:t>
-            </a:r>
-          </a:p>
-          <a:p>
-            <a:pPr marL="457200" lvl="1" indent="0">
-              <a:buNone/>
-            </a:pPr>
-            <a:r>
-              <a:rPr lang="en-US" sz="800" dirty="0">
-                <a:latin typeface="Lucida Console"/>
-                <a:cs typeface="Lucida Console"/>
-              </a:rPr>
-              <a:t>        if </a:t>
-            </a:r>
-            <a:r>
-              <a:rPr lang="en-US" sz="800" dirty="0" err="1">
-                <a:latin typeface="Lucida Console"/>
-                <a:cs typeface="Lucida Console"/>
-              </a:rPr>
-              <a:t>current_word</a:t>
-            </a:r>
-            <a:r>
-              <a:rPr lang="en-US" sz="800" dirty="0">
-                <a:latin typeface="Lucida Console"/>
-                <a:cs typeface="Lucida Console"/>
-              </a:rPr>
-              <a:t>:</a:t>
-            </a:r>
-          </a:p>
-          <a:p>
-            <a:pPr marL="457200" lvl="1" indent="0">
-              <a:buNone/>
-            </a:pPr>
-            <a:r>
-              <a:rPr lang="en-US" sz="800" dirty="0">
-                <a:latin typeface="Lucida Console"/>
-                <a:cs typeface="Lucida Console"/>
-              </a:rPr>
-              <a:t>            # write result to STDOUT</a:t>
-            </a:r>
-          </a:p>
-          <a:p>
-            <a:pPr marL="457200" lvl="1" indent="0">
-              <a:buNone/>
-            </a:pPr>
-            <a:r>
-              <a:rPr lang="en-US" sz="800" dirty="0">
-                <a:latin typeface="Lucida Console"/>
-                <a:cs typeface="Lucida Console"/>
-              </a:rPr>
-              <a:t>            print '%s\</a:t>
-            </a:r>
-            <a:r>
-              <a:rPr lang="en-US" sz="800" dirty="0" err="1">
-                <a:latin typeface="Lucida Console"/>
-                <a:cs typeface="Lucida Console"/>
-              </a:rPr>
-              <a:t>t%s</a:t>
-            </a:r>
-            <a:r>
-              <a:rPr lang="en-US" sz="800" dirty="0">
-                <a:latin typeface="Lucida Console"/>
-                <a:cs typeface="Lucida Console"/>
-              </a:rPr>
-              <a:t>' % (</a:t>
-            </a:r>
-            <a:r>
-              <a:rPr lang="en-US" sz="800" dirty="0" err="1">
-                <a:latin typeface="Lucida Console"/>
-                <a:cs typeface="Lucida Console"/>
-              </a:rPr>
-              <a:t>current_word</a:t>
-            </a:r>
-            <a:r>
-              <a:rPr lang="en-US" sz="800" dirty="0">
-                <a:latin typeface="Lucida Console"/>
-                <a:cs typeface="Lucida Console"/>
-              </a:rPr>
-              <a:t>, </a:t>
-            </a:r>
-            <a:r>
-              <a:rPr lang="en-US" sz="800" dirty="0" err="1">
-                <a:latin typeface="Lucida Console"/>
-                <a:cs typeface="Lucida Console"/>
-              </a:rPr>
-              <a:t>current_count</a:t>
-            </a:r>
-            <a:r>
-              <a:rPr lang="en-US" sz="800" dirty="0">
-                <a:latin typeface="Lucida Console"/>
-                <a:cs typeface="Lucida Console"/>
-              </a:rPr>
-              <a:t>)</a:t>
-            </a:r>
-          </a:p>
-          <a:p>
-            <a:pPr marL="457200" lvl="1" indent="0">
-              <a:buNone/>
-            </a:pPr>
-            <a:r>
-              <a:rPr lang="en-US" sz="800" dirty="0">
-                <a:latin typeface="Lucida Console"/>
-                <a:cs typeface="Lucida Console"/>
-              </a:rPr>
-              <a:t>        </a:t>
-            </a:r>
-            <a:r>
-              <a:rPr lang="en-US" sz="800" dirty="0" err="1">
-                <a:latin typeface="Lucida Console"/>
-                <a:cs typeface="Lucida Console"/>
-              </a:rPr>
-              <a:t>current_count</a:t>
-            </a:r>
-            <a:r>
-              <a:rPr lang="en-US" sz="800" dirty="0">
-                <a:latin typeface="Lucida Console"/>
-                <a:cs typeface="Lucida Console"/>
-              </a:rPr>
-              <a:t> = count</a:t>
-            </a:r>
-          </a:p>
-          <a:p>
-            <a:pPr marL="457200" lvl="1" indent="0">
-              <a:buNone/>
-            </a:pPr>
-            <a:r>
-              <a:rPr lang="en-US" sz="800" dirty="0">
-                <a:latin typeface="Lucida Console"/>
-                <a:cs typeface="Lucida Console"/>
-              </a:rPr>
-              <a:t>        </a:t>
-            </a:r>
-            <a:r>
-              <a:rPr lang="en-US" sz="800" dirty="0" err="1">
-                <a:latin typeface="Lucida Console"/>
-                <a:cs typeface="Lucida Console"/>
-              </a:rPr>
-              <a:t>current_word</a:t>
-            </a:r>
-            <a:r>
-              <a:rPr lang="en-US" sz="800" dirty="0">
-                <a:latin typeface="Lucida Console"/>
-                <a:cs typeface="Lucida Console"/>
-              </a:rPr>
-              <a:t> = word</a:t>
-            </a:r>
-          </a:p>
-          <a:p>
-            <a:pPr marL="457200" lvl="1" indent="0">
-              <a:buNone/>
-            </a:pPr>
-            <a:endParaRPr lang="en-US" sz="800" dirty="0">
-              <a:latin typeface="Lucida Console"/>
-              <a:cs typeface="Lucida Console"/>
-            </a:endParaRPr>
-          </a:p>
-          <a:p>
-            <a:pPr marL="457200" lvl="1" indent="0">
-              <a:buNone/>
-            </a:pPr>
-            <a:r>
-              <a:rPr lang="en-US" sz="800" dirty="0">
-                <a:latin typeface="Lucida Console"/>
-                <a:cs typeface="Lucida Console"/>
-              </a:rPr>
-              <a:t># do not forget to output the last word if needed!</a:t>
-            </a:r>
-          </a:p>
-          <a:p>
-            <a:pPr marL="457200" lvl="1" indent="0">
-              <a:buNone/>
-            </a:pPr>
-            <a:r>
-              <a:rPr lang="en-US" sz="800" dirty="0">
-                <a:latin typeface="Lucida Console"/>
-                <a:cs typeface="Lucida Console"/>
-              </a:rPr>
-              <a:t>if </a:t>
-            </a:r>
-            <a:r>
-              <a:rPr lang="en-US" sz="800" dirty="0" err="1">
-                <a:latin typeface="Lucida Console"/>
-                <a:cs typeface="Lucida Console"/>
-              </a:rPr>
-              <a:t>current_word</a:t>
-            </a:r>
-            <a:r>
-              <a:rPr lang="en-US" sz="800" dirty="0">
-                <a:latin typeface="Lucida Console"/>
-                <a:cs typeface="Lucida Console"/>
-              </a:rPr>
-              <a:t> == word:</a:t>
-            </a:r>
-          </a:p>
-          <a:p>
-            <a:pPr marL="457200" lvl="1" indent="0">
-              <a:buNone/>
-            </a:pPr>
-            <a:r>
-              <a:rPr lang="en-US" sz="800" dirty="0">
-                <a:latin typeface="Lucida Console"/>
-                <a:cs typeface="Lucida Console"/>
-              </a:rPr>
-              <a:t>    print '%s\</a:t>
-            </a:r>
-            <a:r>
-              <a:rPr lang="en-US" sz="800" dirty="0" err="1">
-                <a:latin typeface="Lucida Console"/>
-                <a:cs typeface="Lucida Console"/>
-              </a:rPr>
-              <a:t>t%s</a:t>
-            </a:r>
-            <a:r>
-              <a:rPr lang="en-US" sz="800" dirty="0">
-                <a:latin typeface="Lucida Console"/>
-                <a:cs typeface="Lucida Console"/>
-              </a:rPr>
-              <a:t>' % (</a:t>
-            </a:r>
-            <a:r>
-              <a:rPr lang="en-US" sz="800" dirty="0" err="1">
-                <a:latin typeface="Lucida Console"/>
-                <a:cs typeface="Lucida Console"/>
-              </a:rPr>
-              <a:t>current_word</a:t>
-            </a:r>
-            <a:r>
-              <a:rPr lang="en-US" sz="800" dirty="0">
-                <a:latin typeface="Lucida Console"/>
-                <a:cs typeface="Lucida Console"/>
-              </a:rPr>
-              <a:t>, </a:t>
-            </a:r>
-            <a:r>
-              <a:rPr lang="en-US" sz="800" dirty="0" err="1">
-                <a:latin typeface="Lucida Console"/>
-                <a:cs typeface="Lucida Console"/>
-              </a:rPr>
-              <a:t>current_count</a:t>
-            </a:r>
-            <a:r>
-              <a:rPr lang="en-US" sz="800" dirty="0">
-                <a:latin typeface="Lucida Console"/>
-                <a:cs typeface="Lucida Console"/>
-              </a:rPr>
-              <a:t>)</a:t>
-            </a:r>
+        <p:spPr/>
+        <p:txBody>
+          <a:bodyPr/>
+          <a:lstStyle/>
+          <a:p>
+            <a:r>
+              <a:rPr lang="en-US" dirty="0" smtClean="0"/>
+              <a:t>The reducers get the &lt;K,V&gt; pairs output from the mappers/combiners</a:t>
+            </a:r>
+          </a:p>
+          <a:p>
+            <a:r>
+              <a:rPr lang="en-US" dirty="0" smtClean="0"/>
+              <a:t>The output is first sorted/partitioned</a:t>
+            </a:r>
+          </a:p>
+          <a:p>
+            <a:r>
+              <a:rPr lang="en-US" dirty="0" smtClean="0"/>
+              <a:t>The reducers produce the final expected output, usually in the form of &lt;K,V&gt; pairs</a:t>
+            </a:r>
+            <a:endParaRPr lang="en-US" dirty="0"/>
           </a:p>
         </p:txBody>
       </p:sp>
     </p:spTree>
     <p:extLst>
       <p:ext uri="{BB962C8B-B14F-4D97-AF65-F5344CB8AC3E}">
-        <p14:creationId xmlns:p14="http://schemas.microsoft.com/office/powerpoint/2010/main" val="807094189"/>
+        <p14:creationId xmlns:p14="http://schemas.microsoft.com/office/powerpoint/2010/main" val="4032647134"/>
       </p:ext>
     </p:extLst>
   </p:cSld>
@@ -8739,7 +7849,14 @@
           <a:p>
             <a:r>
               <a:rPr lang="en-US" dirty="0" smtClean="0"/>
-              <a:t>Executing this on a set of files</a:t>
+              <a:t>Map Reduce in Python</a:t>
+            </a:r>
+            <a:br>
+              <a:rPr lang="en-US" dirty="0" smtClean="0"/>
+            </a:br>
+            <a:r>
+              <a:rPr lang="en-US" dirty="0" smtClean="0"/>
+              <a:t>A mapper</a:t>
             </a:r>
             <a:endParaRPr lang="en-US" dirty="0"/>
           </a:p>
@@ -8757,153 +7874,328 @@
         </p:nvSpPr>
         <p:spPr/>
         <p:txBody>
-          <a:bodyPr/>
-          <a:lstStyle/>
-          <a:p>
-            <a:pPr marL="0" indent="0">
+          <a:bodyPr>
+            <a:normAutofit fontScale="55000" lnSpcReduction="20000"/>
+          </a:bodyPr>
+          <a:lstStyle/>
+          <a:p>
+            <a:pPr marL="457200" lvl="1" indent="0">
               <a:buNone/>
             </a:pPr>
             <a:r>
-              <a:rPr lang="en-US" dirty="0"/>
-              <a:t>y</a:t>
-            </a:r>
-            <a:r>
-              <a:rPr lang="en-US" dirty="0" smtClean="0"/>
-              <a:t>arn </a:t>
-            </a:r>
-            <a:br>
-              <a:rPr lang="en-US" dirty="0" smtClean="0"/>
-            </a:br>
-            <a:r>
-              <a:rPr lang="en-US" dirty="0" smtClean="0"/>
-              <a:t>jar </a:t>
-            </a:r>
-            <a:br>
-              <a:rPr lang="en-US" dirty="0" smtClean="0"/>
-            </a:br>
-            <a:r>
-              <a:rPr lang="en-US" dirty="0" smtClean="0"/>
-              <a:t>/</a:t>
-            </a:r>
-            <a:r>
-              <a:rPr lang="en-US" dirty="0" err="1"/>
+              <a:rPr lang="en-US" dirty="0" smtClean="0">
+                <a:latin typeface="Lucida Console"/>
+                <a:cs typeface="Lucida Console"/>
+              </a:rPr>
+              <a:t>#</a:t>
+            </a:r>
+            <a:r>
+              <a:rPr lang="en-US" dirty="0">
+                <a:latin typeface="Lucida Console"/>
+                <a:cs typeface="Lucida Console"/>
+              </a:rPr>
+              <a:t>!/</a:t>
+            </a:r>
+            <a:r>
+              <a:rPr lang="en-US" dirty="0" err="1">
+                <a:latin typeface="Lucida Console"/>
+                <a:cs typeface="Lucida Console"/>
+              </a:rPr>
               <a:t>usr</a:t>
             </a:r>
             <a:r>
-              <a:rPr lang="en-US" dirty="0" smtClean="0"/>
-              <a:t>/</a:t>
-            </a:r>
-            <a:r>
-              <a:rPr lang="is-IS" dirty="0" smtClean="0"/>
-              <a:t>….</a:t>
-            </a:r>
-            <a:r>
-              <a:rPr lang="en-US" dirty="0" smtClean="0"/>
-              <a:t>/</a:t>
-            </a:r>
-            <a:r>
-              <a:rPr lang="en-US" dirty="0"/>
-              <a:t>lib/hadoop-streaming-2.7.1.jar </a:t>
-            </a:r>
-            <a:endParaRPr lang="en-US" dirty="0" smtClean="0"/>
-          </a:p>
-          <a:p>
-            <a:pPr marL="0" indent="0">
+              <a:rPr lang="en-US" dirty="0">
+                <a:latin typeface="Lucida Console"/>
+                <a:cs typeface="Lucida Console"/>
+              </a:rPr>
+              <a:t>/bin/</a:t>
+            </a:r>
+            <a:r>
+              <a:rPr lang="en-US" dirty="0" err="1">
+                <a:latin typeface="Lucida Console"/>
+                <a:cs typeface="Lucida Console"/>
+              </a:rPr>
+              <a:t>env</a:t>
+            </a:r>
+            <a:r>
+              <a:rPr lang="en-US" dirty="0">
+                <a:latin typeface="Lucida Console"/>
+                <a:cs typeface="Lucida Console"/>
+              </a:rPr>
+              <a:t> python</a:t>
+            </a:r>
+          </a:p>
+          <a:p>
+            <a:pPr marL="457200" lvl="1" indent="0">
               <a:buNone/>
             </a:pPr>
-            <a:r>
-              <a:rPr lang="en-US" dirty="0" smtClean="0"/>
-              <a:t>-</a:t>
-            </a:r>
-            <a:r>
-              <a:rPr lang="en-US" dirty="0"/>
-              <a:t>input /user/</a:t>
-            </a:r>
-            <a:r>
-              <a:rPr lang="en-US" dirty="0" err="1"/>
-              <a:t>hduser</a:t>
-            </a:r>
-            <a:r>
-              <a:rPr lang="en-US" dirty="0" smtClean="0"/>
-              <a:t>/books </a:t>
-            </a:r>
-            <a:br>
-              <a:rPr lang="en-US" dirty="0" smtClean="0"/>
-            </a:br>
-            <a:r>
-              <a:rPr lang="en-US" dirty="0" smtClean="0"/>
-              <a:t>-</a:t>
-            </a:r>
-            <a:r>
-              <a:rPr lang="en-US" dirty="0"/>
-              <a:t>output /user/</a:t>
-            </a:r>
-            <a:r>
-              <a:rPr lang="en-US" dirty="0" err="1"/>
-              <a:t>hduser</a:t>
-            </a:r>
-            <a:r>
-              <a:rPr lang="en-US" dirty="0"/>
-              <a:t>/</a:t>
-            </a:r>
-            <a:r>
-              <a:rPr lang="en-US" dirty="0" smtClean="0"/>
-              <a:t>output </a:t>
-            </a:r>
-            <a:br>
-              <a:rPr lang="en-US" dirty="0" smtClean="0"/>
-            </a:br>
-            <a:r>
-              <a:rPr lang="en-US" dirty="0" smtClean="0"/>
-              <a:t>-</a:t>
-            </a:r>
-            <a:r>
-              <a:rPr lang="en-US" dirty="0"/>
-              <a:t>mapper .</a:t>
-            </a:r>
-            <a:r>
-              <a:rPr lang="en-US" dirty="0" smtClean="0"/>
-              <a:t>/</a:t>
-            </a:r>
-            <a:r>
-              <a:rPr lang="en-US" dirty="0" err="1" smtClean="0"/>
-              <a:t>mapper.py</a:t>
-            </a:r>
-            <a:r>
-              <a:rPr lang="en-US" dirty="0" smtClean="0"/>
-              <a:t> </a:t>
-            </a:r>
-            <a:br>
-              <a:rPr lang="en-US" dirty="0" smtClean="0"/>
-            </a:br>
-            <a:r>
-              <a:rPr lang="en-US" dirty="0" smtClean="0"/>
-              <a:t>-</a:t>
-            </a:r>
-            <a:r>
-              <a:rPr lang="en-US" dirty="0"/>
-              <a:t>reducer .</a:t>
-            </a:r>
-            <a:r>
-              <a:rPr lang="en-US" dirty="0" smtClean="0"/>
-              <a:t>/</a:t>
-            </a:r>
-            <a:r>
-              <a:rPr lang="en-US" dirty="0" err="1" smtClean="0"/>
+            <a:endParaRPr lang="en-US" dirty="0">
+              <a:latin typeface="Lucida Console"/>
+              <a:cs typeface="Lucida Console"/>
+            </a:endParaRPr>
+          </a:p>
+          <a:p>
+            <a:pPr marL="457200" lvl="1" indent="0">
+              <a:buNone/>
+            </a:pPr>
+            <a:r>
+              <a:rPr lang="en-US" dirty="0">
+                <a:latin typeface="Lucida Console"/>
+                <a:cs typeface="Lucida Console"/>
+              </a:rPr>
+              <a:t>import sys</a:t>
+            </a:r>
+          </a:p>
+          <a:p>
+            <a:pPr marL="457200" lvl="1" indent="0">
+              <a:buNone/>
+            </a:pPr>
+            <a:endParaRPr lang="en-US" dirty="0">
+              <a:latin typeface="Lucida Console"/>
+              <a:cs typeface="Lucida Console"/>
+            </a:endParaRPr>
+          </a:p>
+          <a:p>
+            <a:pPr marL="457200" lvl="1" indent="0">
+              <a:buNone/>
+            </a:pPr>
+            <a:r>
+              <a:rPr lang="en-US" dirty="0">
+                <a:latin typeface="Lucida Console"/>
+                <a:cs typeface="Lucida Console"/>
+              </a:rPr>
+              <a:t># input comes from STDIN (standard input)</a:t>
+            </a:r>
+          </a:p>
+          <a:p>
+            <a:pPr marL="457200" lvl="1" indent="0">
+              <a:buNone/>
+            </a:pPr>
+            <a:r>
+              <a:rPr lang="en-US" dirty="0">
+                <a:latin typeface="Lucida Console"/>
+                <a:cs typeface="Lucida Console"/>
+              </a:rPr>
+              <a:t>for line in </a:t>
+            </a:r>
+            <a:r>
+              <a:rPr lang="en-US" dirty="0" err="1">
+                <a:latin typeface="Lucida Console"/>
+                <a:cs typeface="Lucida Console"/>
+              </a:rPr>
+              <a:t>sys.stdin</a:t>
+            </a:r>
+            <a:r>
+              <a:rPr lang="en-US" dirty="0">
+                <a:latin typeface="Lucida Console"/>
+                <a:cs typeface="Lucida Console"/>
+              </a:rPr>
+              <a:t>:</a:t>
+            </a:r>
+          </a:p>
+          <a:p>
+            <a:pPr marL="457200" lvl="1" indent="0">
+              <a:buNone/>
+            </a:pPr>
+            <a:r>
+              <a:rPr lang="en-US" dirty="0">
+                <a:latin typeface="Lucida Console"/>
+                <a:cs typeface="Lucida Console"/>
+              </a:rPr>
+              <a:t>    # remove leading and trailing whitespace</a:t>
+            </a:r>
+          </a:p>
+          <a:p>
+            <a:pPr marL="457200" lvl="1" indent="0">
+              <a:buNone/>
+            </a:pPr>
+            <a:r>
+              <a:rPr lang="en-US" dirty="0">
+                <a:latin typeface="Lucida Console"/>
+                <a:cs typeface="Lucida Console"/>
+              </a:rPr>
+              <a:t>    line = </a:t>
+            </a:r>
+            <a:r>
+              <a:rPr lang="en-US" dirty="0" err="1">
+                <a:latin typeface="Lucida Console"/>
+                <a:cs typeface="Lucida Console"/>
+              </a:rPr>
+              <a:t>line.strip</a:t>
+            </a:r>
+            <a:r>
+              <a:rPr lang="en-US" dirty="0">
+                <a:latin typeface="Lucida Console"/>
+                <a:cs typeface="Lucida Console"/>
+              </a:rPr>
+              <a:t>()</a:t>
+            </a:r>
+          </a:p>
+          <a:p>
+            <a:pPr marL="457200" lvl="1" indent="0">
+              <a:buNone/>
+            </a:pPr>
+            <a:r>
+              <a:rPr lang="en-US" dirty="0">
+                <a:latin typeface="Lucida Console"/>
+                <a:cs typeface="Lucida Console"/>
+              </a:rPr>
+              <a:t>    # split the line into words</a:t>
+            </a:r>
+          </a:p>
+          <a:p>
+            <a:pPr marL="457200" lvl="1" indent="0">
+              <a:buNone/>
+            </a:pPr>
+            <a:r>
+              <a:rPr lang="en-US" dirty="0">
+                <a:latin typeface="Lucida Console"/>
+                <a:cs typeface="Lucida Console"/>
+              </a:rPr>
+              <a:t>    words = </a:t>
+            </a:r>
+            <a:r>
+              <a:rPr lang="en-US" dirty="0" err="1">
+                <a:latin typeface="Lucida Console"/>
+                <a:cs typeface="Lucida Console"/>
+              </a:rPr>
+              <a:t>line.split</a:t>
+            </a:r>
+            <a:r>
+              <a:rPr lang="en-US" dirty="0">
+                <a:latin typeface="Lucida Console"/>
+                <a:cs typeface="Lucida Console"/>
+              </a:rPr>
+              <a:t>()</a:t>
+            </a:r>
+          </a:p>
+          <a:p>
+            <a:pPr marL="457200" lvl="1" indent="0">
+              <a:buNone/>
+            </a:pPr>
+            <a:r>
+              <a:rPr lang="en-US" dirty="0">
+                <a:latin typeface="Lucida Console"/>
+                <a:cs typeface="Lucida Console"/>
+              </a:rPr>
+              <a:t>    # increase counters</a:t>
+            </a:r>
+          </a:p>
+          <a:p>
+            <a:pPr marL="457200" lvl="1" indent="0">
+              <a:buNone/>
+            </a:pPr>
+            <a:r>
+              <a:rPr lang="en-US" dirty="0">
+                <a:latin typeface="Lucida Console"/>
+                <a:cs typeface="Lucida Console"/>
+              </a:rPr>
+              <a:t>    for word in words:</a:t>
+            </a:r>
+          </a:p>
+          <a:p>
+            <a:pPr marL="457200" lvl="1" indent="0">
+              <a:buNone/>
+            </a:pPr>
+            <a:r>
+              <a:rPr lang="en-US" dirty="0">
+                <a:latin typeface="Lucida Console"/>
+                <a:cs typeface="Lucida Console"/>
+              </a:rPr>
+              <a:t>        # write the results to STDOUT (standard output);</a:t>
+            </a:r>
+          </a:p>
+          <a:p>
+            <a:pPr marL="457200" lvl="1" indent="0">
+              <a:buNone/>
+            </a:pPr>
+            <a:r>
+              <a:rPr lang="en-US" dirty="0">
+                <a:latin typeface="Lucida Console"/>
+                <a:cs typeface="Lucida Console"/>
+              </a:rPr>
+              <a:t>        # what we output here will be the input for the</a:t>
+            </a:r>
+          </a:p>
+          <a:p>
+            <a:pPr marL="457200" lvl="1" indent="0">
+              <a:buNone/>
+            </a:pPr>
+            <a:r>
+              <a:rPr lang="en-US" dirty="0">
+                <a:latin typeface="Lucida Console"/>
+                <a:cs typeface="Lucida Console"/>
+              </a:rPr>
+              <a:t>        # Reduce step, i.e. the input for </a:t>
+            </a:r>
+            <a:r>
+              <a:rPr lang="en-US" dirty="0" err="1">
+                <a:latin typeface="Lucida Console"/>
+                <a:cs typeface="Lucida Console"/>
+              </a:rPr>
               <a:t>reducer.py</a:t>
             </a:r>
-            <a:r>
-              <a:rPr lang="en-US" dirty="0" smtClean="0"/>
-              <a:t> </a:t>
-            </a:r>
-            <a:endParaRPr lang="en-US" dirty="0"/>
+            <a:endParaRPr lang="en-US" dirty="0">
+              <a:latin typeface="Lucida Console"/>
+              <a:cs typeface="Lucida Console"/>
+            </a:endParaRPr>
+          </a:p>
+          <a:p>
+            <a:pPr marL="457200" lvl="1" indent="0">
+              <a:buNone/>
+            </a:pPr>
+            <a:r>
+              <a:rPr lang="en-US" dirty="0">
+                <a:latin typeface="Lucida Console"/>
+                <a:cs typeface="Lucida Console"/>
+              </a:rPr>
+              <a:t>        #</a:t>
+            </a:r>
+          </a:p>
+          <a:p>
+            <a:pPr marL="457200" lvl="1" indent="0">
+              <a:buNone/>
+            </a:pPr>
+            <a:r>
+              <a:rPr lang="en-US" dirty="0">
+                <a:latin typeface="Lucida Console"/>
+                <a:cs typeface="Lucida Console"/>
+              </a:rPr>
+              <a:t>        # tab-delimited; the trivial word count is 1</a:t>
+            </a:r>
+          </a:p>
+          <a:p>
+            <a:pPr marL="457200" lvl="1" indent="0">
+              <a:buNone/>
+            </a:pPr>
+            <a:r>
+              <a:rPr lang="en-US" dirty="0">
+                <a:latin typeface="Lucida Console"/>
+                <a:cs typeface="Lucida Console"/>
+              </a:rPr>
+              <a:t>        print '%s\</a:t>
+            </a:r>
+            <a:r>
+              <a:rPr lang="en-US" dirty="0" err="1">
+                <a:latin typeface="Lucida Console"/>
+                <a:cs typeface="Lucida Console"/>
+              </a:rPr>
+              <a:t>t%s</a:t>
+            </a:r>
+            <a:r>
+              <a:rPr lang="en-US" dirty="0">
+                <a:latin typeface="Lucida Console"/>
+                <a:cs typeface="Lucida Console"/>
+              </a:rPr>
+              <a:t>' % (word, 1)</a:t>
+            </a:r>
           </a:p>
         </p:txBody>
       </p:sp>
     </p:spTree>
     <p:extLst>
       <p:ext uri="{BB962C8B-B14F-4D97-AF65-F5344CB8AC3E}">
-        <p14:creationId xmlns:p14="http://schemas.microsoft.com/office/powerpoint/2010/main" val="3540159546"/>
+        <p14:creationId xmlns:p14="http://schemas.microsoft.com/office/powerpoint/2010/main" val="172982769"/>
       </p:ext>
     </p:extLst>
   </p:cSld>
@@ -8942,12 +8234,21 @@
         </p:nvSpPr>
         <p:spPr/>
         <p:txBody>
-          <a:bodyPr/>
-          <a:lstStyle/>
-          <a:p>
-            <a:r>
-              <a:rPr lang="en-US" dirty="0" smtClean="0"/>
-              <a:t>Efficiency</a:t>
+          <a:bodyPr>
+            <a:normAutofit fontScale="90000"/>
+          </a:bodyPr>
+          <a:lstStyle/>
+          <a:p>
+            <a:r>
+              <a:rPr lang="en-US" dirty="0" smtClean="0"/>
+              <a:t>Map Reduce in Python</a:t>
+            </a:r>
+            <a:br>
+              <a:rPr lang="en-US" dirty="0" smtClean="0"/>
+            </a:br>
+            <a:r>
+              <a:rPr lang="en-US" dirty="0" smtClean="0"/>
+              <a:t>A reducer</a:t>
             </a:r>
             <a:endParaRPr lang="en-US" dirty="0"/>
           </a:p>
@@ -8963,30 +8264,746 @@
             <p:ph idx="1"/>
           </p:nvPr>
         </p:nvSpPr>
-        <p:spPr/>
-        <p:txBody>
-          <a:bodyPr/>
-          <a:lstStyle/>
-          <a:p>
-            <a:r>
-              <a:rPr lang="en-US" dirty="0" smtClean="0"/>
-              <a:t>Please note this is not the most efficient way of coding Python</a:t>
-            </a:r>
-          </a:p>
-          <a:p>
-            <a:pPr lvl="1"/>
-            <a:r>
-              <a:rPr lang="en-US" dirty="0" smtClean="0"/>
-              <a:t>But the simplest and easiest to explain</a:t>
-            </a:r>
-            <a:endParaRPr lang="en-US" dirty="0"/>
+        <p:spPr>
+          <a:xfrm>
+            <a:off x="375635" y="1443984"/>
+            <a:ext cx="8229600" cy="4525963"/>
+          </a:xfrm>
+        </p:spPr>
+        <p:txBody>
+          <a:bodyPr>
+            <a:noAutofit/>
+          </a:bodyPr>
+          <a:lstStyle/>
+          <a:p>
+            <a:pPr marL="457200" lvl="1" indent="0">
+              <a:buNone/>
+            </a:pPr>
+            <a:r>
+              <a:rPr lang="en-US" sz="800" dirty="0">
+                <a:latin typeface="Lucida Console"/>
+                <a:cs typeface="Lucida Console"/>
+              </a:rPr>
+              <a:t>#!/</a:t>
+            </a:r>
+            <a:r>
+              <a:rPr lang="en-US" sz="800" dirty="0" err="1">
+                <a:latin typeface="Lucida Console"/>
+                <a:cs typeface="Lucida Console"/>
+              </a:rPr>
+              <a:t>usr</a:t>
+            </a:r>
+            <a:r>
+              <a:rPr lang="en-US" sz="800" dirty="0">
+                <a:latin typeface="Lucida Console"/>
+                <a:cs typeface="Lucida Console"/>
+              </a:rPr>
+              <a:t>/bin/</a:t>
+            </a:r>
+            <a:r>
+              <a:rPr lang="en-US" sz="800" dirty="0" err="1">
+                <a:latin typeface="Lucida Console"/>
+                <a:cs typeface="Lucida Console"/>
+              </a:rPr>
+              <a:t>env</a:t>
+            </a:r>
+            <a:r>
+              <a:rPr lang="en-US" sz="800" dirty="0">
+                <a:latin typeface="Lucida Console"/>
+                <a:cs typeface="Lucida Console"/>
+              </a:rPr>
+              <a:t> python</a:t>
+            </a:r>
+          </a:p>
+          <a:p>
+            <a:pPr marL="457200" lvl="1" indent="0">
+              <a:buNone/>
+            </a:pPr>
+            <a:r>
+              <a:rPr lang="en-US" sz="800" dirty="0" smtClean="0">
+                <a:latin typeface="Lucida Console"/>
+                <a:cs typeface="Lucida Console"/>
+              </a:rPr>
+              <a:t>import </a:t>
+            </a:r>
+            <a:r>
+              <a:rPr lang="en-US" sz="800" dirty="0">
+                <a:latin typeface="Lucida Console"/>
+                <a:cs typeface="Lucida Console"/>
+              </a:rPr>
+              <a:t>sys</a:t>
+            </a:r>
+          </a:p>
+          <a:p>
+            <a:pPr marL="457200" lvl="1" indent="0">
+              <a:buNone/>
+            </a:pPr>
+            <a:endParaRPr lang="en-US" sz="800" dirty="0">
+              <a:latin typeface="Lucida Console"/>
+              <a:cs typeface="Lucida Console"/>
+            </a:endParaRPr>
+          </a:p>
+          <a:p>
+            <a:pPr marL="457200" lvl="1" indent="0">
+              <a:buNone/>
+            </a:pPr>
+            <a:r>
+              <a:rPr lang="en-US" sz="800" dirty="0" err="1">
+                <a:latin typeface="Lucida Console"/>
+                <a:cs typeface="Lucida Console"/>
+              </a:rPr>
+              <a:t>current_word</a:t>
+            </a:r>
+            <a:r>
+              <a:rPr lang="en-US" sz="800" dirty="0">
+                <a:latin typeface="Lucida Console"/>
+                <a:cs typeface="Lucida Console"/>
+              </a:rPr>
+              <a:t> = None</a:t>
+            </a:r>
+          </a:p>
+          <a:p>
+            <a:pPr marL="457200" lvl="1" indent="0">
+              <a:buNone/>
+            </a:pPr>
+            <a:r>
+              <a:rPr lang="en-US" sz="800" dirty="0" err="1">
+                <a:latin typeface="Lucida Console"/>
+                <a:cs typeface="Lucida Console"/>
+              </a:rPr>
+              <a:t>current_count</a:t>
+            </a:r>
+            <a:r>
+              <a:rPr lang="en-US" sz="800" dirty="0">
+                <a:latin typeface="Lucida Console"/>
+                <a:cs typeface="Lucida Console"/>
+              </a:rPr>
+              <a:t> = 0</a:t>
+            </a:r>
+          </a:p>
+          <a:p>
+            <a:pPr marL="457200" lvl="1" indent="0">
+              <a:buNone/>
+            </a:pPr>
+            <a:r>
+              <a:rPr lang="en-US" sz="800" dirty="0">
+                <a:latin typeface="Lucida Console"/>
+                <a:cs typeface="Lucida Console"/>
+              </a:rPr>
+              <a:t>word = None</a:t>
+            </a:r>
+          </a:p>
+          <a:p>
+            <a:pPr marL="457200" lvl="1" indent="0">
+              <a:buNone/>
+            </a:pPr>
+            <a:endParaRPr lang="en-US" sz="800" dirty="0">
+              <a:latin typeface="Lucida Console"/>
+              <a:cs typeface="Lucida Console"/>
+            </a:endParaRPr>
+          </a:p>
+          <a:p>
+            <a:pPr marL="457200" lvl="1" indent="0">
+              <a:buNone/>
+            </a:pPr>
+            <a:r>
+              <a:rPr lang="en-US" sz="800" dirty="0">
+                <a:latin typeface="Lucida Console"/>
+                <a:cs typeface="Lucida Console"/>
+              </a:rPr>
+              <a:t># input comes from STDIN</a:t>
+            </a:r>
+          </a:p>
+          <a:p>
+            <a:pPr marL="457200" lvl="1" indent="0">
+              <a:buNone/>
+            </a:pPr>
+            <a:r>
+              <a:rPr lang="en-US" sz="800" dirty="0">
+                <a:latin typeface="Lucida Console"/>
+                <a:cs typeface="Lucida Console"/>
+              </a:rPr>
+              <a:t>for line in </a:t>
+            </a:r>
+            <a:r>
+              <a:rPr lang="en-US" sz="800" dirty="0" err="1">
+                <a:latin typeface="Lucida Console"/>
+                <a:cs typeface="Lucida Console"/>
+              </a:rPr>
+              <a:t>sys.stdin</a:t>
+            </a:r>
+            <a:r>
+              <a:rPr lang="en-US" sz="800" dirty="0">
+                <a:latin typeface="Lucida Console"/>
+                <a:cs typeface="Lucida Console"/>
+              </a:rPr>
+              <a:t>:</a:t>
+            </a:r>
+          </a:p>
+          <a:p>
+            <a:pPr marL="457200" lvl="1" indent="0">
+              <a:buNone/>
+            </a:pPr>
+            <a:r>
+              <a:rPr lang="en-US" sz="800" dirty="0">
+                <a:latin typeface="Lucida Console"/>
+                <a:cs typeface="Lucida Console"/>
+              </a:rPr>
+              <a:t>    # remove leading and trailing whitespace</a:t>
+            </a:r>
+          </a:p>
+          <a:p>
+            <a:pPr marL="457200" lvl="1" indent="0">
+              <a:buNone/>
+            </a:pPr>
+            <a:r>
+              <a:rPr lang="en-US" sz="800" dirty="0">
+                <a:latin typeface="Lucida Console"/>
+                <a:cs typeface="Lucida Console"/>
+              </a:rPr>
+              <a:t>    line = </a:t>
+            </a:r>
+            <a:r>
+              <a:rPr lang="en-US" sz="800" dirty="0" err="1">
+                <a:latin typeface="Lucida Console"/>
+                <a:cs typeface="Lucida Console"/>
+              </a:rPr>
+              <a:t>line.strip</a:t>
+            </a:r>
+            <a:r>
+              <a:rPr lang="en-US" sz="800" dirty="0">
+                <a:latin typeface="Lucida Console"/>
+                <a:cs typeface="Lucida Console"/>
+              </a:rPr>
+              <a:t>(</a:t>
+            </a:r>
+            <a:r>
+              <a:rPr lang="en-US" sz="800" dirty="0" smtClean="0">
+                <a:latin typeface="Lucida Console"/>
+                <a:cs typeface="Lucida Console"/>
+              </a:rPr>
+              <a:t>)</a:t>
+            </a:r>
+            <a:endParaRPr lang="en-US" sz="800" dirty="0">
+              <a:latin typeface="Lucida Console"/>
+              <a:cs typeface="Lucida Console"/>
+            </a:endParaRPr>
+          </a:p>
+          <a:p>
+            <a:pPr marL="457200" lvl="1" indent="0">
+              <a:buNone/>
+            </a:pPr>
+            <a:r>
+              <a:rPr lang="en-US" sz="800" dirty="0">
+                <a:latin typeface="Lucida Console"/>
+                <a:cs typeface="Lucida Console"/>
+              </a:rPr>
+              <a:t>    # parse the input we got from </a:t>
+            </a:r>
+            <a:r>
+              <a:rPr lang="en-US" sz="800" dirty="0" err="1">
+                <a:latin typeface="Lucida Console"/>
+                <a:cs typeface="Lucida Console"/>
+              </a:rPr>
+              <a:t>mapper.py</a:t>
+            </a:r>
+            <a:endParaRPr lang="en-US" sz="800" dirty="0">
+              <a:latin typeface="Lucida Console"/>
+              <a:cs typeface="Lucida Console"/>
+            </a:endParaRPr>
+          </a:p>
+          <a:p>
+            <a:pPr marL="457200" lvl="1" indent="0">
+              <a:buNone/>
+            </a:pPr>
+            <a:r>
+              <a:rPr lang="en-US" sz="800" dirty="0">
+                <a:latin typeface="Lucida Console"/>
+                <a:cs typeface="Lucida Console"/>
+              </a:rPr>
+              <a:t>    word, count = </a:t>
+            </a:r>
+            <a:r>
+              <a:rPr lang="en-US" sz="800" dirty="0" err="1">
+                <a:latin typeface="Lucida Console"/>
+                <a:cs typeface="Lucida Console"/>
+              </a:rPr>
+              <a:t>line.split</a:t>
+            </a:r>
+            <a:r>
+              <a:rPr lang="en-US" sz="800" dirty="0">
+                <a:latin typeface="Lucida Console"/>
+                <a:cs typeface="Lucida Console"/>
+              </a:rPr>
+              <a:t>('\t', 1</a:t>
+            </a:r>
+            <a:r>
+              <a:rPr lang="en-US" sz="800" dirty="0" smtClean="0">
+                <a:latin typeface="Lucida Console"/>
+                <a:cs typeface="Lucida Console"/>
+              </a:rPr>
+              <a:t>)</a:t>
+            </a:r>
+            <a:endParaRPr lang="en-US" sz="800" dirty="0">
+              <a:latin typeface="Lucida Console"/>
+              <a:cs typeface="Lucida Console"/>
+            </a:endParaRPr>
+          </a:p>
+          <a:p>
+            <a:pPr marL="457200" lvl="1" indent="0">
+              <a:buNone/>
+            </a:pPr>
+            <a:r>
+              <a:rPr lang="en-US" sz="800" dirty="0">
+                <a:latin typeface="Lucida Console"/>
+                <a:cs typeface="Lucida Console"/>
+              </a:rPr>
+              <a:t>    # convert count (currently a string) to </a:t>
+            </a:r>
+            <a:r>
+              <a:rPr lang="en-US" sz="800" dirty="0" err="1">
+                <a:latin typeface="Lucida Console"/>
+                <a:cs typeface="Lucida Console"/>
+              </a:rPr>
+              <a:t>int</a:t>
+            </a:r>
+            <a:endParaRPr lang="en-US" sz="800" dirty="0">
+              <a:latin typeface="Lucida Console"/>
+              <a:cs typeface="Lucida Console"/>
+            </a:endParaRPr>
+          </a:p>
+          <a:p>
+            <a:pPr marL="457200" lvl="1" indent="0">
+              <a:buNone/>
+            </a:pPr>
+            <a:r>
+              <a:rPr lang="en-US" sz="800" dirty="0">
+                <a:latin typeface="Lucida Console"/>
+                <a:cs typeface="Lucida Console"/>
+              </a:rPr>
+              <a:t>    try:</a:t>
+            </a:r>
+          </a:p>
+          <a:p>
+            <a:pPr marL="457200" lvl="1" indent="0">
+              <a:buNone/>
+            </a:pPr>
+            <a:r>
+              <a:rPr lang="en-US" sz="800" dirty="0">
+                <a:latin typeface="Lucida Console"/>
+                <a:cs typeface="Lucida Console"/>
+              </a:rPr>
+              <a:t>        count = </a:t>
+            </a:r>
+            <a:r>
+              <a:rPr lang="en-US" sz="800" dirty="0" err="1">
+                <a:latin typeface="Lucida Console"/>
+                <a:cs typeface="Lucida Console"/>
+              </a:rPr>
+              <a:t>int</a:t>
+            </a:r>
+            <a:r>
+              <a:rPr lang="en-US" sz="800" dirty="0">
+                <a:latin typeface="Lucida Console"/>
+                <a:cs typeface="Lucida Console"/>
+              </a:rPr>
+              <a:t>(count)</a:t>
+            </a:r>
+          </a:p>
+          <a:p>
+            <a:pPr marL="457200" lvl="1" indent="0">
+              <a:buNone/>
+            </a:pPr>
+            <a:r>
+              <a:rPr lang="en-US" sz="800" dirty="0">
+                <a:latin typeface="Lucida Console"/>
+                <a:cs typeface="Lucida Console"/>
+              </a:rPr>
+              <a:t>    except </a:t>
+            </a:r>
+            <a:r>
+              <a:rPr lang="en-US" sz="800" dirty="0" err="1">
+                <a:latin typeface="Lucida Console"/>
+                <a:cs typeface="Lucida Console"/>
+              </a:rPr>
+              <a:t>ValueError</a:t>
+            </a:r>
+            <a:r>
+              <a:rPr lang="en-US" sz="800" dirty="0">
+                <a:latin typeface="Lucida Console"/>
+                <a:cs typeface="Lucida Console"/>
+              </a:rPr>
+              <a:t>:</a:t>
+            </a:r>
+          </a:p>
+          <a:p>
+            <a:pPr marL="457200" lvl="1" indent="0">
+              <a:buNone/>
+            </a:pPr>
+            <a:r>
+              <a:rPr lang="en-US" sz="800" dirty="0" smtClean="0">
+                <a:latin typeface="Lucida Console"/>
+                <a:cs typeface="Lucida Console"/>
+              </a:rPr>
+              <a:t>	continue</a:t>
+            </a:r>
+            <a:endParaRPr lang="en-US" sz="800" dirty="0">
+              <a:latin typeface="Lucida Console"/>
+              <a:cs typeface="Lucida Console"/>
+            </a:endParaRPr>
+          </a:p>
+          <a:p>
+            <a:pPr marL="457200" lvl="1" indent="0">
+              <a:buNone/>
+            </a:pPr>
+            <a:r>
+              <a:rPr lang="en-US" sz="800" dirty="0">
+                <a:latin typeface="Lucida Console"/>
+                <a:cs typeface="Lucida Console"/>
+              </a:rPr>
+              <a:t>    # this IF-switch only works because </a:t>
+            </a:r>
+            <a:r>
+              <a:rPr lang="en-US" sz="800" dirty="0" err="1">
+                <a:latin typeface="Lucida Console"/>
+                <a:cs typeface="Lucida Console"/>
+              </a:rPr>
+              <a:t>Hadoop</a:t>
+            </a:r>
+            <a:r>
+              <a:rPr lang="en-US" sz="800" dirty="0">
+                <a:latin typeface="Lucida Console"/>
+                <a:cs typeface="Lucida Console"/>
+              </a:rPr>
+              <a:t> sorts map </a:t>
+            </a:r>
+            <a:r>
+              <a:rPr lang="en-US" sz="800" dirty="0" smtClean="0">
+                <a:latin typeface="Lucida Console"/>
+                <a:cs typeface="Lucida Console"/>
+              </a:rPr>
+              <a:t>output by key</a:t>
+            </a:r>
+            <a:endParaRPr lang="en-US" sz="800" dirty="0">
+              <a:latin typeface="Lucida Console"/>
+              <a:cs typeface="Lucida Console"/>
+            </a:endParaRPr>
+          </a:p>
+          <a:p>
+            <a:pPr marL="457200" lvl="1" indent="0">
+              <a:buNone/>
+            </a:pPr>
+            <a:r>
+              <a:rPr lang="en-US" sz="800" dirty="0" smtClean="0">
+                <a:latin typeface="Lucida Console"/>
+                <a:cs typeface="Lucida Console"/>
+              </a:rPr>
+              <a:t>    if </a:t>
+            </a:r>
+            <a:r>
+              <a:rPr lang="en-US" sz="800" dirty="0" err="1">
+                <a:latin typeface="Lucida Console"/>
+                <a:cs typeface="Lucida Console"/>
+              </a:rPr>
+              <a:t>current_word</a:t>
+            </a:r>
+            <a:r>
+              <a:rPr lang="en-US" sz="800" dirty="0">
+                <a:latin typeface="Lucida Console"/>
+                <a:cs typeface="Lucida Console"/>
+              </a:rPr>
+              <a:t> == word:</a:t>
+            </a:r>
+          </a:p>
+          <a:p>
+            <a:pPr marL="457200" lvl="1" indent="0">
+              <a:buNone/>
+            </a:pPr>
+            <a:r>
+              <a:rPr lang="en-US" sz="800" dirty="0">
+                <a:latin typeface="Lucida Console"/>
+                <a:cs typeface="Lucida Console"/>
+              </a:rPr>
+              <a:t>        </a:t>
+            </a:r>
+            <a:r>
+              <a:rPr lang="en-US" sz="800" dirty="0" err="1">
+                <a:latin typeface="Lucida Console"/>
+                <a:cs typeface="Lucida Console"/>
+              </a:rPr>
+              <a:t>current_count</a:t>
+            </a:r>
+            <a:r>
+              <a:rPr lang="en-US" sz="800" dirty="0">
+                <a:latin typeface="Lucida Console"/>
+                <a:cs typeface="Lucida Console"/>
+              </a:rPr>
+              <a:t> += count</a:t>
+            </a:r>
+          </a:p>
+          <a:p>
+            <a:pPr marL="457200" lvl="1" indent="0">
+              <a:buNone/>
+            </a:pPr>
+            <a:r>
+              <a:rPr lang="en-US" sz="800" dirty="0">
+                <a:latin typeface="Lucida Console"/>
+                <a:cs typeface="Lucida Console"/>
+              </a:rPr>
+              <a:t>    else:</a:t>
+            </a:r>
+          </a:p>
+          <a:p>
+            <a:pPr marL="457200" lvl="1" indent="0">
+              <a:buNone/>
+            </a:pPr>
+            <a:r>
+              <a:rPr lang="en-US" sz="800" dirty="0">
+                <a:latin typeface="Lucida Console"/>
+                <a:cs typeface="Lucida Console"/>
+              </a:rPr>
+              <a:t>        if </a:t>
+            </a:r>
+            <a:r>
+              <a:rPr lang="en-US" sz="800" dirty="0" err="1">
+                <a:latin typeface="Lucida Console"/>
+                <a:cs typeface="Lucida Console"/>
+              </a:rPr>
+              <a:t>current_word</a:t>
+            </a:r>
+            <a:r>
+              <a:rPr lang="en-US" sz="800" dirty="0">
+                <a:latin typeface="Lucida Console"/>
+                <a:cs typeface="Lucida Console"/>
+              </a:rPr>
+              <a:t>:</a:t>
+            </a:r>
+          </a:p>
+          <a:p>
+            <a:pPr marL="457200" lvl="1" indent="0">
+              <a:buNone/>
+            </a:pPr>
+            <a:r>
+              <a:rPr lang="en-US" sz="800" dirty="0">
+                <a:latin typeface="Lucida Console"/>
+                <a:cs typeface="Lucida Console"/>
+              </a:rPr>
+              <a:t>            # write result to STDOUT</a:t>
+            </a:r>
+          </a:p>
+          <a:p>
+            <a:pPr marL="457200" lvl="1" indent="0">
+              <a:buNone/>
+            </a:pPr>
+            <a:r>
+              <a:rPr lang="en-US" sz="800" dirty="0">
+                <a:latin typeface="Lucida Console"/>
+                <a:cs typeface="Lucida Console"/>
+              </a:rPr>
+              <a:t>            print '%s\</a:t>
+            </a:r>
+            <a:r>
+              <a:rPr lang="en-US" sz="800" dirty="0" err="1">
+                <a:latin typeface="Lucida Console"/>
+                <a:cs typeface="Lucida Console"/>
+              </a:rPr>
+              <a:t>t%s</a:t>
+            </a:r>
+            <a:r>
+              <a:rPr lang="en-US" sz="800" dirty="0">
+                <a:latin typeface="Lucida Console"/>
+                <a:cs typeface="Lucida Console"/>
+              </a:rPr>
+              <a:t>' % (</a:t>
+            </a:r>
+            <a:r>
+              <a:rPr lang="en-US" sz="800" dirty="0" err="1">
+                <a:latin typeface="Lucida Console"/>
+                <a:cs typeface="Lucida Console"/>
+              </a:rPr>
+              <a:t>current_word</a:t>
+            </a:r>
+            <a:r>
+              <a:rPr lang="en-US" sz="800" dirty="0">
+                <a:latin typeface="Lucida Console"/>
+                <a:cs typeface="Lucida Console"/>
+              </a:rPr>
+              <a:t>, </a:t>
+            </a:r>
+            <a:r>
+              <a:rPr lang="en-US" sz="800" dirty="0" err="1">
+                <a:latin typeface="Lucida Console"/>
+                <a:cs typeface="Lucida Console"/>
+              </a:rPr>
+              <a:t>current_count</a:t>
+            </a:r>
+            <a:r>
+              <a:rPr lang="en-US" sz="800" dirty="0">
+                <a:latin typeface="Lucida Console"/>
+                <a:cs typeface="Lucida Console"/>
+              </a:rPr>
+              <a:t>)</a:t>
+            </a:r>
+          </a:p>
+          <a:p>
+            <a:pPr marL="457200" lvl="1" indent="0">
+              <a:buNone/>
+            </a:pPr>
+            <a:r>
+              <a:rPr lang="en-US" sz="800" dirty="0">
+                <a:latin typeface="Lucida Console"/>
+                <a:cs typeface="Lucida Console"/>
+              </a:rPr>
+              <a:t>        </a:t>
+            </a:r>
+            <a:r>
+              <a:rPr lang="en-US" sz="800" dirty="0" err="1">
+                <a:latin typeface="Lucida Console"/>
+                <a:cs typeface="Lucida Console"/>
+              </a:rPr>
+              <a:t>current_count</a:t>
+            </a:r>
+            <a:r>
+              <a:rPr lang="en-US" sz="800" dirty="0">
+                <a:latin typeface="Lucida Console"/>
+                <a:cs typeface="Lucida Console"/>
+              </a:rPr>
+              <a:t> = count</a:t>
+            </a:r>
+          </a:p>
+          <a:p>
+            <a:pPr marL="457200" lvl="1" indent="0">
+              <a:buNone/>
+            </a:pPr>
+            <a:r>
+              <a:rPr lang="en-US" sz="800" dirty="0">
+                <a:latin typeface="Lucida Console"/>
+                <a:cs typeface="Lucida Console"/>
+              </a:rPr>
+              <a:t>        </a:t>
+            </a:r>
+            <a:r>
+              <a:rPr lang="en-US" sz="800" dirty="0" err="1">
+                <a:latin typeface="Lucida Console"/>
+                <a:cs typeface="Lucida Console"/>
+              </a:rPr>
+              <a:t>current_word</a:t>
+            </a:r>
+            <a:r>
+              <a:rPr lang="en-US" sz="800" dirty="0">
+                <a:latin typeface="Lucida Console"/>
+                <a:cs typeface="Lucida Console"/>
+              </a:rPr>
+              <a:t> = word</a:t>
+            </a:r>
+          </a:p>
+          <a:p>
+            <a:pPr marL="457200" lvl="1" indent="0">
+              <a:buNone/>
+            </a:pPr>
+            <a:endParaRPr lang="en-US" sz="800" dirty="0">
+              <a:latin typeface="Lucida Console"/>
+              <a:cs typeface="Lucida Console"/>
+            </a:endParaRPr>
+          </a:p>
+          <a:p>
+            <a:pPr marL="457200" lvl="1" indent="0">
+              <a:buNone/>
+            </a:pPr>
+            <a:r>
+              <a:rPr lang="en-US" sz="800" dirty="0">
+                <a:latin typeface="Lucida Console"/>
+                <a:cs typeface="Lucida Console"/>
+              </a:rPr>
+              <a:t># do not forget to output the last word if needed!</a:t>
+            </a:r>
+          </a:p>
+          <a:p>
+            <a:pPr marL="457200" lvl="1" indent="0">
+              <a:buNone/>
+            </a:pPr>
+            <a:r>
+              <a:rPr lang="en-US" sz="800" dirty="0">
+                <a:latin typeface="Lucida Console"/>
+                <a:cs typeface="Lucida Console"/>
+              </a:rPr>
+              <a:t>if </a:t>
+            </a:r>
+            <a:r>
+              <a:rPr lang="en-US" sz="800" dirty="0" err="1">
+                <a:latin typeface="Lucida Console"/>
+                <a:cs typeface="Lucida Console"/>
+              </a:rPr>
+              <a:t>current_word</a:t>
+            </a:r>
+            <a:r>
+              <a:rPr lang="en-US" sz="800" dirty="0">
+                <a:latin typeface="Lucida Console"/>
+                <a:cs typeface="Lucida Console"/>
+              </a:rPr>
+              <a:t> == word:</a:t>
+            </a:r>
+          </a:p>
+          <a:p>
+            <a:pPr marL="457200" lvl="1" indent="0">
+              <a:buNone/>
+            </a:pPr>
+            <a:r>
+              <a:rPr lang="en-US" sz="800" dirty="0">
+                <a:latin typeface="Lucida Console"/>
+                <a:cs typeface="Lucida Console"/>
+              </a:rPr>
+              <a:t>    print '%s\</a:t>
+            </a:r>
+            <a:r>
+              <a:rPr lang="en-US" sz="800" dirty="0" err="1">
+                <a:latin typeface="Lucida Console"/>
+                <a:cs typeface="Lucida Console"/>
+              </a:rPr>
+              <a:t>t%s</a:t>
+            </a:r>
+            <a:r>
+              <a:rPr lang="en-US" sz="800" dirty="0">
+                <a:latin typeface="Lucida Console"/>
+                <a:cs typeface="Lucida Console"/>
+              </a:rPr>
+              <a:t>' % (</a:t>
+            </a:r>
+            <a:r>
+              <a:rPr lang="en-US" sz="800" dirty="0" err="1">
+                <a:latin typeface="Lucida Console"/>
+                <a:cs typeface="Lucida Console"/>
+              </a:rPr>
+              <a:t>current_word</a:t>
+            </a:r>
+            <a:r>
+              <a:rPr lang="en-US" sz="800" dirty="0">
+                <a:latin typeface="Lucida Console"/>
+                <a:cs typeface="Lucida Console"/>
+              </a:rPr>
+              <a:t>, </a:t>
+            </a:r>
+            <a:r>
+              <a:rPr lang="en-US" sz="800" dirty="0" err="1">
+                <a:latin typeface="Lucida Console"/>
+                <a:cs typeface="Lucida Console"/>
+              </a:rPr>
+              <a:t>current_count</a:t>
+            </a:r>
+            <a:r>
+              <a:rPr lang="en-US" sz="800" dirty="0">
+                <a:latin typeface="Lucida Console"/>
+                <a:cs typeface="Lucida Console"/>
+              </a:rPr>
+              <a:t>)</a:t>
+            </a:r>
           </a:p>
         </p:txBody>
       </p:sp>
     </p:spTree>
     <p:extLst>
       <p:ext uri="{BB962C8B-B14F-4D97-AF65-F5344CB8AC3E}">
-        <p14:creationId xmlns:p14="http://schemas.microsoft.com/office/powerpoint/2010/main" val="1142095931"/>
+        <p14:creationId xmlns:p14="http://schemas.microsoft.com/office/powerpoint/2010/main" val="807094189"/>
       </p:ext>
     </p:extLst>
   </p:cSld>
@@ -9025,526 +9042,178 @@
         </p:nvSpPr>
         <p:spPr/>
         <p:txBody>
+          <a:bodyPr>
+            <a:normAutofit fontScale="90000"/>
+          </a:bodyPr>
+          <a:lstStyle/>
+          <a:p>
+            <a:r>
+              <a:rPr lang="en-US" dirty="0" smtClean="0"/>
+              <a:t>Executing this on a set of files</a:t>
+            </a:r>
+            <a:endParaRPr lang="en-US" dirty="0"/>
+          </a:p>
+        </p:txBody>
+      </p:sp>
+      <p:sp>
+        <p:nvSpPr>
+          <p:cNvPr id="3" name="Content Placeholder 2"/>
+          <p:cNvSpPr>
+            <a:spLocks noGrp="1"/>
+          </p:cNvSpPr>
+          <p:nvPr>
+            <p:ph idx="1"/>
+          </p:nvPr>
+        </p:nvSpPr>
+        <p:spPr/>
+        <p:txBody>
           <a:bodyPr/>
           <a:lstStyle/>
           <a:p>
-            <a:r>
-              <a:rPr lang="en-US" dirty="0" smtClean="0"/>
-              <a:t>Map Reduce in Java</a:t>
+            <a:pPr marL="0" indent="0">
+              <a:buNone/>
+            </a:pPr>
+            <a:r>
+              <a:rPr lang="en-US" dirty="0"/>
+              <a:t>y</a:t>
+            </a:r>
+            <a:r>
+              <a:rPr lang="en-US" dirty="0" smtClean="0"/>
+              <a:t>arn </a:t>
+            </a:r>
+            <a:br>
+              <a:rPr lang="en-US" dirty="0" smtClean="0"/>
+            </a:br>
+            <a:r>
+              <a:rPr lang="en-US" dirty="0" smtClean="0"/>
+              <a:t>jar </a:t>
+            </a:r>
+            <a:br>
+              <a:rPr lang="en-US" dirty="0" smtClean="0"/>
+            </a:br>
+            <a:r>
+              <a:rPr lang="en-US" dirty="0" smtClean="0"/>
+              <a:t>/</a:t>
+            </a:r>
+            <a:r>
+              <a:rPr lang="en-US" dirty="0" err="1"/>
+              <a:t>usr</a:t>
+            </a:r>
+            <a:r>
+              <a:rPr lang="en-US" dirty="0" smtClean="0"/>
+              <a:t>/</a:t>
+            </a:r>
+            <a:r>
+              <a:rPr lang="is-IS" dirty="0" smtClean="0"/>
+              <a:t>….</a:t>
+            </a:r>
+            <a:r>
+              <a:rPr lang="en-US" dirty="0" smtClean="0"/>
+              <a:t>/</a:t>
+            </a:r>
+            <a:r>
+              <a:rPr lang="en-US" dirty="0"/>
+              <a:t>lib/hadoop-streaming-2.7.1.jar </a:t>
+            </a:r>
+            <a:endParaRPr lang="en-US" dirty="0" smtClean="0"/>
+          </a:p>
+          <a:p>
+            <a:pPr marL="0" indent="0">
+              <a:buNone/>
+            </a:pPr>
+            <a:r>
+              <a:rPr lang="en-US" dirty="0" smtClean="0"/>
+              <a:t>-</a:t>
+            </a:r>
+            <a:r>
+              <a:rPr lang="en-US" dirty="0"/>
+              <a:t>input /user/</a:t>
+            </a:r>
+            <a:r>
+              <a:rPr lang="en-US" dirty="0" err="1"/>
+              <a:t>hduser</a:t>
+            </a:r>
+            <a:r>
+              <a:rPr lang="en-US" dirty="0" smtClean="0"/>
+              <a:t>/books </a:t>
+            </a:r>
+            <a:br>
+              <a:rPr lang="en-US" dirty="0" smtClean="0"/>
+            </a:br>
+            <a:r>
+              <a:rPr lang="en-US" dirty="0" smtClean="0"/>
+              <a:t>-</a:t>
+            </a:r>
+            <a:r>
+              <a:rPr lang="en-US" dirty="0"/>
+              <a:t>output /user/</a:t>
+            </a:r>
+            <a:r>
+              <a:rPr lang="en-US" dirty="0" err="1"/>
+              <a:t>hduser</a:t>
+            </a:r>
+            <a:r>
+              <a:rPr lang="en-US" dirty="0"/>
+              <a:t>/</a:t>
+            </a:r>
+            <a:r>
+              <a:rPr lang="en-US" dirty="0" smtClean="0"/>
+              <a:t>output </a:t>
+            </a:r>
+            <a:br>
+              <a:rPr lang="en-US" dirty="0" smtClean="0"/>
+            </a:br>
+            <a:r>
+              <a:rPr lang="en-US" dirty="0" smtClean="0"/>
+              <a:t>-</a:t>
+            </a:r>
+            <a:r>
+              <a:rPr lang="en-US" dirty="0"/>
+              <a:t>mapper .</a:t>
+            </a:r>
+            <a:r>
+              <a:rPr lang="en-US" dirty="0" smtClean="0"/>
+              <a:t>/</a:t>
+            </a:r>
+            <a:r>
+              <a:rPr lang="en-US" dirty="0" err="1" smtClean="0"/>
+              <a:t>mapper.py</a:t>
+            </a:r>
+            <a:r>
+              <a:rPr lang="en-US" dirty="0" smtClean="0"/>
+              <a:t> </a:t>
+            </a:r>
+            <a:br>
+              <a:rPr lang="en-US" dirty="0" smtClean="0"/>
+            </a:br>
+            <a:r>
+              <a:rPr lang="en-US" dirty="0" smtClean="0"/>
+              <a:t>-</a:t>
+            </a:r>
+            <a:r>
+              <a:rPr lang="en-US" dirty="0"/>
+              <a:t>reducer .</a:t>
+            </a:r>
+            <a:r>
+              <a:rPr lang="en-US" dirty="0" smtClean="0"/>
+              <a:t>/</a:t>
+            </a:r>
+            <a:r>
+              <a:rPr lang="en-US" dirty="0" err="1" smtClean="0"/>
+              <a:t>reducer.py</a:t>
+            </a:r>
+            <a:r>
+              <a:rPr lang="en-US" dirty="0" smtClean="0"/>
+              <a:t> </a:t>
             </a:r>
             <a:endParaRPr lang="en-US" dirty="0"/>
-          </a:p>
-        </p:txBody>
-      </p:sp>
-      <p:sp>
-        <p:nvSpPr>
-          <p:cNvPr id="3" name="Content Placeholder 2"/>
-          <p:cNvSpPr>
-            <a:spLocks noGrp="1"/>
-          </p:cNvSpPr>
-          <p:nvPr>
-            <p:ph idx="1"/>
-          </p:nvPr>
-        </p:nvSpPr>
-        <p:spPr/>
-        <p:txBody>
-          <a:bodyPr>
-            <a:normAutofit fontScale="55000" lnSpcReduction="20000"/>
-          </a:bodyPr>
-          <a:lstStyle/>
-          <a:p>
-            <a:pPr marL="0" indent="0">
-              <a:buNone/>
-            </a:pPr>
-            <a:r>
-              <a:rPr lang="en-US" dirty="0">
-                <a:latin typeface="Lucida Console"/>
-                <a:cs typeface="Lucida Console"/>
-              </a:rPr>
-              <a:t> public static void main(String[] </a:t>
-            </a:r>
-            <a:r>
-              <a:rPr lang="en-US" dirty="0" err="1">
-                <a:latin typeface="Lucida Console"/>
-                <a:cs typeface="Lucida Console"/>
-              </a:rPr>
-              <a:t>args</a:t>
-            </a:r>
-            <a:r>
-              <a:rPr lang="en-US" dirty="0">
-                <a:latin typeface="Lucida Console"/>
-                <a:cs typeface="Lucida Console"/>
-              </a:rPr>
-              <a:t>) throws Exception {</a:t>
-            </a:r>
-          </a:p>
-          <a:p>
-            <a:pPr marL="0" indent="0">
-              <a:buNone/>
-            </a:pPr>
-            <a:r>
-              <a:rPr lang="en-US" dirty="0">
-                <a:latin typeface="Lucida Console"/>
-                <a:cs typeface="Lucida Console"/>
-              </a:rPr>
-              <a:t>    Configuration </a:t>
-            </a:r>
-            <a:r>
-              <a:rPr lang="en-US" dirty="0" err="1">
-                <a:latin typeface="Lucida Console"/>
-                <a:cs typeface="Lucida Console"/>
-              </a:rPr>
-              <a:t>conf</a:t>
-            </a:r>
-            <a:r>
-              <a:rPr lang="en-US" dirty="0">
-                <a:latin typeface="Lucida Console"/>
-                <a:cs typeface="Lucida Console"/>
-              </a:rPr>
-              <a:t> = new Configuration();</a:t>
-            </a:r>
-          </a:p>
-          <a:p>
-            <a:pPr marL="0" indent="0">
-              <a:buNone/>
-            </a:pPr>
-            <a:r>
-              <a:rPr lang="en-US" dirty="0">
-                <a:latin typeface="Lucida Console"/>
-                <a:cs typeface="Lucida Console"/>
-              </a:rPr>
-              <a:t>    Job job = </a:t>
-            </a:r>
-            <a:r>
-              <a:rPr lang="en-US" dirty="0" err="1">
-                <a:latin typeface="Lucida Console"/>
-                <a:cs typeface="Lucida Console"/>
-              </a:rPr>
-              <a:t>Job.getInstance</a:t>
-            </a:r>
-            <a:r>
-              <a:rPr lang="en-US" dirty="0">
-                <a:latin typeface="Lucida Console"/>
-                <a:cs typeface="Lucida Console"/>
-              </a:rPr>
-              <a:t>(</a:t>
-            </a:r>
-            <a:r>
-              <a:rPr lang="en-US" dirty="0" err="1">
-                <a:latin typeface="Lucida Console"/>
-                <a:cs typeface="Lucida Console"/>
-              </a:rPr>
-              <a:t>conf</a:t>
-            </a:r>
-            <a:r>
-              <a:rPr lang="en-US" dirty="0">
-                <a:latin typeface="Lucida Console"/>
-                <a:cs typeface="Lucida Console"/>
-              </a:rPr>
-              <a:t>, "word count");</a:t>
-            </a:r>
-          </a:p>
-          <a:p>
-            <a:pPr marL="0" indent="0">
-              <a:buNone/>
-            </a:pPr>
-            <a:r>
-              <a:rPr lang="en-US" dirty="0">
-                <a:latin typeface="Lucida Console"/>
-                <a:cs typeface="Lucida Console"/>
-              </a:rPr>
-              <a:t>    </a:t>
-            </a:r>
-            <a:r>
-              <a:rPr lang="en-US" dirty="0" err="1">
-                <a:latin typeface="Lucida Console"/>
-                <a:cs typeface="Lucida Console"/>
-              </a:rPr>
-              <a:t>job.setJarByClass</a:t>
-            </a:r>
-            <a:r>
-              <a:rPr lang="en-US" dirty="0">
-                <a:latin typeface="Lucida Console"/>
-                <a:cs typeface="Lucida Console"/>
-              </a:rPr>
-              <a:t>(</a:t>
-            </a:r>
-            <a:r>
-              <a:rPr lang="en-US" dirty="0" err="1">
-                <a:latin typeface="Lucida Console"/>
-                <a:cs typeface="Lucida Console"/>
-              </a:rPr>
-              <a:t>WordCount.class</a:t>
-            </a:r>
-            <a:r>
-              <a:rPr lang="en-US" dirty="0">
-                <a:latin typeface="Lucida Console"/>
-                <a:cs typeface="Lucida Console"/>
-              </a:rPr>
-              <a:t>);</a:t>
-            </a:r>
-          </a:p>
-          <a:p>
-            <a:pPr marL="0" indent="0">
-              <a:buNone/>
-            </a:pPr>
-            <a:r>
-              <a:rPr lang="en-US" dirty="0">
-                <a:latin typeface="Lucida Console"/>
-                <a:cs typeface="Lucida Console"/>
-              </a:rPr>
-              <a:t>    </a:t>
-            </a:r>
-            <a:r>
-              <a:rPr lang="en-US" dirty="0" err="1">
-                <a:latin typeface="Lucida Console"/>
-                <a:cs typeface="Lucida Console"/>
-              </a:rPr>
-              <a:t>job.setMapperClass</a:t>
-            </a:r>
-            <a:r>
-              <a:rPr lang="en-US" dirty="0">
-                <a:latin typeface="Lucida Console"/>
-                <a:cs typeface="Lucida Console"/>
-              </a:rPr>
-              <a:t>(</a:t>
-            </a:r>
-            <a:r>
-              <a:rPr lang="en-US" dirty="0" err="1">
-                <a:latin typeface="Lucida Console"/>
-                <a:cs typeface="Lucida Console"/>
-              </a:rPr>
-              <a:t>TokenizerMapper.class</a:t>
-            </a:r>
-            <a:r>
-              <a:rPr lang="en-US" dirty="0">
-                <a:latin typeface="Lucida Console"/>
-                <a:cs typeface="Lucida Console"/>
-              </a:rPr>
-              <a:t>);</a:t>
-            </a:r>
-          </a:p>
-          <a:p>
-            <a:pPr marL="0" indent="0">
-              <a:buNone/>
-            </a:pPr>
-            <a:r>
-              <a:rPr lang="en-US" dirty="0">
-                <a:latin typeface="Lucida Console"/>
-                <a:cs typeface="Lucida Console"/>
-              </a:rPr>
-              <a:t>    </a:t>
-            </a:r>
-            <a:r>
-              <a:rPr lang="en-US" dirty="0" err="1">
-                <a:latin typeface="Lucida Console"/>
-                <a:cs typeface="Lucida Console"/>
-              </a:rPr>
-              <a:t>job.setCombinerClass</a:t>
-            </a:r>
-            <a:r>
-              <a:rPr lang="en-US" dirty="0">
-                <a:latin typeface="Lucida Console"/>
-                <a:cs typeface="Lucida Console"/>
-              </a:rPr>
-              <a:t>(</a:t>
-            </a:r>
-            <a:r>
-              <a:rPr lang="en-US" dirty="0" err="1">
-                <a:latin typeface="Lucida Console"/>
-                <a:cs typeface="Lucida Console"/>
-              </a:rPr>
-              <a:t>IntSumReducer.class</a:t>
-            </a:r>
-            <a:r>
-              <a:rPr lang="en-US" dirty="0">
-                <a:latin typeface="Lucida Console"/>
-                <a:cs typeface="Lucida Console"/>
-              </a:rPr>
-              <a:t>);</a:t>
-            </a:r>
-          </a:p>
-          <a:p>
-            <a:pPr marL="0" indent="0">
-              <a:buNone/>
-            </a:pPr>
-            <a:r>
-              <a:rPr lang="en-US" dirty="0">
-                <a:latin typeface="Lucida Console"/>
-                <a:cs typeface="Lucida Console"/>
-              </a:rPr>
-              <a:t>    </a:t>
-            </a:r>
-            <a:r>
-              <a:rPr lang="en-US" dirty="0" err="1">
-                <a:latin typeface="Lucida Console"/>
-                <a:cs typeface="Lucida Console"/>
-              </a:rPr>
-              <a:t>job.setReducerClass</a:t>
-            </a:r>
-            <a:r>
-              <a:rPr lang="en-US" dirty="0">
-                <a:latin typeface="Lucida Console"/>
-                <a:cs typeface="Lucida Console"/>
-              </a:rPr>
-              <a:t>(</a:t>
-            </a:r>
-            <a:r>
-              <a:rPr lang="en-US" dirty="0" err="1">
-                <a:latin typeface="Lucida Console"/>
-                <a:cs typeface="Lucida Console"/>
-              </a:rPr>
-              <a:t>IntSumReducer.class</a:t>
-            </a:r>
-            <a:r>
-              <a:rPr lang="en-US" dirty="0">
-                <a:latin typeface="Lucida Console"/>
-                <a:cs typeface="Lucida Console"/>
-              </a:rPr>
-              <a:t>);</a:t>
-            </a:r>
-          </a:p>
-          <a:p>
-            <a:pPr marL="0" indent="0">
-              <a:buNone/>
-            </a:pPr>
-            <a:r>
-              <a:rPr lang="en-US" dirty="0">
-                <a:latin typeface="Lucida Console"/>
-                <a:cs typeface="Lucida Console"/>
-              </a:rPr>
-              <a:t>    </a:t>
-            </a:r>
-            <a:r>
-              <a:rPr lang="en-US" dirty="0" err="1">
-                <a:latin typeface="Lucida Console"/>
-                <a:cs typeface="Lucida Console"/>
-              </a:rPr>
-              <a:t>job.setOutputKeyClass</a:t>
-            </a:r>
-            <a:r>
-              <a:rPr lang="en-US" dirty="0">
-                <a:latin typeface="Lucida Console"/>
-                <a:cs typeface="Lucida Console"/>
-              </a:rPr>
-              <a:t>(</a:t>
-            </a:r>
-            <a:r>
-              <a:rPr lang="en-US" dirty="0" err="1">
-                <a:latin typeface="Lucida Console"/>
-                <a:cs typeface="Lucida Console"/>
-              </a:rPr>
-              <a:t>Text.class</a:t>
-            </a:r>
-            <a:r>
-              <a:rPr lang="en-US" dirty="0">
-                <a:latin typeface="Lucida Console"/>
-                <a:cs typeface="Lucida Console"/>
-              </a:rPr>
-              <a:t>);</a:t>
-            </a:r>
-          </a:p>
-          <a:p>
-            <a:pPr marL="0" indent="0">
-              <a:buNone/>
-            </a:pPr>
-            <a:r>
-              <a:rPr lang="en-US" dirty="0">
-                <a:latin typeface="Lucida Console"/>
-                <a:cs typeface="Lucida Console"/>
-              </a:rPr>
-              <a:t>    </a:t>
-            </a:r>
-            <a:r>
-              <a:rPr lang="en-US" dirty="0" err="1">
-                <a:latin typeface="Lucida Console"/>
-                <a:cs typeface="Lucida Console"/>
-              </a:rPr>
-              <a:t>job.setOutputValueClass</a:t>
-            </a:r>
-            <a:r>
-              <a:rPr lang="en-US" dirty="0">
-                <a:latin typeface="Lucida Console"/>
-                <a:cs typeface="Lucida Console"/>
-              </a:rPr>
-              <a:t>(</a:t>
-            </a:r>
-            <a:r>
-              <a:rPr lang="en-US" dirty="0" err="1">
-                <a:latin typeface="Lucida Console"/>
-                <a:cs typeface="Lucida Console"/>
-              </a:rPr>
-              <a:t>IntWritable.class</a:t>
-            </a:r>
-            <a:r>
-              <a:rPr lang="en-US" dirty="0">
-                <a:latin typeface="Lucida Console"/>
-                <a:cs typeface="Lucida Console"/>
-              </a:rPr>
-              <a:t>);</a:t>
-            </a:r>
-          </a:p>
-          <a:p>
-            <a:pPr marL="0" indent="0">
-              <a:buNone/>
-            </a:pPr>
-            <a:r>
-              <a:rPr lang="en-US" dirty="0">
-                <a:latin typeface="Lucida Console"/>
-                <a:cs typeface="Lucida Console"/>
-              </a:rPr>
-              <a:t>    </a:t>
-            </a:r>
-            <a:r>
-              <a:rPr lang="en-US" dirty="0" err="1">
-                <a:latin typeface="Lucida Console"/>
-                <a:cs typeface="Lucida Console"/>
-              </a:rPr>
-              <a:t>FileInputFormat.addInputPath</a:t>
-            </a:r>
-            <a:r>
-              <a:rPr lang="en-US" dirty="0">
-                <a:latin typeface="Lucida Console"/>
-                <a:cs typeface="Lucida Console"/>
-              </a:rPr>
-              <a:t>(job, new Path(</a:t>
-            </a:r>
-            <a:r>
-              <a:rPr lang="en-US" dirty="0" err="1">
-                <a:latin typeface="Lucida Console"/>
-                <a:cs typeface="Lucida Console"/>
-              </a:rPr>
-              <a:t>args</a:t>
-            </a:r>
-            <a:r>
-              <a:rPr lang="en-US" dirty="0">
-                <a:latin typeface="Lucida Console"/>
-                <a:cs typeface="Lucida Console"/>
-              </a:rPr>
-              <a:t>[0]));</a:t>
-            </a:r>
-          </a:p>
-          <a:p>
-            <a:pPr marL="0" indent="0">
-              <a:buNone/>
-            </a:pPr>
-            <a:r>
-              <a:rPr lang="en-US" dirty="0">
-                <a:latin typeface="Lucida Console"/>
-                <a:cs typeface="Lucida Console"/>
-              </a:rPr>
-              <a:t>    </a:t>
-            </a:r>
-            <a:r>
-              <a:rPr lang="en-US" dirty="0" err="1">
-                <a:latin typeface="Lucida Console"/>
-                <a:cs typeface="Lucida Console"/>
-              </a:rPr>
-              <a:t>FileOutputFormat.setOutputPath</a:t>
-            </a:r>
-            <a:r>
-              <a:rPr lang="en-US" dirty="0">
-                <a:latin typeface="Lucida Console"/>
-                <a:cs typeface="Lucida Console"/>
-              </a:rPr>
-              <a:t>(job, </a:t>
-            </a:r>
-            <a:r>
-              <a:rPr lang="en-US" sz="2900" dirty="0">
-                <a:latin typeface="Lucida Console"/>
-                <a:cs typeface="Lucida Console"/>
-              </a:rPr>
-              <a:t>new Path(</a:t>
-            </a:r>
-            <a:r>
-              <a:rPr lang="en-US" sz="2900" dirty="0" err="1">
-                <a:latin typeface="Lucida Console"/>
-                <a:cs typeface="Lucida Console"/>
-              </a:rPr>
-              <a:t>args</a:t>
-            </a:r>
-            <a:r>
-              <a:rPr lang="en-US" sz="2900" dirty="0">
-                <a:latin typeface="Lucida Console"/>
-                <a:cs typeface="Lucida Console"/>
-              </a:rPr>
-              <a:t>[1]));</a:t>
-            </a:r>
-            <a:endParaRPr lang="en-US" dirty="0">
-              <a:latin typeface="Lucida Console"/>
-              <a:cs typeface="Lucida Console"/>
-            </a:endParaRPr>
-          </a:p>
-          <a:p>
-            <a:pPr marL="0" indent="0">
-              <a:buNone/>
-            </a:pPr>
-            <a:r>
-              <a:rPr lang="en-US" dirty="0">
-                <a:latin typeface="Lucida Console"/>
-                <a:cs typeface="Lucida Console"/>
-              </a:rPr>
-              <a:t>    </a:t>
-            </a:r>
-            <a:r>
-              <a:rPr lang="en-US" dirty="0" err="1">
-                <a:latin typeface="Lucida Console"/>
-                <a:cs typeface="Lucida Console"/>
-              </a:rPr>
-              <a:t>System.exit</a:t>
-            </a:r>
-            <a:r>
-              <a:rPr lang="en-US" dirty="0">
-                <a:latin typeface="Lucida Console"/>
-                <a:cs typeface="Lucida Console"/>
-              </a:rPr>
-              <a:t>(</a:t>
-            </a:r>
-            <a:r>
-              <a:rPr lang="en-US" dirty="0" err="1">
-                <a:latin typeface="Lucida Console"/>
-                <a:cs typeface="Lucida Console"/>
-              </a:rPr>
-              <a:t>job.waitForCompletion</a:t>
-            </a:r>
-            <a:r>
-              <a:rPr lang="en-US" dirty="0">
-                <a:latin typeface="Lucida Console"/>
-                <a:cs typeface="Lucida Console"/>
-              </a:rPr>
-              <a:t>(true) ? 0 : 1);</a:t>
-            </a:r>
-          </a:p>
-          <a:p>
-            <a:pPr marL="0" indent="0">
-              <a:buNone/>
-            </a:pPr>
-            <a:r>
-              <a:rPr lang="en-US" dirty="0">
-                <a:latin typeface="Lucida Console"/>
-                <a:cs typeface="Lucida Console"/>
-              </a:rPr>
-              <a:t>  }</a:t>
-            </a:r>
-          </a:p>
-          <a:p>
-            <a:pPr marL="0" indent="0">
-              <a:buNone/>
-            </a:pPr>
-            <a:r>
-              <a:rPr lang="en-US" dirty="0">
-                <a:latin typeface="Lucida Console"/>
-                <a:cs typeface="Lucida Console"/>
-              </a:rPr>
-              <a:t>}</a:t>
-            </a:r>
           </a:p>
         </p:txBody>
       </p:sp>
     </p:spTree>
     <p:extLst>
       <p:ext uri="{BB962C8B-B14F-4D97-AF65-F5344CB8AC3E}">
-        <p14:creationId xmlns:p14="http://schemas.microsoft.com/office/powerpoint/2010/main" val="3524617766"/>
+        <p14:creationId xmlns:p14="http://schemas.microsoft.com/office/powerpoint/2010/main" val="3540159546"/>
       </p:ext>
     </p:extLst>
   </p:cSld>
@@ -9588,11 +9257,7 @@
           <a:p>
             <a:r>
               <a:rPr lang="en-US" dirty="0" smtClean="0"/>
-              <a:t>Map Reduce in Java </a:t>
-            </a:r>
-            <a:r>
-              <a:rPr lang="en-US" dirty="0" err="1" smtClean="0"/>
-              <a:t>cont</a:t>
+              <a:t>Efficiency</a:t>
             </a:r>
             <a:endParaRPr lang="en-US" dirty="0"/>
           </a:p>
@@ -9613,117 +9278,25 @@
           <a:bodyPr/>
           <a:lstStyle/>
           <a:p>
-            <a:pPr marL="0" indent="0">
-              <a:buNone/>
-            </a:pPr>
-            <a:r>
-              <a:rPr lang="en-US" dirty="0"/>
-              <a:t>$ </a:t>
-            </a:r>
-            <a:r>
-              <a:rPr lang="en-US" dirty="0" smtClean="0"/>
-              <a:t>yarn jar </a:t>
-            </a:r>
-            <a:r>
-              <a:rPr lang="en-US" dirty="0" err="1"/>
-              <a:t>wc.jar</a:t>
-            </a:r>
-            <a:r>
-              <a:rPr lang="en-US" dirty="0"/>
-              <a:t> </a:t>
-            </a:r>
-            <a:endParaRPr lang="en-US" dirty="0" smtClean="0"/>
-          </a:p>
-          <a:p>
-            <a:pPr marL="0" indent="0">
-              <a:buNone/>
-            </a:pPr>
-            <a:r>
-              <a:rPr lang="en-US" dirty="0"/>
-              <a:t>	</a:t>
-            </a:r>
-            <a:r>
-              <a:rPr lang="en-US" dirty="0" err="1" smtClean="0"/>
-              <a:t>WordCount</a:t>
-            </a:r>
-            <a:r>
-              <a:rPr lang="en-US" dirty="0" smtClean="0"/>
-              <a:t> </a:t>
-            </a:r>
-          </a:p>
-          <a:p>
-            <a:pPr marL="0" indent="0">
-              <a:buNone/>
-            </a:pPr>
-            <a:r>
-              <a:rPr lang="en-US" dirty="0"/>
-              <a:t>	</a:t>
-            </a:r>
-            <a:r>
-              <a:rPr lang="en-US" dirty="0" smtClean="0"/>
-              <a:t>/</a:t>
-            </a:r>
-            <a:r>
-              <a:rPr lang="en-US" dirty="0"/>
-              <a:t>user/</a:t>
-            </a:r>
-            <a:r>
-              <a:rPr lang="en-US" dirty="0" err="1"/>
-              <a:t>joe</a:t>
-            </a:r>
-            <a:r>
-              <a:rPr lang="en-US" dirty="0"/>
-              <a:t>/</a:t>
-            </a:r>
-            <a:r>
-              <a:rPr lang="en-US" dirty="0" err="1"/>
-              <a:t>wordcount</a:t>
-            </a:r>
-            <a:r>
-              <a:rPr lang="en-US" dirty="0"/>
-              <a:t>/input </a:t>
-            </a:r>
-            <a:endParaRPr lang="en-US" dirty="0" smtClean="0"/>
-          </a:p>
-          <a:p>
-            <a:pPr marL="0" indent="0">
-              <a:buNone/>
-            </a:pPr>
-            <a:r>
-              <a:rPr lang="en-US" dirty="0"/>
-              <a:t>	</a:t>
-            </a:r>
-            <a:r>
-              <a:rPr lang="en-US" dirty="0" smtClean="0"/>
-              <a:t>/</a:t>
-            </a:r>
-            <a:r>
-              <a:rPr lang="en-US" dirty="0"/>
-              <a:t>user/</a:t>
-            </a:r>
-            <a:r>
-              <a:rPr lang="en-US" dirty="0" err="1"/>
-              <a:t>joe</a:t>
-            </a:r>
-            <a:r>
-              <a:rPr lang="en-US" dirty="0"/>
-              <a:t>/</a:t>
-            </a:r>
-            <a:r>
-              <a:rPr lang="en-US" dirty="0" err="1"/>
-              <a:t>wordcount</a:t>
-            </a:r>
-            <a:r>
-              <a:rPr lang="en-US" dirty="0"/>
-              <a:t>/output</a:t>
-            </a:r>
+            <a:r>
+              <a:rPr lang="en-US" dirty="0" smtClean="0"/>
+              <a:t>Please note this is not the most efficient way of coding Python</a:t>
+            </a:r>
+          </a:p>
+          <a:p>
+            <a:pPr lvl="1"/>
+            <a:r>
+              <a:rPr lang="en-US" dirty="0" smtClean="0"/>
+              <a:t>But the simplest and easiest to explain</a:t>
+            </a:r>
+            <a:endParaRPr lang="en-US" dirty="0"/>
           </a:p>
         </p:txBody>
       </p:sp>
     </p:spTree>
     <p:extLst>
       <p:ext uri="{BB962C8B-B14F-4D97-AF65-F5344CB8AC3E}">
-        <p14:creationId xmlns:p14="http://schemas.microsoft.com/office/powerpoint/2010/main" val="2269781301"/>
+        <p14:creationId xmlns:p14="http://schemas.microsoft.com/office/powerpoint/2010/main" val="1142095931"/>
       </p:ext>
     </p:extLst>
   </p:cSld>
@@ -9767,6 +9340,743 @@
           <a:p>
             <a:r>
               <a:rPr lang="en-US" dirty="0" smtClean="0"/>
+              <a:t>Map Reduce in Java</a:t>
+            </a:r>
+            <a:endParaRPr lang="en-US" dirty="0"/>
+          </a:p>
+        </p:txBody>
+      </p:sp>
+      <p:sp>
+        <p:nvSpPr>
+          <p:cNvPr id="3" name="Content Placeholder 2"/>
+          <p:cNvSpPr>
+            <a:spLocks noGrp="1"/>
+          </p:cNvSpPr>
+          <p:nvPr>
+            <p:ph idx="1"/>
+          </p:nvPr>
+        </p:nvSpPr>
+        <p:spPr/>
+        <p:txBody>
+          <a:bodyPr>
+            <a:normAutofit fontScale="55000" lnSpcReduction="20000"/>
+          </a:bodyPr>
+          <a:lstStyle/>
+          <a:p>
+            <a:pPr marL="0" indent="0">
+              <a:buNone/>
+            </a:pPr>
+            <a:r>
+              <a:rPr lang="en-US" dirty="0">
+                <a:latin typeface="Lucida Console"/>
+                <a:cs typeface="Lucida Console"/>
+              </a:rPr>
+              <a:t> public static void main(String[] </a:t>
+            </a:r>
+            <a:r>
+              <a:rPr lang="en-US" dirty="0" err="1">
+                <a:latin typeface="Lucida Console"/>
+                <a:cs typeface="Lucida Console"/>
+              </a:rPr>
+              <a:t>args</a:t>
+            </a:r>
+            <a:r>
+              <a:rPr lang="en-US" dirty="0">
+                <a:latin typeface="Lucida Console"/>
+                <a:cs typeface="Lucida Console"/>
+              </a:rPr>
+              <a:t>) throws Exception {</a:t>
+            </a:r>
+          </a:p>
+          <a:p>
+            <a:pPr marL="0" indent="0">
+              <a:buNone/>
+            </a:pPr>
+            <a:r>
+              <a:rPr lang="en-US" dirty="0">
+                <a:latin typeface="Lucida Console"/>
+                <a:cs typeface="Lucida Console"/>
+              </a:rPr>
+              <a:t>    Configuration </a:t>
+            </a:r>
+            <a:r>
+              <a:rPr lang="en-US" dirty="0" err="1">
+                <a:latin typeface="Lucida Console"/>
+                <a:cs typeface="Lucida Console"/>
+              </a:rPr>
+              <a:t>conf</a:t>
+            </a:r>
+            <a:r>
+              <a:rPr lang="en-US" dirty="0">
+                <a:latin typeface="Lucida Console"/>
+                <a:cs typeface="Lucida Console"/>
+              </a:rPr>
+              <a:t> = new Configuration();</a:t>
+            </a:r>
+          </a:p>
+          <a:p>
+            <a:pPr marL="0" indent="0">
+              <a:buNone/>
+            </a:pPr>
+            <a:r>
+              <a:rPr lang="en-US" dirty="0">
+                <a:latin typeface="Lucida Console"/>
+                <a:cs typeface="Lucida Console"/>
+              </a:rPr>
+              <a:t>    Job job = </a:t>
+            </a:r>
+            <a:r>
+              <a:rPr lang="en-US" dirty="0" err="1">
+                <a:latin typeface="Lucida Console"/>
+                <a:cs typeface="Lucida Console"/>
+              </a:rPr>
+              <a:t>Job.getInstance</a:t>
+            </a:r>
+            <a:r>
+              <a:rPr lang="en-US" dirty="0">
+                <a:latin typeface="Lucida Console"/>
+                <a:cs typeface="Lucida Console"/>
+              </a:rPr>
+              <a:t>(</a:t>
+            </a:r>
+            <a:r>
+              <a:rPr lang="en-US" dirty="0" err="1">
+                <a:latin typeface="Lucida Console"/>
+                <a:cs typeface="Lucida Console"/>
+              </a:rPr>
+              <a:t>conf</a:t>
+            </a:r>
+            <a:r>
+              <a:rPr lang="en-US" dirty="0">
+                <a:latin typeface="Lucida Console"/>
+                <a:cs typeface="Lucida Console"/>
+              </a:rPr>
+              <a:t>, "word count");</a:t>
+            </a:r>
+          </a:p>
+          <a:p>
+            <a:pPr marL="0" indent="0">
+              <a:buNone/>
+            </a:pPr>
+            <a:r>
+              <a:rPr lang="en-US" dirty="0">
+                <a:latin typeface="Lucida Console"/>
+                <a:cs typeface="Lucida Console"/>
+              </a:rPr>
+              <a:t>    </a:t>
+            </a:r>
+            <a:r>
+              <a:rPr lang="en-US" dirty="0" err="1">
+                <a:latin typeface="Lucida Console"/>
+                <a:cs typeface="Lucida Console"/>
+              </a:rPr>
+              <a:t>job.setJarByClass</a:t>
+            </a:r>
+            <a:r>
+              <a:rPr lang="en-US" dirty="0">
+                <a:latin typeface="Lucida Console"/>
+                <a:cs typeface="Lucida Console"/>
+              </a:rPr>
+              <a:t>(</a:t>
+            </a:r>
+            <a:r>
+              <a:rPr lang="en-US" dirty="0" err="1">
+                <a:latin typeface="Lucida Console"/>
+                <a:cs typeface="Lucida Console"/>
+              </a:rPr>
+              <a:t>WordCount.class</a:t>
+            </a:r>
+            <a:r>
+              <a:rPr lang="en-US" dirty="0">
+                <a:latin typeface="Lucida Console"/>
+                <a:cs typeface="Lucida Console"/>
+              </a:rPr>
+              <a:t>);</a:t>
+            </a:r>
+          </a:p>
+          <a:p>
+            <a:pPr marL="0" indent="0">
+              <a:buNone/>
+            </a:pPr>
+            <a:r>
+              <a:rPr lang="en-US" dirty="0">
+                <a:latin typeface="Lucida Console"/>
+                <a:cs typeface="Lucida Console"/>
+              </a:rPr>
+              <a:t>    </a:t>
+            </a:r>
+            <a:r>
+              <a:rPr lang="en-US" dirty="0" err="1">
+                <a:latin typeface="Lucida Console"/>
+                <a:cs typeface="Lucida Console"/>
+              </a:rPr>
+              <a:t>job.setMapperClass</a:t>
+            </a:r>
+            <a:r>
+              <a:rPr lang="en-US" dirty="0">
+                <a:latin typeface="Lucida Console"/>
+                <a:cs typeface="Lucida Console"/>
+              </a:rPr>
+              <a:t>(</a:t>
+            </a:r>
+            <a:r>
+              <a:rPr lang="en-US" dirty="0" err="1">
+                <a:latin typeface="Lucida Console"/>
+                <a:cs typeface="Lucida Console"/>
+              </a:rPr>
+              <a:t>TokenizerMapper.class</a:t>
+            </a:r>
+            <a:r>
+              <a:rPr lang="en-US" dirty="0">
+                <a:latin typeface="Lucida Console"/>
+                <a:cs typeface="Lucida Console"/>
+              </a:rPr>
+              <a:t>);</a:t>
+            </a:r>
+          </a:p>
+          <a:p>
+            <a:pPr marL="0" indent="0">
+              <a:buNone/>
+            </a:pPr>
+            <a:r>
+              <a:rPr lang="en-US" dirty="0">
+                <a:latin typeface="Lucida Console"/>
+                <a:cs typeface="Lucida Console"/>
+              </a:rPr>
+              <a:t>    </a:t>
+            </a:r>
+            <a:r>
+              <a:rPr lang="en-US" dirty="0" err="1">
+                <a:latin typeface="Lucida Console"/>
+                <a:cs typeface="Lucida Console"/>
+              </a:rPr>
+              <a:t>job.setCombinerClass</a:t>
+            </a:r>
+            <a:r>
+              <a:rPr lang="en-US" dirty="0">
+                <a:latin typeface="Lucida Console"/>
+                <a:cs typeface="Lucida Console"/>
+              </a:rPr>
+              <a:t>(</a:t>
+            </a:r>
+            <a:r>
+              <a:rPr lang="en-US" dirty="0" err="1">
+                <a:latin typeface="Lucida Console"/>
+                <a:cs typeface="Lucida Console"/>
+              </a:rPr>
+              <a:t>IntSumReducer.class</a:t>
+            </a:r>
+            <a:r>
+              <a:rPr lang="en-US" dirty="0">
+                <a:latin typeface="Lucida Console"/>
+                <a:cs typeface="Lucida Console"/>
+              </a:rPr>
+              <a:t>);</a:t>
+            </a:r>
+          </a:p>
+          <a:p>
+            <a:pPr marL="0" indent="0">
+              <a:buNone/>
+            </a:pPr>
+            <a:r>
+              <a:rPr lang="en-US" dirty="0">
+                <a:latin typeface="Lucida Console"/>
+                <a:cs typeface="Lucida Console"/>
+              </a:rPr>
+              <a:t>    </a:t>
+            </a:r>
+            <a:r>
+              <a:rPr lang="en-US" dirty="0" err="1">
+                <a:latin typeface="Lucida Console"/>
+                <a:cs typeface="Lucida Console"/>
+              </a:rPr>
+              <a:t>job.setReducerClass</a:t>
+            </a:r>
+            <a:r>
+              <a:rPr lang="en-US" dirty="0">
+                <a:latin typeface="Lucida Console"/>
+                <a:cs typeface="Lucida Console"/>
+              </a:rPr>
+              <a:t>(</a:t>
+            </a:r>
+            <a:r>
+              <a:rPr lang="en-US" dirty="0" err="1">
+                <a:latin typeface="Lucida Console"/>
+                <a:cs typeface="Lucida Console"/>
+              </a:rPr>
+              <a:t>IntSumReducer.class</a:t>
+            </a:r>
+            <a:r>
+              <a:rPr lang="en-US" dirty="0">
+                <a:latin typeface="Lucida Console"/>
+                <a:cs typeface="Lucida Console"/>
+              </a:rPr>
+              <a:t>);</a:t>
+            </a:r>
+          </a:p>
+          <a:p>
+            <a:pPr marL="0" indent="0">
+              <a:buNone/>
+            </a:pPr>
+            <a:r>
+              <a:rPr lang="en-US" dirty="0">
+                <a:latin typeface="Lucida Console"/>
+                <a:cs typeface="Lucida Console"/>
+              </a:rPr>
+              <a:t>    </a:t>
+            </a:r>
+            <a:r>
+              <a:rPr lang="en-US" dirty="0" err="1">
+                <a:latin typeface="Lucida Console"/>
+                <a:cs typeface="Lucida Console"/>
+              </a:rPr>
+              <a:t>job.setOutputKeyClass</a:t>
+            </a:r>
+            <a:r>
+              <a:rPr lang="en-US" dirty="0">
+                <a:latin typeface="Lucida Console"/>
+                <a:cs typeface="Lucida Console"/>
+              </a:rPr>
+              <a:t>(</a:t>
+            </a:r>
+            <a:r>
+              <a:rPr lang="en-US" dirty="0" err="1">
+                <a:latin typeface="Lucida Console"/>
+                <a:cs typeface="Lucida Console"/>
+              </a:rPr>
+              <a:t>Text.class</a:t>
+            </a:r>
+            <a:r>
+              <a:rPr lang="en-US" dirty="0">
+                <a:latin typeface="Lucida Console"/>
+                <a:cs typeface="Lucida Console"/>
+              </a:rPr>
+              <a:t>);</a:t>
+            </a:r>
+          </a:p>
+          <a:p>
+            <a:pPr marL="0" indent="0">
+              <a:buNone/>
+            </a:pPr>
+            <a:r>
+              <a:rPr lang="en-US" dirty="0">
+                <a:latin typeface="Lucida Console"/>
+                <a:cs typeface="Lucida Console"/>
+              </a:rPr>
+              <a:t>    </a:t>
+            </a:r>
+            <a:r>
+              <a:rPr lang="en-US" dirty="0" err="1">
+                <a:latin typeface="Lucida Console"/>
+                <a:cs typeface="Lucida Console"/>
+              </a:rPr>
+              <a:t>job.setOutputValueClass</a:t>
+            </a:r>
+            <a:r>
+              <a:rPr lang="en-US" dirty="0">
+                <a:latin typeface="Lucida Console"/>
+                <a:cs typeface="Lucida Console"/>
+              </a:rPr>
+              <a:t>(</a:t>
+            </a:r>
+            <a:r>
+              <a:rPr lang="en-US" dirty="0" err="1">
+                <a:latin typeface="Lucida Console"/>
+                <a:cs typeface="Lucida Console"/>
+              </a:rPr>
+              <a:t>IntWritable.class</a:t>
+            </a:r>
+            <a:r>
+              <a:rPr lang="en-US" dirty="0">
+                <a:latin typeface="Lucida Console"/>
+                <a:cs typeface="Lucida Console"/>
+              </a:rPr>
+              <a:t>);</a:t>
+            </a:r>
+          </a:p>
+          <a:p>
+            <a:pPr marL="0" indent="0">
+              <a:buNone/>
+            </a:pPr>
+            <a:r>
+              <a:rPr lang="en-US" dirty="0">
+                <a:latin typeface="Lucida Console"/>
+                <a:cs typeface="Lucida Console"/>
+              </a:rPr>
+              <a:t>    </a:t>
+            </a:r>
+            <a:r>
+              <a:rPr lang="en-US" dirty="0" err="1">
+                <a:latin typeface="Lucida Console"/>
+                <a:cs typeface="Lucida Console"/>
+              </a:rPr>
+              <a:t>FileInputFormat.addInputPath</a:t>
+            </a:r>
+            <a:r>
+              <a:rPr lang="en-US" dirty="0">
+                <a:latin typeface="Lucida Console"/>
+                <a:cs typeface="Lucida Console"/>
+              </a:rPr>
+              <a:t>(job, new Path(</a:t>
+            </a:r>
+            <a:r>
+              <a:rPr lang="en-US" dirty="0" err="1">
+                <a:latin typeface="Lucida Console"/>
+                <a:cs typeface="Lucida Console"/>
+              </a:rPr>
+              <a:t>args</a:t>
+            </a:r>
+            <a:r>
+              <a:rPr lang="en-US" dirty="0">
+                <a:latin typeface="Lucida Console"/>
+                <a:cs typeface="Lucida Console"/>
+              </a:rPr>
+              <a:t>[0]));</a:t>
+            </a:r>
+          </a:p>
+          <a:p>
+            <a:pPr marL="0" indent="0">
+              <a:buNone/>
+            </a:pPr>
+            <a:r>
+              <a:rPr lang="en-US" dirty="0">
+                <a:latin typeface="Lucida Console"/>
+                <a:cs typeface="Lucida Console"/>
+              </a:rPr>
+              <a:t>    </a:t>
+            </a:r>
+            <a:r>
+              <a:rPr lang="en-US" dirty="0" err="1">
+                <a:latin typeface="Lucida Console"/>
+                <a:cs typeface="Lucida Console"/>
+              </a:rPr>
+              <a:t>FileOutputFormat.setOutputPath</a:t>
+            </a:r>
+            <a:r>
+              <a:rPr lang="en-US" dirty="0">
+                <a:latin typeface="Lucida Console"/>
+                <a:cs typeface="Lucida Console"/>
+              </a:rPr>
+              <a:t>(job, </a:t>
+            </a:r>
+            <a:r>
+              <a:rPr lang="en-US" sz="2900" dirty="0">
+                <a:latin typeface="Lucida Console"/>
+                <a:cs typeface="Lucida Console"/>
+              </a:rPr>
+              <a:t>new Path(</a:t>
+            </a:r>
+            <a:r>
+              <a:rPr lang="en-US" sz="2900" dirty="0" err="1">
+                <a:latin typeface="Lucida Console"/>
+                <a:cs typeface="Lucida Console"/>
+              </a:rPr>
+              <a:t>args</a:t>
+            </a:r>
+            <a:r>
+              <a:rPr lang="en-US" sz="2900" dirty="0">
+                <a:latin typeface="Lucida Console"/>
+                <a:cs typeface="Lucida Console"/>
+              </a:rPr>
+              <a:t>[1]));</a:t>
+            </a:r>
+            <a:endParaRPr lang="en-US" dirty="0">
+              <a:latin typeface="Lucida Console"/>
+              <a:cs typeface="Lucida Console"/>
+            </a:endParaRPr>
+          </a:p>
+          <a:p>
+            <a:pPr marL="0" indent="0">
+              <a:buNone/>
+            </a:pPr>
+            <a:r>
+              <a:rPr lang="en-US" dirty="0">
+                <a:latin typeface="Lucida Console"/>
+                <a:cs typeface="Lucida Console"/>
+              </a:rPr>
+              <a:t>    </a:t>
+            </a:r>
+            <a:r>
+              <a:rPr lang="en-US" dirty="0" err="1">
+                <a:latin typeface="Lucida Console"/>
+                <a:cs typeface="Lucida Console"/>
+              </a:rPr>
+              <a:t>System.exit</a:t>
+            </a:r>
+            <a:r>
+              <a:rPr lang="en-US" dirty="0">
+                <a:latin typeface="Lucida Console"/>
+                <a:cs typeface="Lucida Console"/>
+              </a:rPr>
+              <a:t>(</a:t>
+            </a:r>
+            <a:r>
+              <a:rPr lang="en-US" dirty="0" err="1">
+                <a:latin typeface="Lucida Console"/>
+                <a:cs typeface="Lucida Console"/>
+              </a:rPr>
+              <a:t>job.waitForCompletion</a:t>
+            </a:r>
+            <a:r>
+              <a:rPr lang="en-US" dirty="0">
+                <a:latin typeface="Lucida Console"/>
+                <a:cs typeface="Lucida Console"/>
+              </a:rPr>
+              <a:t>(true) ? 0 : 1);</a:t>
+            </a:r>
+          </a:p>
+          <a:p>
+            <a:pPr marL="0" indent="0">
+              <a:buNone/>
+            </a:pPr>
+            <a:r>
+              <a:rPr lang="en-US" dirty="0">
+                <a:latin typeface="Lucida Console"/>
+                <a:cs typeface="Lucida Console"/>
+              </a:rPr>
+              <a:t>  }</a:t>
+            </a:r>
+          </a:p>
+          <a:p>
+            <a:pPr marL="0" indent="0">
+              <a:buNone/>
+            </a:pPr>
+            <a:r>
+              <a:rPr lang="en-US" dirty="0">
+                <a:latin typeface="Lucida Console"/>
+                <a:cs typeface="Lucida Console"/>
+              </a:rPr>
+              <a:t>}</a:t>
+            </a:r>
+          </a:p>
+        </p:txBody>
+      </p:sp>
+    </p:spTree>
+    <p:extLst>
+      <p:ext uri="{BB962C8B-B14F-4D97-AF65-F5344CB8AC3E}">
+        <p14:creationId xmlns:p14="http://schemas.microsoft.com/office/powerpoint/2010/main" val="3524617766"/>
+      </p:ext>
+    </p:extLst>
+  </p:cSld>
+  <p:clrMapOvr>
+    <a:masterClrMapping/>
+  </p:clrMapOvr>
+</p:sld>
+</file>
+
+<file path=ppt/slides/slide37.xml><?xml version="1.0" encoding="utf-8"?>
+<p:sld xmlns:a="http://schemas.openxmlformats.org/drawingml/2006/main" xmlns:r="http://schemas.openxmlformats.org/officeDocument/2006/relationships" xmlns:p="http://schemas.openxmlformats.org/presentationml/2006/main">
+  <p:cSld>
+    <p:spTree>
+      <p:nvGrpSpPr>
+        <p:cNvPr id="1" name=""/>
+        <p:cNvGrpSpPr/>
+        <p:nvPr/>
+      </p:nvGrpSpPr>
+      <p:grpSpPr>
+        <a:xfrm>
+          <a:off x="0" y="0"/>
+          <a:ext cx="0" cy="0"/>
+          <a:chOff x="0" y="0"/>
+          <a:chExt cx="0" cy="0"/>
+        </a:xfrm>
+      </p:grpSpPr>
+      <p:sp>
+        <p:nvSpPr>
+          <p:cNvPr id="2" name="Title 1"/>
+          <p:cNvSpPr>
+            <a:spLocks noGrp="1"/>
+          </p:cNvSpPr>
+          <p:nvPr>
+            <p:ph type="title"/>
+          </p:nvPr>
+        </p:nvSpPr>
+        <p:spPr/>
+        <p:txBody>
+          <a:bodyPr/>
+          <a:lstStyle/>
+          <a:p>
+            <a:r>
+              <a:rPr lang="en-US" dirty="0" smtClean="0"/>
+              <a:t>Map Reduce in Java </a:t>
+            </a:r>
+            <a:r>
+              <a:rPr lang="en-US" dirty="0" err="1" smtClean="0"/>
+              <a:t>cont</a:t>
+            </a:r>
+            <a:endParaRPr lang="en-US" dirty="0"/>
+          </a:p>
+        </p:txBody>
+      </p:sp>
+      <p:sp>
+        <p:nvSpPr>
+          <p:cNvPr id="3" name="Content Placeholder 2"/>
+          <p:cNvSpPr>
+            <a:spLocks noGrp="1"/>
+          </p:cNvSpPr>
+          <p:nvPr>
+            <p:ph idx="1"/>
+          </p:nvPr>
+        </p:nvSpPr>
+        <p:spPr/>
+        <p:txBody>
+          <a:bodyPr/>
+          <a:lstStyle/>
+          <a:p>
+            <a:pPr marL="0" indent="0">
+              <a:buNone/>
+            </a:pPr>
+            <a:r>
+              <a:rPr lang="en-US" dirty="0"/>
+              <a:t>$ </a:t>
+            </a:r>
+            <a:r>
+              <a:rPr lang="en-US" dirty="0" smtClean="0"/>
+              <a:t>yarn jar </a:t>
+            </a:r>
+            <a:r>
+              <a:rPr lang="en-US" dirty="0" err="1"/>
+              <a:t>wc.jar</a:t>
+            </a:r>
+            <a:r>
+              <a:rPr lang="en-US" dirty="0"/>
+              <a:t> </a:t>
+            </a:r>
+            <a:endParaRPr lang="en-US" dirty="0" smtClean="0"/>
+          </a:p>
+          <a:p>
+            <a:pPr marL="0" indent="0">
+              <a:buNone/>
+            </a:pPr>
+            <a:r>
+              <a:rPr lang="en-US" dirty="0"/>
+              <a:t>	</a:t>
+            </a:r>
+            <a:r>
+              <a:rPr lang="en-US" dirty="0" err="1" smtClean="0"/>
+              <a:t>WordCount</a:t>
+            </a:r>
+            <a:r>
+              <a:rPr lang="en-US" dirty="0" smtClean="0"/>
+              <a:t> </a:t>
+            </a:r>
+          </a:p>
+          <a:p>
+            <a:pPr marL="0" indent="0">
+              <a:buNone/>
+            </a:pPr>
+            <a:r>
+              <a:rPr lang="en-US" dirty="0"/>
+              <a:t>	</a:t>
+            </a:r>
+            <a:r>
+              <a:rPr lang="en-US" dirty="0" smtClean="0"/>
+              <a:t>/</a:t>
+            </a:r>
+            <a:r>
+              <a:rPr lang="en-US" dirty="0"/>
+              <a:t>user/</a:t>
+            </a:r>
+            <a:r>
+              <a:rPr lang="en-US" dirty="0" err="1"/>
+              <a:t>joe</a:t>
+            </a:r>
+            <a:r>
+              <a:rPr lang="en-US" dirty="0"/>
+              <a:t>/</a:t>
+            </a:r>
+            <a:r>
+              <a:rPr lang="en-US" dirty="0" err="1"/>
+              <a:t>wordcount</a:t>
+            </a:r>
+            <a:r>
+              <a:rPr lang="en-US" dirty="0"/>
+              <a:t>/input </a:t>
+            </a:r>
+            <a:endParaRPr lang="en-US" dirty="0" smtClean="0"/>
+          </a:p>
+          <a:p>
+            <a:pPr marL="0" indent="0">
+              <a:buNone/>
+            </a:pPr>
+            <a:r>
+              <a:rPr lang="en-US" dirty="0"/>
+              <a:t>	</a:t>
+            </a:r>
+            <a:r>
+              <a:rPr lang="en-US" dirty="0" smtClean="0"/>
+              <a:t>/</a:t>
+            </a:r>
+            <a:r>
+              <a:rPr lang="en-US" dirty="0"/>
+              <a:t>user/</a:t>
+            </a:r>
+            <a:r>
+              <a:rPr lang="en-US" dirty="0" err="1"/>
+              <a:t>joe</a:t>
+            </a:r>
+            <a:r>
+              <a:rPr lang="en-US" dirty="0"/>
+              <a:t>/</a:t>
+            </a:r>
+            <a:r>
+              <a:rPr lang="en-US" dirty="0" err="1"/>
+              <a:t>wordcount</a:t>
+            </a:r>
+            <a:r>
+              <a:rPr lang="en-US" dirty="0"/>
+              <a:t>/output</a:t>
+            </a:r>
+          </a:p>
+        </p:txBody>
+      </p:sp>
+    </p:spTree>
+    <p:extLst>
+      <p:ext uri="{BB962C8B-B14F-4D97-AF65-F5344CB8AC3E}">
+        <p14:creationId xmlns:p14="http://schemas.microsoft.com/office/powerpoint/2010/main" val="2269781301"/>
+      </p:ext>
+    </p:extLst>
+  </p:cSld>
+  <p:clrMapOvr>
+    <a:masterClrMapping/>
+  </p:clrMapOvr>
+</p:sld>
+</file>
+
+<file path=ppt/slides/slide38.xml><?xml version="1.0" encoding="utf-8"?>
+<p:sld xmlns:a="http://schemas.openxmlformats.org/drawingml/2006/main" xmlns:r="http://schemas.openxmlformats.org/officeDocument/2006/relationships" xmlns:p="http://schemas.openxmlformats.org/presentationml/2006/main">
+  <p:cSld>
+    <p:spTree>
+      <p:nvGrpSpPr>
+        <p:cNvPr id="1" name=""/>
+        <p:cNvGrpSpPr/>
+        <p:nvPr/>
+      </p:nvGrpSpPr>
+      <p:grpSpPr>
+        <a:xfrm>
+          <a:off x="0" y="0"/>
+          <a:ext cx="0" cy="0"/>
+          <a:chOff x="0" y="0"/>
+          <a:chExt cx="0" cy="0"/>
+        </a:xfrm>
+      </p:grpSpPr>
+      <p:sp>
+        <p:nvSpPr>
+          <p:cNvPr id="2" name="Title 1"/>
+          <p:cNvSpPr>
+            <a:spLocks noGrp="1"/>
+          </p:cNvSpPr>
+          <p:nvPr>
+            <p:ph type="title"/>
+          </p:nvPr>
+        </p:nvSpPr>
+        <p:spPr/>
+        <p:txBody>
+          <a:bodyPr/>
+          <a:lstStyle/>
+          <a:p>
+            <a:r>
+              <a:rPr lang="en-US" dirty="0" smtClean="0"/>
               <a:t>Summary</a:t>
             </a:r>
             <a:endParaRPr lang="en-US" dirty="0"/>
@@ -9838,7 +10148,7 @@
 </p:sld>
 </file>
 
-<file path=ppt/slides/slide37.xml><?xml version="1.0" encoding="utf-8"?>
+<file path=ppt/slides/slide39.xml><?xml version="1.0" encoding="utf-8"?>
 <p:sld xmlns:a="http://schemas.openxmlformats.org/drawingml/2006/main" xmlns:r="http://schemas.openxmlformats.org/officeDocument/2006/relationships" xmlns:p="http://schemas.openxmlformats.org/presentationml/2006/main">
   <p:cSld>
     <p:spTree>

--- a/pres-source/05-mr-hadoop.pptx
+++ b/pres-source/05-mr-hadoop.pptx
@@ -235,7 +235,7 @@
             <a:fld id="{7307762F-A706-E543-A832-3C298AA3103F}" type="datetimeFigureOut">
               <a:rPr lang="en-US" smtClean="0"/>
               <a:pPr/>
-              <a:t>07/07/17</a:t>
+              <a:t>09/07/17</a:t>
             </a:fld>
             <a:endParaRPr lang="en-US" dirty="0"/>
           </a:p>
@@ -887,7 +887,7 @@
           <a:p>
             <a:fld id="{875CF0EB-321F-0749-B37A-89BBA859503C}" type="datetimeFigureOut">
               <a:rPr lang="en-US" smtClean="0"/>
-              <a:t>07/07/17</a:t>
+              <a:t>09/07/17</a:t>
             </a:fld>
             <a:endParaRPr lang="en-US"/>
           </a:p>
@@ -1091,7 +1091,7 @@
           <a:p>
             <a:fld id="{875CF0EB-321F-0749-B37A-89BBA859503C}" type="datetimeFigureOut">
               <a:rPr lang="en-US" smtClean="0"/>
-              <a:t>07/07/17</a:t>
+              <a:t>09/07/17</a:t>
             </a:fld>
             <a:endParaRPr lang="en-US"/>
           </a:p>
@@ -1285,7 +1285,7 @@
           <a:p>
             <a:fld id="{875CF0EB-321F-0749-B37A-89BBA859503C}" type="datetimeFigureOut">
               <a:rPr lang="en-US" smtClean="0"/>
-              <a:t>07/07/17</a:t>
+              <a:t>09/07/17</a:t>
             </a:fld>
             <a:endParaRPr lang="en-US"/>
           </a:p>
@@ -1555,7 +1555,7 @@
           <a:p>
             <a:fld id="{875CF0EB-321F-0749-B37A-89BBA859503C}" type="datetimeFigureOut">
               <a:rPr lang="en-US" smtClean="0"/>
-              <a:t>07/07/17</a:t>
+              <a:t>09/07/17</a:t>
             </a:fld>
             <a:endParaRPr lang="en-US"/>
           </a:p>
@@ -1867,7 +1867,7 @@
           <a:p>
             <a:fld id="{875CF0EB-321F-0749-B37A-89BBA859503C}" type="datetimeFigureOut">
               <a:rPr lang="en-US" smtClean="0"/>
-              <a:t>07/07/17</a:t>
+              <a:t>09/07/17</a:t>
             </a:fld>
             <a:endParaRPr lang="en-US"/>
           </a:p>
@@ -2313,7 +2313,7 @@
           <a:p>
             <a:fld id="{875CF0EB-321F-0749-B37A-89BBA859503C}" type="datetimeFigureOut">
               <a:rPr lang="en-US" smtClean="0"/>
-              <a:t>07/07/17</a:t>
+              <a:t>09/07/17</a:t>
             </a:fld>
             <a:endParaRPr lang="en-US"/>
           </a:p>
@@ -2455,7 +2455,7 @@
           <a:p>
             <a:fld id="{875CF0EB-321F-0749-B37A-89BBA859503C}" type="datetimeFigureOut">
               <a:rPr lang="en-US" smtClean="0"/>
-              <a:t>07/07/17</a:t>
+              <a:t>09/07/17</a:t>
             </a:fld>
             <a:endParaRPr lang="en-US"/>
           </a:p>
@@ -2574,7 +2574,7 @@
           <a:p>
             <a:fld id="{875CF0EB-321F-0749-B37A-89BBA859503C}" type="datetimeFigureOut">
               <a:rPr lang="en-US" smtClean="0"/>
-              <a:t>07/07/17</a:t>
+              <a:t>09/07/17</a:t>
             </a:fld>
             <a:endParaRPr lang="en-US"/>
           </a:p>
@@ -2875,7 +2875,7 @@
           <a:p>
             <a:fld id="{875CF0EB-321F-0749-B37A-89BBA859503C}" type="datetimeFigureOut">
               <a:rPr lang="en-US" smtClean="0"/>
-              <a:t>07/07/17</a:t>
+              <a:t>09/07/17</a:t>
             </a:fld>
             <a:endParaRPr lang="en-US"/>
           </a:p>
@@ -3152,7 +3152,7 @@
           <a:p>
             <a:fld id="{875CF0EB-321F-0749-B37A-89BBA859503C}" type="datetimeFigureOut">
               <a:rPr lang="en-US" smtClean="0"/>
-              <a:t>07/07/17</a:t>
+              <a:t>09/07/17</a:t>
             </a:fld>
             <a:endParaRPr lang="en-US"/>
           </a:p>
@@ -4079,7 +4079,7 @@
                 <a:ea typeface="ヒラギノ角ゴ ProN W3" charset="0"/>
                 <a:cs typeface="ヒラギノ角ゴ ProN W3" charset="0"/>
               </a:rPr>
-              <a:t>Sep 2016</a:t>
+              <a:t>July 2017</a:t>
             </a:r>
             <a:endParaRPr lang="en-US" dirty="0">
               <a:ea typeface="ヒラギノ角ゴ ProN W3" charset="0"/>

--- a/pres-source/05-mr-hadoop.pptx
+++ b/pres-source/05-mr-hadoop.pptx
@@ -235,7 +235,7 @@
             <a:fld id="{7307762F-A706-E543-A832-3C298AA3103F}" type="datetimeFigureOut">
               <a:rPr lang="en-US" smtClean="0"/>
               <a:pPr/>
-              <a:t>09/07/17</a:t>
+              <a:t>18/07/17</a:t>
             </a:fld>
             <a:endParaRPr lang="en-US" dirty="0"/>
           </a:p>
@@ -887,7 +887,7 @@
           <a:p>
             <a:fld id="{875CF0EB-321F-0749-B37A-89BBA859503C}" type="datetimeFigureOut">
               <a:rPr lang="en-US" smtClean="0"/>
-              <a:t>09/07/17</a:t>
+              <a:t>18/07/17</a:t>
             </a:fld>
             <a:endParaRPr lang="en-US"/>
           </a:p>
@@ -1091,7 +1091,7 @@
           <a:p>
             <a:fld id="{875CF0EB-321F-0749-B37A-89BBA859503C}" type="datetimeFigureOut">
               <a:rPr lang="en-US" smtClean="0"/>
-              <a:t>09/07/17</a:t>
+              <a:t>18/07/17</a:t>
             </a:fld>
             <a:endParaRPr lang="en-US"/>
           </a:p>
@@ -1285,7 +1285,7 @@
           <a:p>
             <a:fld id="{875CF0EB-321F-0749-B37A-89BBA859503C}" type="datetimeFigureOut">
               <a:rPr lang="en-US" smtClean="0"/>
-              <a:t>09/07/17</a:t>
+              <a:t>18/07/17</a:t>
             </a:fld>
             <a:endParaRPr lang="en-US"/>
           </a:p>
@@ -1555,7 +1555,7 @@
           <a:p>
             <a:fld id="{875CF0EB-321F-0749-B37A-89BBA859503C}" type="datetimeFigureOut">
               <a:rPr lang="en-US" smtClean="0"/>
-              <a:t>09/07/17</a:t>
+              <a:t>18/07/17</a:t>
             </a:fld>
             <a:endParaRPr lang="en-US"/>
           </a:p>
@@ -1867,7 +1867,7 @@
           <a:p>
             <a:fld id="{875CF0EB-321F-0749-B37A-89BBA859503C}" type="datetimeFigureOut">
               <a:rPr lang="en-US" smtClean="0"/>
-              <a:t>09/07/17</a:t>
+              <a:t>18/07/17</a:t>
             </a:fld>
             <a:endParaRPr lang="en-US"/>
           </a:p>
@@ -2313,7 +2313,7 @@
           <a:p>
             <a:fld id="{875CF0EB-321F-0749-B37A-89BBA859503C}" type="datetimeFigureOut">
               <a:rPr lang="en-US" smtClean="0"/>
-              <a:t>09/07/17</a:t>
+              <a:t>18/07/17</a:t>
             </a:fld>
             <a:endParaRPr lang="en-US"/>
           </a:p>
@@ -2455,7 +2455,7 @@
           <a:p>
             <a:fld id="{875CF0EB-321F-0749-B37A-89BBA859503C}" type="datetimeFigureOut">
               <a:rPr lang="en-US" smtClean="0"/>
-              <a:t>09/07/17</a:t>
+              <a:t>18/07/17</a:t>
             </a:fld>
             <a:endParaRPr lang="en-US"/>
           </a:p>
@@ -2574,7 +2574,7 @@
           <a:p>
             <a:fld id="{875CF0EB-321F-0749-B37A-89BBA859503C}" type="datetimeFigureOut">
               <a:rPr lang="en-US" smtClean="0"/>
-              <a:t>09/07/17</a:t>
+              <a:t>18/07/17</a:t>
             </a:fld>
             <a:endParaRPr lang="en-US"/>
           </a:p>
@@ -2875,7 +2875,7 @@
           <a:p>
             <a:fld id="{875CF0EB-321F-0749-B37A-89BBA859503C}" type="datetimeFigureOut">
               <a:rPr lang="en-US" smtClean="0"/>
-              <a:t>09/07/17</a:t>
+              <a:t>18/07/17</a:t>
             </a:fld>
             <a:endParaRPr lang="en-US"/>
           </a:p>
@@ -3152,7 +3152,7 @@
           <a:p>
             <a:fld id="{875CF0EB-321F-0749-B37A-89BBA859503C}" type="datetimeFigureOut">
               <a:rPr lang="en-US" smtClean="0"/>
-              <a:t>09/07/17</a:t>
+              <a:t>18/07/17</a:t>
             </a:fld>
             <a:endParaRPr lang="en-US"/>
           </a:p>
@@ -7622,6 +7622,13 @@
   <p:clrMapOvr>
     <a:masterClrMapping/>
   </p:clrMapOvr>
+  <p:timing>
+    <p:tnLst>
+      <p:par>
+        <p:cTn xmlns:p14="http://schemas.microsoft.com/office/powerpoint/2010/main" id="1" dur="indefinite" restart="never" nodeType="tmRoot"/>
+      </p:par>
+    </p:tnLst>
+  </p:timing>
 </p:sld>
 </file>
 
@@ -10275,6 +10282,13 @@
   <p:clrMapOvr>
     <a:masterClrMapping/>
   </p:clrMapOvr>
+  <p:timing>
+    <p:tnLst>
+      <p:par>
+        <p:cTn xmlns:p14="http://schemas.microsoft.com/office/powerpoint/2010/main" id="1" dur="indefinite" restart="never" nodeType="tmRoot"/>
+      </p:par>
+    </p:tnLst>
+  </p:timing>
 </p:sld>
 </file>
 
@@ -10479,6 +10493,13 @@
   <p:clrMapOvr>
     <a:masterClrMapping/>
   </p:clrMapOvr>
+  <p:timing>
+    <p:tnLst>
+      <p:par>
+        <p:cTn xmlns:p14="http://schemas.microsoft.com/office/powerpoint/2010/main" id="1" dur="indefinite" restart="never" nodeType="tmRoot"/>
+      </p:par>
+    </p:tnLst>
+  </p:timing>
 </p:sld>
 </file>
 
@@ -10543,7 +10564,7 @@
             </a:r>
             <a:r>
               <a:rPr lang="en-US" b="1" dirty="0" smtClean="0"/>
-              <a:t>both</a:t>
+              <a:t>one. </a:t>
             </a:r>
             <a:endParaRPr lang="en-US" dirty="0" smtClean="0"/>
           </a:p>
@@ -10564,7 +10585,7 @@
         </p:nvSpPr>
         <p:spPr>
           <a:xfrm>
-            <a:off x="1898316" y="3813426"/>
+            <a:off x="1898316" y="3934930"/>
             <a:ext cx="5160210" cy="2312737"/>
           </a:xfrm>
           <a:prstGeom prst="rect">
@@ -10658,6 +10679,13 @@
   <p:clrMapOvr>
     <a:masterClrMapping/>
   </p:clrMapOvr>
+  <p:timing>
+    <p:tnLst>
+      <p:par>
+        <p:cTn xmlns:p14="http://schemas.microsoft.com/office/powerpoint/2010/main" id="1" dur="indefinite" restart="never" nodeType="tmRoot"/>
+      </p:par>
+    </p:tnLst>
+  </p:timing>
 </p:sld>
 </file>
 
@@ -10735,6 +10763,13 @@
   <p:clrMapOvr>
     <a:masterClrMapping/>
   </p:clrMapOvr>
+  <p:timing>
+    <p:tnLst>
+      <p:par>
+        <p:cTn xmlns:p14="http://schemas.microsoft.com/office/powerpoint/2010/main" id="1" dur="indefinite" restart="never" nodeType="tmRoot"/>
+      </p:par>
+    </p:tnLst>
+  </p:timing>
 </p:sld>
 </file>
 
